--- a/software-design-evolution/presentation/software-design-evolution.pptx
+++ b/software-design-evolution/presentation/software-design-evolution.pptx
@@ -5,18 +5,25 @@
     <p:sldMasterId id="2147483660" r:id="rId1"/>
   </p:sldMasterIdLst>
   <p:notesMasterIdLst>
-    <p:notesMasterId r:id="rId11"/>
+    <p:notesMasterId r:id="rId18"/>
   </p:notesMasterIdLst>
   <p:sldIdLst>
     <p:sldId id="256" r:id="rId2"/>
     <p:sldId id="257" r:id="rId3"/>
-    <p:sldId id="263" r:id="rId4"/>
-    <p:sldId id="268" r:id="rId5"/>
-    <p:sldId id="267" r:id="rId6"/>
-    <p:sldId id="269" r:id="rId7"/>
-    <p:sldId id="270" r:id="rId8"/>
-    <p:sldId id="271" r:id="rId9"/>
-    <p:sldId id="262" r:id="rId10"/>
+    <p:sldId id="278" r:id="rId4"/>
+    <p:sldId id="279" r:id="rId5"/>
+    <p:sldId id="268" r:id="rId6"/>
+    <p:sldId id="273" r:id="rId7"/>
+    <p:sldId id="267" r:id="rId8"/>
+    <p:sldId id="277" r:id="rId9"/>
+    <p:sldId id="269" r:id="rId10"/>
+    <p:sldId id="274" r:id="rId11"/>
+    <p:sldId id="270" r:id="rId12"/>
+    <p:sldId id="272" r:id="rId13"/>
+    <p:sldId id="271" r:id="rId14"/>
+    <p:sldId id="276" r:id="rId15"/>
+    <p:sldId id="280" r:id="rId16"/>
+    <p:sldId id="262" r:id="rId17"/>
   </p:sldIdLst>
   <p:sldSz cx="9144000" cy="6858000" type="screen4x3"/>
   <p:notesSz cx="6858000" cy="9144000"/>
@@ -865,1077 +872,7 @@
 </dgm:colorsDef>
 </file>
 
-<file path=ppt/diagrams/colors2.xml><?xml version="1.0" encoding="utf-8"?>
-<dgm:colorsDef xmlns:dgm="http://schemas.openxmlformats.org/drawingml/2006/diagram" xmlns:a="http://schemas.openxmlformats.org/drawingml/2006/main" uniqueId="urn:microsoft.com/office/officeart/2005/8/colors/accent1_2">
-  <dgm:title val=""/>
-  <dgm:desc val=""/>
-  <dgm:catLst>
-    <dgm:cat type="accent1" pri="11200"/>
-  </dgm:catLst>
-  <dgm:styleLbl name="node0">
-    <dgm:fillClrLst meth="repeat">
-      <a:schemeClr val="accent1"/>
-    </dgm:fillClrLst>
-    <dgm:linClrLst meth="repeat">
-      <a:schemeClr val="lt1"/>
-    </dgm:linClrLst>
-    <dgm:effectClrLst/>
-    <dgm:txLinClrLst/>
-    <dgm:txFillClrLst/>
-    <dgm:txEffectClrLst/>
-  </dgm:styleLbl>
-  <dgm:styleLbl name="alignNode1">
-    <dgm:fillClrLst meth="repeat">
-      <a:schemeClr val="accent1"/>
-    </dgm:fillClrLst>
-    <dgm:linClrLst meth="repeat">
-      <a:schemeClr val="accent1"/>
-    </dgm:linClrLst>
-    <dgm:effectClrLst/>
-    <dgm:txLinClrLst/>
-    <dgm:txFillClrLst/>
-    <dgm:txEffectClrLst/>
-  </dgm:styleLbl>
-  <dgm:styleLbl name="node1">
-    <dgm:fillClrLst meth="repeat">
-      <a:schemeClr val="accent1"/>
-    </dgm:fillClrLst>
-    <dgm:linClrLst meth="repeat">
-      <a:schemeClr val="lt1"/>
-    </dgm:linClrLst>
-    <dgm:effectClrLst/>
-    <dgm:txLinClrLst/>
-    <dgm:txFillClrLst/>
-    <dgm:txEffectClrLst/>
-  </dgm:styleLbl>
-  <dgm:styleLbl name="lnNode1">
-    <dgm:fillClrLst meth="repeat">
-      <a:schemeClr val="accent1"/>
-    </dgm:fillClrLst>
-    <dgm:linClrLst meth="repeat">
-      <a:schemeClr val="lt1"/>
-    </dgm:linClrLst>
-    <dgm:effectClrLst/>
-    <dgm:txLinClrLst/>
-    <dgm:txFillClrLst/>
-    <dgm:txEffectClrLst/>
-  </dgm:styleLbl>
-  <dgm:styleLbl name="vennNode1">
-    <dgm:fillClrLst meth="repeat">
-      <a:schemeClr val="accent1">
-        <a:alpha val="50000"/>
-      </a:schemeClr>
-    </dgm:fillClrLst>
-    <dgm:linClrLst meth="repeat">
-      <a:schemeClr val="lt1"/>
-    </dgm:linClrLst>
-    <dgm:effectClrLst/>
-    <dgm:txLinClrLst/>
-    <dgm:txFillClrLst/>
-    <dgm:txEffectClrLst/>
-  </dgm:styleLbl>
-  <dgm:styleLbl name="node2">
-    <dgm:fillClrLst meth="repeat">
-      <a:schemeClr val="accent1"/>
-    </dgm:fillClrLst>
-    <dgm:linClrLst meth="repeat">
-      <a:schemeClr val="lt1"/>
-    </dgm:linClrLst>
-    <dgm:effectClrLst/>
-    <dgm:txLinClrLst/>
-    <dgm:txFillClrLst/>
-    <dgm:txEffectClrLst/>
-  </dgm:styleLbl>
-  <dgm:styleLbl name="node3">
-    <dgm:fillClrLst meth="repeat">
-      <a:schemeClr val="accent1"/>
-    </dgm:fillClrLst>
-    <dgm:linClrLst meth="repeat">
-      <a:schemeClr val="lt1"/>
-    </dgm:linClrLst>
-    <dgm:effectClrLst/>
-    <dgm:txLinClrLst/>
-    <dgm:txFillClrLst/>
-    <dgm:txEffectClrLst/>
-  </dgm:styleLbl>
-  <dgm:styleLbl name="node4">
-    <dgm:fillClrLst meth="repeat">
-      <a:schemeClr val="accent1"/>
-    </dgm:fillClrLst>
-    <dgm:linClrLst meth="repeat">
-      <a:schemeClr val="lt1"/>
-    </dgm:linClrLst>
-    <dgm:effectClrLst/>
-    <dgm:txLinClrLst/>
-    <dgm:txFillClrLst/>
-    <dgm:txEffectClrLst/>
-  </dgm:styleLbl>
-  <dgm:styleLbl name="fgImgPlace1">
-    <dgm:fillClrLst meth="repeat">
-      <a:schemeClr val="accent1">
-        <a:tint val="50000"/>
-      </a:schemeClr>
-    </dgm:fillClrLst>
-    <dgm:linClrLst meth="repeat">
-      <a:schemeClr val="lt1"/>
-    </dgm:linClrLst>
-    <dgm:effectClrLst/>
-    <dgm:txLinClrLst/>
-    <dgm:txFillClrLst meth="repeat">
-      <a:schemeClr val="lt1"/>
-    </dgm:txFillClrLst>
-    <dgm:txEffectClrLst/>
-  </dgm:styleLbl>
-  <dgm:styleLbl name="alignImgPlace1">
-    <dgm:fillClrLst meth="repeat">
-      <a:schemeClr val="accent1">
-        <a:tint val="50000"/>
-      </a:schemeClr>
-    </dgm:fillClrLst>
-    <dgm:linClrLst meth="repeat">
-      <a:schemeClr val="lt1"/>
-    </dgm:linClrLst>
-    <dgm:effectClrLst/>
-    <dgm:txLinClrLst/>
-    <dgm:txFillClrLst meth="repeat">
-      <a:schemeClr val="lt1"/>
-    </dgm:txFillClrLst>
-    <dgm:txEffectClrLst/>
-  </dgm:styleLbl>
-  <dgm:styleLbl name="bgImgPlace1">
-    <dgm:fillClrLst meth="repeat">
-      <a:schemeClr val="accent1">
-        <a:tint val="50000"/>
-      </a:schemeClr>
-    </dgm:fillClrLst>
-    <dgm:linClrLst meth="repeat">
-      <a:schemeClr val="lt1"/>
-    </dgm:linClrLst>
-    <dgm:effectClrLst/>
-    <dgm:txLinClrLst/>
-    <dgm:txFillClrLst meth="repeat">
-      <a:schemeClr val="lt1"/>
-    </dgm:txFillClrLst>
-    <dgm:txEffectClrLst/>
-  </dgm:styleLbl>
-  <dgm:styleLbl name="sibTrans2D1">
-    <dgm:fillClrLst meth="repeat">
-      <a:schemeClr val="accent1">
-        <a:tint val="60000"/>
-      </a:schemeClr>
-    </dgm:fillClrLst>
-    <dgm:linClrLst meth="repeat">
-      <a:schemeClr val="accent1">
-        <a:tint val="60000"/>
-      </a:schemeClr>
-    </dgm:linClrLst>
-    <dgm:effectClrLst/>
-    <dgm:txLinClrLst/>
-    <dgm:txFillClrLst/>
-    <dgm:txEffectClrLst/>
-  </dgm:styleLbl>
-  <dgm:styleLbl name="fgSibTrans2D1">
-    <dgm:fillClrLst meth="repeat">
-      <a:schemeClr val="accent1">
-        <a:tint val="60000"/>
-      </a:schemeClr>
-    </dgm:fillClrLst>
-    <dgm:linClrLst meth="repeat">
-      <a:schemeClr val="accent1">
-        <a:tint val="60000"/>
-      </a:schemeClr>
-    </dgm:linClrLst>
-    <dgm:effectClrLst/>
-    <dgm:txLinClrLst/>
-    <dgm:txFillClrLst/>
-    <dgm:txEffectClrLst/>
-  </dgm:styleLbl>
-  <dgm:styleLbl name="bgSibTrans2D1">
-    <dgm:fillClrLst meth="repeat">
-      <a:schemeClr val="accent1">
-        <a:tint val="60000"/>
-      </a:schemeClr>
-    </dgm:fillClrLst>
-    <dgm:linClrLst meth="repeat">
-      <a:schemeClr val="accent1">
-        <a:tint val="60000"/>
-      </a:schemeClr>
-    </dgm:linClrLst>
-    <dgm:effectClrLst/>
-    <dgm:txLinClrLst/>
-    <dgm:txFillClrLst/>
-    <dgm:txEffectClrLst/>
-  </dgm:styleLbl>
-  <dgm:styleLbl name="sibTrans1D1">
-    <dgm:fillClrLst meth="repeat">
-      <a:schemeClr val="accent1"/>
-    </dgm:fillClrLst>
-    <dgm:linClrLst meth="repeat">
-      <a:schemeClr val="accent1"/>
-    </dgm:linClrLst>
-    <dgm:effectClrLst/>
-    <dgm:txLinClrLst/>
-    <dgm:txFillClrLst meth="repeat">
-      <a:schemeClr val="tx1"/>
-    </dgm:txFillClrLst>
-    <dgm:txEffectClrLst/>
-  </dgm:styleLbl>
-  <dgm:styleLbl name="callout">
-    <dgm:fillClrLst meth="repeat">
-      <a:schemeClr val="accent1"/>
-    </dgm:fillClrLst>
-    <dgm:linClrLst meth="repeat">
-      <a:schemeClr val="accent1">
-        <a:tint val="50000"/>
-      </a:schemeClr>
-    </dgm:linClrLst>
-    <dgm:effectClrLst/>
-    <dgm:txLinClrLst/>
-    <dgm:txFillClrLst meth="repeat">
-      <a:schemeClr val="tx1"/>
-    </dgm:txFillClrLst>
-    <dgm:txEffectClrLst/>
-  </dgm:styleLbl>
-  <dgm:styleLbl name="asst0">
-    <dgm:fillClrLst meth="repeat">
-      <a:schemeClr val="accent1"/>
-    </dgm:fillClrLst>
-    <dgm:linClrLst meth="repeat">
-      <a:schemeClr val="lt1"/>
-    </dgm:linClrLst>
-    <dgm:effectClrLst/>
-    <dgm:txLinClrLst/>
-    <dgm:txFillClrLst/>
-    <dgm:txEffectClrLst/>
-  </dgm:styleLbl>
-  <dgm:styleLbl name="asst1">
-    <dgm:fillClrLst meth="repeat">
-      <a:schemeClr val="accent1"/>
-    </dgm:fillClrLst>
-    <dgm:linClrLst meth="repeat">
-      <a:schemeClr val="lt1"/>
-    </dgm:linClrLst>
-    <dgm:effectClrLst/>
-    <dgm:txLinClrLst/>
-    <dgm:txFillClrLst/>
-    <dgm:txEffectClrLst/>
-  </dgm:styleLbl>
-  <dgm:styleLbl name="asst2">
-    <dgm:fillClrLst meth="repeat">
-      <a:schemeClr val="accent1"/>
-    </dgm:fillClrLst>
-    <dgm:linClrLst meth="repeat">
-      <a:schemeClr val="lt1"/>
-    </dgm:linClrLst>
-    <dgm:effectClrLst/>
-    <dgm:txLinClrLst/>
-    <dgm:txFillClrLst/>
-    <dgm:txEffectClrLst/>
-  </dgm:styleLbl>
-  <dgm:styleLbl name="asst3">
-    <dgm:fillClrLst meth="repeat">
-      <a:schemeClr val="accent1"/>
-    </dgm:fillClrLst>
-    <dgm:linClrLst meth="repeat">
-      <a:schemeClr val="lt1"/>
-    </dgm:linClrLst>
-    <dgm:effectClrLst/>
-    <dgm:txLinClrLst/>
-    <dgm:txFillClrLst/>
-    <dgm:txEffectClrLst/>
-  </dgm:styleLbl>
-  <dgm:styleLbl name="asst4">
-    <dgm:fillClrLst meth="repeat">
-      <a:schemeClr val="accent1"/>
-    </dgm:fillClrLst>
-    <dgm:linClrLst meth="repeat">
-      <a:schemeClr val="lt1"/>
-    </dgm:linClrLst>
-    <dgm:effectClrLst/>
-    <dgm:txLinClrLst/>
-    <dgm:txFillClrLst/>
-    <dgm:txEffectClrLst/>
-  </dgm:styleLbl>
-  <dgm:styleLbl name="parChTrans2D1">
-    <dgm:fillClrLst meth="repeat">
-      <a:schemeClr val="accent1">
-        <a:tint val="60000"/>
-      </a:schemeClr>
-    </dgm:fillClrLst>
-    <dgm:linClrLst meth="repeat">
-      <a:schemeClr val="accent1">
-        <a:tint val="60000"/>
-      </a:schemeClr>
-    </dgm:linClrLst>
-    <dgm:effectClrLst/>
-    <dgm:txLinClrLst/>
-    <dgm:txFillClrLst meth="repeat">
-      <a:schemeClr val="lt1"/>
-    </dgm:txFillClrLst>
-    <dgm:txEffectClrLst/>
-  </dgm:styleLbl>
-  <dgm:styleLbl name="parChTrans2D2">
-    <dgm:fillClrLst meth="repeat">
-      <a:schemeClr val="accent1"/>
-    </dgm:fillClrLst>
-    <dgm:linClrLst meth="repeat">
-      <a:schemeClr val="accent1"/>
-    </dgm:linClrLst>
-    <dgm:effectClrLst/>
-    <dgm:txLinClrLst/>
-    <dgm:txFillClrLst meth="repeat">
-      <a:schemeClr val="lt1"/>
-    </dgm:txFillClrLst>
-    <dgm:txEffectClrLst/>
-  </dgm:styleLbl>
-  <dgm:styleLbl name="parChTrans2D3">
-    <dgm:fillClrLst meth="repeat">
-      <a:schemeClr val="accent1"/>
-    </dgm:fillClrLst>
-    <dgm:linClrLst meth="repeat">
-      <a:schemeClr val="accent1"/>
-    </dgm:linClrLst>
-    <dgm:effectClrLst/>
-    <dgm:txLinClrLst/>
-    <dgm:txFillClrLst meth="repeat">
-      <a:schemeClr val="lt1"/>
-    </dgm:txFillClrLst>
-    <dgm:txEffectClrLst/>
-  </dgm:styleLbl>
-  <dgm:styleLbl name="parChTrans2D4">
-    <dgm:fillClrLst meth="repeat">
-      <a:schemeClr val="accent1"/>
-    </dgm:fillClrLst>
-    <dgm:linClrLst meth="repeat">
-      <a:schemeClr val="accent1"/>
-    </dgm:linClrLst>
-    <dgm:effectClrLst/>
-    <dgm:txLinClrLst/>
-    <dgm:txFillClrLst meth="repeat">
-      <a:schemeClr val="lt1"/>
-    </dgm:txFillClrLst>
-    <dgm:txEffectClrLst/>
-  </dgm:styleLbl>
-  <dgm:styleLbl name="parChTrans1D1">
-    <dgm:fillClrLst meth="repeat">
-      <a:schemeClr val="accent1"/>
-    </dgm:fillClrLst>
-    <dgm:linClrLst meth="repeat">
-      <a:schemeClr val="accent1">
-        <a:shade val="60000"/>
-      </a:schemeClr>
-    </dgm:linClrLst>
-    <dgm:effectClrLst/>
-    <dgm:txLinClrLst/>
-    <dgm:txFillClrLst meth="repeat">
-      <a:schemeClr val="tx1"/>
-    </dgm:txFillClrLst>
-    <dgm:txEffectClrLst/>
-  </dgm:styleLbl>
-  <dgm:styleLbl name="parChTrans1D2">
-    <dgm:fillClrLst meth="repeat">
-      <a:schemeClr val="accent1"/>
-    </dgm:fillClrLst>
-    <dgm:linClrLst meth="repeat">
-      <a:schemeClr val="accent1">
-        <a:shade val="60000"/>
-      </a:schemeClr>
-    </dgm:linClrLst>
-    <dgm:effectClrLst/>
-    <dgm:txLinClrLst/>
-    <dgm:txFillClrLst meth="repeat">
-      <a:schemeClr val="tx1"/>
-    </dgm:txFillClrLst>
-    <dgm:txEffectClrLst/>
-  </dgm:styleLbl>
-  <dgm:styleLbl name="parChTrans1D3">
-    <dgm:fillClrLst meth="repeat">
-      <a:schemeClr val="accent1"/>
-    </dgm:fillClrLst>
-    <dgm:linClrLst meth="repeat">
-      <a:schemeClr val="accent1">
-        <a:shade val="80000"/>
-      </a:schemeClr>
-    </dgm:linClrLst>
-    <dgm:effectClrLst/>
-    <dgm:txLinClrLst/>
-    <dgm:txFillClrLst meth="repeat">
-      <a:schemeClr val="tx1"/>
-    </dgm:txFillClrLst>
-    <dgm:txEffectClrLst/>
-  </dgm:styleLbl>
-  <dgm:styleLbl name="parChTrans1D4">
-    <dgm:fillClrLst meth="repeat">
-      <a:schemeClr val="accent1"/>
-    </dgm:fillClrLst>
-    <dgm:linClrLst meth="repeat">
-      <a:schemeClr val="accent1">
-        <a:shade val="80000"/>
-      </a:schemeClr>
-    </dgm:linClrLst>
-    <dgm:effectClrLst/>
-    <dgm:txLinClrLst/>
-    <dgm:txFillClrLst meth="repeat">
-      <a:schemeClr val="tx1"/>
-    </dgm:txFillClrLst>
-    <dgm:txEffectClrLst/>
-  </dgm:styleLbl>
-  <dgm:styleLbl name="fgAcc1">
-    <dgm:fillClrLst meth="repeat">
-      <a:schemeClr val="lt1">
-        <a:alpha val="90000"/>
-      </a:schemeClr>
-    </dgm:fillClrLst>
-    <dgm:linClrLst meth="repeat">
-      <a:schemeClr val="accent1"/>
-    </dgm:linClrLst>
-    <dgm:effectClrLst/>
-    <dgm:txLinClrLst/>
-    <dgm:txFillClrLst meth="repeat">
-      <a:schemeClr val="dk1"/>
-    </dgm:txFillClrLst>
-    <dgm:txEffectClrLst/>
-  </dgm:styleLbl>
-  <dgm:styleLbl name="conFgAcc1">
-    <dgm:fillClrLst meth="repeat">
-      <a:schemeClr val="lt1">
-        <a:alpha val="90000"/>
-      </a:schemeClr>
-    </dgm:fillClrLst>
-    <dgm:linClrLst meth="repeat">
-      <a:schemeClr val="accent1"/>
-    </dgm:linClrLst>
-    <dgm:effectClrLst/>
-    <dgm:txLinClrLst/>
-    <dgm:txFillClrLst meth="repeat">
-      <a:schemeClr val="dk1"/>
-    </dgm:txFillClrLst>
-    <dgm:txEffectClrLst/>
-  </dgm:styleLbl>
-  <dgm:styleLbl name="alignAcc1">
-    <dgm:fillClrLst meth="repeat">
-      <a:schemeClr val="lt1">
-        <a:alpha val="90000"/>
-      </a:schemeClr>
-    </dgm:fillClrLst>
-    <dgm:linClrLst meth="repeat">
-      <a:schemeClr val="accent1"/>
-    </dgm:linClrLst>
-    <dgm:effectClrLst/>
-    <dgm:txLinClrLst/>
-    <dgm:txFillClrLst meth="repeat">
-      <a:schemeClr val="dk1"/>
-    </dgm:txFillClrLst>
-    <dgm:txEffectClrLst/>
-  </dgm:styleLbl>
-  <dgm:styleLbl name="trAlignAcc1">
-    <dgm:fillClrLst meth="repeat">
-      <a:schemeClr val="lt1">
-        <a:alpha val="40000"/>
-      </a:schemeClr>
-    </dgm:fillClrLst>
-    <dgm:linClrLst meth="repeat">
-      <a:schemeClr val="accent1"/>
-    </dgm:linClrLst>
-    <dgm:effectClrLst/>
-    <dgm:txLinClrLst/>
-    <dgm:txFillClrLst meth="repeat">
-      <a:schemeClr val="dk1"/>
-    </dgm:txFillClrLst>
-    <dgm:txEffectClrLst/>
-  </dgm:styleLbl>
-  <dgm:styleLbl name="bgAcc1">
-    <dgm:fillClrLst meth="repeat">
-      <a:schemeClr val="lt1">
-        <a:alpha val="90000"/>
-      </a:schemeClr>
-    </dgm:fillClrLst>
-    <dgm:linClrLst meth="repeat">
-      <a:schemeClr val="accent1"/>
-    </dgm:linClrLst>
-    <dgm:effectClrLst/>
-    <dgm:txLinClrLst/>
-    <dgm:txFillClrLst meth="repeat">
-      <a:schemeClr val="dk1"/>
-    </dgm:txFillClrLst>
-    <dgm:txEffectClrLst/>
-  </dgm:styleLbl>
-  <dgm:styleLbl name="solidFgAcc1">
-    <dgm:fillClrLst meth="repeat">
-      <a:schemeClr val="lt1"/>
-    </dgm:fillClrLst>
-    <dgm:linClrLst meth="repeat">
-      <a:schemeClr val="accent1"/>
-    </dgm:linClrLst>
-    <dgm:effectClrLst/>
-    <dgm:txLinClrLst/>
-    <dgm:txFillClrLst meth="repeat">
-      <a:schemeClr val="dk1"/>
-    </dgm:txFillClrLst>
-    <dgm:txEffectClrLst/>
-  </dgm:styleLbl>
-  <dgm:styleLbl name="solidAlignAcc1">
-    <dgm:fillClrLst meth="repeat">
-      <a:schemeClr val="lt1"/>
-    </dgm:fillClrLst>
-    <dgm:linClrLst meth="repeat">
-      <a:schemeClr val="accent1"/>
-    </dgm:linClrLst>
-    <dgm:effectClrLst/>
-    <dgm:txLinClrLst/>
-    <dgm:txFillClrLst meth="repeat">
-      <a:schemeClr val="dk1"/>
-    </dgm:txFillClrLst>
-    <dgm:txEffectClrLst/>
-  </dgm:styleLbl>
-  <dgm:styleLbl name="solidBgAcc1">
-    <dgm:fillClrLst meth="repeat">
-      <a:schemeClr val="lt1"/>
-    </dgm:fillClrLst>
-    <dgm:linClrLst meth="repeat">
-      <a:schemeClr val="accent1"/>
-    </dgm:linClrLst>
-    <dgm:effectClrLst/>
-    <dgm:txLinClrLst/>
-    <dgm:txFillClrLst meth="repeat">
-      <a:schemeClr val="dk1"/>
-    </dgm:txFillClrLst>
-    <dgm:txEffectClrLst/>
-  </dgm:styleLbl>
-  <dgm:styleLbl name="fgAccFollowNode1">
-    <dgm:fillClrLst meth="repeat">
-      <a:schemeClr val="accent1">
-        <a:alpha val="90000"/>
-        <a:tint val="40000"/>
-      </a:schemeClr>
-    </dgm:fillClrLst>
-    <dgm:linClrLst meth="repeat">
-      <a:schemeClr val="accent1">
-        <a:alpha val="90000"/>
-        <a:tint val="40000"/>
-      </a:schemeClr>
-    </dgm:linClrLst>
-    <dgm:effectClrLst/>
-    <dgm:txLinClrLst/>
-    <dgm:txFillClrLst meth="repeat">
-      <a:schemeClr val="dk1"/>
-    </dgm:txFillClrLst>
-    <dgm:txEffectClrLst/>
-  </dgm:styleLbl>
-  <dgm:styleLbl name="alignAccFollowNode1">
-    <dgm:fillClrLst meth="repeat">
-      <a:schemeClr val="accent1">
-        <a:alpha val="90000"/>
-        <a:tint val="40000"/>
-      </a:schemeClr>
-    </dgm:fillClrLst>
-    <dgm:linClrLst meth="repeat">
-      <a:schemeClr val="accent1">
-        <a:alpha val="90000"/>
-        <a:tint val="40000"/>
-      </a:schemeClr>
-    </dgm:linClrLst>
-    <dgm:effectClrLst/>
-    <dgm:txLinClrLst/>
-    <dgm:txFillClrLst meth="repeat">
-      <a:schemeClr val="dk1"/>
-    </dgm:txFillClrLst>
-    <dgm:txEffectClrLst/>
-  </dgm:styleLbl>
-  <dgm:styleLbl name="bgAccFollowNode1">
-    <dgm:fillClrLst meth="repeat">
-      <a:schemeClr val="accent1">
-        <a:alpha val="90000"/>
-        <a:tint val="40000"/>
-      </a:schemeClr>
-    </dgm:fillClrLst>
-    <dgm:linClrLst meth="repeat">
-      <a:schemeClr val="accent1">
-        <a:alpha val="90000"/>
-        <a:tint val="40000"/>
-      </a:schemeClr>
-    </dgm:linClrLst>
-    <dgm:effectClrLst/>
-    <dgm:txLinClrLst/>
-    <dgm:txFillClrLst meth="repeat">
-      <a:schemeClr val="dk1"/>
-    </dgm:txFillClrLst>
-    <dgm:txEffectClrLst/>
-  </dgm:styleLbl>
-  <dgm:styleLbl name="fgAcc0">
-    <dgm:fillClrLst meth="repeat">
-      <a:schemeClr val="lt1">
-        <a:alpha val="90000"/>
-      </a:schemeClr>
-    </dgm:fillClrLst>
-    <dgm:linClrLst meth="repeat">
-      <a:schemeClr val="accent1"/>
-    </dgm:linClrLst>
-    <dgm:effectClrLst/>
-    <dgm:txLinClrLst/>
-    <dgm:txFillClrLst meth="repeat">
-      <a:schemeClr val="dk1"/>
-    </dgm:txFillClrLst>
-    <dgm:txEffectClrLst/>
-  </dgm:styleLbl>
-  <dgm:styleLbl name="fgAcc2">
-    <dgm:fillClrLst meth="repeat">
-      <a:schemeClr val="lt1">
-        <a:alpha val="90000"/>
-      </a:schemeClr>
-    </dgm:fillClrLst>
-    <dgm:linClrLst meth="repeat">
-      <a:schemeClr val="accent1"/>
-    </dgm:linClrLst>
-    <dgm:effectClrLst/>
-    <dgm:txLinClrLst/>
-    <dgm:txFillClrLst meth="repeat">
-      <a:schemeClr val="dk1"/>
-    </dgm:txFillClrLst>
-    <dgm:txEffectClrLst/>
-  </dgm:styleLbl>
-  <dgm:styleLbl name="fgAcc3">
-    <dgm:fillClrLst meth="repeat">
-      <a:schemeClr val="lt1">
-        <a:alpha val="90000"/>
-      </a:schemeClr>
-    </dgm:fillClrLst>
-    <dgm:linClrLst meth="repeat">
-      <a:schemeClr val="accent1"/>
-    </dgm:linClrLst>
-    <dgm:effectClrLst/>
-    <dgm:txLinClrLst/>
-    <dgm:txFillClrLst meth="repeat">
-      <a:schemeClr val="dk1"/>
-    </dgm:txFillClrLst>
-    <dgm:txEffectClrLst/>
-  </dgm:styleLbl>
-  <dgm:styleLbl name="fgAcc4">
-    <dgm:fillClrLst meth="repeat">
-      <a:schemeClr val="lt1">
-        <a:alpha val="90000"/>
-      </a:schemeClr>
-    </dgm:fillClrLst>
-    <dgm:linClrLst meth="repeat">
-      <a:schemeClr val="accent1"/>
-    </dgm:linClrLst>
-    <dgm:effectClrLst/>
-    <dgm:txLinClrLst/>
-    <dgm:txFillClrLst meth="repeat">
-      <a:schemeClr val="dk1"/>
-    </dgm:txFillClrLst>
-    <dgm:txEffectClrLst/>
-  </dgm:styleLbl>
-  <dgm:styleLbl name="bgShp">
-    <dgm:fillClrLst meth="repeat">
-      <a:schemeClr val="accent1">
-        <a:tint val="40000"/>
-      </a:schemeClr>
-    </dgm:fillClrLst>
-    <dgm:linClrLst meth="repeat">
-      <a:schemeClr val="accent1"/>
-    </dgm:linClrLst>
-    <dgm:effectClrLst/>
-    <dgm:txLinClrLst/>
-    <dgm:txFillClrLst meth="repeat">
-      <a:schemeClr val="dk1"/>
-    </dgm:txFillClrLst>
-    <dgm:txEffectClrLst/>
-  </dgm:styleLbl>
-  <dgm:styleLbl name="dkBgShp">
-    <dgm:fillClrLst meth="repeat">
-      <a:schemeClr val="accent1">
-        <a:shade val="80000"/>
-      </a:schemeClr>
-    </dgm:fillClrLst>
-    <dgm:linClrLst meth="repeat">
-      <a:schemeClr val="accent1"/>
-    </dgm:linClrLst>
-    <dgm:effectClrLst/>
-    <dgm:txLinClrLst/>
-    <dgm:txFillClrLst meth="repeat">
-      <a:schemeClr val="lt1"/>
-    </dgm:txFillClrLst>
-    <dgm:txEffectClrLst/>
-  </dgm:styleLbl>
-  <dgm:styleLbl name="trBgShp">
-    <dgm:fillClrLst meth="repeat">
-      <a:schemeClr val="accent1">
-        <a:tint val="50000"/>
-        <a:alpha val="40000"/>
-      </a:schemeClr>
-    </dgm:fillClrLst>
-    <dgm:linClrLst meth="repeat">
-      <a:schemeClr val="accent1"/>
-    </dgm:linClrLst>
-    <dgm:effectClrLst/>
-    <dgm:txLinClrLst/>
-    <dgm:txFillClrLst meth="repeat">
-      <a:schemeClr val="lt1"/>
-    </dgm:txFillClrLst>
-    <dgm:txEffectClrLst/>
-  </dgm:styleLbl>
-  <dgm:styleLbl name="fgShp">
-    <dgm:fillClrLst meth="repeat">
-      <a:schemeClr val="accent1">
-        <a:tint val="60000"/>
-      </a:schemeClr>
-    </dgm:fillClrLst>
-    <dgm:linClrLst meth="repeat">
-      <a:schemeClr val="lt1"/>
-    </dgm:linClrLst>
-    <dgm:effectClrLst/>
-    <dgm:txLinClrLst/>
-    <dgm:txFillClrLst meth="repeat">
-      <a:schemeClr val="dk1"/>
-    </dgm:txFillClrLst>
-    <dgm:txEffectClrLst/>
-  </dgm:styleLbl>
-  <dgm:styleLbl name="revTx">
-    <dgm:fillClrLst meth="repeat">
-      <a:schemeClr val="lt1">
-        <a:alpha val="0"/>
-      </a:schemeClr>
-    </dgm:fillClrLst>
-    <dgm:linClrLst meth="repeat">
-      <a:schemeClr val="dk1">
-        <a:alpha val="0"/>
-      </a:schemeClr>
-    </dgm:linClrLst>
-    <dgm:effectClrLst/>
-    <dgm:txLinClrLst/>
-    <dgm:txFillClrLst meth="repeat">
-      <a:schemeClr val="tx1"/>
-    </dgm:txFillClrLst>
-    <dgm:txEffectClrLst/>
-  </dgm:styleLbl>
-</dgm:colorsDef>
-</file>
-
 <file path=ppt/diagrams/data1.xml><?xml version="1.0" encoding="utf-8"?>
-<dgm:dataModel xmlns:dgm="http://schemas.openxmlformats.org/drawingml/2006/diagram" xmlns:a="http://schemas.openxmlformats.org/drawingml/2006/main">
-  <dgm:ptLst>
-    <dgm:pt modelId="{891F2212-E435-4125-912D-8B9B9F0C4AD5}" type="doc">
-      <dgm:prSet loTypeId="urn:microsoft.com/office/officeart/2005/8/layout/radial1" loCatId="relationship" qsTypeId="urn:microsoft.com/office/officeart/2005/8/quickstyle/simple3" qsCatId="simple" csTypeId="urn:microsoft.com/office/officeart/2005/8/colors/accent1_2" csCatId="accent1" phldr="1"/>
-      <dgm:spPr/>
-      <dgm:t>
-        <a:bodyPr/>
-        <a:lstStyle/>
-        <a:p>
-          <a:endParaRPr lang="en-US"/>
-        </a:p>
-      </dgm:t>
-    </dgm:pt>
-    <dgm:pt modelId="{32808D8C-8F81-4050-AB49-E9E33F48F24C}">
-      <dgm:prSet phldrT="[Text]"/>
-      <dgm:spPr/>
-      <dgm:t>
-        <a:bodyPr/>
-        <a:lstStyle/>
-        <a:p>
-          <a:r>
-            <a:rPr lang="en-US" smtClean="0"/>
-            <a:t>Agile</a:t>
-          </a:r>
-          <a:endParaRPr lang="en-US" dirty="0"/>
-        </a:p>
-      </dgm:t>
-    </dgm:pt>
-    <dgm:pt modelId="{EE0C9242-C317-47A0-A8E7-BE586EF5C250}" type="parTrans" cxnId="{4E117E31-3A66-4334-A848-547F9F504786}">
-      <dgm:prSet/>
-      <dgm:spPr/>
-      <dgm:t>
-        <a:bodyPr/>
-        <a:lstStyle/>
-        <a:p>
-          <a:endParaRPr lang="en-US"/>
-        </a:p>
-      </dgm:t>
-    </dgm:pt>
-    <dgm:pt modelId="{68D211F7-9506-4C2C-A68E-AFED2FD1C2D5}" type="sibTrans" cxnId="{4E117E31-3A66-4334-A848-547F9F504786}">
-      <dgm:prSet/>
-      <dgm:spPr/>
-      <dgm:t>
-        <a:bodyPr/>
-        <a:lstStyle/>
-        <a:p>
-          <a:endParaRPr lang="en-US"/>
-        </a:p>
-      </dgm:t>
-    </dgm:pt>
-    <dgm:pt modelId="{BB10FA26-265A-4DE2-92AB-F16225D4412E}">
-      <dgm:prSet phldrT="[Text]"/>
-      <dgm:spPr/>
-      <dgm:t>
-        <a:bodyPr/>
-        <a:lstStyle/>
-        <a:p>
-          <a:r>
-            <a:rPr lang="en-US" dirty="0" smtClean="0"/>
-            <a:t>Common Language</a:t>
-          </a:r>
-          <a:endParaRPr lang="en-US" dirty="0"/>
-        </a:p>
-      </dgm:t>
-    </dgm:pt>
-    <dgm:pt modelId="{1290BB56-AD8D-44A8-AF01-1DF39169FA1E}" type="parTrans" cxnId="{80BEF8FB-6D84-4FC7-A82A-3478F3174229}">
-      <dgm:prSet/>
-      <dgm:spPr/>
-      <dgm:t>
-        <a:bodyPr/>
-        <a:lstStyle/>
-        <a:p>
-          <a:endParaRPr lang="en-US"/>
-        </a:p>
-      </dgm:t>
-    </dgm:pt>
-    <dgm:pt modelId="{0874F1B3-02C8-4F93-9EB5-D04F6473D0EA}" type="sibTrans" cxnId="{80BEF8FB-6D84-4FC7-A82A-3478F3174229}">
-      <dgm:prSet/>
-      <dgm:spPr/>
-      <dgm:t>
-        <a:bodyPr/>
-        <a:lstStyle/>
-        <a:p>
-          <a:endParaRPr lang="en-US"/>
-        </a:p>
-      </dgm:t>
-    </dgm:pt>
-    <dgm:pt modelId="{D401431F-476A-4CA0-93AB-3BF42C3A03BF}">
-      <dgm:prSet phldrT="[Text]"/>
-      <dgm:spPr/>
-      <dgm:t>
-        <a:bodyPr/>
-        <a:lstStyle/>
-        <a:p>
-          <a:r>
-            <a:rPr lang="en-US" dirty="0" smtClean="0"/>
-            <a:t>Refactoring</a:t>
-          </a:r>
-          <a:endParaRPr lang="en-US" dirty="0"/>
-        </a:p>
-      </dgm:t>
-    </dgm:pt>
-    <dgm:pt modelId="{2BD3E955-CC3B-4E65-9391-A4775F733ECD}" type="parTrans" cxnId="{C6A90EBD-14FF-47E4-BFFA-A119C2D1BFC3}">
-      <dgm:prSet/>
-      <dgm:spPr/>
-      <dgm:t>
-        <a:bodyPr/>
-        <a:lstStyle/>
-        <a:p>
-          <a:endParaRPr lang="en-US"/>
-        </a:p>
-      </dgm:t>
-    </dgm:pt>
-    <dgm:pt modelId="{A00014A5-79E3-4DF8-ACE1-198E0029886A}" type="sibTrans" cxnId="{C6A90EBD-14FF-47E4-BFFA-A119C2D1BFC3}">
-      <dgm:prSet/>
-      <dgm:spPr/>
-      <dgm:t>
-        <a:bodyPr/>
-        <a:lstStyle/>
-        <a:p>
-          <a:endParaRPr lang="en-US"/>
-        </a:p>
-      </dgm:t>
-    </dgm:pt>
-    <dgm:pt modelId="{3CD8FBFC-EBC1-4788-AE84-EB61C2A1FD7B}">
-      <dgm:prSet phldrT="[Text]"/>
-      <dgm:spPr/>
-      <dgm:t>
-        <a:bodyPr/>
-        <a:lstStyle/>
-        <a:p>
-          <a:r>
-            <a:rPr lang="en-US" dirty="0" smtClean="0"/>
-            <a:t>Pairing</a:t>
-          </a:r>
-          <a:endParaRPr lang="en-US" dirty="0"/>
-        </a:p>
-      </dgm:t>
-    </dgm:pt>
-    <dgm:pt modelId="{0893AF2A-851E-4874-96EE-BC2A424EF464}" type="parTrans" cxnId="{FC1B4F86-143A-41B4-B4DC-3A4E45E91633}">
-      <dgm:prSet/>
-      <dgm:spPr/>
-      <dgm:t>
-        <a:bodyPr/>
-        <a:lstStyle/>
-        <a:p>
-          <a:endParaRPr lang="en-US"/>
-        </a:p>
-      </dgm:t>
-    </dgm:pt>
-    <dgm:pt modelId="{89EC81FF-FECE-4AAA-BA9F-F4A676621396}" type="sibTrans" cxnId="{FC1B4F86-143A-41B4-B4DC-3A4E45E91633}">
-      <dgm:prSet/>
-      <dgm:spPr/>
-      <dgm:t>
-        <a:bodyPr/>
-        <a:lstStyle/>
-        <a:p>
-          <a:endParaRPr lang="en-US"/>
-        </a:p>
-      </dgm:t>
-    </dgm:pt>
-    <dgm:pt modelId="{BCE1C6E7-DFD2-4E8B-B50C-D81AE82368FC}">
-      <dgm:prSet phldrT="[Text]"/>
-      <dgm:spPr/>
-      <dgm:t>
-        <a:bodyPr/>
-        <a:lstStyle/>
-        <a:p>
-          <a:r>
-            <a:rPr lang="en-US" dirty="0" smtClean="0"/>
-            <a:t>TDD/BDD</a:t>
-          </a:r>
-          <a:endParaRPr lang="en-US" dirty="0"/>
-        </a:p>
-      </dgm:t>
-    </dgm:pt>
-    <dgm:pt modelId="{27A72126-10E1-418E-8E8C-DFCFDD92C3A3}" type="parTrans" cxnId="{220CB1D3-EC69-488C-A0F8-06CCD365CE8C}">
-      <dgm:prSet/>
-      <dgm:spPr/>
-      <dgm:t>
-        <a:bodyPr/>
-        <a:lstStyle/>
-        <a:p>
-          <a:endParaRPr lang="en-US"/>
-        </a:p>
-      </dgm:t>
-    </dgm:pt>
-    <dgm:pt modelId="{F60558FD-18E7-458E-8888-FDD8FEE29021}" type="sibTrans" cxnId="{220CB1D3-EC69-488C-A0F8-06CCD365CE8C}">
-      <dgm:prSet/>
-      <dgm:spPr/>
-      <dgm:t>
-        <a:bodyPr/>
-        <a:lstStyle/>
-        <a:p>
-          <a:endParaRPr lang="en-US"/>
-        </a:p>
-      </dgm:t>
-    </dgm:pt>
-    <dgm:pt modelId="{7096BAD2-739B-4706-B81C-E5A4F20C958F}" type="pres">
-      <dgm:prSet presAssocID="{891F2212-E435-4125-912D-8B9B9F0C4AD5}" presName="cycle" presStyleCnt="0">
-        <dgm:presLayoutVars>
-          <dgm:chMax val="1"/>
-          <dgm:dir/>
-          <dgm:animLvl val="ctr"/>
-          <dgm:resizeHandles val="exact"/>
-        </dgm:presLayoutVars>
-      </dgm:prSet>
-      <dgm:spPr/>
-    </dgm:pt>
-    <dgm:pt modelId="{FE31840E-C97B-42A1-AB85-D6ABDA076DDD}" type="pres">
-      <dgm:prSet presAssocID="{32808D8C-8F81-4050-AB49-E9E33F48F24C}" presName="centerShape" presStyleLbl="node0" presStyleIdx="0" presStyleCnt="1"/>
-      <dgm:spPr/>
-    </dgm:pt>
-    <dgm:pt modelId="{1A6F4086-0722-4799-914E-21F49CF79C35}" type="pres">
-      <dgm:prSet presAssocID="{1290BB56-AD8D-44A8-AF01-1DF39169FA1E}" presName="Name9" presStyleLbl="parChTrans1D2" presStyleIdx="0" presStyleCnt="4"/>
-      <dgm:spPr/>
-    </dgm:pt>
-    <dgm:pt modelId="{B11F28A8-FCF3-4AFA-AA93-FDAE7CC42B95}" type="pres">
-      <dgm:prSet presAssocID="{1290BB56-AD8D-44A8-AF01-1DF39169FA1E}" presName="connTx" presStyleLbl="parChTrans1D2" presStyleIdx="0" presStyleCnt="4"/>
-      <dgm:spPr/>
-    </dgm:pt>
-    <dgm:pt modelId="{4680DD82-8218-4AE8-936F-0B118784B2BF}" type="pres">
-      <dgm:prSet presAssocID="{BB10FA26-265A-4DE2-92AB-F16225D4412E}" presName="node" presStyleLbl="node1" presStyleIdx="0" presStyleCnt="4">
-        <dgm:presLayoutVars>
-          <dgm:bulletEnabled val="1"/>
-        </dgm:presLayoutVars>
-      </dgm:prSet>
-      <dgm:spPr/>
-    </dgm:pt>
-    <dgm:pt modelId="{33BC7212-657C-467F-A281-FA0FCD3CC67F}" type="pres">
-      <dgm:prSet presAssocID="{2BD3E955-CC3B-4E65-9391-A4775F733ECD}" presName="Name9" presStyleLbl="parChTrans1D2" presStyleIdx="1" presStyleCnt="4"/>
-      <dgm:spPr/>
-    </dgm:pt>
-    <dgm:pt modelId="{0D2F706F-7817-4E7E-896B-B97B9550905F}" type="pres">
-      <dgm:prSet presAssocID="{2BD3E955-CC3B-4E65-9391-A4775F733ECD}" presName="connTx" presStyleLbl="parChTrans1D2" presStyleIdx="1" presStyleCnt="4"/>
-      <dgm:spPr/>
-    </dgm:pt>
-    <dgm:pt modelId="{311C8A37-8073-4873-A29C-C05C780798E5}" type="pres">
-      <dgm:prSet presAssocID="{D401431F-476A-4CA0-93AB-3BF42C3A03BF}" presName="node" presStyleLbl="node1" presStyleIdx="1" presStyleCnt="4">
-        <dgm:presLayoutVars>
-          <dgm:bulletEnabled val="1"/>
-        </dgm:presLayoutVars>
-      </dgm:prSet>
-      <dgm:spPr/>
-    </dgm:pt>
-    <dgm:pt modelId="{35605BB8-6756-47AF-9BD6-1387D759E2ED}" type="pres">
-      <dgm:prSet presAssocID="{0893AF2A-851E-4874-96EE-BC2A424EF464}" presName="Name9" presStyleLbl="parChTrans1D2" presStyleIdx="2" presStyleCnt="4"/>
-      <dgm:spPr/>
-    </dgm:pt>
-    <dgm:pt modelId="{AC01CA48-6AD3-49EA-B8BF-FF90C52BC75A}" type="pres">
-      <dgm:prSet presAssocID="{0893AF2A-851E-4874-96EE-BC2A424EF464}" presName="connTx" presStyleLbl="parChTrans1D2" presStyleIdx="2" presStyleCnt="4"/>
-      <dgm:spPr/>
-    </dgm:pt>
-    <dgm:pt modelId="{6AB30D6C-3E38-432D-89A8-F166BDEA8BDA}" type="pres">
-      <dgm:prSet presAssocID="{3CD8FBFC-EBC1-4788-AE84-EB61C2A1FD7B}" presName="node" presStyleLbl="node1" presStyleIdx="2" presStyleCnt="4">
-        <dgm:presLayoutVars>
-          <dgm:bulletEnabled val="1"/>
-        </dgm:presLayoutVars>
-      </dgm:prSet>
-      <dgm:spPr/>
-    </dgm:pt>
-    <dgm:pt modelId="{3E6E8334-949A-424B-AB66-FB3C0B5F1690}" type="pres">
-      <dgm:prSet presAssocID="{27A72126-10E1-418E-8E8C-DFCFDD92C3A3}" presName="Name9" presStyleLbl="parChTrans1D2" presStyleIdx="3" presStyleCnt="4"/>
-      <dgm:spPr/>
-    </dgm:pt>
-    <dgm:pt modelId="{EE7AFB8A-AC7B-4591-8FB1-87F35E5BF25E}" type="pres">
-      <dgm:prSet presAssocID="{27A72126-10E1-418E-8E8C-DFCFDD92C3A3}" presName="connTx" presStyleLbl="parChTrans1D2" presStyleIdx="3" presStyleCnt="4"/>
-      <dgm:spPr/>
-    </dgm:pt>
-    <dgm:pt modelId="{3804797F-9A8B-495D-B6BC-8D14959040DB}" type="pres">
-      <dgm:prSet presAssocID="{BCE1C6E7-DFD2-4E8B-B50C-D81AE82368FC}" presName="node" presStyleLbl="node1" presStyleIdx="3" presStyleCnt="4">
-        <dgm:presLayoutVars>
-          <dgm:bulletEnabled val="1"/>
-        </dgm:presLayoutVars>
-      </dgm:prSet>
-      <dgm:spPr/>
-    </dgm:pt>
-  </dgm:ptLst>
-  <dgm:cxnLst>
-    <dgm:cxn modelId="{DA3EB195-CAB8-41AE-8D88-BA4BE13D46A2}" type="presOf" srcId="{0893AF2A-851E-4874-96EE-BC2A424EF464}" destId="{AC01CA48-6AD3-49EA-B8BF-FF90C52BC75A}" srcOrd="1" destOrd="0" presId="urn:microsoft.com/office/officeart/2005/8/layout/radial1"/>
-    <dgm:cxn modelId="{2EEE5DF8-1469-46D6-BA6B-987479780EB2}" type="presOf" srcId="{BB10FA26-265A-4DE2-92AB-F16225D4412E}" destId="{4680DD82-8218-4AE8-936F-0B118784B2BF}" srcOrd="0" destOrd="0" presId="urn:microsoft.com/office/officeart/2005/8/layout/radial1"/>
-    <dgm:cxn modelId="{56129137-0A2B-44EE-9600-EFD5C0DE9F2B}" type="presOf" srcId="{3CD8FBFC-EBC1-4788-AE84-EB61C2A1FD7B}" destId="{6AB30D6C-3E38-432D-89A8-F166BDEA8BDA}" srcOrd="0" destOrd="0" presId="urn:microsoft.com/office/officeart/2005/8/layout/radial1"/>
-    <dgm:cxn modelId="{5FC2273D-9D38-41BE-96C4-3F7478FBB911}" type="presOf" srcId="{D401431F-476A-4CA0-93AB-3BF42C3A03BF}" destId="{311C8A37-8073-4873-A29C-C05C780798E5}" srcOrd="0" destOrd="0" presId="urn:microsoft.com/office/officeart/2005/8/layout/radial1"/>
-    <dgm:cxn modelId="{37ABDE19-5A3D-45E9-8DF4-456AD0709CBE}" type="presOf" srcId="{1290BB56-AD8D-44A8-AF01-1DF39169FA1E}" destId="{B11F28A8-FCF3-4AFA-AA93-FDAE7CC42B95}" srcOrd="1" destOrd="0" presId="urn:microsoft.com/office/officeart/2005/8/layout/radial1"/>
-    <dgm:cxn modelId="{4985B62B-9B4E-4E43-81F7-1C764EF6CFD2}" type="presOf" srcId="{1290BB56-AD8D-44A8-AF01-1DF39169FA1E}" destId="{1A6F4086-0722-4799-914E-21F49CF79C35}" srcOrd="0" destOrd="0" presId="urn:microsoft.com/office/officeart/2005/8/layout/radial1"/>
-    <dgm:cxn modelId="{693403A0-942D-4A2E-BA58-09EAE924E566}" type="presOf" srcId="{27A72126-10E1-418E-8E8C-DFCFDD92C3A3}" destId="{EE7AFB8A-AC7B-4591-8FB1-87F35E5BF25E}" srcOrd="1" destOrd="0" presId="urn:microsoft.com/office/officeart/2005/8/layout/radial1"/>
-    <dgm:cxn modelId="{AF4846B8-D41F-46D9-8A7C-A91FC551294D}" type="presOf" srcId="{32808D8C-8F81-4050-AB49-E9E33F48F24C}" destId="{FE31840E-C97B-42A1-AB85-D6ABDA076DDD}" srcOrd="0" destOrd="0" presId="urn:microsoft.com/office/officeart/2005/8/layout/radial1"/>
-    <dgm:cxn modelId="{C6A90EBD-14FF-47E4-BFFA-A119C2D1BFC3}" srcId="{32808D8C-8F81-4050-AB49-E9E33F48F24C}" destId="{D401431F-476A-4CA0-93AB-3BF42C3A03BF}" srcOrd="1" destOrd="0" parTransId="{2BD3E955-CC3B-4E65-9391-A4775F733ECD}" sibTransId="{A00014A5-79E3-4DF8-ACE1-198E0029886A}"/>
-    <dgm:cxn modelId="{91F8DB95-2E5B-413B-ACCA-1F80C9CDDB76}" type="presOf" srcId="{2BD3E955-CC3B-4E65-9391-A4775F733ECD}" destId="{33BC7212-657C-467F-A281-FA0FCD3CC67F}" srcOrd="0" destOrd="0" presId="urn:microsoft.com/office/officeart/2005/8/layout/radial1"/>
-    <dgm:cxn modelId="{5C4A78C7-A816-4E6C-B7E0-104F9943DD04}" type="presOf" srcId="{2BD3E955-CC3B-4E65-9391-A4775F733ECD}" destId="{0D2F706F-7817-4E7E-896B-B97B9550905F}" srcOrd="1" destOrd="0" presId="urn:microsoft.com/office/officeart/2005/8/layout/radial1"/>
-    <dgm:cxn modelId="{D2BB409F-410A-4AE5-A4B2-747C766E589C}" type="presOf" srcId="{27A72126-10E1-418E-8E8C-DFCFDD92C3A3}" destId="{3E6E8334-949A-424B-AB66-FB3C0B5F1690}" srcOrd="0" destOrd="0" presId="urn:microsoft.com/office/officeart/2005/8/layout/radial1"/>
-    <dgm:cxn modelId="{36B70E49-5E8B-4F6E-AD69-2FE2E4EBC4CF}" type="presOf" srcId="{891F2212-E435-4125-912D-8B9B9F0C4AD5}" destId="{7096BAD2-739B-4706-B81C-E5A4F20C958F}" srcOrd="0" destOrd="0" presId="urn:microsoft.com/office/officeart/2005/8/layout/radial1"/>
-    <dgm:cxn modelId="{C0DA45AB-7815-4D88-B17C-8C87A6B2E19F}" type="presOf" srcId="{BCE1C6E7-DFD2-4E8B-B50C-D81AE82368FC}" destId="{3804797F-9A8B-495D-B6BC-8D14959040DB}" srcOrd="0" destOrd="0" presId="urn:microsoft.com/office/officeart/2005/8/layout/radial1"/>
-    <dgm:cxn modelId="{FC1B4F86-143A-41B4-B4DC-3A4E45E91633}" srcId="{32808D8C-8F81-4050-AB49-E9E33F48F24C}" destId="{3CD8FBFC-EBC1-4788-AE84-EB61C2A1FD7B}" srcOrd="2" destOrd="0" parTransId="{0893AF2A-851E-4874-96EE-BC2A424EF464}" sibTransId="{89EC81FF-FECE-4AAA-BA9F-F4A676621396}"/>
-    <dgm:cxn modelId="{BDF9F0AA-2F60-4635-ABCA-7A67FC367257}" type="presOf" srcId="{0893AF2A-851E-4874-96EE-BC2A424EF464}" destId="{35605BB8-6756-47AF-9BD6-1387D759E2ED}" srcOrd="0" destOrd="0" presId="urn:microsoft.com/office/officeart/2005/8/layout/radial1"/>
-    <dgm:cxn modelId="{4E117E31-3A66-4334-A848-547F9F504786}" srcId="{891F2212-E435-4125-912D-8B9B9F0C4AD5}" destId="{32808D8C-8F81-4050-AB49-E9E33F48F24C}" srcOrd="0" destOrd="0" parTransId="{EE0C9242-C317-47A0-A8E7-BE586EF5C250}" sibTransId="{68D211F7-9506-4C2C-A68E-AFED2FD1C2D5}"/>
-    <dgm:cxn modelId="{220CB1D3-EC69-488C-A0F8-06CCD365CE8C}" srcId="{32808D8C-8F81-4050-AB49-E9E33F48F24C}" destId="{BCE1C6E7-DFD2-4E8B-B50C-D81AE82368FC}" srcOrd="3" destOrd="0" parTransId="{27A72126-10E1-418E-8E8C-DFCFDD92C3A3}" sibTransId="{F60558FD-18E7-458E-8888-FDD8FEE29021}"/>
-    <dgm:cxn modelId="{80BEF8FB-6D84-4FC7-A82A-3478F3174229}" srcId="{32808D8C-8F81-4050-AB49-E9E33F48F24C}" destId="{BB10FA26-265A-4DE2-92AB-F16225D4412E}" srcOrd="0" destOrd="0" parTransId="{1290BB56-AD8D-44A8-AF01-1DF39169FA1E}" sibTransId="{0874F1B3-02C8-4F93-9EB5-D04F6473D0EA}"/>
-    <dgm:cxn modelId="{A54517AD-27E0-4335-B56A-1876A88E90AB}" type="presParOf" srcId="{7096BAD2-739B-4706-B81C-E5A4F20C958F}" destId="{FE31840E-C97B-42A1-AB85-D6ABDA076DDD}" srcOrd="0" destOrd="0" presId="urn:microsoft.com/office/officeart/2005/8/layout/radial1"/>
-    <dgm:cxn modelId="{D9289827-28F0-4213-B0A9-DFA6D6C33F80}" type="presParOf" srcId="{7096BAD2-739B-4706-B81C-E5A4F20C958F}" destId="{1A6F4086-0722-4799-914E-21F49CF79C35}" srcOrd="1" destOrd="0" presId="urn:microsoft.com/office/officeart/2005/8/layout/radial1"/>
-    <dgm:cxn modelId="{19727E63-9588-4448-B26B-E8B2E38BE480}" type="presParOf" srcId="{1A6F4086-0722-4799-914E-21F49CF79C35}" destId="{B11F28A8-FCF3-4AFA-AA93-FDAE7CC42B95}" srcOrd="0" destOrd="0" presId="urn:microsoft.com/office/officeart/2005/8/layout/radial1"/>
-    <dgm:cxn modelId="{DCE69AFF-A551-4330-9D23-1313E3A1FF9E}" type="presParOf" srcId="{7096BAD2-739B-4706-B81C-E5A4F20C958F}" destId="{4680DD82-8218-4AE8-936F-0B118784B2BF}" srcOrd="2" destOrd="0" presId="urn:microsoft.com/office/officeart/2005/8/layout/radial1"/>
-    <dgm:cxn modelId="{EDAA63FD-9F77-46A9-9C06-57713726D8B7}" type="presParOf" srcId="{7096BAD2-739B-4706-B81C-E5A4F20C958F}" destId="{33BC7212-657C-467F-A281-FA0FCD3CC67F}" srcOrd="3" destOrd="0" presId="urn:microsoft.com/office/officeart/2005/8/layout/radial1"/>
-    <dgm:cxn modelId="{76DE78B7-D308-4E9E-A270-939CE04F99C4}" type="presParOf" srcId="{33BC7212-657C-467F-A281-FA0FCD3CC67F}" destId="{0D2F706F-7817-4E7E-896B-B97B9550905F}" srcOrd="0" destOrd="0" presId="urn:microsoft.com/office/officeart/2005/8/layout/radial1"/>
-    <dgm:cxn modelId="{2C35CC95-6AC2-4B06-93F2-EA3F4D5D871F}" type="presParOf" srcId="{7096BAD2-739B-4706-B81C-E5A4F20C958F}" destId="{311C8A37-8073-4873-A29C-C05C780798E5}" srcOrd="4" destOrd="0" presId="urn:microsoft.com/office/officeart/2005/8/layout/radial1"/>
-    <dgm:cxn modelId="{A620850C-A965-4272-9EF2-8FF5D87001C7}" type="presParOf" srcId="{7096BAD2-739B-4706-B81C-E5A4F20C958F}" destId="{35605BB8-6756-47AF-9BD6-1387D759E2ED}" srcOrd="5" destOrd="0" presId="urn:microsoft.com/office/officeart/2005/8/layout/radial1"/>
-    <dgm:cxn modelId="{ABF3DF8E-9D1C-49A0-B43D-3E11072AC417}" type="presParOf" srcId="{35605BB8-6756-47AF-9BD6-1387D759E2ED}" destId="{AC01CA48-6AD3-49EA-B8BF-FF90C52BC75A}" srcOrd="0" destOrd="0" presId="urn:microsoft.com/office/officeart/2005/8/layout/radial1"/>
-    <dgm:cxn modelId="{6346A1B8-5A16-45D3-AA89-F0276A7ECE5B}" type="presParOf" srcId="{7096BAD2-739B-4706-B81C-E5A4F20C958F}" destId="{6AB30D6C-3E38-432D-89A8-F166BDEA8BDA}" srcOrd="6" destOrd="0" presId="urn:microsoft.com/office/officeart/2005/8/layout/radial1"/>
-    <dgm:cxn modelId="{EDD10796-C4FE-4183-A876-BE80B792D4C5}" type="presParOf" srcId="{7096BAD2-739B-4706-B81C-E5A4F20C958F}" destId="{3E6E8334-949A-424B-AB66-FB3C0B5F1690}" srcOrd="7" destOrd="0" presId="urn:microsoft.com/office/officeart/2005/8/layout/radial1"/>
-    <dgm:cxn modelId="{F5C77E04-FAA6-423A-9F14-02B5A5AD267C}" type="presParOf" srcId="{3E6E8334-949A-424B-AB66-FB3C0B5F1690}" destId="{EE7AFB8A-AC7B-4591-8FB1-87F35E5BF25E}" srcOrd="0" destOrd="0" presId="urn:microsoft.com/office/officeart/2005/8/layout/radial1"/>
-    <dgm:cxn modelId="{147099BE-3988-4138-ACC0-32D3D0F73E1A}" type="presParOf" srcId="{7096BAD2-739B-4706-B81C-E5A4F20C958F}" destId="{3804797F-9A8B-495D-B6BC-8D14959040DB}" srcOrd="8" destOrd="0" presId="urn:microsoft.com/office/officeart/2005/8/layout/radial1"/>
-  </dgm:cxnLst>
-  <dgm:bg/>
-  <dgm:whole/>
-  <dgm:extLst>
-    <a:ext uri="http://schemas.microsoft.com/office/drawing/2008/diagram">
-      <dsp:dataModelExt xmlns:dsp="http://schemas.microsoft.com/office/drawing/2008/diagram" xmlns="" relId="rId6" minVer="http://schemas.openxmlformats.org/drawingml/2006/diagram"/>
-    </a:ext>
-  </dgm:extLst>
-</dgm:dataModel>
-</file>
-
-<file path=ppt/diagrams/data2.xml><?xml version="1.0" encoding="utf-8"?>
 <dgm:dataModel xmlns:dgm="http://schemas.openxmlformats.org/drawingml/2006/diagram" xmlns:a="http://schemas.openxmlformats.org/drawingml/2006/main">
   <dgm:ptLst>
     <dgm:pt modelId="{891F2212-E435-4125-912D-8B9B9F0C4AD5}" type="doc">
@@ -2038,7 +975,7 @@
         <a:p>
           <a:r>
             <a:rPr lang="en-US" dirty="0" smtClean="0"/>
-            <a:t>Domain</a:t>
+            <a:t>Emergent Design</a:t>
           </a:r>
           <a:endParaRPr lang="en-US" dirty="0"/>
         </a:p>
@@ -2140,6 +1077,43 @@
         </a:p>
       </dgm:t>
     </dgm:pt>
+    <dgm:pt modelId="{3E27024A-C033-423C-8C66-B67E582494DD}">
+      <dgm:prSet phldrT="[Text]"/>
+      <dgm:spPr/>
+      <dgm:t>
+        <a:bodyPr/>
+        <a:lstStyle/>
+        <a:p>
+          <a:r>
+            <a:rPr lang="en-US" dirty="0" smtClean="0"/>
+            <a:t>Domain Model</a:t>
+          </a:r>
+          <a:endParaRPr lang="en-US" dirty="0"/>
+        </a:p>
+      </dgm:t>
+    </dgm:pt>
+    <dgm:pt modelId="{93B0422B-675C-4A44-98F1-98A2EF3849DC}" type="parTrans" cxnId="{AE936336-8455-44C4-9895-4F84ADE1A2AB}">
+      <dgm:prSet/>
+      <dgm:spPr/>
+      <dgm:t>
+        <a:bodyPr/>
+        <a:lstStyle/>
+        <a:p>
+          <a:endParaRPr lang="en-US"/>
+        </a:p>
+      </dgm:t>
+    </dgm:pt>
+    <dgm:pt modelId="{D3F4C9A6-91FA-40FF-9FB2-CD6C2A95F518}" type="sibTrans" cxnId="{AE936336-8455-44C4-9895-4F84ADE1A2AB}">
+      <dgm:prSet/>
+      <dgm:spPr/>
+      <dgm:t>
+        <a:bodyPr/>
+        <a:lstStyle/>
+        <a:p>
+          <a:endParaRPr lang="en-US"/>
+        </a:p>
+      </dgm:t>
+    </dgm:pt>
     <dgm:pt modelId="{7096BAD2-739B-4706-B81C-E5A4F20C958F}" type="pres">
       <dgm:prSet presAssocID="{891F2212-E435-4125-912D-8B9B9F0C4AD5}" presName="cycle" presStyleCnt="0">
         <dgm:presLayoutVars>
@@ -2150,21 +1124,49 @@
         </dgm:presLayoutVars>
       </dgm:prSet>
       <dgm:spPr/>
+      <dgm:t>
+        <a:bodyPr/>
+        <a:lstStyle/>
+        <a:p>
+          <a:endParaRPr lang="en-US"/>
+        </a:p>
+      </dgm:t>
     </dgm:pt>
     <dgm:pt modelId="{FE31840E-C97B-42A1-AB85-D6ABDA076DDD}" type="pres">
       <dgm:prSet presAssocID="{32808D8C-8F81-4050-AB49-E9E33F48F24C}" presName="centerShape" presStyleLbl="node0" presStyleIdx="0" presStyleCnt="1" custScaleX="125380" custScaleY="129704"/>
       <dgm:spPr/>
+      <dgm:t>
+        <a:bodyPr/>
+        <a:lstStyle/>
+        <a:p>
+          <a:endParaRPr lang="en-US"/>
+        </a:p>
+      </dgm:t>
     </dgm:pt>
     <dgm:pt modelId="{1A6F4086-0722-4799-914E-21F49CF79C35}" type="pres">
-      <dgm:prSet presAssocID="{1290BB56-AD8D-44A8-AF01-1DF39169FA1E}" presName="Name9" presStyleLbl="parChTrans1D2" presStyleIdx="0" presStyleCnt="4"/>
+      <dgm:prSet presAssocID="{1290BB56-AD8D-44A8-AF01-1DF39169FA1E}" presName="Name9" presStyleLbl="parChTrans1D2" presStyleIdx="0" presStyleCnt="5"/>
       <dgm:spPr/>
+      <dgm:t>
+        <a:bodyPr/>
+        <a:lstStyle/>
+        <a:p>
+          <a:endParaRPr lang="en-US"/>
+        </a:p>
+      </dgm:t>
     </dgm:pt>
     <dgm:pt modelId="{B11F28A8-FCF3-4AFA-AA93-FDAE7CC42B95}" type="pres">
-      <dgm:prSet presAssocID="{1290BB56-AD8D-44A8-AF01-1DF39169FA1E}" presName="connTx" presStyleLbl="parChTrans1D2" presStyleIdx="0" presStyleCnt="4"/>
+      <dgm:prSet presAssocID="{1290BB56-AD8D-44A8-AF01-1DF39169FA1E}" presName="connTx" presStyleLbl="parChTrans1D2" presStyleIdx="0" presStyleCnt="5"/>
       <dgm:spPr/>
+      <dgm:t>
+        <a:bodyPr/>
+        <a:lstStyle/>
+        <a:p>
+          <a:endParaRPr lang="en-US"/>
+        </a:p>
+      </dgm:t>
     </dgm:pt>
     <dgm:pt modelId="{4680DD82-8218-4AE8-936F-0B118784B2BF}" type="pres">
-      <dgm:prSet presAssocID="{BB10FA26-265A-4DE2-92AB-F16225D4412E}" presName="node" presStyleLbl="node1" presStyleIdx="0" presStyleCnt="4">
+      <dgm:prSet presAssocID="{BB10FA26-265A-4DE2-92AB-F16225D4412E}" presName="node" presStyleLbl="node1" presStyleIdx="0" presStyleCnt="5">
         <dgm:presLayoutVars>
           <dgm:bulletEnabled val="1"/>
         </dgm:presLayoutVars>
@@ -2179,31 +1181,66 @@
       </dgm:t>
     </dgm:pt>
     <dgm:pt modelId="{33BC7212-657C-467F-A281-FA0FCD3CC67F}" type="pres">
-      <dgm:prSet presAssocID="{2BD3E955-CC3B-4E65-9391-A4775F733ECD}" presName="Name9" presStyleLbl="parChTrans1D2" presStyleIdx="1" presStyleCnt="4"/>
+      <dgm:prSet presAssocID="{2BD3E955-CC3B-4E65-9391-A4775F733ECD}" presName="Name9" presStyleLbl="parChTrans1D2" presStyleIdx="1" presStyleCnt="5"/>
       <dgm:spPr/>
+      <dgm:t>
+        <a:bodyPr/>
+        <a:lstStyle/>
+        <a:p>
+          <a:endParaRPr lang="en-US"/>
+        </a:p>
+      </dgm:t>
     </dgm:pt>
     <dgm:pt modelId="{0D2F706F-7817-4E7E-896B-B97B9550905F}" type="pres">
-      <dgm:prSet presAssocID="{2BD3E955-CC3B-4E65-9391-A4775F733ECD}" presName="connTx" presStyleLbl="parChTrans1D2" presStyleIdx="1" presStyleCnt="4"/>
+      <dgm:prSet presAssocID="{2BD3E955-CC3B-4E65-9391-A4775F733ECD}" presName="connTx" presStyleLbl="parChTrans1D2" presStyleIdx="1" presStyleCnt="5"/>
       <dgm:spPr/>
+      <dgm:t>
+        <a:bodyPr/>
+        <a:lstStyle/>
+        <a:p>
+          <a:endParaRPr lang="en-US"/>
+        </a:p>
+      </dgm:t>
     </dgm:pt>
     <dgm:pt modelId="{311C8A37-8073-4873-A29C-C05C780798E5}" type="pres">
-      <dgm:prSet presAssocID="{D401431F-476A-4CA0-93AB-3BF42C3A03BF}" presName="node" presStyleLbl="node1" presStyleIdx="1" presStyleCnt="4">
+      <dgm:prSet presAssocID="{D401431F-476A-4CA0-93AB-3BF42C3A03BF}" presName="node" presStyleLbl="node1" presStyleIdx="1" presStyleCnt="5">
         <dgm:presLayoutVars>
           <dgm:bulletEnabled val="1"/>
         </dgm:presLayoutVars>
       </dgm:prSet>
       <dgm:spPr/>
+      <dgm:t>
+        <a:bodyPr/>
+        <a:lstStyle/>
+        <a:p>
+          <a:endParaRPr lang="en-US"/>
+        </a:p>
+      </dgm:t>
     </dgm:pt>
     <dgm:pt modelId="{35605BB8-6756-47AF-9BD6-1387D759E2ED}" type="pres">
-      <dgm:prSet presAssocID="{0893AF2A-851E-4874-96EE-BC2A424EF464}" presName="Name9" presStyleLbl="parChTrans1D2" presStyleIdx="2" presStyleCnt="4"/>
+      <dgm:prSet presAssocID="{0893AF2A-851E-4874-96EE-BC2A424EF464}" presName="Name9" presStyleLbl="parChTrans1D2" presStyleIdx="2" presStyleCnt="5"/>
       <dgm:spPr/>
+      <dgm:t>
+        <a:bodyPr/>
+        <a:lstStyle/>
+        <a:p>
+          <a:endParaRPr lang="en-US"/>
+        </a:p>
+      </dgm:t>
     </dgm:pt>
     <dgm:pt modelId="{AC01CA48-6AD3-49EA-B8BF-FF90C52BC75A}" type="pres">
-      <dgm:prSet presAssocID="{0893AF2A-851E-4874-96EE-BC2A424EF464}" presName="connTx" presStyleLbl="parChTrans1D2" presStyleIdx="2" presStyleCnt="4"/>
+      <dgm:prSet presAssocID="{0893AF2A-851E-4874-96EE-BC2A424EF464}" presName="connTx" presStyleLbl="parChTrans1D2" presStyleIdx="2" presStyleCnt="5"/>
       <dgm:spPr/>
+      <dgm:t>
+        <a:bodyPr/>
+        <a:lstStyle/>
+        <a:p>
+          <a:endParaRPr lang="en-US"/>
+        </a:p>
+      </dgm:t>
     </dgm:pt>
     <dgm:pt modelId="{6AB30D6C-3E38-432D-89A8-F166BDEA8BDA}" type="pres">
-      <dgm:prSet presAssocID="{3CD8FBFC-EBC1-4788-AE84-EB61C2A1FD7B}" presName="node" presStyleLbl="node1" presStyleIdx="2" presStyleCnt="4">
+      <dgm:prSet presAssocID="{3CD8FBFC-EBC1-4788-AE84-EB61C2A1FD7B}" presName="node" presStyleLbl="node1" presStyleIdx="2" presStyleCnt="5">
         <dgm:presLayoutVars>
           <dgm:bulletEnabled val="1"/>
         </dgm:presLayoutVars>
@@ -2218,15 +1255,66 @@
       </dgm:t>
     </dgm:pt>
     <dgm:pt modelId="{3E6E8334-949A-424B-AB66-FB3C0B5F1690}" type="pres">
-      <dgm:prSet presAssocID="{27A72126-10E1-418E-8E8C-DFCFDD92C3A3}" presName="Name9" presStyleLbl="parChTrans1D2" presStyleIdx="3" presStyleCnt="4"/>
+      <dgm:prSet presAssocID="{27A72126-10E1-418E-8E8C-DFCFDD92C3A3}" presName="Name9" presStyleLbl="parChTrans1D2" presStyleIdx="3" presStyleCnt="5"/>
       <dgm:spPr/>
+      <dgm:t>
+        <a:bodyPr/>
+        <a:lstStyle/>
+        <a:p>
+          <a:endParaRPr lang="en-US"/>
+        </a:p>
+      </dgm:t>
     </dgm:pt>
     <dgm:pt modelId="{EE7AFB8A-AC7B-4591-8FB1-87F35E5BF25E}" type="pres">
-      <dgm:prSet presAssocID="{27A72126-10E1-418E-8E8C-DFCFDD92C3A3}" presName="connTx" presStyleLbl="parChTrans1D2" presStyleIdx="3" presStyleCnt="4"/>
+      <dgm:prSet presAssocID="{27A72126-10E1-418E-8E8C-DFCFDD92C3A3}" presName="connTx" presStyleLbl="parChTrans1D2" presStyleIdx="3" presStyleCnt="5"/>
       <dgm:spPr/>
+      <dgm:t>
+        <a:bodyPr/>
+        <a:lstStyle/>
+        <a:p>
+          <a:endParaRPr lang="en-US"/>
+        </a:p>
+      </dgm:t>
     </dgm:pt>
     <dgm:pt modelId="{3804797F-9A8B-495D-B6BC-8D14959040DB}" type="pres">
-      <dgm:prSet presAssocID="{BCE1C6E7-DFD2-4E8B-B50C-D81AE82368FC}" presName="node" presStyleLbl="node1" presStyleIdx="3" presStyleCnt="4">
+      <dgm:prSet presAssocID="{BCE1C6E7-DFD2-4E8B-B50C-D81AE82368FC}" presName="node" presStyleLbl="node1" presStyleIdx="3" presStyleCnt="5">
+        <dgm:presLayoutVars>
+          <dgm:bulletEnabled val="1"/>
+        </dgm:presLayoutVars>
+      </dgm:prSet>
+      <dgm:spPr/>
+      <dgm:t>
+        <a:bodyPr/>
+        <a:lstStyle/>
+        <a:p>
+          <a:endParaRPr lang="en-US"/>
+        </a:p>
+      </dgm:t>
+    </dgm:pt>
+    <dgm:pt modelId="{21D9DE24-5E9E-41D5-ADC1-2A4A95EE842D}" type="pres">
+      <dgm:prSet presAssocID="{93B0422B-675C-4A44-98F1-98A2EF3849DC}" presName="Name9" presStyleLbl="parChTrans1D2" presStyleIdx="4" presStyleCnt="5"/>
+      <dgm:spPr/>
+      <dgm:t>
+        <a:bodyPr/>
+        <a:lstStyle/>
+        <a:p>
+          <a:endParaRPr lang="en-US"/>
+        </a:p>
+      </dgm:t>
+    </dgm:pt>
+    <dgm:pt modelId="{96975BC3-D1D3-48B0-8379-599644A372D1}" type="pres">
+      <dgm:prSet presAssocID="{93B0422B-675C-4A44-98F1-98A2EF3849DC}" presName="connTx" presStyleLbl="parChTrans1D2" presStyleIdx="4" presStyleCnt="5"/>
+      <dgm:spPr/>
+      <dgm:t>
+        <a:bodyPr/>
+        <a:lstStyle/>
+        <a:p>
+          <a:endParaRPr lang="en-US"/>
+        </a:p>
+      </dgm:t>
+    </dgm:pt>
+    <dgm:pt modelId="{C16832CE-8769-4C72-B96D-32484FDFBFD1}" type="pres">
+      <dgm:prSet presAssocID="{3E27024A-C033-423C-8C66-B67E582494DD}" presName="node" presStyleLbl="node1" presStyleIdx="4" presStyleCnt="5">
         <dgm:presLayoutVars>
           <dgm:bulletEnabled val="1"/>
         </dgm:presLayoutVars>
@@ -2244,14 +1332,17 @@
   <dgm:cxnLst>
     <dgm:cxn modelId="{92802A6F-E552-4B20-BC76-29DCE96D3434}" type="presOf" srcId="{3CD8FBFC-EBC1-4788-AE84-EB61C2A1FD7B}" destId="{6AB30D6C-3E38-432D-89A8-F166BDEA8BDA}" srcOrd="0" destOrd="0" presId="urn:microsoft.com/office/officeart/2005/8/layout/radial1"/>
     <dgm:cxn modelId="{F937E715-1D41-424E-BBBA-553D2CB4CC66}" type="presOf" srcId="{32808D8C-8F81-4050-AB49-E9E33F48F24C}" destId="{FE31840E-C97B-42A1-AB85-D6ABDA076DDD}" srcOrd="0" destOrd="0" presId="urn:microsoft.com/office/officeart/2005/8/layout/radial1"/>
+    <dgm:cxn modelId="{10EA0D02-82E6-47FB-A786-306D06B1D7EA}" type="presOf" srcId="{27A72126-10E1-418E-8E8C-DFCFDD92C3A3}" destId="{3E6E8334-949A-424B-AB66-FB3C0B5F1690}" srcOrd="0" destOrd="0" presId="urn:microsoft.com/office/officeart/2005/8/layout/radial1"/>
     <dgm:cxn modelId="{AC0C918D-38A3-488C-AD11-35FB34066E5E}" type="presOf" srcId="{891F2212-E435-4125-912D-8B9B9F0C4AD5}" destId="{7096BAD2-739B-4706-B81C-E5A4F20C958F}" srcOrd="0" destOrd="0" presId="urn:microsoft.com/office/officeart/2005/8/layout/radial1"/>
-    <dgm:cxn modelId="{10EA0D02-82E6-47FB-A786-306D06B1D7EA}" type="presOf" srcId="{27A72126-10E1-418E-8E8C-DFCFDD92C3A3}" destId="{3E6E8334-949A-424B-AB66-FB3C0B5F1690}" srcOrd="0" destOrd="0" presId="urn:microsoft.com/office/officeart/2005/8/layout/radial1"/>
     <dgm:cxn modelId="{324EA532-EFF2-45A6-81A0-16392E4C26E8}" type="presOf" srcId="{27A72126-10E1-418E-8E8C-DFCFDD92C3A3}" destId="{EE7AFB8A-AC7B-4591-8FB1-87F35E5BF25E}" srcOrd="1" destOrd="0" presId="urn:microsoft.com/office/officeart/2005/8/layout/radial1"/>
+    <dgm:cxn modelId="{6EFE9FD2-4305-4D8A-92FA-327FA6B6A531}" type="presOf" srcId="{3E27024A-C033-423C-8C66-B67E582494DD}" destId="{C16832CE-8769-4C72-B96D-32484FDFBFD1}" srcOrd="0" destOrd="0" presId="urn:microsoft.com/office/officeart/2005/8/layout/radial1"/>
     <dgm:cxn modelId="{83DCA511-D69F-4D93-BFB8-FE9BEF5AC2E2}" type="presOf" srcId="{BB10FA26-265A-4DE2-92AB-F16225D4412E}" destId="{4680DD82-8218-4AE8-936F-0B118784B2BF}" srcOrd="0" destOrd="0" presId="urn:microsoft.com/office/officeart/2005/8/layout/radial1"/>
     <dgm:cxn modelId="{CF466279-8273-4162-8C83-1F567CCE68ED}" type="presOf" srcId="{D401431F-476A-4CA0-93AB-3BF42C3A03BF}" destId="{311C8A37-8073-4873-A29C-C05C780798E5}" srcOrd="0" destOrd="0" presId="urn:microsoft.com/office/officeart/2005/8/layout/radial1"/>
     <dgm:cxn modelId="{42365F71-E59F-4D1D-B9D0-3F9C3DC4F6D0}" type="presOf" srcId="{0893AF2A-851E-4874-96EE-BC2A424EF464}" destId="{AC01CA48-6AD3-49EA-B8BF-FF90C52BC75A}" srcOrd="1" destOrd="0" presId="urn:microsoft.com/office/officeart/2005/8/layout/radial1"/>
     <dgm:cxn modelId="{3A3B3B69-F22A-49C4-915B-514B1BCFC2D0}" type="presOf" srcId="{2BD3E955-CC3B-4E65-9391-A4775F733ECD}" destId="{33BC7212-657C-467F-A281-FA0FCD3CC67F}" srcOrd="0" destOrd="0" presId="urn:microsoft.com/office/officeart/2005/8/layout/radial1"/>
     <dgm:cxn modelId="{C6A90EBD-14FF-47E4-BFFA-A119C2D1BFC3}" srcId="{32808D8C-8F81-4050-AB49-E9E33F48F24C}" destId="{D401431F-476A-4CA0-93AB-3BF42C3A03BF}" srcOrd="1" destOrd="0" parTransId="{2BD3E955-CC3B-4E65-9391-A4775F733ECD}" sibTransId="{A00014A5-79E3-4DF8-ACE1-198E0029886A}"/>
+    <dgm:cxn modelId="{FC83D87B-9840-47F6-9B87-657CE4E11B34}" type="presOf" srcId="{93B0422B-675C-4A44-98F1-98A2EF3849DC}" destId="{21D9DE24-5E9E-41D5-ADC1-2A4A95EE842D}" srcOrd="0" destOrd="0" presId="urn:microsoft.com/office/officeart/2005/8/layout/radial1"/>
+    <dgm:cxn modelId="{24528F95-A77B-4F3A-A46A-220407FB7E75}" type="presOf" srcId="{93B0422B-675C-4A44-98F1-98A2EF3849DC}" destId="{96975BC3-D1D3-48B0-8379-599644A372D1}" srcOrd="1" destOrd="0" presId="urn:microsoft.com/office/officeart/2005/8/layout/radial1"/>
     <dgm:cxn modelId="{E83AD87B-1096-4A24-AB7A-8EFDA5ACE181}" type="presOf" srcId="{BCE1C6E7-DFD2-4E8B-B50C-D81AE82368FC}" destId="{3804797F-9A8B-495D-B6BC-8D14959040DB}" srcOrd="0" destOrd="0" presId="urn:microsoft.com/office/officeart/2005/8/layout/radial1"/>
     <dgm:cxn modelId="{778B2747-27A8-41C5-8CF3-2D3EDDCCD4EA}" type="presOf" srcId="{1290BB56-AD8D-44A8-AF01-1DF39169FA1E}" destId="{B11F28A8-FCF3-4AFA-AA93-FDAE7CC42B95}" srcOrd="1" destOrd="0" presId="urn:microsoft.com/office/officeart/2005/8/layout/radial1"/>
     <dgm:cxn modelId="{3E28E9D2-554B-4B22-8187-320222DCDB04}" type="presOf" srcId="{0893AF2A-851E-4874-96EE-BC2A424EF464}" destId="{35605BB8-6756-47AF-9BD6-1387D759E2ED}" srcOrd="0" destOrd="0" presId="urn:microsoft.com/office/officeart/2005/8/layout/radial1"/>
@@ -2259,6 +1350,7 @@
     <dgm:cxn modelId="{4E117E31-3A66-4334-A848-547F9F504786}" srcId="{891F2212-E435-4125-912D-8B9B9F0C4AD5}" destId="{32808D8C-8F81-4050-AB49-E9E33F48F24C}" srcOrd="0" destOrd="0" parTransId="{EE0C9242-C317-47A0-A8E7-BE586EF5C250}" sibTransId="{68D211F7-9506-4C2C-A68E-AFED2FD1C2D5}"/>
     <dgm:cxn modelId="{220CB1D3-EC69-488C-A0F8-06CCD365CE8C}" srcId="{32808D8C-8F81-4050-AB49-E9E33F48F24C}" destId="{BCE1C6E7-DFD2-4E8B-B50C-D81AE82368FC}" srcOrd="3" destOrd="0" parTransId="{27A72126-10E1-418E-8E8C-DFCFDD92C3A3}" sibTransId="{F60558FD-18E7-458E-8888-FDD8FEE29021}"/>
     <dgm:cxn modelId="{C529CF66-1795-4DAA-84B3-67C6050038B8}" type="presOf" srcId="{1290BB56-AD8D-44A8-AF01-1DF39169FA1E}" destId="{1A6F4086-0722-4799-914E-21F49CF79C35}" srcOrd="0" destOrd="0" presId="urn:microsoft.com/office/officeart/2005/8/layout/radial1"/>
+    <dgm:cxn modelId="{AE936336-8455-44C4-9895-4F84ADE1A2AB}" srcId="{32808D8C-8F81-4050-AB49-E9E33F48F24C}" destId="{3E27024A-C033-423C-8C66-B67E582494DD}" srcOrd="4" destOrd="0" parTransId="{93B0422B-675C-4A44-98F1-98A2EF3849DC}" sibTransId="{D3F4C9A6-91FA-40FF-9FB2-CD6C2A95F518}"/>
     <dgm:cxn modelId="{832AF2B2-A677-46F3-8C87-F3E4C044D4BD}" type="presOf" srcId="{2BD3E955-CC3B-4E65-9391-A4775F733ECD}" destId="{0D2F706F-7817-4E7E-896B-B97B9550905F}" srcOrd="1" destOrd="0" presId="urn:microsoft.com/office/officeart/2005/8/layout/radial1"/>
     <dgm:cxn modelId="{80BEF8FB-6D84-4FC7-A82A-3478F3174229}" srcId="{32808D8C-8F81-4050-AB49-E9E33F48F24C}" destId="{BB10FA26-265A-4DE2-92AB-F16225D4412E}" srcOrd="0" destOrd="0" parTransId="{1290BB56-AD8D-44A8-AF01-1DF39169FA1E}" sibTransId="{0874F1B3-02C8-4F93-9EB5-D04F6473D0EA}"/>
     <dgm:cxn modelId="{5C1D5C6D-9F6B-4BE1-8F53-5990551B22D8}" type="presParOf" srcId="{7096BAD2-739B-4706-B81C-E5A4F20C958F}" destId="{FE31840E-C97B-42A1-AB85-D6ABDA076DDD}" srcOrd="0" destOrd="0" presId="urn:microsoft.com/office/officeart/2005/8/layout/radial1"/>
@@ -2274,6 +1366,9 @@
     <dgm:cxn modelId="{D1A8E3B2-6CA2-4AD8-9257-A2EF6BA67425}" type="presParOf" srcId="{7096BAD2-739B-4706-B81C-E5A4F20C958F}" destId="{3E6E8334-949A-424B-AB66-FB3C0B5F1690}" srcOrd="7" destOrd="0" presId="urn:microsoft.com/office/officeart/2005/8/layout/radial1"/>
     <dgm:cxn modelId="{5DA5F2B8-1D40-444C-95B8-0DD5BA4B7A4F}" type="presParOf" srcId="{3E6E8334-949A-424B-AB66-FB3C0B5F1690}" destId="{EE7AFB8A-AC7B-4591-8FB1-87F35E5BF25E}" srcOrd="0" destOrd="0" presId="urn:microsoft.com/office/officeart/2005/8/layout/radial1"/>
     <dgm:cxn modelId="{96242A7F-BE28-43B4-AD67-CE4101FB3EA2}" type="presParOf" srcId="{7096BAD2-739B-4706-B81C-E5A4F20C958F}" destId="{3804797F-9A8B-495D-B6BC-8D14959040DB}" srcOrd="8" destOrd="0" presId="urn:microsoft.com/office/officeart/2005/8/layout/radial1"/>
+    <dgm:cxn modelId="{794391E7-2576-482F-AF62-EE9907B0DF89}" type="presParOf" srcId="{7096BAD2-739B-4706-B81C-E5A4F20C958F}" destId="{21D9DE24-5E9E-41D5-ADC1-2A4A95EE842D}" srcOrd="9" destOrd="0" presId="urn:microsoft.com/office/officeart/2005/8/layout/radial1"/>
+    <dgm:cxn modelId="{622118DA-2C8B-49D2-9ECF-BDA696CD8297}" type="presParOf" srcId="{21D9DE24-5E9E-41D5-ADC1-2A4A95EE842D}" destId="{96975BC3-D1D3-48B0-8379-599644A372D1}" srcOrd="0" destOrd="0" presId="urn:microsoft.com/office/officeart/2005/8/layout/radial1"/>
+    <dgm:cxn modelId="{D4ED9F8D-E837-40C1-B254-EEAEC8AB27B9}" type="presParOf" srcId="{7096BAD2-739B-4706-B81C-E5A4F20C958F}" destId="{C16832CE-8769-4C72-B96D-32484FDFBFD1}" srcOrd="10" destOrd="0" presId="urn:microsoft.com/office/officeart/2005/8/layout/radial1"/>
   </dgm:cxnLst>
   <dgm:bg/>
   <dgm:whole/>
@@ -2300,8 +1395,8 @@
       </dsp:nvSpPr>
       <dsp:spPr>
         <a:xfrm>
-          <a:off x="3424060" y="2319160"/>
-          <a:ext cx="1762478" cy="1762478"/>
+          <a:off x="3119332" y="2208807"/>
+          <a:ext cx="2371934" cy="2453736"/>
         </a:xfrm>
         <a:prstGeom prst="ellipse">
           <a:avLst/>
@@ -2374,12 +1469,12 @@
         </a:fontRef>
       </dsp:style>
       <dsp:txBody>
-        <a:bodyPr spcFirstLastPara="0" vert="horz" wrap="square" lIns="29210" tIns="29210" rIns="29210" bIns="29210" numCol="1" spcCol="1270" anchor="ctr" anchorCtr="0">
+        <a:bodyPr spcFirstLastPara="0" vert="horz" wrap="square" lIns="13970" tIns="13970" rIns="13970" bIns="13970" numCol="1" spcCol="1270" anchor="ctr" anchorCtr="0">
           <a:noAutofit/>
         </a:bodyPr>
         <a:lstStyle/>
         <a:p>
-          <a:pPr lvl="0" algn="ctr" defTabSz="2044700">
+          <a:pPr lvl="0" algn="ctr" defTabSz="977900">
             <a:lnSpc>
               <a:spcPct val="90000"/>
             </a:lnSpc>
@@ -2391,15 +1486,15 @@
             </a:spcAft>
           </a:pPr>
           <a:r>
-            <a:rPr lang="en-US" sz="4600" kern="1200" smtClean="0"/>
-            <a:t>Agile</a:t>
+            <a:rPr lang="en-US" sz="2200" kern="1200" dirty="0" smtClean="0"/>
+            <a:t>Behavior Driven Development</a:t>
           </a:r>
-          <a:endParaRPr lang="en-US" sz="4600" kern="1200" dirty="0"/>
+          <a:endParaRPr lang="en-US" sz="2200" kern="1200" dirty="0"/>
         </a:p>
       </dsp:txBody>
       <dsp:txXfrm>
-        <a:off x="3424060" y="2319160"/>
-        <a:ext cx="1762478" cy="1762478"/>
+        <a:off x="3119332" y="2208807"/>
+        <a:ext cx="2371934" cy="2453736"/>
       </dsp:txXfrm>
     </dsp:sp>
     <dsp:sp modelId="{1A6F4086-0722-4799-914E-21F49CF79C35}">
@@ -2409,8 +1504,8 @@
       </dsp:nvSpPr>
       <dsp:spPr>
         <a:xfrm rot="16200000">
-          <a:off x="4038999" y="2034437"/>
-          <a:ext cx="532601" cy="36843"/>
+          <a:off x="4159764" y="2043498"/>
+          <a:ext cx="291071" cy="39547"/>
         </a:xfrm>
         <a:custGeom>
           <a:avLst/>
@@ -2421,10 +1516,10 @@
           <a:pathLst>
             <a:path>
               <a:moveTo>
-                <a:pt x="0" y="18421"/>
+                <a:pt x="0" y="19773"/>
               </a:moveTo>
               <a:lnTo>
-                <a:pt x="532601" y="18421"/>
+                <a:pt x="291071" y="19773"/>
               </a:lnTo>
             </a:path>
           </a:pathLst>
@@ -2477,8 +1572,8 @@
         </a:p>
       </dsp:txBody>
       <dsp:txXfrm rot="16200000">
-        <a:off x="4291984" y="2039544"/>
-        <a:ext cx="26630" cy="26630"/>
+        <a:off x="4298023" y="2055995"/>
+        <a:ext cx="14553" cy="14553"/>
       </dsp:txXfrm>
     </dsp:sp>
     <dsp:sp modelId="{4680DD82-8218-4AE8-936F-0B118784B2BF}">
@@ -2488,8 +1583,8 @@
       </dsp:nvSpPr>
       <dsp:spPr>
         <a:xfrm>
-          <a:off x="3424060" y="24079"/>
-          <a:ext cx="1762478" cy="1762478"/>
+          <a:off x="3359401" y="25939"/>
+          <a:ext cx="1891796" cy="1891796"/>
         </a:xfrm>
         <a:prstGeom prst="ellipse">
           <a:avLst/>
@@ -2562,12 +1657,12 @@
         </a:fontRef>
       </dsp:style>
       <dsp:txBody>
-        <a:bodyPr spcFirstLastPara="0" vert="horz" wrap="square" lIns="12700" tIns="12700" rIns="12700" bIns="12700" numCol="1" spcCol="1270" anchor="ctr" anchorCtr="0">
+        <a:bodyPr spcFirstLastPara="0" vert="horz" wrap="square" lIns="13335" tIns="13335" rIns="13335" bIns="13335" numCol="1" spcCol="1270" anchor="ctr" anchorCtr="0">
           <a:noAutofit/>
         </a:bodyPr>
         <a:lstStyle/>
         <a:p>
-          <a:pPr lvl="0" algn="ctr" defTabSz="889000">
+          <a:pPr lvl="0" algn="ctr" defTabSz="933450">
             <a:lnSpc>
               <a:spcPct val="90000"/>
             </a:lnSpc>
@@ -2579,15 +1674,32 @@
             </a:spcAft>
           </a:pPr>
           <a:r>
-            <a:rPr lang="en-US" sz="2000" kern="1200" dirty="0" smtClean="0"/>
-            <a:t>Common Language</a:t>
+            <a:rPr lang="en-US" sz="2100" kern="1200" dirty="0" smtClean="0"/>
+            <a:t>Ubiquitous</a:t>
           </a:r>
-          <a:endParaRPr lang="en-US" sz="2000" kern="1200" dirty="0"/>
+        </a:p>
+        <a:p>
+          <a:pPr lvl="0" algn="ctr" defTabSz="933450">
+            <a:lnSpc>
+              <a:spcPct val="90000"/>
+            </a:lnSpc>
+            <a:spcBef>
+              <a:spcPct val="0"/>
+            </a:spcBef>
+            <a:spcAft>
+              <a:spcPct val="35000"/>
+            </a:spcAft>
+          </a:pPr>
+          <a:r>
+            <a:rPr lang="en-US" sz="2100" kern="1200" dirty="0" smtClean="0"/>
+            <a:t>Language</a:t>
+          </a:r>
+          <a:endParaRPr lang="en-US" sz="2100" kern="1200" dirty="0"/>
         </a:p>
       </dsp:txBody>
       <dsp:txXfrm>
-        <a:off x="3424060" y="24079"/>
-        <a:ext cx="1762478" cy="1762478"/>
+        <a:off x="3359401" y="25939"/>
+        <a:ext cx="1891796" cy="1891796"/>
       </dsp:txXfrm>
     </dsp:sp>
     <dsp:sp modelId="{33BC7212-657C-467F-A281-FA0FCD3CC67F}">
@@ -2596,9 +1708,9 @@
         <dsp:cNvSpPr/>
       </dsp:nvSpPr>
       <dsp:spPr>
-        <a:xfrm>
-          <a:off x="5186539" y="3181978"/>
-          <a:ext cx="532601" cy="36843"/>
+        <a:xfrm rot="20520000">
+          <a:off x="5428736" y="2997549"/>
+          <a:ext cx="328241" cy="39547"/>
         </a:xfrm>
         <a:custGeom>
           <a:avLst/>
@@ -2609,10 +1721,10 @@
           <a:pathLst>
             <a:path>
               <a:moveTo>
-                <a:pt x="0" y="18421"/>
+                <a:pt x="0" y="19773"/>
               </a:moveTo>
               <a:lnTo>
-                <a:pt x="532601" y="18421"/>
+                <a:pt x="328241" y="19773"/>
               </a:lnTo>
             </a:path>
           </a:pathLst>
@@ -2664,9 +1776,9 @@
           <a:endParaRPr lang="en-US" sz="500" kern="1200"/>
         </a:p>
       </dsp:txBody>
-      <dsp:txXfrm>
-        <a:off x="5439525" y="3187084"/>
-        <a:ext cx="26630" cy="26630"/>
+      <dsp:txXfrm rot="20520000">
+        <a:off x="5584651" y="3009116"/>
+        <a:ext cx="16412" cy="16412"/>
       </dsp:txXfrm>
     </dsp:sp>
     <dsp:sp modelId="{311C8A37-8073-4873-A29C-C05C780798E5}">
@@ -2676,8 +1788,8 @@
       </dsp:nvSpPr>
       <dsp:spPr>
         <a:xfrm>
-          <a:off x="5719141" y="2319160"/>
-          <a:ext cx="1762478" cy="1762478"/>
+          <a:off x="5702650" y="1728409"/>
+          <a:ext cx="1891796" cy="1891796"/>
         </a:xfrm>
         <a:prstGeom prst="ellipse">
           <a:avLst/>
@@ -2750,12 +1862,12 @@
         </a:fontRef>
       </dsp:style>
       <dsp:txBody>
-        <a:bodyPr spcFirstLastPara="0" vert="horz" wrap="square" lIns="12700" tIns="12700" rIns="12700" bIns="12700" numCol="1" spcCol="1270" anchor="ctr" anchorCtr="0">
+        <a:bodyPr spcFirstLastPara="0" vert="horz" wrap="square" lIns="13335" tIns="13335" rIns="13335" bIns="13335" numCol="1" spcCol="1270" anchor="ctr" anchorCtr="0">
           <a:noAutofit/>
         </a:bodyPr>
         <a:lstStyle/>
         <a:p>
-          <a:pPr lvl="0" algn="ctr" defTabSz="889000">
+          <a:pPr lvl="0" algn="ctr" defTabSz="933450">
             <a:lnSpc>
               <a:spcPct val="90000"/>
             </a:lnSpc>
@@ -2767,15 +1879,15 @@
             </a:spcAft>
           </a:pPr>
           <a:r>
-            <a:rPr lang="en-US" sz="2000" kern="1200" dirty="0" smtClean="0"/>
-            <a:t>Refactoring</a:t>
+            <a:rPr lang="en-US" sz="2100" kern="1200" dirty="0" smtClean="0"/>
+            <a:t>Emergent Design</a:t>
           </a:r>
-          <a:endParaRPr lang="en-US" sz="2000" kern="1200" dirty="0"/>
+          <a:endParaRPr lang="en-US" sz="2100" kern="1200" dirty="0"/>
         </a:p>
       </dsp:txBody>
       <dsp:txXfrm>
-        <a:off x="5719141" y="2319160"/>
-        <a:ext cx="1762478" cy="1762478"/>
+        <a:off x="5702650" y="1728409"/>
+        <a:ext cx="1891796" cy="1891796"/>
       </dsp:txXfrm>
     </dsp:sp>
     <dsp:sp modelId="{35605BB8-6756-47AF-9BD6-1387D759E2ED}">
@@ -2784,9 +1896,9 @@
         <dsp:cNvSpPr/>
       </dsp:nvSpPr>
       <dsp:spPr>
-        <a:xfrm rot="5400000">
-          <a:off x="4038999" y="4329518"/>
-          <a:ext cx="532601" cy="36843"/>
+        <a:xfrm rot="3240000">
+          <a:off x="4954848" y="4520291"/>
+          <a:ext cx="305676" cy="39547"/>
         </a:xfrm>
         <a:custGeom>
           <a:avLst/>
@@ -2797,10 +1909,10 @@
           <a:pathLst>
             <a:path>
               <a:moveTo>
-                <a:pt x="0" y="18421"/>
+                <a:pt x="0" y="19773"/>
               </a:moveTo>
               <a:lnTo>
-                <a:pt x="532601" y="18421"/>
+                <a:pt x="305676" y="19773"/>
               </a:lnTo>
             </a:path>
           </a:pathLst>
@@ -2852,9 +1964,9 @@
           <a:endParaRPr lang="en-US" sz="500" kern="1200"/>
         </a:p>
       </dsp:txBody>
-      <dsp:txXfrm rot="5400000">
-        <a:off x="4291984" y="4334625"/>
-        <a:ext cx="26630" cy="26630"/>
+      <dsp:txXfrm rot="3240000">
+        <a:off x="5100044" y="4532423"/>
+        <a:ext cx="15283" cy="15283"/>
       </dsp:txXfrm>
     </dsp:sp>
     <dsp:sp modelId="{6AB30D6C-3E38-432D-89A8-F166BDEA8BDA}">
@@ -2864,8 +1976,8 @@
       </dsp:nvSpPr>
       <dsp:spPr>
         <a:xfrm>
-          <a:off x="3424060" y="4614241"/>
-          <a:ext cx="1762478" cy="1762478"/>
+          <a:off x="4807608" y="4483063"/>
+          <a:ext cx="1891796" cy="1891796"/>
         </a:xfrm>
         <a:prstGeom prst="ellipse">
           <a:avLst/>
@@ -2938,12 +2050,12 @@
         </a:fontRef>
       </dsp:style>
       <dsp:txBody>
-        <a:bodyPr spcFirstLastPara="0" vert="horz" wrap="square" lIns="12700" tIns="12700" rIns="12700" bIns="12700" numCol="1" spcCol="1270" anchor="ctr" anchorCtr="0">
+        <a:bodyPr spcFirstLastPara="0" vert="horz" wrap="square" lIns="13335" tIns="13335" rIns="13335" bIns="13335" numCol="1" spcCol="1270" anchor="ctr" anchorCtr="0">
           <a:noAutofit/>
         </a:bodyPr>
         <a:lstStyle/>
         <a:p>
-          <a:pPr lvl="0" algn="ctr" defTabSz="889000">
+          <a:pPr lvl="0" algn="ctr" defTabSz="933450">
             <a:lnSpc>
               <a:spcPct val="90000"/>
             </a:lnSpc>
@@ -2955,15 +2067,15 @@
             </a:spcAft>
           </a:pPr>
           <a:r>
-            <a:rPr lang="en-US" sz="2000" kern="1200" dirty="0" smtClean="0"/>
-            <a:t>Pairing</a:t>
+            <a:rPr lang="en-US" sz="2100" kern="1200" dirty="0" smtClean="0"/>
+            <a:t>Refactoring</a:t>
           </a:r>
-          <a:endParaRPr lang="en-US" sz="2000" kern="1200" dirty="0"/>
+          <a:endParaRPr lang="en-US" sz="2100" kern="1200" dirty="0"/>
         </a:p>
       </dsp:txBody>
       <dsp:txXfrm>
-        <a:off x="3424060" y="4614241"/>
-        <a:ext cx="1762478" cy="1762478"/>
+        <a:off x="4807608" y="4483063"/>
+        <a:ext cx="1891796" cy="1891796"/>
       </dsp:txXfrm>
     </dsp:sp>
     <dsp:sp modelId="{3E6E8334-949A-424B-AB66-FB3C0B5F1690}">
@@ -2972,9 +2084,9 @@
         <dsp:cNvSpPr/>
       </dsp:nvSpPr>
       <dsp:spPr>
-        <a:xfrm rot="10800000">
-          <a:off x="2891458" y="3181978"/>
-          <a:ext cx="532601" cy="36843"/>
+        <a:xfrm rot="7560000">
+          <a:off x="3350075" y="4520291"/>
+          <a:ext cx="305676" cy="39547"/>
         </a:xfrm>
         <a:custGeom>
           <a:avLst/>
@@ -2985,10 +2097,10 @@
           <a:pathLst>
             <a:path>
               <a:moveTo>
-                <a:pt x="0" y="18421"/>
+                <a:pt x="0" y="19773"/>
               </a:moveTo>
               <a:lnTo>
-                <a:pt x="532601" y="18421"/>
+                <a:pt x="305676" y="19773"/>
               </a:lnTo>
             </a:path>
           </a:pathLst>
@@ -3040,9 +2152,9 @@
           <a:endParaRPr lang="en-US" sz="500" kern="1200"/>
         </a:p>
       </dsp:txBody>
-      <dsp:txXfrm rot="10800000">
-        <a:off x="3144444" y="3187084"/>
-        <a:ext cx="26630" cy="26630"/>
+      <dsp:txXfrm rot="7560000">
+        <a:off x="3495271" y="4532423"/>
+        <a:ext cx="15283" cy="15283"/>
       </dsp:txXfrm>
     </dsp:sp>
     <dsp:sp modelId="{3804797F-9A8B-495D-B6BC-8D14959040DB}">
@@ -3052,8 +2164,8 @@
       </dsp:nvSpPr>
       <dsp:spPr>
         <a:xfrm>
-          <a:off x="1128979" y="2319160"/>
-          <a:ext cx="1762478" cy="1762478"/>
+          <a:off x="1911194" y="4483063"/>
+          <a:ext cx="1891796" cy="1891796"/>
         </a:xfrm>
         <a:prstGeom prst="ellipse">
           <a:avLst/>
@@ -3126,12 +2238,12 @@
         </a:fontRef>
       </dsp:style>
       <dsp:txBody>
-        <a:bodyPr spcFirstLastPara="0" vert="horz" wrap="square" lIns="12700" tIns="12700" rIns="12700" bIns="12700" numCol="1" spcCol="1270" anchor="ctr" anchorCtr="0">
+        <a:bodyPr spcFirstLastPara="0" vert="horz" wrap="square" lIns="13335" tIns="13335" rIns="13335" bIns="13335" numCol="1" spcCol="1270" anchor="ctr" anchorCtr="0">
           <a:noAutofit/>
         </a:bodyPr>
         <a:lstStyle/>
         <a:p>
-          <a:pPr lvl="0" algn="ctr" defTabSz="889000">
+          <a:pPr lvl="0" algn="ctr" defTabSz="933450">
             <a:lnSpc>
               <a:spcPct val="90000"/>
             </a:lnSpc>
@@ -3143,38 +2255,105 @@
             </a:spcAft>
           </a:pPr>
           <a:r>
-            <a:rPr lang="en-US" sz="2000" kern="1200" dirty="0" smtClean="0"/>
-            <a:t>TDD/BDD</a:t>
+            <a:rPr lang="en-US" sz="2100" kern="1200" dirty="0" smtClean="0"/>
+            <a:t>Business Value Drives</a:t>
           </a:r>
-          <a:endParaRPr lang="en-US" sz="2000" kern="1200" dirty="0"/>
+          <a:endParaRPr lang="en-US" sz="2100" kern="1200" dirty="0"/>
         </a:p>
       </dsp:txBody>
       <dsp:txXfrm>
-        <a:off x="1128979" y="2319160"/>
-        <a:ext cx="1762478" cy="1762478"/>
+        <a:off x="1911194" y="4483063"/>
+        <a:ext cx="1891796" cy="1891796"/>
       </dsp:txXfrm>
     </dsp:sp>
-  </dsp:spTree>
-</dsp:drawing>
-</file>
-
-<file path=ppt/diagrams/drawing2.xml><?xml version="1.0" encoding="utf-8"?>
-<dsp:drawing xmlns:dgm="http://schemas.openxmlformats.org/drawingml/2006/diagram" xmlns:a="http://schemas.openxmlformats.org/drawingml/2006/main" xmlns:dsp="http://schemas.microsoft.com/office/drawing/2008/diagram">
-  <dsp:spTree>
-    <dsp:nvGrpSpPr>
-      <dsp:cNvPr id="0" name=""/>
-      <dsp:cNvGrpSpPr/>
-    </dsp:nvGrpSpPr>
-    <dsp:grpSpPr/>
-    <dsp:sp modelId="{FE31840E-C97B-42A1-AB85-D6ABDA076DDD}">
+    <dsp:sp modelId="{21D9DE24-5E9E-41D5-ADC1-2A4A95EE842D}">
+      <dsp:nvSpPr>
+        <dsp:cNvPr id="0" name=""/>
+        <dsp:cNvSpPr/>
+      </dsp:nvSpPr>
+      <dsp:spPr>
+        <a:xfrm rot="11880000">
+          <a:off x="2853621" y="2997549"/>
+          <a:ext cx="328241" cy="39547"/>
+        </a:xfrm>
+        <a:custGeom>
+          <a:avLst/>
+          <a:gdLst/>
+          <a:ahLst/>
+          <a:cxnLst/>
+          <a:rect l="0" t="0" r="0" b="0"/>
+          <a:pathLst>
+            <a:path>
+              <a:moveTo>
+                <a:pt x="0" y="19773"/>
+              </a:moveTo>
+              <a:lnTo>
+                <a:pt x="328241" y="19773"/>
+              </a:lnTo>
+            </a:path>
+          </a:pathLst>
+        </a:custGeom>
+        <a:noFill/>
+        <a:ln w="25400" cap="flat" cmpd="sng" algn="ctr">
+          <a:solidFill>
+            <a:schemeClr val="accent1">
+              <a:shade val="60000"/>
+              <a:hueOff val="0"/>
+              <a:satOff val="0"/>
+              <a:lumOff val="0"/>
+              <a:alphaOff val="0"/>
+            </a:schemeClr>
+          </a:solidFill>
+          <a:prstDash val="solid"/>
+        </a:ln>
+        <a:effectLst/>
+      </dsp:spPr>
+      <dsp:style>
+        <a:lnRef idx="2">
+          <a:scrgbClr r="0" g="0" b="0"/>
+        </a:lnRef>
+        <a:fillRef idx="0">
+          <a:scrgbClr r="0" g="0" b="0"/>
+        </a:fillRef>
+        <a:effectRef idx="0">
+          <a:scrgbClr r="0" g="0" b="0"/>
+        </a:effectRef>
+        <a:fontRef idx="minor"/>
+      </dsp:style>
+      <dsp:txBody>
+        <a:bodyPr spcFirstLastPara="0" vert="horz" wrap="square" lIns="12700" tIns="0" rIns="12700" bIns="0" numCol="1" spcCol="1270" anchor="ctr" anchorCtr="0">
+          <a:noAutofit/>
+        </a:bodyPr>
+        <a:lstStyle/>
+        <a:p>
+          <a:pPr lvl="0" algn="ctr" defTabSz="222250">
+            <a:lnSpc>
+              <a:spcPct val="90000"/>
+            </a:lnSpc>
+            <a:spcBef>
+              <a:spcPct val="0"/>
+            </a:spcBef>
+            <a:spcAft>
+              <a:spcPct val="35000"/>
+            </a:spcAft>
+          </a:pPr>
+          <a:endParaRPr lang="en-US" sz="500" kern="1200"/>
+        </a:p>
+      </dsp:txBody>
+      <dsp:txXfrm rot="11880000">
+        <a:off x="3009536" y="3009116"/>
+        <a:ext cx="16412" cy="16412"/>
+      </dsp:txXfrm>
+    </dsp:sp>
+    <dsp:sp modelId="{C16832CE-8769-4C72-B96D-32484FDFBFD1}">
       <dsp:nvSpPr>
         <dsp:cNvPr id="0" name=""/>
         <dsp:cNvSpPr/>
       </dsp:nvSpPr>
       <dsp:spPr>
         <a:xfrm>
-          <a:off x="3200401" y="2057397"/>
-          <a:ext cx="2209796" cy="2286005"/>
+          <a:off x="1016152" y="1728409"/>
+          <a:ext cx="1891796" cy="1891796"/>
         </a:xfrm>
         <a:prstGeom prst="ellipse">
           <a:avLst/>
@@ -3247,12 +2426,12 @@
         </a:fontRef>
       </dsp:style>
       <dsp:txBody>
-        <a:bodyPr spcFirstLastPara="0" vert="horz" wrap="square" lIns="12700" tIns="12700" rIns="12700" bIns="12700" numCol="1" spcCol="1270" anchor="ctr" anchorCtr="0">
+        <a:bodyPr spcFirstLastPara="0" vert="horz" wrap="square" lIns="13335" tIns="13335" rIns="13335" bIns="13335" numCol="1" spcCol="1270" anchor="ctr" anchorCtr="0">
           <a:noAutofit/>
         </a:bodyPr>
         <a:lstStyle/>
         <a:p>
-          <a:pPr lvl="0" algn="ctr" defTabSz="889000">
+          <a:pPr lvl="0" algn="ctr" defTabSz="933450">
             <a:lnSpc>
               <a:spcPct val="90000"/>
             </a:lnSpc>
@@ -3264,784 +2443,15 @@
             </a:spcAft>
           </a:pPr>
           <a:r>
-            <a:rPr lang="en-US" sz="2000" kern="1200" dirty="0" smtClean="0"/>
-            <a:t>Behavior Driven Development</a:t>
+            <a:rPr lang="en-US" sz="2100" kern="1200" dirty="0" smtClean="0"/>
+            <a:t>Domain Model</a:t>
           </a:r>
-          <a:endParaRPr lang="en-US" sz="2000" kern="1200" dirty="0"/>
+          <a:endParaRPr lang="en-US" sz="2100" kern="1200" dirty="0"/>
         </a:p>
       </dsp:txBody>
       <dsp:txXfrm>
-        <a:off x="3200401" y="2057397"/>
-        <a:ext cx="2209796" cy="2286005"/>
-      </dsp:txXfrm>
-    </dsp:sp>
-    <dsp:sp modelId="{1A6F4086-0722-4799-914E-21F49CF79C35}">
-      <dsp:nvSpPr>
-        <dsp:cNvPr id="0" name=""/>
-        <dsp:cNvSpPr/>
-      </dsp:nvSpPr>
-      <dsp:spPr>
-        <a:xfrm rot="16200000">
-          <a:off x="4169880" y="1903556"/>
-          <a:ext cx="270838" cy="36843"/>
-        </a:xfrm>
-        <a:custGeom>
-          <a:avLst/>
-          <a:gdLst/>
-          <a:ahLst/>
-          <a:cxnLst/>
-          <a:rect l="0" t="0" r="0" b="0"/>
-          <a:pathLst>
-            <a:path>
-              <a:moveTo>
-                <a:pt x="0" y="18421"/>
-              </a:moveTo>
-              <a:lnTo>
-                <a:pt x="270838" y="18421"/>
-              </a:lnTo>
-            </a:path>
-          </a:pathLst>
-        </a:custGeom>
-        <a:noFill/>
-        <a:ln w="25400" cap="flat" cmpd="sng" algn="ctr">
-          <a:solidFill>
-            <a:schemeClr val="accent1">
-              <a:shade val="60000"/>
-              <a:hueOff val="0"/>
-              <a:satOff val="0"/>
-              <a:lumOff val="0"/>
-              <a:alphaOff val="0"/>
-            </a:schemeClr>
-          </a:solidFill>
-          <a:prstDash val="solid"/>
-        </a:ln>
-        <a:effectLst/>
-      </dsp:spPr>
-      <dsp:style>
-        <a:lnRef idx="2">
-          <a:scrgbClr r="0" g="0" b="0"/>
-        </a:lnRef>
-        <a:fillRef idx="0">
-          <a:scrgbClr r="0" g="0" b="0"/>
-        </a:fillRef>
-        <a:effectRef idx="0">
-          <a:scrgbClr r="0" g="0" b="0"/>
-        </a:effectRef>
-        <a:fontRef idx="minor"/>
-      </dsp:style>
-      <dsp:txBody>
-        <a:bodyPr spcFirstLastPara="0" vert="horz" wrap="square" lIns="12700" tIns="0" rIns="12700" bIns="0" numCol="1" spcCol="1270" anchor="ctr" anchorCtr="0">
-          <a:noAutofit/>
-        </a:bodyPr>
-        <a:lstStyle/>
-        <a:p>
-          <a:pPr lvl="0" algn="ctr" defTabSz="222250">
-            <a:lnSpc>
-              <a:spcPct val="90000"/>
-            </a:lnSpc>
-            <a:spcBef>
-              <a:spcPct val="0"/>
-            </a:spcBef>
-            <a:spcAft>
-              <a:spcPct val="35000"/>
-            </a:spcAft>
-          </a:pPr>
-          <a:endParaRPr lang="en-US" sz="500" kern="1200"/>
-        </a:p>
-      </dsp:txBody>
-      <dsp:txXfrm rot="16200000">
-        <a:off x="4298529" y="1915206"/>
-        <a:ext cx="13541" cy="13541"/>
-      </dsp:txXfrm>
-    </dsp:sp>
-    <dsp:sp modelId="{4680DD82-8218-4AE8-936F-0B118784B2BF}">
-      <dsp:nvSpPr>
-        <dsp:cNvPr id="0" name=""/>
-        <dsp:cNvSpPr/>
-      </dsp:nvSpPr>
-      <dsp:spPr>
-        <a:xfrm>
-          <a:off x="3424060" y="24079"/>
-          <a:ext cx="1762478" cy="1762478"/>
-        </a:xfrm>
-        <a:prstGeom prst="ellipse">
-          <a:avLst/>
-        </a:prstGeom>
-        <a:gradFill rotWithShape="0">
-          <a:gsLst>
-            <a:gs pos="0">
-              <a:schemeClr val="accent1">
-                <a:hueOff val="0"/>
-                <a:satOff val="0"/>
-                <a:lumOff val="0"/>
-                <a:alphaOff val="0"/>
-                <a:tint val="30000"/>
-                <a:satMod val="250000"/>
-              </a:schemeClr>
-            </a:gs>
-            <a:gs pos="72000">
-              <a:schemeClr val="accent1">
-                <a:hueOff val="0"/>
-                <a:satOff val="0"/>
-                <a:lumOff val="0"/>
-                <a:alphaOff val="0"/>
-                <a:tint val="75000"/>
-                <a:satMod val="210000"/>
-              </a:schemeClr>
-            </a:gs>
-            <a:gs pos="100000">
-              <a:schemeClr val="accent1">
-                <a:hueOff val="0"/>
-                <a:satOff val="0"/>
-                <a:lumOff val="0"/>
-                <a:alphaOff val="0"/>
-                <a:tint val="85000"/>
-                <a:satMod val="210000"/>
-              </a:schemeClr>
-            </a:gs>
-          </a:gsLst>
-          <a:lin ang="5400000" scaled="1"/>
-        </a:gradFill>
-        <a:ln>
-          <a:noFill/>
-        </a:ln>
-        <a:effectLst>
-          <a:outerShdw blurRad="76200" dist="50800" dir="5400000" rotWithShape="0">
-            <a:srgbClr val="4E3B30">
-              <a:alpha val="60000"/>
-            </a:srgbClr>
-          </a:outerShdw>
-        </a:effectLst>
-        <a:scene3d>
-          <a:camera prst="orthographicFront"/>
-          <a:lightRig rig="flat" dir="t"/>
-        </a:scene3d>
-        <a:sp3d prstMaterial="dkEdge">
-          <a:bevelT w="8200" h="38100"/>
-        </a:sp3d>
-      </dsp:spPr>
-      <dsp:style>
-        <a:lnRef idx="0">
-          <a:scrgbClr r="0" g="0" b="0"/>
-        </a:lnRef>
-        <a:fillRef idx="2">
-          <a:scrgbClr r="0" g="0" b="0"/>
-        </a:fillRef>
-        <a:effectRef idx="1">
-          <a:scrgbClr r="0" g="0" b="0"/>
-        </a:effectRef>
-        <a:fontRef idx="minor">
-          <a:schemeClr val="dk1"/>
-        </a:fontRef>
-      </dsp:style>
-      <dsp:txBody>
-        <a:bodyPr spcFirstLastPara="0" vert="horz" wrap="square" lIns="12700" tIns="12700" rIns="12700" bIns="12700" numCol="1" spcCol="1270" anchor="ctr" anchorCtr="0">
-          <a:noAutofit/>
-        </a:bodyPr>
-        <a:lstStyle/>
-        <a:p>
-          <a:pPr lvl="0" algn="ctr" defTabSz="889000">
-            <a:lnSpc>
-              <a:spcPct val="90000"/>
-            </a:lnSpc>
-            <a:spcBef>
-              <a:spcPct val="0"/>
-            </a:spcBef>
-            <a:spcAft>
-              <a:spcPct val="35000"/>
-            </a:spcAft>
-          </a:pPr>
-          <a:r>
-            <a:rPr lang="en-US" sz="2000" kern="1200" dirty="0" smtClean="0"/>
-            <a:t>Ubiquitous</a:t>
-          </a:r>
-        </a:p>
-        <a:p>
-          <a:pPr lvl="0" algn="ctr" defTabSz="889000">
-            <a:lnSpc>
-              <a:spcPct val="90000"/>
-            </a:lnSpc>
-            <a:spcBef>
-              <a:spcPct val="0"/>
-            </a:spcBef>
-            <a:spcAft>
-              <a:spcPct val="35000"/>
-            </a:spcAft>
-          </a:pPr>
-          <a:r>
-            <a:rPr lang="en-US" sz="2000" kern="1200" dirty="0" smtClean="0"/>
-            <a:t>Language</a:t>
-          </a:r>
-          <a:endParaRPr lang="en-US" sz="2000" kern="1200" dirty="0"/>
-        </a:p>
-      </dsp:txBody>
-      <dsp:txXfrm>
-        <a:off x="3424060" y="24079"/>
-        <a:ext cx="1762478" cy="1762478"/>
-      </dsp:txXfrm>
-    </dsp:sp>
-    <dsp:sp modelId="{33BC7212-657C-467F-A281-FA0FCD3CC67F}">
-      <dsp:nvSpPr>
-        <dsp:cNvPr id="0" name=""/>
-        <dsp:cNvSpPr/>
-      </dsp:nvSpPr>
-      <dsp:spPr>
-        <a:xfrm>
-          <a:off x="5410198" y="3181978"/>
-          <a:ext cx="308943" cy="36843"/>
-        </a:xfrm>
-        <a:custGeom>
-          <a:avLst/>
-          <a:gdLst/>
-          <a:ahLst/>
-          <a:cxnLst/>
-          <a:rect l="0" t="0" r="0" b="0"/>
-          <a:pathLst>
-            <a:path>
-              <a:moveTo>
-                <a:pt x="0" y="18421"/>
-              </a:moveTo>
-              <a:lnTo>
-                <a:pt x="308943" y="18421"/>
-              </a:lnTo>
-            </a:path>
-          </a:pathLst>
-        </a:custGeom>
-        <a:noFill/>
-        <a:ln w="25400" cap="flat" cmpd="sng" algn="ctr">
-          <a:solidFill>
-            <a:schemeClr val="accent1">
-              <a:shade val="60000"/>
-              <a:hueOff val="0"/>
-              <a:satOff val="0"/>
-              <a:lumOff val="0"/>
-              <a:alphaOff val="0"/>
-            </a:schemeClr>
-          </a:solidFill>
-          <a:prstDash val="solid"/>
-        </a:ln>
-        <a:effectLst/>
-      </dsp:spPr>
-      <dsp:style>
-        <a:lnRef idx="2">
-          <a:scrgbClr r="0" g="0" b="0"/>
-        </a:lnRef>
-        <a:fillRef idx="0">
-          <a:scrgbClr r="0" g="0" b="0"/>
-        </a:fillRef>
-        <a:effectRef idx="0">
-          <a:scrgbClr r="0" g="0" b="0"/>
-        </a:effectRef>
-        <a:fontRef idx="minor"/>
-      </dsp:style>
-      <dsp:txBody>
-        <a:bodyPr spcFirstLastPara="0" vert="horz" wrap="square" lIns="12700" tIns="0" rIns="12700" bIns="0" numCol="1" spcCol="1270" anchor="ctr" anchorCtr="0">
-          <a:noAutofit/>
-        </a:bodyPr>
-        <a:lstStyle/>
-        <a:p>
-          <a:pPr lvl="0" algn="ctr" defTabSz="222250">
-            <a:lnSpc>
-              <a:spcPct val="90000"/>
-            </a:lnSpc>
-            <a:spcBef>
-              <a:spcPct val="0"/>
-            </a:spcBef>
-            <a:spcAft>
-              <a:spcPct val="35000"/>
-            </a:spcAft>
-          </a:pPr>
-          <a:endParaRPr lang="en-US" sz="500" kern="1200"/>
-        </a:p>
-      </dsp:txBody>
-      <dsp:txXfrm>
-        <a:off x="5556946" y="3192676"/>
-        <a:ext cx="15447" cy="15447"/>
-      </dsp:txXfrm>
-    </dsp:sp>
-    <dsp:sp modelId="{311C8A37-8073-4873-A29C-C05C780798E5}">
-      <dsp:nvSpPr>
-        <dsp:cNvPr id="0" name=""/>
-        <dsp:cNvSpPr/>
-      </dsp:nvSpPr>
-      <dsp:spPr>
-        <a:xfrm>
-          <a:off x="5719141" y="2319160"/>
-          <a:ext cx="1762478" cy="1762478"/>
-        </a:xfrm>
-        <a:prstGeom prst="ellipse">
-          <a:avLst/>
-        </a:prstGeom>
-        <a:gradFill rotWithShape="0">
-          <a:gsLst>
-            <a:gs pos="0">
-              <a:schemeClr val="accent1">
-                <a:hueOff val="0"/>
-                <a:satOff val="0"/>
-                <a:lumOff val="0"/>
-                <a:alphaOff val="0"/>
-                <a:tint val="30000"/>
-                <a:satMod val="250000"/>
-              </a:schemeClr>
-            </a:gs>
-            <a:gs pos="72000">
-              <a:schemeClr val="accent1">
-                <a:hueOff val="0"/>
-                <a:satOff val="0"/>
-                <a:lumOff val="0"/>
-                <a:alphaOff val="0"/>
-                <a:tint val="75000"/>
-                <a:satMod val="210000"/>
-              </a:schemeClr>
-            </a:gs>
-            <a:gs pos="100000">
-              <a:schemeClr val="accent1">
-                <a:hueOff val="0"/>
-                <a:satOff val="0"/>
-                <a:lumOff val="0"/>
-                <a:alphaOff val="0"/>
-                <a:tint val="85000"/>
-                <a:satMod val="210000"/>
-              </a:schemeClr>
-            </a:gs>
-          </a:gsLst>
-          <a:lin ang="5400000" scaled="1"/>
-        </a:gradFill>
-        <a:ln>
-          <a:noFill/>
-        </a:ln>
-        <a:effectLst>
-          <a:outerShdw blurRad="76200" dist="50800" dir="5400000" rotWithShape="0">
-            <a:srgbClr val="4E3B30">
-              <a:alpha val="60000"/>
-            </a:srgbClr>
-          </a:outerShdw>
-        </a:effectLst>
-        <a:scene3d>
-          <a:camera prst="orthographicFront"/>
-          <a:lightRig rig="flat" dir="t"/>
-        </a:scene3d>
-        <a:sp3d prstMaterial="dkEdge">
-          <a:bevelT w="8200" h="38100"/>
-        </a:sp3d>
-      </dsp:spPr>
-      <dsp:style>
-        <a:lnRef idx="0">
-          <a:scrgbClr r="0" g="0" b="0"/>
-        </a:lnRef>
-        <a:fillRef idx="2">
-          <a:scrgbClr r="0" g="0" b="0"/>
-        </a:fillRef>
-        <a:effectRef idx="1">
-          <a:scrgbClr r="0" g="0" b="0"/>
-        </a:effectRef>
-        <a:fontRef idx="minor">
-          <a:schemeClr val="dk1"/>
-        </a:fontRef>
-      </dsp:style>
-      <dsp:txBody>
-        <a:bodyPr spcFirstLastPara="0" vert="horz" wrap="square" lIns="12700" tIns="12700" rIns="12700" bIns="12700" numCol="1" spcCol="1270" anchor="ctr" anchorCtr="0">
-          <a:noAutofit/>
-        </a:bodyPr>
-        <a:lstStyle/>
-        <a:p>
-          <a:pPr lvl="0" algn="ctr" defTabSz="889000">
-            <a:lnSpc>
-              <a:spcPct val="90000"/>
-            </a:lnSpc>
-            <a:spcBef>
-              <a:spcPct val="0"/>
-            </a:spcBef>
-            <a:spcAft>
-              <a:spcPct val="35000"/>
-            </a:spcAft>
-          </a:pPr>
-          <a:r>
-            <a:rPr lang="en-US" sz="2000" kern="1200" dirty="0" smtClean="0"/>
-            <a:t>Domain</a:t>
-          </a:r>
-          <a:endParaRPr lang="en-US" sz="2000" kern="1200" dirty="0"/>
-        </a:p>
-      </dsp:txBody>
-      <dsp:txXfrm>
-        <a:off x="5719141" y="2319160"/>
-        <a:ext cx="1762478" cy="1762478"/>
-      </dsp:txXfrm>
-    </dsp:sp>
-    <dsp:sp modelId="{35605BB8-6756-47AF-9BD6-1387D759E2ED}">
-      <dsp:nvSpPr>
-        <dsp:cNvPr id="0" name=""/>
-        <dsp:cNvSpPr/>
-      </dsp:nvSpPr>
-      <dsp:spPr>
-        <a:xfrm rot="5400000">
-          <a:off x="4169880" y="4460400"/>
-          <a:ext cx="270838" cy="36843"/>
-        </a:xfrm>
-        <a:custGeom>
-          <a:avLst/>
-          <a:gdLst/>
-          <a:ahLst/>
-          <a:cxnLst/>
-          <a:rect l="0" t="0" r="0" b="0"/>
-          <a:pathLst>
-            <a:path>
-              <a:moveTo>
-                <a:pt x="0" y="18421"/>
-              </a:moveTo>
-              <a:lnTo>
-                <a:pt x="270838" y="18421"/>
-              </a:lnTo>
-            </a:path>
-          </a:pathLst>
-        </a:custGeom>
-        <a:noFill/>
-        <a:ln w="25400" cap="flat" cmpd="sng" algn="ctr">
-          <a:solidFill>
-            <a:schemeClr val="accent1">
-              <a:shade val="60000"/>
-              <a:hueOff val="0"/>
-              <a:satOff val="0"/>
-              <a:lumOff val="0"/>
-              <a:alphaOff val="0"/>
-            </a:schemeClr>
-          </a:solidFill>
-          <a:prstDash val="solid"/>
-        </a:ln>
-        <a:effectLst/>
-      </dsp:spPr>
-      <dsp:style>
-        <a:lnRef idx="2">
-          <a:scrgbClr r="0" g="0" b="0"/>
-        </a:lnRef>
-        <a:fillRef idx="0">
-          <a:scrgbClr r="0" g="0" b="0"/>
-        </a:fillRef>
-        <a:effectRef idx="0">
-          <a:scrgbClr r="0" g="0" b="0"/>
-        </a:effectRef>
-        <a:fontRef idx="minor"/>
-      </dsp:style>
-      <dsp:txBody>
-        <a:bodyPr spcFirstLastPara="0" vert="horz" wrap="square" lIns="12700" tIns="0" rIns="12700" bIns="0" numCol="1" spcCol="1270" anchor="ctr" anchorCtr="0">
-          <a:noAutofit/>
-        </a:bodyPr>
-        <a:lstStyle/>
-        <a:p>
-          <a:pPr lvl="0" algn="ctr" defTabSz="222250">
-            <a:lnSpc>
-              <a:spcPct val="90000"/>
-            </a:lnSpc>
-            <a:spcBef>
-              <a:spcPct val="0"/>
-            </a:spcBef>
-            <a:spcAft>
-              <a:spcPct val="35000"/>
-            </a:spcAft>
-          </a:pPr>
-          <a:endParaRPr lang="en-US" sz="500" kern="1200"/>
-        </a:p>
-      </dsp:txBody>
-      <dsp:txXfrm rot="5400000">
-        <a:off x="4298529" y="4472051"/>
-        <a:ext cx="13541" cy="13541"/>
-      </dsp:txXfrm>
-    </dsp:sp>
-    <dsp:sp modelId="{6AB30D6C-3E38-432D-89A8-F166BDEA8BDA}">
-      <dsp:nvSpPr>
-        <dsp:cNvPr id="0" name=""/>
-        <dsp:cNvSpPr/>
-      </dsp:nvSpPr>
-      <dsp:spPr>
-        <a:xfrm>
-          <a:off x="3424060" y="4614241"/>
-          <a:ext cx="1762478" cy="1762478"/>
-        </a:xfrm>
-        <a:prstGeom prst="ellipse">
-          <a:avLst/>
-        </a:prstGeom>
-        <a:gradFill rotWithShape="0">
-          <a:gsLst>
-            <a:gs pos="0">
-              <a:schemeClr val="accent1">
-                <a:hueOff val="0"/>
-                <a:satOff val="0"/>
-                <a:lumOff val="0"/>
-                <a:alphaOff val="0"/>
-                <a:tint val="30000"/>
-                <a:satMod val="250000"/>
-              </a:schemeClr>
-            </a:gs>
-            <a:gs pos="72000">
-              <a:schemeClr val="accent1">
-                <a:hueOff val="0"/>
-                <a:satOff val="0"/>
-                <a:lumOff val="0"/>
-                <a:alphaOff val="0"/>
-                <a:tint val="75000"/>
-                <a:satMod val="210000"/>
-              </a:schemeClr>
-            </a:gs>
-            <a:gs pos="100000">
-              <a:schemeClr val="accent1">
-                <a:hueOff val="0"/>
-                <a:satOff val="0"/>
-                <a:lumOff val="0"/>
-                <a:alphaOff val="0"/>
-                <a:tint val="85000"/>
-                <a:satMod val="210000"/>
-              </a:schemeClr>
-            </a:gs>
-          </a:gsLst>
-          <a:lin ang="5400000" scaled="1"/>
-        </a:gradFill>
-        <a:ln>
-          <a:noFill/>
-        </a:ln>
-        <a:effectLst>
-          <a:outerShdw blurRad="76200" dist="50800" dir="5400000" rotWithShape="0">
-            <a:srgbClr val="4E3B30">
-              <a:alpha val="60000"/>
-            </a:srgbClr>
-          </a:outerShdw>
-        </a:effectLst>
-        <a:scene3d>
-          <a:camera prst="orthographicFront"/>
-          <a:lightRig rig="flat" dir="t"/>
-        </a:scene3d>
-        <a:sp3d prstMaterial="dkEdge">
-          <a:bevelT w="8200" h="38100"/>
-        </a:sp3d>
-      </dsp:spPr>
-      <dsp:style>
-        <a:lnRef idx="0">
-          <a:scrgbClr r="0" g="0" b="0"/>
-        </a:lnRef>
-        <a:fillRef idx="2">
-          <a:scrgbClr r="0" g="0" b="0"/>
-        </a:fillRef>
-        <a:effectRef idx="1">
-          <a:scrgbClr r="0" g="0" b="0"/>
-        </a:effectRef>
-        <a:fontRef idx="minor">
-          <a:schemeClr val="dk1"/>
-        </a:fontRef>
-      </dsp:style>
-      <dsp:txBody>
-        <a:bodyPr spcFirstLastPara="0" vert="horz" wrap="square" lIns="12700" tIns="12700" rIns="12700" bIns="12700" numCol="1" spcCol="1270" anchor="ctr" anchorCtr="0">
-          <a:noAutofit/>
-        </a:bodyPr>
-        <a:lstStyle/>
-        <a:p>
-          <a:pPr lvl="0" algn="ctr" defTabSz="889000">
-            <a:lnSpc>
-              <a:spcPct val="90000"/>
-            </a:lnSpc>
-            <a:spcBef>
-              <a:spcPct val="0"/>
-            </a:spcBef>
-            <a:spcAft>
-              <a:spcPct val="35000"/>
-            </a:spcAft>
-          </a:pPr>
-          <a:r>
-            <a:rPr lang="en-US" sz="2000" kern="1200" dirty="0" smtClean="0"/>
-            <a:t>Refactoring</a:t>
-          </a:r>
-          <a:endParaRPr lang="en-US" sz="2000" kern="1200" dirty="0"/>
-        </a:p>
-      </dsp:txBody>
-      <dsp:txXfrm>
-        <a:off x="3424060" y="4614241"/>
-        <a:ext cx="1762478" cy="1762478"/>
-      </dsp:txXfrm>
-    </dsp:sp>
-    <dsp:sp modelId="{3E6E8334-949A-424B-AB66-FB3C0B5F1690}">
-      <dsp:nvSpPr>
-        <dsp:cNvPr id="0" name=""/>
-        <dsp:cNvSpPr/>
-      </dsp:nvSpPr>
-      <dsp:spPr>
-        <a:xfrm rot="10800000">
-          <a:off x="2891458" y="3181978"/>
-          <a:ext cx="308943" cy="36843"/>
-        </a:xfrm>
-        <a:custGeom>
-          <a:avLst/>
-          <a:gdLst/>
-          <a:ahLst/>
-          <a:cxnLst/>
-          <a:rect l="0" t="0" r="0" b="0"/>
-          <a:pathLst>
-            <a:path>
-              <a:moveTo>
-                <a:pt x="0" y="18421"/>
-              </a:moveTo>
-              <a:lnTo>
-                <a:pt x="308943" y="18421"/>
-              </a:lnTo>
-            </a:path>
-          </a:pathLst>
-        </a:custGeom>
-        <a:noFill/>
-        <a:ln w="25400" cap="flat" cmpd="sng" algn="ctr">
-          <a:solidFill>
-            <a:schemeClr val="accent1">
-              <a:shade val="60000"/>
-              <a:hueOff val="0"/>
-              <a:satOff val="0"/>
-              <a:lumOff val="0"/>
-              <a:alphaOff val="0"/>
-            </a:schemeClr>
-          </a:solidFill>
-          <a:prstDash val="solid"/>
-        </a:ln>
-        <a:effectLst/>
-      </dsp:spPr>
-      <dsp:style>
-        <a:lnRef idx="2">
-          <a:scrgbClr r="0" g="0" b="0"/>
-        </a:lnRef>
-        <a:fillRef idx="0">
-          <a:scrgbClr r="0" g="0" b="0"/>
-        </a:fillRef>
-        <a:effectRef idx="0">
-          <a:scrgbClr r="0" g="0" b="0"/>
-        </a:effectRef>
-        <a:fontRef idx="minor"/>
-      </dsp:style>
-      <dsp:txBody>
-        <a:bodyPr spcFirstLastPara="0" vert="horz" wrap="square" lIns="12700" tIns="0" rIns="12700" bIns="0" numCol="1" spcCol="1270" anchor="ctr" anchorCtr="0">
-          <a:noAutofit/>
-        </a:bodyPr>
-        <a:lstStyle/>
-        <a:p>
-          <a:pPr lvl="0" algn="ctr" defTabSz="222250">
-            <a:lnSpc>
-              <a:spcPct val="90000"/>
-            </a:lnSpc>
-            <a:spcBef>
-              <a:spcPct val="0"/>
-            </a:spcBef>
-            <a:spcAft>
-              <a:spcPct val="35000"/>
-            </a:spcAft>
-          </a:pPr>
-          <a:endParaRPr lang="en-US" sz="500" kern="1200"/>
-        </a:p>
-      </dsp:txBody>
-      <dsp:txXfrm rot="10800000">
-        <a:off x="3038206" y="3192676"/>
-        <a:ext cx="15447" cy="15447"/>
-      </dsp:txXfrm>
-    </dsp:sp>
-    <dsp:sp modelId="{3804797F-9A8B-495D-B6BC-8D14959040DB}">
-      <dsp:nvSpPr>
-        <dsp:cNvPr id="0" name=""/>
-        <dsp:cNvSpPr/>
-      </dsp:nvSpPr>
-      <dsp:spPr>
-        <a:xfrm>
-          <a:off x="1128979" y="2319160"/>
-          <a:ext cx="1762478" cy="1762478"/>
-        </a:xfrm>
-        <a:prstGeom prst="ellipse">
-          <a:avLst/>
-        </a:prstGeom>
-        <a:gradFill rotWithShape="0">
-          <a:gsLst>
-            <a:gs pos="0">
-              <a:schemeClr val="accent1">
-                <a:hueOff val="0"/>
-                <a:satOff val="0"/>
-                <a:lumOff val="0"/>
-                <a:alphaOff val="0"/>
-                <a:tint val="30000"/>
-                <a:satMod val="250000"/>
-              </a:schemeClr>
-            </a:gs>
-            <a:gs pos="72000">
-              <a:schemeClr val="accent1">
-                <a:hueOff val="0"/>
-                <a:satOff val="0"/>
-                <a:lumOff val="0"/>
-                <a:alphaOff val="0"/>
-                <a:tint val="75000"/>
-                <a:satMod val="210000"/>
-              </a:schemeClr>
-            </a:gs>
-            <a:gs pos="100000">
-              <a:schemeClr val="accent1">
-                <a:hueOff val="0"/>
-                <a:satOff val="0"/>
-                <a:lumOff val="0"/>
-                <a:alphaOff val="0"/>
-                <a:tint val="85000"/>
-                <a:satMod val="210000"/>
-              </a:schemeClr>
-            </a:gs>
-          </a:gsLst>
-          <a:lin ang="5400000" scaled="1"/>
-        </a:gradFill>
-        <a:ln>
-          <a:noFill/>
-        </a:ln>
-        <a:effectLst>
-          <a:outerShdw blurRad="76200" dist="50800" dir="5400000" rotWithShape="0">
-            <a:srgbClr val="4E3B30">
-              <a:alpha val="60000"/>
-            </a:srgbClr>
-          </a:outerShdw>
-        </a:effectLst>
-        <a:scene3d>
-          <a:camera prst="orthographicFront"/>
-          <a:lightRig rig="flat" dir="t"/>
-        </a:scene3d>
-        <a:sp3d prstMaterial="dkEdge">
-          <a:bevelT w="8200" h="38100"/>
-        </a:sp3d>
-      </dsp:spPr>
-      <dsp:style>
-        <a:lnRef idx="0">
-          <a:scrgbClr r="0" g="0" b="0"/>
-        </a:lnRef>
-        <a:fillRef idx="2">
-          <a:scrgbClr r="0" g="0" b="0"/>
-        </a:fillRef>
-        <a:effectRef idx="1">
-          <a:scrgbClr r="0" g="0" b="0"/>
-        </a:effectRef>
-        <a:fontRef idx="minor">
-          <a:schemeClr val="dk1"/>
-        </a:fontRef>
-      </dsp:style>
-      <dsp:txBody>
-        <a:bodyPr spcFirstLastPara="0" vert="horz" wrap="square" lIns="12700" tIns="12700" rIns="12700" bIns="12700" numCol="1" spcCol="1270" anchor="ctr" anchorCtr="0">
-          <a:noAutofit/>
-        </a:bodyPr>
-        <a:lstStyle/>
-        <a:p>
-          <a:pPr lvl="0" algn="ctr" defTabSz="889000">
-            <a:lnSpc>
-              <a:spcPct val="90000"/>
-            </a:lnSpc>
-            <a:spcBef>
-              <a:spcPct val="0"/>
-            </a:spcBef>
-            <a:spcAft>
-              <a:spcPct val="35000"/>
-            </a:spcAft>
-          </a:pPr>
-          <a:r>
-            <a:rPr lang="en-US" sz="2000" kern="1200" dirty="0" smtClean="0"/>
-            <a:t>Business Value Drives</a:t>
-          </a:r>
-          <a:endParaRPr lang="en-US" sz="2000" kern="1200" dirty="0"/>
-        </a:p>
-      </dsp:txBody>
-      <dsp:txXfrm>
-        <a:off x="1128979" y="2319160"/>
-        <a:ext cx="1762478" cy="1762478"/>
+        <a:off x="1016152" y="1728409"/>
+        <a:ext cx="1891796" cy="1891796"/>
       </dsp:txXfrm>
     </dsp:sp>
   </dsp:spTree>
@@ -4049,234 +2459,6 @@
 </file>
 
 <file path=ppt/diagrams/layout1.xml><?xml version="1.0" encoding="utf-8"?>
-<dgm:layoutDef xmlns:dgm="http://schemas.openxmlformats.org/drawingml/2006/diagram" xmlns:a="http://schemas.openxmlformats.org/drawingml/2006/main" uniqueId="urn:microsoft.com/office/officeart/2005/8/layout/radial1">
-  <dgm:title val=""/>
-  <dgm:desc val=""/>
-  <dgm:catLst>
-    <dgm:cat type="relationship" pri="22000"/>
-    <dgm:cat type="cycle" pri="10000"/>
-  </dgm:catLst>
-  <dgm:sampData>
-    <dgm:dataModel>
-      <dgm:ptLst>
-        <dgm:pt modelId="0" type="doc"/>
-        <dgm:pt modelId="1">
-          <dgm:prSet phldr="1"/>
-        </dgm:pt>
-        <dgm:pt modelId="11">
-          <dgm:prSet phldr="1"/>
-        </dgm:pt>
-        <dgm:pt modelId="12">
-          <dgm:prSet phldr="1"/>
-        </dgm:pt>
-        <dgm:pt modelId="13">
-          <dgm:prSet phldr="1"/>
-        </dgm:pt>
-        <dgm:pt modelId="14">
-          <dgm:prSet phldr="1"/>
-        </dgm:pt>
-      </dgm:ptLst>
-      <dgm:cxnLst>
-        <dgm:cxn modelId="2" srcId="0" destId="1" srcOrd="0" destOrd="0"/>
-        <dgm:cxn modelId="3" srcId="1" destId="11" srcOrd="0" destOrd="0"/>
-        <dgm:cxn modelId="4" srcId="1" destId="12" srcOrd="1" destOrd="0"/>
-        <dgm:cxn modelId="5" srcId="1" destId="13" srcOrd="2" destOrd="0"/>
-        <dgm:cxn modelId="6" srcId="1" destId="14" srcOrd="3" destOrd="0"/>
-      </dgm:cxnLst>
-      <dgm:bg/>
-      <dgm:whole/>
-    </dgm:dataModel>
-  </dgm:sampData>
-  <dgm:styleData>
-    <dgm:dataModel>
-      <dgm:ptLst>
-        <dgm:pt modelId="0" type="doc"/>
-        <dgm:pt modelId="1"/>
-        <dgm:pt modelId="11"/>
-        <dgm:pt modelId="12"/>
-        <dgm:pt modelId="13"/>
-      </dgm:ptLst>
-      <dgm:cxnLst>
-        <dgm:cxn modelId="2" srcId="0" destId="1" srcOrd="0" destOrd="0"/>
-        <dgm:cxn modelId="15" srcId="1" destId="11" srcOrd="0" destOrd="0"/>
-        <dgm:cxn modelId="16" srcId="1" destId="12" srcOrd="1" destOrd="0"/>
-        <dgm:cxn modelId="17" srcId="1" destId="13" srcOrd="2" destOrd="0"/>
-      </dgm:cxnLst>
-      <dgm:bg/>
-      <dgm:whole/>
-    </dgm:dataModel>
-  </dgm:styleData>
-  <dgm:clrData>
-    <dgm:dataModel>
-      <dgm:ptLst>
-        <dgm:pt modelId="0" type="doc"/>
-        <dgm:pt modelId="1"/>
-        <dgm:pt modelId="11"/>
-        <dgm:pt modelId="12"/>
-        <dgm:pt modelId="13"/>
-        <dgm:pt modelId="14"/>
-        <dgm:pt modelId="15"/>
-        <dgm:pt modelId="16"/>
-      </dgm:ptLst>
-      <dgm:cxnLst>
-        <dgm:cxn modelId="2" srcId="0" destId="1" srcOrd="0" destOrd="0"/>
-        <dgm:cxn modelId="16" srcId="1" destId="11" srcOrd="0" destOrd="0"/>
-        <dgm:cxn modelId="17" srcId="1" destId="12" srcOrd="1" destOrd="0"/>
-        <dgm:cxn modelId="18" srcId="1" destId="13" srcOrd="2" destOrd="0"/>
-        <dgm:cxn modelId="19" srcId="1" destId="14" srcOrd="3" destOrd="0"/>
-        <dgm:cxn modelId="20" srcId="1" destId="15" srcOrd="4" destOrd="0"/>
-        <dgm:cxn modelId="21" srcId="1" destId="16" srcOrd="5" destOrd="0"/>
-      </dgm:cxnLst>
-      <dgm:bg/>
-      <dgm:whole/>
-    </dgm:dataModel>
-  </dgm:clrData>
-  <dgm:layoutNode name="cycle">
-    <dgm:varLst>
-      <dgm:chMax val="1"/>
-      <dgm:dir/>
-      <dgm:animLvl val="ctr"/>
-      <dgm:resizeHandles val="exact"/>
-    </dgm:varLst>
-    <dgm:choose name="Name0">
-      <dgm:if name="Name1" func="var" arg="dir" op="equ" val="norm">
-        <dgm:choose name="Name2">
-          <dgm:if name="Name3" axis="ch ch" ptType="node node" st="1 1" cnt="1 0" func="cnt" op="lte" val="1">
-            <dgm:alg type="cycle">
-              <dgm:param type="stAng" val="90"/>
-              <dgm:param type="spanAng" val="360"/>
-              <dgm:param type="ctrShpMap" val="fNode"/>
-            </dgm:alg>
-          </dgm:if>
-          <dgm:else name="Name4">
-            <dgm:alg type="cycle">
-              <dgm:param type="stAng" val="0"/>
-              <dgm:param type="spanAng" val="360"/>
-              <dgm:param type="ctrShpMap" val="fNode"/>
-            </dgm:alg>
-          </dgm:else>
-        </dgm:choose>
-      </dgm:if>
-      <dgm:else name="Name5">
-        <dgm:alg type="cycle">
-          <dgm:param type="stAng" val="0"/>
-          <dgm:param type="spanAng" val="-360"/>
-          <dgm:param type="ctrShpMap" val="fNode"/>
-        </dgm:alg>
-      </dgm:else>
-    </dgm:choose>
-    <dgm:shape xmlns:r="http://schemas.openxmlformats.org/officeDocument/2006/relationships" r:blip="">
-      <dgm:adjLst/>
-    </dgm:shape>
-    <dgm:presOf/>
-    <dgm:constrLst>
-      <dgm:constr type="w" for="ch" forName="centerShape" refType="w"/>
-      <dgm:constr type="w" for="ch" forName="node" refType="w" refFor="ch" refForName="centerShape" op="equ"/>
-      <dgm:constr type="sp" refType="w" refFor="ch" refForName="node" fact="0.3"/>
-      <dgm:constr type="sibSp" refType="w" refFor="ch" refForName="node" fact="0.3"/>
-      <dgm:constr type="primFontSz" for="ch" forName="centerShape" val="65"/>
-      <dgm:constr type="primFontSz" for="des" forName="node" op="equ" val="65"/>
-      <dgm:constr type="primFontSz" for="des" forName="connTx" val="55"/>
-      <dgm:constr type="primFontSz" for="des" forName="connTx" refType="primFontSz" refFor="ch" refForName="centerShape" op="lte" fact="0.8"/>
-    </dgm:constrLst>
-    <dgm:ruleLst/>
-    <dgm:forEach name="Name6" axis="ch" ptType="node" cnt="1">
-      <dgm:layoutNode name="centerShape" styleLbl="node0">
-        <dgm:alg type="tx"/>
-        <dgm:shape xmlns:r="http://schemas.openxmlformats.org/officeDocument/2006/relationships" type="ellipse" r:blip="">
-          <dgm:adjLst/>
-        </dgm:shape>
-        <dgm:presOf axis="self"/>
-        <dgm:constrLst>
-          <dgm:constr type="h" refType="w"/>
-          <dgm:constr type="tMarg" refType="primFontSz" fact="0.05"/>
-          <dgm:constr type="bMarg" refType="primFontSz" fact="0.05"/>
-          <dgm:constr type="lMarg" refType="primFontSz" fact="0.05"/>
-          <dgm:constr type="rMarg" refType="primFontSz" fact="0.05"/>
-        </dgm:constrLst>
-        <dgm:ruleLst>
-          <dgm:rule type="primFontSz" val="5" fact="NaN" max="NaN"/>
-        </dgm:ruleLst>
-      </dgm:layoutNode>
-      <dgm:forEach name="Name7" axis="ch">
-        <dgm:forEach name="Name8" axis="self" ptType="parTrans">
-          <dgm:layoutNode name="Name9">
-            <dgm:alg type="conn">
-              <dgm:param type="dim" val="1D"/>
-              <dgm:param type="begPts" val="auto"/>
-              <dgm:param type="endPts" val="auto"/>
-              <dgm:param type="begSty" val="noArr"/>
-              <dgm:param type="endSty" val="noArr"/>
-            </dgm:alg>
-            <dgm:shape xmlns:r="http://schemas.openxmlformats.org/officeDocument/2006/relationships" type="conn" r:blip="">
-              <dgm:adjLst/>
-            </dgm:shape>
-            <dgm:presOf axis="self"/>
-            <dgm:constrLst>
-              <dgm:constr type="connDist"/>
-              <dgm:constr type="userA" for="ch" refType="connDist"/>
-              <dgm:constr type="w" val="1"/>
-              <dgm:constr type="h" val="5"/>
-              <dgm:constr type="begPad"/>
-              <dgm:constr type="endPad"/>
-            </dgm:constrLst>
-            <dgm:ruleLst/>
-            <dgm:layoutNode name="connTx">
-              <dgm:alg type="tx">
-                <dgm:param type="autoTxRot" val="grav"/>
-              </dgm:alg>
-              <dgm:shape xmlns:r="http://schemas.openxmlformats.org/officeDocument/2006/relationships" type="rect" r:blip="" hideGeom="1">
-                <dgm:adjLst/>
-              </dgm:shape>
-              <dgm:presOf axis="self"/>
-              <dgm:constrLst>
-                <dgm:constr type="userA"/>
-                <dgm:constr type="w" refType="userA" fact="0.05"/>
-                <dgm:constr type="h" refType="userA" fact="0.05"/>
-                <dgm:constr type="lMarg" val="1"/>
-                <dgm:constr type="rMarg" val="1"/>
-                <dgm:constr type="tMarg"/>
-                <dgm:constr type="bMarg"/>
-              </dgm:constrLst>
-              <dgm:ruleLst>
-                <dgm:rule type="w" val="NaN" fact="0.8" max="NaN"/>
-                <dgm:rule type="h" val="NaN" fact="1" max="NaN"/>
-                <dgm:rule type="primFontSz" val="5" fact="NaN" max="NaN"/>
-              </dgm:ruleLst>
-            </dgm:layoutNode>
-          </dgm:layoutNode>
-        </dgm:forEach>
-        <dgm:forEach name="Name10" axis="self" ptType="node">
-          <dgm:layoutNode name="node" styleLbl="node1">
-            <dgm:varLst>
-              <dgm:bulletEnabled val="1"/>
-            </dgm:varLst>
-            <dgm:alg type="tx">
-              <dgm:param type="txAnchorVertCh" val="mid"/>
-            </dgm:alg>
-            <dgm:shape xmlns:r="http://schemas.openxmlformats.org/officeDocument/2006/relationships" type="ellipse" r:blip="">
-              <dgm:adjLst/>
-            </dgm:shape>
-            <dgm:presOf axis="desOrSelf" ptType="node"/>
-            <dgm:constrLst>
-              <dgm:constr type="h" refType="w"/>
-              <dgm:constr type="tMarg" refType="primFontSz" fact="0.05"/>
-              <dgm:constr type="bMarg" refType="primFontSz" fact="0.05"/>
-              <dgm:constr type="lMarg" refType="primFontSz" fact="0.05"/>
-              <dgm:constr type="rMarg" refType="primFontSz" fact="0.05"/>
-            </dgm:constrLst>
-            <dgm:ruleLst>
-              <dgm:rule type="primFontSz" val="5" fact="NaN" max="NaN"/>
-            </dgm:ruleLst>
-          </dgm:layoutNode>
-        </dgm:forEach>
-      </dgm:forEach>
-    </dgm:forEach>
-  </dgm:layoutNode>
-</dgm:layoutDef>
-</file>
-
-<file path=ppt/diagrams/layout2.xml><?xml version="1.0" encoding="utf-8"?>
 <dgm:layoutDef xmlns:dgm="http://schemas.openxmlformats.org/drawingml/2006/diagram" xmlns:a="http://schemas.openxmlformats.org/drawingml/2006/main" uniqueId="urn:microsoft.com/office/officeart/2005/8/layout/radial1">
   <dgm:title val=""/>
   <dgm:desc val=""/>
@@ -5564,1066 +3746,6 @@
 </dgm:styleDef>
 </file>
 
-<file path=ppt/diagrams/quickStyle2.xml><?xml version="1.0" encoding="utf-8"?>
-<dgm:styleDef xmlns:dgm="http://schemas.openxmlformats.org/drawingml/2006/diagram" xmlns:a="http://schemas.openxmlformats.org/drawingml/2006/main" uniqueId="urn:microsoft.com/office/officeart/2005/8/quickstyle/simple3">
-  <dgm:title val=""/>
-  <dgm:desc val=""/>
-  <dgm:catLst>
-    <dgm:cat type="simple" pri="10300"/>
-  </dgm:catLst>
-  <dgm:scene3d>
-    <a:camera prst="orthographicFront"/>
-    <a:lightRig rig="threePt" dir="t"/>
-  </dgm:scene3d>
-  <dgm:styleLbl name="node0">
-    <dgm:scene3d>
-      <a:camera prst="orthographicFront"/>
-      <a:lightRig rig="flat" dir="t"/>
-    </dgm:scene3d>
-    <dgm:sp3d prstMaterial="dkEdge">
-      <a:bevelT w="8200" h="38100"/>
-    </dgm:sp3d>
-    <dgm:txPr/>
-    <dgm:style>
-      <a:lnRef idx="0">
-        <a:scrgbClr r="0" g="0" b="0"/>
-      </a:lnRef>
-      <a:fillRef idx="2">
-        <a:scrgbClr r="0" g="0" b="0"/>
-      </a:fillRef>
-      <a:effectRef idx="1">
-        <a:scrgbClr r="0" g="0" b="0"/>
-      </a:effectRef>
-      <a:fontRef idx="minor">
-        <a:schemeClr val="dk1"/>
-      </a:fontRef>
-    </dgm:style>
-  </dgm:styleLbl>
-  <dgm:styleLbl name="lnNode1">
-    <dgm:scene3d>
-      <a:camera prst="orthographicFront"/>
-      <a:lightRig rig="flat" dir="t"/>
-    </dgm:scene3d>
-    <dgm:sp3d prstMaterial="dkEdge">
-      <a:bevelT w="8200" h="38100"/>
-    </dgm:sp3d>
-    <dgm:txPr/>
-    <dgm:style>
-      <a:lnRef idx="1">
-        <a:scrgbClr r="0" g="0" b="0"/>
-      </a:lnRef>
-      <a:fillRef idx="2">
-        <a:scrgbClr r="0" g="0" b="0"/>
-      </a:fillRef>
-      <a:effectRef idx="0">
-        <a:scrgbClr r="0" g="0" b="0"/>
-      </a:effectRef>
-      <a:fontRef idx="minor">
-        <a:schemeClr val="dk1"/>
-      </a:fontRef>
-    </dgm:style>
-  </dgm:styleLbl>
-  <dgm:styleLbl name="vennNode1">
-    <dgm:scene3d>
-      <a:camera prst="orthographicFront"/>
-      <a:lightRig rig="flat" dir="t"/>
-    </dgm:scene3d>
-    <dgm:sp3d prstMaterial="dkEdge">
-      <a:bevelT w="8200" h="38100"/>
-    </dgm:sp3d>
-    <dgm:txPr/>
-    <dgm:style>
-      <a:lnRef idx="0">
-        <a:scrgbClr r="0" g="0" b="0"/>
-      </a:lnRef>
-      <a:fillRef idx="2">
-        <a:scrgbClr r="0" g="0" b="0"/>
-      </a:fillRef>
-      <a:effectRef idx="0">
-        <a:scrgbClr r="0" g="0" b="0"/>
-      </a:effectRef>
-      <a:fontRef idx="minor">
-        <a:schemeClr val="tx1"/>
-      </a:fontRef>
-    </dgm:style>
-  </dgm:styleLbl>
-  <dgm:styleLbl name="alignNode1">
-    <dgm:scene3d>
-      <a:camera prst="orthographicFront"/>
-      <a:lightRig rig="threePt" dir="t"/>
-    </dgm:scene3d>
-    <dgm:sp3d/>
-    <dgm:txPr/>
-    <dgm:style>
-      <a:lnRef idx="1">
-        <a:scrgbClr r="0" g="0" b="0"/>
-      </a:lnRef>
-      <a:fillRef idx="2">
-        <a:scrgbClr r="0" g="0" b="0"/>
-      </a:fillRef>
-      <a:effectRef idx="1">
-        <a:scrgbClr r="0" g="0" b="0"/>
-      </a:effectRef>
-      <a:fontRef idx="minor">
-        <a:schemeClr val="dk1"/>
-      </a:fontRef>
-    </dgm:style>
-  </dgm:styleLbl>
-  <dgm:styleLbl name="node1">
-    <dgm:scene3d>
-      <a:camera prst="orthographicFront"/>
-      <a:lightRig rig="flat" dir="t"/>
-    </dgm:scene3d>
-    <dgm:sp3d prstMaterial="dkEdge">
-      <a:bevelT w="8200" h="38100"/>
-    </dgm:sp3d>
-    <dgm:txPr/>
-    <dgm:style>
-      <a:lnRef idx="0">
-        <a:scrgbClr r="0" g="0" b="0"/>
-      </a:lnRef>
-      <a:fillRef idx="2">
-        <a:scrgbClr r="0" g="0" b="0"/>
-      </a:fillRef>
-      <a:effectRef idx="1">
-        <a:scrgbClr r="0" g="0" b="0"/>
-      </a:effectRef>
-      <a:fontRef idx="minor">
-        <a:schemeClr val="dk1"/>
-      </a:fontRef>
-    </dgm:style>
-  </dgm:styleLbl>
-  <dgm:styleLbl name="node2">
-    <dgm:scene3d>
-      <a:camera prst="orthographicFront"/>
-      <a:lightRig rig="flat" dir="t"/>
-    </dgm:scene3d>
-    <dgm:sp3d prstMaterial="dkEdge">
-      <a:bevelT w="8200" h="38100"/>
-    </dgm:sp3d>
-    <dgm:txPr/>
-    <dgm:style>
-      <a:lnRef idx="0">
-        <a:scrgbClr r="0" g="0" b="0"/>
-      </a:lnRef>
-      <a:fillRef idx="2">
-        <a:scrgbClr r="0" g="0" b="0"/>
-      </a:fillRef>
-      <a:effectRef idx="1">
-        <a:scrgbClr r="0" g="0" b="0"/>
-      </a:effectRef>
-      <a:fontRef idx="minor">
-        <a:schemeClr val="dk1"/>
-      </a:fontRef>
-    </dgm:style>
-  </dgm:styleLbl>
-  <dgm:styleLbl name="node3">
-    <dgm:scene3d>
-      <a:camera prst="orthographicFront"/>
-      <a:lightRig rig="flat" dir="t"/>
-    </dgm:scene3d>
-    <dgm:sp3d prstMaterial="dkEdge">
-      <a:bevelT w="8200" h="38100"/>
-    </dgm:sp3d>
-    <dgm:txPr/>
-    <dgm:style>
-      <a:lnRef idx="0">
-        <a:scrgbClr r="0" g="0" b="0"/>
-      </a:lnRef>
-      <a:fillRef idx="2">
-        <a:scrgbClr r="0" g="0" b="0"/>
-      </a:fillRef>
-      <a:effectRef idx="1">
-        <a:scrgbClr r="0" g="0" b="0"/>
-      </a:effectRef>
-      <a:fontRef idx="minor">
-        <a:schemeClr val="dk1"/>
-      </a:fontRef>
-    </dgm:style>
-  </dgm:styleLbl>
-  <dgm:styleLbl name="node4">
-    <dgm:scene3d>
-      <a:camera prst="orthographicFront"/>
-      <a:lightRig rig="flat" dir="t"/>
-    </dgm:scene3d>
-    <dgm:sp3d prstMaterial="dkEdge">
-      <a:bevelT w="8200" h="38100"/>
-    </dgm:sp3d>
-    <dgm:txPr/>
-    <dgm:style>
-      <a:lnRef idx="0">
-        <a:scrgbClr r="0" g="0" b="0"/>
-      </a:lnRef>
-      <a:fillRef idx="2">
-        <a:scrgbClr r="0" g="0" b="0"/>
-      </a:fillRef>
-      <a:effectRef idx="1">
-        <a:scrgbClr r="0" g="0" b="0"/>
-      </a:effectRef>
-      <a:fontRef idx="minor">
-        <a:schemeClr val="dk1"/>
-      </a:fontRef>
-    </dgm:style>
-  </dgm:styleLbl>
-  <dgm:styleLbl name="fgImgPlace1">
-    <dgm:scene3d>
-      <a:camera prst="orthographicFront"/>
-      <a:lightRig rig="threePt" dir="t"/>
-    </dgm:scene3d>
-    <dgm:sp3d/>
-    <dgm:txPr/>
-    <dgm:style>
-      <a:lnRef idx="1">
-        <a:scrgbClr r="0" g="0" b="0"/>
-      </a:lnRef>
-      <a:fillRef idx="1">
-        <a:scrgbClr r="0" g="0" b="0"/>
-      </a:fillRef>
-      <a:effectRef idx="1">
-        <a:scrgbClr r="0" g="0" b="0"/>
-      </a:effectRef>
-      <a:fontRef idx="minor"/>
-    </dgm:style>
-  </dgm:styleLbl>
-  <dgm:styleLbl name="alignImgPlace1">
-    <dgm:scene3d>
-      <a:camera prst="orthographicFront"/>
-      <a:lightRig rig="threePt" dir="t"/>
-    </dgm:scene3d>
-    <dgm:sp3d/>
-    <dgm:txPr/>
-    <dgm:style>
-      <a:lnRef idx="1">
-        <a:scrgbClr r="0" g="0" b="0"/>
-      </a:lnRef>
-      <a:fillRef idx="1">
-        <a:scrgbClr r="0" g="0" b="0"/>
-      </a:fillRef>
-      <a:effectRef idx="1">
-        <a:scrgbClr r="0" g="0" b="0"/>
-      </a:effectRef>
-      <a:fontRef idx="minor"/>
-    </dgm:style>
-  </dgm:styleLbl>
-  <dgm:styleLbl name="bgImgPlace1">
-    <dgm:scene3d>
-      <a:camera prst="orthographicFront"/>
-      <a:lightRig rig="threePt" dir="t"/>
-    </dgm:scene3d>
-    <dgm:sp3d/>
-    <dgm:txPr/>
-    <dgm:style>
-      <a:lnRef idx="1">
-        <a:scrgbClr r="0" g="0" b="0"/>
-      </a:lnRef>
-      <a:fillRef idx="1">
-        <a:scrgbClr r="0" g="0" b="0"/>
-      </a:fillRef>
-      <a:effectRef idx="1">
-        <a:scrgbClr r="0" g="0" b="0"/>
-      </a:effectRef>
-      <a:fontRef idx="minor"/>
-    </dgm:style>
-  </dgm:styleLbl>
-  <dgm:styleLbl name="sibTrans2D1">
-    <dgm:scene3d>
-      <a:camera prst="orthographicFront"/>
-      <a:lightRig rig="threePt" dir="t"/>
-    </dgm:scene3d>
-    <dgm:sp3d/>
-    <dgm:txPr/>
-    <dgm:style>
-      <a:lnRef idx="0">
-        <a:scrgbClr r="0" g="0" b="0"/>
-      </a:lnRef>
-      <a:fillRef idx="2">
-        <a:scrgbClr r="0" g="0" b="0"/>
-      </a:fillRef>
-      <a:effectRef idx="1">
-        <a:scrgbClr r="0" g="0" b="0"/>
-      </a:effectRef>
-      <a:fontRef idx="minor">
-        <a:schemeClr val="dk1"/>
-      </a:fontRef>
-    </dgm:style>
-  </dgm:styleLbl>
-  <dgm:styleLbl name="fgSibTrans2D1">
-    <dgm:scene3d>
-      <a:camera prst="orthographicFront"/>
-      <a:lightRig rig="threePt" dir="t"/>
-    </dgm:scene3d>
-    <dgm:sp3d/>
-    <dgm:txPr/>
-    <dgm:style>
-      <a:lnRef idx="0">
-        <a:scrgbClr r="0" g="0" b="0"/>
-      </a:lnRef>
-      <a:fillRef idx="2">
-        <a:scrgbClr r="0" g="0" b="0"/>
-      </a:fillRef>
-      <a:effectRef idx="1">
-        <a:scrgbClr r="0" g="0" b="0"/>
-      </a:effectRef>
-      <a:fontRef idx="minor">
-        <a:schemeClr val="dk1"/>
-      </a:fontRef>
-    </dgm:style>
-  </dgm:styleLbl>
-  <dgm:styleLbl name="bgSibTrans2D1">
-    <dgm:scene3d>
-      <a:camera prst="orthographicFront"/>
-      <a:lightRig rig="threePt" dir="t"/>
-    </dgm:scene3d>
-    <dgm:sp3d/>
-    <dgm:txPr/>
-    <dgm:style>
-      <a:lnRef idx="0">
-        <a:scrgbClr r="0" g="0" b="0"/>
-      </a:lnRef>
-      <a:fillRef idx="2">
-        <a:scrgbClr r="0" g="0" b="0"/>
-      </a:fillRef>
-      <a:effectRef idx="1">
-        <a:scrgbClr r="0" g="0" b="0"/>
-      </a:effectRef>
-      <a:fontRef idx="minor">
-        <a:schemeClr val="dk1"/>
-      </a:fontRef>
-    </dgm:style>
-  </dgm:styleLbl>
-  <dgm:styleLbl name="sibTrans1D1">
-    <dgm:scene3d>
-      <a:camera prst="orthographicFront"/>
-      <a:lightRig rig="threePt" dir="t"/>
-    </dgm:scene3d>
-    <dgm:sp3d/>
-    <dgm:txPr/>
-    <dgm:style>
-      <a:lnRef idx="1">
-        <a:scrgbClr r="0" g="0" b="0"/>
-      </a:lnRef>
-      <a:fillRef idx="0">
-        <a:scrgbClr r="0" g="0" b="0"/>
-      </a:fillRef>
-      <a:effectRef idx="0">
-        <a:scrgbClr r="0" g="0" b="0"/>
-      </a:effectRef>
-      <a:fontRef idx="minor"/>
-    </dgm:style>
-  </dgm:styleLbl>
-  <dgm:styleLbl name="callout">
-    <dgm:scene3d>
-      <a:camera prst="orthographicFront"/>
-      <a:lightRig rig="threePt" dir="t"/>
-    </dgm:scene3d>
-    <dgm:sp3d/>
-    <dgm:txPr/>
-    <dgm:style>
-      <a:lnRef idx="1">
-        <a:scrgbClr r="0" g="0" b="0"/>
-      </a:lnRef>
-      <a:fillRef idx="2">
-        <a:scrgbClr r="0" g="0" b="0"/>
-      </a:fillRef>
-      <a:effectRef idx="1">
-        <a:scrgbClr r="0" g="0" b="0"/>
-      </a:effectRef>
-      <a:fontRef idx="minor"/>
-    </dgm:style>
-  </dgm:styleLbl>
-  <dgm:styleLbl name="asst0">
-    <dgm:scene3d>
-      <a:camera prst="orthographicFront"/>
-      <a:lightRig rig="flat" dir="t"/>
-    </dgm:scene3d>
-    <dgm:sp3d prstMaterial="dkEdge">
-      <a:bevelT w="8200" h="38100"/>
-    </dgm:sp3d>
-    <dgm:txPr/>
-    <dgm:style>
-      <a:lnRef idx="0">
-        <a:scrgbClr r="0" g="0" b="0"/>
-      </a:lnRef>
-      <a:fillRef idx="2">
-        <a:scrgbClr r="0" g="0" b="0"/>
-      </a:fillRef>
-      <a:effectRef idx="1">
-        <a:scrgbClr r="0" g="0" b="0"/>
-      </a:effectRef>
-      <a:fontRef idx="minor">
-        <a:schemeClr val="dk1"/>
-      </a:fontRef>
-    </dgm:style>
-  </dgm:styleLbl>
-  <dgm:styleLbl name="asst1">
-    <dgm:scene3d>
-      <a:camera prst="orthographicFront"/>
-      <a:lightRig rig="flat" dir="t"/>
-    </dgm:scene3d>
-    <dgm:sp3d prstMaterial="dkEdge">
-      <a:bevelT w="8200" h="38100"/>
-    </dgm:sp3d>
-    <dgm:txPr/>
-    <dgm:style>
-      <a:lnRef idx="0">
-        <a:scrgbClr r="0" g="0" b="0"/>
-      </a:lnRef>
-      <a:fillRef idx="2">
-        <a:scrgbClr r="0" g="0" b="0"/>
-      </a:fillRef>
-      <a:effectRef idx="1">
-        <a:scrgbClr r="0" g="0" b="0"/>
-      </a:effectRef>
-      <a:fontRef idx="minor">
-        <a:schemeClr val="dk1"/>
-      </a:fontRef>
-    </dgm:style>
-  </dgm:styleLbl>
-  <dgm:styleLbl name="asst2">
-    <dgm:scene3d>
-      <a:camera prst="orthographicFront"/>
-      <a:lightRig rig="flat" dir="t"/>
-    </dgm:scene3d>
-    <dgm:sp3d prstMaterial="dkEdge">
-      <a:bevelT w="8200" h="38100"/>
-    </dgm:sp3d>
-    <dgm:txPr/>
-    <dgm:style>
-      <a:lnRef idx="0">
-        <a:scrgbClr r="0" g="0" b="0"/>
-      </a:lnRef>
-      <a:fillRef idx="2">
-        <a:scrgbClr r="0" g="0" b="0"/>
-      </a:fillRef>
-      <a:effectRef idx="1">
-        <a:scrgbClr r="0" g="0" b="0"/>
-      </a:effectRef>
-      <a:fontRef idx="minor">
-        <a:schemeClr val="dk1"/>
-      </a:fontRef>
-    </dgm:style>
-  </dgm:styleLbl>
-  <dgm:styleLbl name="asst3">
-    <dgm:scene3d>
-      <a:camera prst="orthographicFront"/>
-      <a:lightRig rig="flat" dir="t"/>
-    </dgm:scene3d>
-    <dgm:sp3d prstMaterial="dkEdge">
-      <a:bevelT w="8200" h="38100"/>
-    </dgm:sp3d>
-    <dgm:txPr/>
-    <dgm:style>
-      <a:lnRef idx="0">
-        <a:scrgbClr r="0" g="0" b="0"/>
-      </a:lnRef>
-      <a:fillRef idx="2">
-        <a:scrgbClr r="0" g="0" b="0"/>
-      </a:fillRef>
-      <a:effectRef idx="1">
-        <a:scrgbClr r="0" g="0" b="0"/>
-      </a:effectRef>
-      <a:fontRef idx="minor">
-        <a:schemeClr val="dk1"/>
-      </a:fontRef>
-    </dgm:style>
-  </dgm:styleLbl>
-  <dgm:styleLbl name="asst4">
-    <dgm:scene3d>
-      <a:camera prst="orthographicFront"/>
-      <a:lightRig rig="flat" dir="t"/>
-    </dgm:scene3d>
-    <dgm:sp3d prstMaterial="dkEdge">
-      <a:bevelT w="8200" h="38100"/>
-    </dgm:sp3d>
-    <dgm:txPr/>
-    <dgm:style>
-      <a:lnRef idx="0">
-        <a:scrgbClr r="0" g="0" b="0"/>
-      </a:lnRef>
-      <a:fillRef idx="2">
-        <a:scrgbClr r="0" g="0" b="0"/>
-      </a:fillRef>
-      <a:effectRef idx="1">
-        <a:scrgbClr r="0" g="0" b="0"/>
-      </a:effectRef>
-      <a:fontRef idx="minor">
-        <a:schemeClr val="dk1"/>
-      </a:fontRef>
-    </dgm:style>
-  </dgm:styleLbl>
-  <dgm:styleLbl name="parChTrans2D1">
-    <dgm:scene3d>
-      <a:camera prst="orthographicFront"/>
-      <a:lightRig rig="threePt" dir="t"/>
-    </dgm:scene3d>
-    <dgm:sp3d/>
-    <dgm:txPr/>
-    <dgm:style>
-      <a:lnRef idx="1">
-        <a:scrgbClr r="0" g="0" b="0"/>
-      </a:lnRef>
-      <a:fillRef idx="2">
-        <a:scrgbClr r="0" g="0" b="0"/>
-      </a:fillRef>
-      <a:effectRef idx="1">
-        <a:scrgbClr r="0" g="0" b="0"/>
-      </a:effectRef>
-      <a:fontRef idx="minor">
-        <a:schemeClr val="dk1"/>
-      </a:fontRef>
-    </dgm:style>
-  </dgm:styleLbl>
-  <dgm:styleLbl name="parChTrans2D2">
-    <dgm:scene3d>
-      <a:camera prst="orthographicFront"/>
-      <a:lightRig rig="threePt" dir="t"/>
-    </dgm:scene3d>
-    <dgm:sp3d/>
-    <dgm:txPr/>
-    <dgm:style>
-      <a:lnRef idx="1">
-        <a:scrgbClr r="0" g="0" b="0"/>
-      </a:lnRef>
-      <a:fillRef idx="2">
-        <a:scrgbClr r="0" g="0" b="0"/>
-      </a:fillRef>
-      <a:effectRef idx="1">
-        <a:scrgbClr r="0" g="0" b="0"/>
-      </a:effectRef>
-      <a:fontRef idx="minor">
-        <a:schemeClr val="dk1"/>
-      </a:fontRef>
-    </dgm:style>
-  </dgm:styleLbl>
-  <dgm:styleLbl name="parChTrans2D3">
-    <dgm:scene3d>
-      <a:camera prst="orthographicFront"/>
-      <a:lightRig rig="threePt" dir="t"/>
-    </dgm:scene3d>
-    <dgm:sp3d/>
-    <dgm:txPr/>
-    <dgm:style>
-      <a:lnRef idx="1">
-        <a:scrgbClr r="0" g="0" b="0"/>
-      </a:lnRef>
-      <a:fillRef idx="2">
-        <a:scrgbClr r="0" g="0" b="0"/>
-      </a:fillRef>
-      <a:effectRef idx="1">
-        <a:scrgbClr r="0" g="0" b="0"/>
-      </a:effectRef>
-      <a:fontRef idx="minor">
-        <a:schemeClr val="dk1"/>
-      </a:fontRef>
-    </dgm:style>
-  </dgm:styleLbl>
-  <dgm:styleLbl name="parChTrans2D4">
-    <dgm:scene3d>
-      <a:camera prst="orthographicFront"/>
-      <a:lightRig rig="threePt" dir="t"/>
-    </dgm:scene3d>
-    <dgm:sp3d/>
-    <dgm:txPr/>
-    <dgm:style>
-      <a:lnRef idx="1">
-        <a:scrgbClr r="0" g="0" b="0"/>
-      </a:lnRef>
-      <a:fillRef idx="2">
-        <a:scrgbClr r="0" g="0" b="0"/>
-      </a:fillRef>
-      <a:effectRef idx="1">
-        <a:scrgbClr r="0" g="0" b="0"/>
-      </a:effectRef>
-      <a:fontRef idx="minor">
-        <a:schemeClr val="dk1"/>
-      </a:fontRef>
-    </dgm:style>
-  </dgm:styleLbl>
-  <dgm:styleLbl name="parChTrans1D1">
-    <dgm:scene3d>
-      <a:camera prst="orthographicFront"/>
-      <a:lightRig rig="threePt" dir="t"/>
-    </dgm:scene3d>
-    <dgm:sp3d/>
-    <dgm:txPr/>
-    <dgm:style>
-      <a:lnRef idx="2">
-        <a:scrgbClr r="0" g="0" b="0"/>
-      </a:lnRef>
-      <a:fillRef idx="0">
-        <a:scrgbClr r="0" g="0" b="0"/>
-      </a:fillRef>
-      <a:effectRef idx="0">
-        <a:scrgbClr r="0" g="0" b="0"/>
-      </a:effectRef>
-      <a:fontRef idx="minor"/>
-    </dgm:style>
-  </dgm:styleLbl>
-  <dgm:styleLbl name="parChTrans1D2">
-    <dgm:scene3d>
-      <a:camera prst="orthographicFront"/>
-      <a:lightRig rig="threePt" dir="t"/>
-    </dgm:scene3d>
-    <dgm:sp3d/>
-    <dgm:txPr/>
-    <dgm:style>
-      <a:lnRef idx="2">
-        <a:scrgbClr r="0" g="0" b="0"/>
-      </a:lnRef>
-      <a:fillRef idx="0">
-        <a:scrgbClr r="0" g="0" b="0"/>
-      </a:fillRef>
-      <a:effectRef idx="0">
-        <a:scrgbClr r="0" g="0" b="0"/>
-      </a:effectRef>
-      <a:fontRef idx="minor"/>
-    </dgm:style>
-  </dgm:styleLbl>
-  <dgm:styleLbl name="parChTrans1D3">
-    <dgm:scene3d>
-      <a:camera prst="orthographicFront"/>
-      <a:lightRig rig="threePt" dir="t"/>
-    </dgm:scene3d>
-    <dgm:sp3d/>
-    <dgm:txPr/>
-    <dgm:style>
-      <a:lnRef idx="2">
-        <a:scrgbClr r="0" g="0" b="0"/>
-      </a:lnRef>
-      <a:fillRef idx="0">
-        <a:scrgbClr r="0" g="0" b="0"/>
-      </a:fillRef>
-      <a:effectRef idx="0">
-        <a:scrgbClr r="0" g="0" b="0"/>
-      </a:effectRef>
-      <a:fontRef idx="minor"/>
-    </dgm:style>
-  </dgm:styleLbl>
-  <dgm:styleLbl name="parChTrans1D4">
-    <dgm:scene3d>
-      <a:camera prst="orthographicFront"/>
-      <a:lightRig rig="threePt" dir="t"/>
-    </dgm:scene3d>
-    <dgm:sp3d/>
-    <dgm:txPr/>
-    <dgm:style>
-      <a:lnRef idx="2">
-        <a:scrgbClr r="0" g="0" b="0"/>
-      </a:lnRef>
-      <a:fillRef idx="0">
-        <a:scrgbClr r="0" g="0" b="0"/>
-      </a:fillRef>
-      <a:effectRef idx="0">
-        <a:scrgbClr r="0" g="0" b="0"/>
-      </a:effectRef>
-      <a:fontRef idx="minor"/>
-    </dgm:style>
-  </dgm:styleLbl>
-  <dgm:styleLbl name="fgAcc1">
-    <dgm:scene3d>
-      <a:camera prst="orthographicFront"/>
-      <a:lightRig rig="threePt" dir="t"/>
-    </dgm:scene3d>
-    <dgm:sp3d/>
-    <dgm:txPr/>
-    <dgm:style>
-      <a:lnRef idx="1">
-        <a:scrgbClr r="0" g="0" b="0"/>
-      </a:lnRef>
-      <a:fillRef idx="1">
-        <a:scrgbClr r="0" g="0" b="0"/>
-      </a:fillRef>
-      <a:effectRef idx="0">
-        <a:scrgbClr r="0" g="0" b="0"/>
-      </a:effectRef>
-      <a:fontRef idx="minor"/>
-    </dgm:style>
-  </dgm:styleLbl>
-  <dgm:styleLbl name="conFgAcc1">
-    <dgm:scene3d>
-      <a:camera prst="orthographicFront"/>
-      <a:lightRig rig="threePt" dir="t"/>
-    </dgm:scene3d>
-    <dgm:sp3d/>
-    <dgm:txPr/>
-    <dgm:style>
-      <a:lnRef idx="1">
-        <a:scrgbClr r="0" g="0" b="0"/>
-      </a:lnRef>
-      <a:fillRef idx="1">
-        <a:scrgbClr r="0" g="0" b="0"/>
-      </a:fillRef>
-      <a:effectRef idx="0">
-        <a:scrgbClr r="0" g="0" b="0"/>
-      </a:effectRef>
-      <a:fontRef idx="minor"/>
-    </dgm:style>
-  </dgm:styleLbl>
-  <dgm:styleLbl name="alignAcc1">
-    <dgm:scene3d>
-      <a:camera prst="orthographicFront"/>
-      <a:lightRig rig="threePt" dir="t"/>
-    </dgm:scene3d>
-    <dgm:sp3d/>
-    <dgm:txPr/>
-    <dgm:style>
-      <a:lnRef idx="1">
-        <a:scrgbClr r="0" g="0" b="0"/>
-      </a:lnRef>
-      <a:fillRef idx="1">
-        <a:scrgbClr r="0" g="0" b="0"/>
-      </a:fillRef>
-      <a:effectRef idx="0">
-        <a:scrgbClr r="0" g="0" b="0"/>
-      </a:effectRef>
-      <a:fontRef idx="minor"/>
-    </dgm:style>
-  </dgm:styleLbl>
-  <dgm:styleLbl name="trAlignAcc1">
-    <dgm:scene3d>
-      <a:camera prst="orthographicFront"/>
-      <a:lightRig rig="threePt" dir="t"/>
-    </dgm:scene3d>
-    <dgm:sp3d/>
-    <dgm:txPr/>
-    <dgm:style>
-      <a:lnRef idx="1">
-        <a:scrgbClr r="0" g="0" b="0"/>
-      </a:lnRef>
-      <a:fillRef idx="1">
-        <a:scrgbClr r="0" g="0" b="0"/>
-      </a:fillRef>
-      <a:effectRef idx="0">
-        <a:scrgbClr r="0" g="0" b="0"/>
-      </a:effectRef>
-      <a:fontRef idx="minor"/>
-    </dgm:style>
-  </dgm:styleLbl>
-  <dgm:styleLbl name="bgAcc1">
-    <dgm:scene3d>
-      <a:camera prst="orthographicFront"/>
-      <a:lightRig rig="threePt" dir="t"/>
-    </dgm:scene3d>
-    <dgm:sp3d/>
-    <dgm:txPr/>
-    <dgm:style>
-      <a:lnRef idx="1">
-        <a:scrgbClr r="0" g="0" b="0"/>
-      </a:lnRef>
-      <a:fillRef idx="1">
-        <a:scrgbClr r="0" g="0" b="0"/>
-      </a:fillRef>
-      <a:effectRef idx="0">
-        <a:scrgbClr r="0" g="0" b="0"/>
-      </a:effectRef>
-      <a:fontRef idx="minor"/>
-    </dgm:style>
-  </dgm:styleLbl>
-  <dgm:styleLbl name="solidFgAcc1">
-    <dgm:scene3d>
-      <a:camera prst="orthographicFront"/>
-      <a:lightRig rig="threePt" dir="t"/>
-    </dgm:scene3d>
-    <dgm:sp3d/>
-    <dgm:txPr/>
-    <dgm:style>
-      <a:lnRef idx="1">
-        <a:scrgbClr r="0" g="0" b="0"/>
-      </a:lnRef>
-      <a:fillRef idx="2">
-        <a:scrgbClr r="0" g="0" b="0"/>
-      </a:fillRef>
-      <a:effectRef idx="0">
-        <a:scrgbClr r="0" g="0" b="0"/>
-      </a:effectRef>
-      <a:fontRef idx="minor"/>
-    </dgm:style>
-  </dgm:styleLbl>
-  <dgm:styleLbl name="solidAlignAcc1">
-    <dgm:scene3d>
-      <a:camera prst="orthographicFront"/>
-      <a:lightRig rig="threePt" dir="t"/>
-    </dgm:scene3d>
-    <dgm:sp3d/>
-    <dgm:txPr/>
-    <dgm:style>
-      <a:lnRef idx="1">
-        <a:scrgbClr r="0" g="0" b="0"/>
-      </a:lnRef>
-      <a:fillRef idx="1">
-        <a:scrgbClr r="0" g="0" b="0"/>
-      </a:fillRef>
-      <a:effectRef idx="0">
-        <a:scrgbClr r="0" g="0" b="0"/>
-      </a:effectRef>
-      <a:fontRef idx="minor"/>
-    </dgm:style>
-  </dgm:styleLbl>
-  <dgm:styleLbl name="solidBgAcc1">
-    <dgm:scene3d>
-      <a:camera prst="orthographicFront"/>
-      <a:lightRig rig="threePt" dir="t"/>
-    </dgm:scene3d>
-    <dgm:sp3d/>
-    <dgm:txPr/>
-    <dgm:style>
-      <a:lnRef idx="1">
-        <a:scrgbClr r="0" g="0" b="0"/>
-      </a:lnRef>
-      <a:fillRef idx="1">
-        <a:scrgbClr r="0" g="0" b="0"/>
-      </a:fillRef>
-      <a:effectRef idx="0">
-        <a:scrgbClr r="0" g="0" b="0"/>
-      </a:effectRef>
-      <a:fontRef idx="minor"/>
-    </dgm:style>
-  </dgm:styleLbl>
-  <dgm:styleLbl name="fgAccFollowNode1">
-    <dgm:scene3d>
-      <a:camera prst="orthographicFront"/>
-      <a:lightRig rig="threePt" dir="t"/>
-    </dgm:scene3d>
-    <dgm:sp3d/>
-    <dgm:txPr/>
-    <dgm:style>
-      <a:lnRef idx="1">
-        <a:scrgbClr r="0" g="0" b="0"/>
-      </a:lnRef>
-      <a:fillRef idx="1">
-        <a:scrgbClr r="0" g="0" b="0"/>
-      </a:fillRef>
-      <a:effectRef idx="0">
-        <a:scrgbClr r="0" g="0" b="0"/>
-      </a:effectRef>
-      <a:fontRef idx="minor"/>
-    </dgm:style>
-  </dgm:styleLbl>
-  <dgm:styleLbl name="alignAccFollowNode1">
-    <dgm:scene3d>
-      <a:camera prst="orthographicFront"/>
-      <a:lightRig rig="threePt" dir="t"/>
-    </dgm:scene3d>
-    <dgm:sp3d/>
-    <dgm:txPr/>
-    <dgm:style>
-      <a:lnRef idx="1">
-        <a:scrgbClr r="0" g="0" b="0"/>
-      </a:lnRef>
-      <a:fillRef idx="1">
-        <a:scrgbClr r="0" g="0" b="0"/>
-      </a:fillRef>
-      <a:effectRef idx="0">
-        <a:scrgbClr r="0" g="0" b="0"/>
-      </a:effectRef>
-      <a:fontRef idx="minor"/>
-    </dgm:style>
-  </dgm:styleLbl>
-  <dgm:styleLbl name="bgAccFollowNode1">
-    <dgm:scene3d>
-      <a:camera prst="orthographicFront"/>
-      <a:lightRig rig="threePt" dir="t"/>
-    </dgm:scene3d>
-    <dgm:sp3d/>
-    <dgm:txPr/>
-    <dgm:style>
-      <a:lnRef idx="1">
-        <a:scrgbClr r="0" g="0" b="0"/>
-      </a:lnRef>
-      <a:fillRef idx="1">
-        <a:scrgbClr r="0" g="0" b="0"/>
-      </a:fillRef>
-      <a:effectRef idx="0">
-        <a:scrgbClr r="0" g="0" b="0"/>
-      </a:effectRef>
-      <a:fontRef idx="minor"/>
-    </dgm:style>
-  </dgm:styleLbl>
-  <dgm:styleLbl name="fgAcc0">
-    <dgm:scene3d>
-      <a:camera prst="orthographicFront"/>
-      <a:lightRig rig="threePt" dir="t"/>
-    </dgm:scene3d>
-    <dgm:sp3d/>
-    <dgm:txPr/>
-    <dgm:style>
-      <a:lnRef idx="1">
-        <a:scrgbClr r="0" g="0" b="0"/>
-      </a:lnRef>
-      <a:fillRef idx="1">
-        <a:scrgbClr r="0" g="0" b="0"/>
-      </a:fillRef>
-      <a:effectRef idx="0">
-        <a:scrgbClr r="0" g="0" b="0"/>
-      </a:effectRef>
-      <a:fontRef idx="minor"/>
-    </dgm:style>
-  </dgm:styleLbl>
-  <dgm:styleLbl name="fgAcc2">
-    <dgm:scene3d>
-      <a:camera prst="orthographicFront"/>
-      <a:lightRig rig="threePt" dir="t"/>
-    </dgm:scene3d>
-    <dgm:sp3d/>
-    <dgm:txPr/>
-    <dgm:style>
-      <a:lnRef idx="1">
-        <a:scrgbClr r="0" g="0" b="0"/>
-      </a:lnRef>
-      <a:fillRef idx="1">
-        <a:scrgbClr r="0" g="0" b="0"/>
-      </a:fillRef>
-      <a:effectRef idx="0">
-        <a:scrgbClr r="0" g="0" b="0"/>
-      </a:effectRef>
-      <a:fontRef idx="minor"/>
-    </dgm:style>
-  </dgm:styleLbl>
-  <dgm:styleLbl name="fgAcc3">
-    <dgm:scene3d>
-      <a:camera prst="orthographicFront"/>
-      <a:lightRig rig="threePt" dir="t"/>
-    </dgm:scene3d>
-    <dgm:sp3d/>
-    <dgm:txPr/>
-    <dgm:style>
-      <a:lnRef idx="1">
-        <a:scrgbClr r="0" g="0" b="0"/>
-      </a:lnRef>
-      <a:fillRef idx="1">
-        <a:scrgbClr r="0" g="0" b="0"/>
-      </a:fillRef>
-      <a:effectRef idx="0">
-        <a:scrgbClr r="0" g="0" b="0"/>
-      </a:effectRef>
-      <a:fontRef idx="minor"/>
-    </dgm:style>
-  </dgm:styleLbl>
-  <dgm:styleLbl name="fgAcc4">
-    <dgm:scene3d>
-      <a:camera prst="orthographicFront"/>
-      <a:lightRig rig="threePt" dir="t"/>
-    </dgm:scene3d>
-    <dgm:sp3d/>
-    <dgm:txPr/>
-    <dgm:style>
-      <a:lnRef idx="1">
-        <a:scrgbClr r="0" g="0" b="0"/>
-      </a:lnRef>
-      <a:fillRef idx="1">
-        <a:scrgbClr r="0" g="0" b="0"/>
-      </a:fillRef>
-      <a:effectRef idx="0">
-        <a:scrgbClr r="0" g="0" b="0"/>
-      </a:effectRef>
-      <a:fontRef idx="minor"/>
-    </dgm:style>
-  </dgm:styleLbl>
-  <dgm:styleLbl name="bgShp">
-    <dgm:scene3d>
-      <a:camera prst="orthographicFront"/>
-      <a:lightRig rig="threePt" dir="t"/>
-    </dgm:scene3d>
-    <dgm:sp3d/>
-    <dgm:txPr/>
-    <dgm:style>
-      <a:lnRef idx="0">
-        <a:scrgbClr r="0" g="0" b="0"/>
-      </a:lnRef>
-      <a:fillRef idx="1">
-        <a:scrgbClr r="0" g="0" b="0"/>
-      </a:fillRef>
-      <a:effectRef idx="1">
-        <a:scrgbClr r="0" g="0" b="0"/>
-      </a:effectRef>
-      <a:fontRef idx="minor"/>
-    </dgm:style>
-  </dgm:styleLbl>
-  <dgm:styleLbl name="dkBgShp">
-    <dgm:scene3d>
-      <a:camera prst="orthographicFront"/>
-      <a:lightRig rig="threePt" dir="t"/>
-    </dgm:scene3d>
-    <dgm:sp3d/>
-    <dgm:txPr/>
-    <dgm:style>
-      <a:lnRef idx="0">
-        <a:scrgbClr r="0" g="0" b="0"/>
-      </a:lnRef>
-      <a:fillRef idx="1">
-        <a:scrgbClr r="0" g="0" b="0"/>
-      </a:fillRef>
-      <a:effectRef idx="1">
-        <a:scrgbClr r="0" g="0" b="0"/>
-      </a:effectRef>
-      <a:fontRef idx="minor"/>
-    </dgm:style>
-  </dgm:styleLbl>
-  <dgm:styleLbl name="trBgShp">
-    <dgm:scene3d>
-      <a:camera prst="orthographicFront"/>
-      <a:lightRig rig="threePt" dir="t"/>
-    </dgm:scene3d>
-    <dgm:sp3d/>
-    <dgm:txPr/>
-    <dgm:style>
-      <a:lnRef idx="0">
-        <a:scrgbClr r="0" g="0" b="0"/>
-      </a:lnRef>
-      <a:fillRef idx="1">
-        <a:scrgbClr r="0" g="0" b="0"/>
-      </a:fillRef>
-      <a:effectRef idx="0">
-        <a:scrgbClr r="0" g="0" b="0"/>
-      </a:effectRef>
-      <a:fontRef idx="minor"/>
-    </dgm:style>
-  </dgm:styleLbl>
-  <dgm:styleLbl name="fgShp">
-    <dgm:scene3d>
-      <a:camera prst="orthographicFront"/>
-      <a:lightRig rig="flat" dir="t"/>
-    </dgm:scene3d>
-    <dgm:sp3d prstMaterial="dkEdge">
-      <a:bevelT w="8200" h="38100"/>
-    </dgm:sp3d>
-    <dgm:txPr/>
-    <dgm:style>
-      <a:lnRef idx="1">
-        <a:scrgbClr r="0" g="0" b="0"/>
-      </a:lnRef>
-      <a:fillRef idx="2">
-        <a:scrgbClr r="0" g="0" b="0"/>
-      </a:fillRef>
-      <a:effectRef idx="1">
-        <a:scrgbClr r="0" g="0" b="0"/>
-      </a:effectRef>
-      <a:fontRef idx="minor"/>
-    </dgm:style>
-  </dgm:styleLbl>
-  <dgm:styleLbl name="revTx">
-    <dgm:scene3d>
-      <a:camera prst="orthographicFront"/>
-      <a:lightRig rig="threePt" dir="t"/>
-    </dgm:scene3d>
-    <dgm:sp3d/>
-    <dgm:txPr/>
-    <dgm:style>
-      <a:lnRef idx="0">
-        <a:scrgbClr r="0" g="0" b="0"/>
-      </a:lnRef>
-      <a:fillRef idx="0">
-        <a:scrgbClr r="0" g="0" b="0"/>
-      </a:fillRef>
-      <a:effectRef idx="0">
-        <a:scrgbClr r="0" g="0" b="0"/>
-      </a:effectRef>
-      <a:fontRef idx="minor"/>
-    </dgm:style>
-  </dgm:styleLbl>
-</dgm:styleDef>
-</file>
-
 <file path=ppt/notesMasters/notesMaster1.xml><?xml version="1.0" encoding="utf-8"?>
 <p:notesMaster xmlns:a="http://schemas.openxmlformats.org/drawingml/2006/main" xmlns:r="http://schemas.openxmlformats.org/officeDocument/2006/relationships" xmlns:p="http://schemas.openxmlformats.org/presentationml/2006/main">
   <p:cSld>
@@ -6707,7 +3829,7 @@
             <a:fld id="{7EF14571-6E45-479D-8EAF-A36FF0C632A1}" type="datetimeFigureOut">
               <a:rPr lang="en-US" smtClean="0"/>
               <a:pPr/>
-              <a:t>10/19/2010</a:t>
+              <a:t>10/21/2010</a:t>
             </a:fld>
             <a:endParaRPr lang="en-US"/>
           </a:p>
@@ -7051,7 +4173,7 @@
             <a:fld id="{798ABEF9-3A23-41F8-9F5D-74A702B29DE2}" type="slidenum">
               <a:rPr lang="en-US" smtClean="0"/>
               <a:pPr/>
-              <a:t>5</a:t>
+              <a:t>7</a:t>
             </a:fld>
             <a:endParaRPr lang="en-US"/>
           </a:p>
@@ -7241,7 +4363,7 @@
             <a:fld id="{03A9975F-C47A-452A-85E0-869F4D5D71B0}" type="datetimeFigureOut">
               <a:rPr lang="en-US" smtClean="0"/>
               <a:pPr/>
-              <a:t>10/19/2010</a:t>
+              <a:t>10/21/2010</a:t>
             </a:fld>
             <a:endParaRPr lang="en-US"/>
           </a:p>
@@ -7414,7 +4536,7 @@
             <a:fld id="{03A9975F-C47A-452A-85E0-869F4D5D71B0}" type="datetimeFigureOut">
               <a:rPr lang="en-US" smtClean="0"/>
               <a:pPr/>
-              <a:t>10/19/2010</a:t>
+              <a:t>10/21/2010</a:t>
             </a:fld>
             <a:endParaRPr lang="en-US"/>
           </a:p>
@@ -7592,7 +4714,7 @@
             <a:fld id="{03A9975F-C47A-452A-85E0-869F4D5D71B0}" type="datetimeFigureOut">
               <a:rPr lang="en-US" smtClean="0"/>
               <a:pPr/>
-              <a:t>10/19/2010</a:t>
+              <a:t>10/21/2010</a:t>
             </a:fld>
             <a:endParaRPr lang="en-US"/>
           </a:p>
@@ -7760,7 +4882,7 @@
             <a:fld id="{03A9975F-C47A-452A-85E0-869F4D5D71B0}" type="datetimeFigureOut">
               <a:rPr lang="en-US" smtClean="0"/>
               <a:pPr/>
-              <a:t>10/19/2010</a:t>
+              <a:t>10/21/2010</a:t>
             </a:fld>
             <a:endParaRPr lang="en-US"/>
           </a:p>
@@ -7997,7 +5119,7 @@
             <a:fld id="{03A9975F-C47A-452A-85E0-869F4D5D71B0}" type="datetimeFigureOut">
               <a:rPr lang="en-US" smtClean="0"/>
               <a:pPr/>
-              <a:t>10/19/2010</a:t>
+              <a:t>10/21/2010</a:t>
             </a:fld>
             <a:endParaRPr lang="en-US"/>
           </a:p>
@@ -8296,7 +5418,7 @@
             <a:fld id="{03A9975F-C47A-452A-85E0-869F4D5D71B0}" type="datetimeFigureOut">
               <a:rPr lang="en-US" smtClean="0"/>
               <a:pPr/>
-              <a:t>10/19/2010</a:t>
+              <a:t>10/21/2010</a:t>
             </a:fld>
             <a:endParaRPr lang="en-US"/>
           </a:p>
@@ -8683,7 +5805,7 @@
             <a:fld id="{03A9975F-C47A-452A-85E0-869F4D5D71B0}" type="datetimeFigureOut">
               <a:rPr lang="en-US" smtClean="0"/>
               <a:pPr/>
-              <a:t>10/19/2010</a:t>
+              <a:t>10/21/2010</a:t>
             </a:fld>
             <a:endParaRPr lang="en-US"/>
           </a:p>
@@ -8859,7 +5981,7 @@
             <a:fld id="{03A9975F-C47A-452A-85E0-869F4D5D71B0}" type="datetimeFigureOut">
               <a:rPr lang="en-US" smtClean="0"/>
               <a:pPr/>
-              <a:t>10/19/2010</a:t>
+              <a:t>10/21/2010</a:t>
             </a:fld>
             <a:endParaRPr lang="en-US"/>
           </a:p>
@@ -8952,7 +6074,7 @@
             <a:fld id="{03A9975F-C47A-452A-85E0-869F4D5D71B0}" type="datetimeFigureOut">
               <a:rPr lang="en-US" smtClean="0"/>
               <a:pPr/>
-              <a:t>10/19/2010</a:t>
+              <a:t>10/21/2010</a:t>
             </a:fld>
             <a:endParaRPr lang="en-US"/>
           </a:p>
@@ -9250,7 +6372,7 @@
             <a:fld id="{03A9975F-C47A-452A-85E0-869F4D5D71B0}" type="datetimeFigureOut">
               <a:rPr lang="en-US" smtClean="0"/>
               <a:pPr/>
-              <a:t>10/19/2010</a:t>
+              <a:t>10/21/2010</a:t>
             </a:fld>
             <a:endParaRPr lang="en-US"/>
           </a:p>
@@ -9387,7 +6509,7 @@
             <a:fld id="{03A9975F-C47A-452A-85E0-869F4D5D71B0}" type="datetimeFigureOut">
               <a:rPr lang="en-US" smtClean="0"/>
               <a:pPr/>
-              <a:t>10/19/2010</a:t>
+              <a:t>10/21/2010</a:t>
             </a:fld>
             <a:endParaRPr lang="en-US"/>
           </a:p>
@@ -9693,7 +6815,7 @@
             <a:fld id="{03A9975F-C47A-452A-85E0-869F4D5D71B0}" type="datetimeFigureOut">
               <a:rPr lang="en-US" smtClean="0"/>
               <a:pPr/>
-              <a:t>10/19/2010</a:t>
+              <a:t>10/21/2010</a:t>
             </a:fld>
             <a:endParaRPr lang="en-US"/>
           </a:p>
@@ -10295,6 +7417,2271 @@
 </p:sld>
 </file>
 
+<file path=ppt/slides/slide10.xml><?xml version="1.0" encoding="utf-8"?>
+<p:sld xmlns:a="http://schemas.openxmlformats.org/drawingml/2006/main" xmlns:r="http://schemas.openxmlformats.org/officeDocument/2006/relationships" xmlns:p="http://schemas.openxmlformats.org/presentationml/2006/main">
+  <p:cSld>
+    <p:bg>
+      <p:bgPr>
+        <a:solidFill>
+          <a:schemeClr val="bg1"/>
+        </a:solidFill>
+        <a:effectLst/>
+      </p:bgPr>
+    </p:bg>
+    <p:spTree>
+      <p:nvGrpSpPr>
+        <p:cNvPr id="1" name=""/>
+        <p:cNvGrpSpPr/>
+        <p:nvPr/>
+      </p:nvGrpSpPr>
+      <p:grpSpPr>
+        <a:xfrm>
+          <a:off x="0" y="0"/>
+          <a:ext cx="0" cy="0"/>
+          <a:chOff x="0" y="0"/>
+          <a:chExt cx="0" cy="0"/>
+        </a:xfrm>
+      </p:grpSpPr>
+      <p:pic>
+        <p:nvPicPr>
+          <p:cNvPr id="4" name="Picture 3" descr="tools004.jpg"/>
+          <p:cNvPicPr>
+            <a:picLocks noChangeAspect="1"/>
+          </p:cNvPicPr>
+          <p:nvPr/>
+        </p:nvPicPr>
+        <p:blipFill>
+          <a:blip r:embed="rId2" cstate="print"/>
+          <a:stretch>
+            <a:fillRect/>
+          </a:stretch>
+        </p:blipFill>
+        <p:spPr>
+          <a:xfrm>
+            <a:off x="0" y="0"/>
+            <a:ext cx="9144000" cy="6858000"/>
+          </a:xfrm>
+          <a:prstGeom prst="rect">
+            <a:avLst/>
+          </a:prstGeom>
+        </p:spPr>
+      </p:pic>
+    </p:spTree>
+  </p:cSld>
+  <p:clrMapOvr>
+    <a:masterClrMapping/>
+  </p:clrMapOvr>
+  <p:transition/>
+  <p:timing>
+    <p:tnLst>
+      <p:par>
+        <p:cTn id="1" dur="indefinite" restart="never" nodeType="tmRoot"/>
+      </p:par>
+    </p:tnLst>
+  </p:timing>
+</p:sld>
+</file>
+
+<file path=ppt/slides/slide11.xml><?xml version="1.0" encoding="utf-8"?>
+<p:sld xmlns:a="http://schemas.openxmlformats.org/drawingml/2006/main" xmlns:r="http://schemas.openxmlformats.org/officeDocument/2006/relationships" xmlns:p="http://schemas.openxmlformats.org/presentationml/2006/main">
+  <p:cSld>
+    <p:bg>
+      <p:bgPr>
+        <a:solidFill>
+          <a:schemeClr val="bg1"/>
+        </a:solidFill>
+        <a:effectLst/>
+      </p:bgPr>
+    </p:bg>
+    <p:spTree>
+      <p:nvGrpSpPr>
+        <p:cNvPr id="1" name=""/>
+        <p:cNvGrpSpPr/>
+        <p:nvPr/>
+      </p:nvGrpSpPr>
+      <p:grpSpPr>
+        <a:xfrm>
+          <a:off x="0" y="0"/>
+          <a:ext cx="0" cy="0"/>
+          <a:chOff x="0" y="0"/>
+          <a:chExt cx="0" cy="0"/>
+        </a:xfrm>
+      </p:grpSpPr>
+      <p:sp>
+        <p:nvSpPr>
+          <p:cNvPr id="5" name="TextBox 4"/>
+          <p:cNvSpPr txBox="1"/>
+          <p:nvPr/>
+        </p:nvSpPr>
+        <p:spPr>
+          <a:xfrm>
+            <a:off x="762000" y="838200"/>
+            <a:ext cx="1958806" cy="584775"/>
+          </a:xfrm>
+          <a:prstGeom prst="rect">
+            <a:avLst/>
+          </a:prstGeom>
+          <a:noFill/>
+        </p:spPr>
+        <p:txBody>
+          <a:bodyPr wrap="none" rtlCol="0">
+            <a:spAutoFit/>
+          </a:bodyPr>
+          <a:lstStyle/>
+          <a:p>
+            <a:r>
+              <a:rPr lang="en-US" sz="3200" dirty="0" smtClean="0"/>
+              <a:t>User Story</a:t>
+            </a:r>
+            <a:endParaRPr lang="en-US" sz="3200" dirty="0"/>
+          </a:p>
+        </p:txBody>
+      </p:sp>
+      <p:sp>
+        <p:nvSpPr>
+          <p:cNvPr id="4" name="Rectangle 3"/>
+          <p:cNvSpPr/>
+          <p:nvPr/>
+        </p:nvSpPr>
+        <p:spPr>
+          <a:xfrm>
+            <a:off x="2057400" y="2209800"/>
+            <a:ext cx="5029200" cy="2514600"/>
+          </a:xfrm>
+          <a:prstGeom prst="rect">
+            <a:avLst/>
+          </a:prstGeom>
+          <a:solidFill>
+            <a:schemeClr val="bg2">
+              <a:lumMod val="90000"/>
+            </a:schemeClr>
+          </a:solidFill>
+        </p:spPr>
+        <p:style>
+          <a:lnRef idx="2">
+            <a:schemeClr val="accent1">
+              <a:shade val="50000"/>
+            </a:schemeClr>
+          </a:lnRef>
+          <a:fillRef idx="1">
+            <a:schemeClr val="accent1"/>
+          </a:fillRef>
+          <a:effectRef idx="0">
+            <a:schemeClr val="accent1"/>
+          </a:effectRef>
+          <a:fontRef idx="minor">
+            <a:schemeClr val="lt1"/>
+          </a:fontRef>
+        </p:style>
+        <p:txBody>
+          <a:bodyPr rtlCol="0" anchor="ctr"/>
+          <a:lstStyle/>
+          <a:p>
+            <a:pPr algn="ctr"/>
+            <a:endParaRPr lang="en-US"/>
+          </a:p>
+        </p:txBody>
+      </p:sp>
+      <p:sp>
+        <p:nvSpPr>
+          <p:cNvPr id="6" name="Content Placeholder 2"/>
+          <p:cNvSpPr txBox="1">
+            <a:spLocks/>
+          </p:cNvSpPr>
+          <p:nvPr/>
+        </p:nvSpPr>
+        <p:spPr>
+          <a:xfrm>
+            <a:off x="2133600" y="2590800"/>
+            <a:ext cx="4953000" cy="1798637"/>
+          </a:xfrm>
+          <a:prstGeom prst="rect">
+            <a:avLst/>
+          </a:prstGeom>
+        </p:spPr>
+        <p:txBody>
+          <a:bodyPr vert="horz">
+            <a:normAutofit/>
+          </a:bodyPr>
+          <a:lstStyle/>
+          <a:p>
+            <a:pPr marL="342900" marR="0" lvl="0" indent="-342900" algn="l" defTabSz="914400" rtl="0" eaLnBrk="1" fontAlgn="auto" latinLnBrk="0" hangingPunct="1">
+              <a:lnSpc>
+                <a:spcPct val="100000"/>
+              </a:lnSpc>
+              <a:spcBef>
+                <a:spcPct val="20000"/>
+              </a:spcBef>
+              <a:spcAft>
+                <a:spcPts val="0"/>
+              </a:spcAft>
+              <a:buClr>
+                <a:schemeClr val="accent1"/>
+              </a:buClr>
+              <a:buSzPct val="70000"/>
+              <a:buFont typeface="Wingdings 2"/>
+              <a:buChar char=""/>
+              <a:tabLst/>
+              <a:defRPr/>
+            </a:pPr>
+            <a:r>
+              <a:rPr kumimoji="0" lang="en-US" sz="3200" b="0" i="0" u="none" strike="noStrike" kern="1200" cap="none" spc="0" normalizeH="0" baseline="0" noProof="0" dirty="0" smtClean="0">
+                <a:ln>
+                  <a:noFill/>
+                </a:ln>
+                <a:solidFill>
+                  <a:schemeClr val="tx2"/>
+                </a:solidFill>
+                <a:effectLst/>
+                <a:uLnTx/>
+                <a:uFillTx/>
+                <a:latin typeface="+mn-lt"/>
+                <a:ea typeface="+mn-ea"/>
+                <a:cs typeface="+mn-cs"/>
+              </a:rPr>
+              <a:t>As a [role]</a:t>
+            </a:r>
+            <a:br>
+              <a:rPr kumimoji="0" lang="en-US" sz="3200" b="0" i="0" u="none" strike="noStrike" kern="1200" cap="none" spc="0" normalizeH="0" baseline="0" noProof="0" dirty="0" smtClean="0">
+                <a:ln>
+                  <a:noFill/>
+                </a:ln>
+                <a:solidFill>
+                  <a:schemeClr val="tx2"/>
+                </a:solidFill>
+                <a:effectLst/>
+                <a:uLnTx/>
+                <a:uFillTx/>
+                <a:latin typeface="+mn-lt"/>
+                <a:ea typeface="+mn-ea"/>
+                <a:cs typeface="+mn-cs"/>
+              </a:rPr>
+            </a:br>
+            <a:r>
+              <a:rPr kumimoji="0" lang="en-US" sz="3200" b="0" i="0" u="none" strike="noStrike" kern="1200" cap="none" spc="0" normalizeH="0" baseline="0" noProof="0" dirty="0" smtClean="0">
+                <a:ln>
+                  <a:noFill/>
+                </a:ln>
+                <a:solidFill>
+                  <a:schemeClr val="tx2"/>
+                </a:solidFill>
+                <a:effectLst/>
+                <a:uLnTx/>
+                <a:uFillTx/>
+                <a:latin typeface="+mn-lt"/>
+                <a:ea typeface="+mn-ea"/>
+                <a:cs typeface="+mn-cs"/>
+              </a:rPr>
+              <a:t>I want to [do something]</a:t>
+            </a:r>
+            <a:br>
+              <a:rPr kumimoji="0" lang="en-US" sz="3200" b="0" i="0" u="none" strike="noStrike" kern="1200" cap="none" spc="0" normalizeH="0" baseline="0" noProof="0" dirty="0" smtClean="0">
+                <a:ln>
+                  <a:noFill/>
+                </a:ln>
+                <a:solidFill>
+                  <a:schemeClr val="tx2"/>
+                </a:solidFill>
+                <a:effectLst/>
+                <a:uLnTx/>
+                <a:uFillTx/>
+                <a:latin typeface="+mn-lt"/>
+                <a:ea typeface="+mn-ea"/>
+                <a:cs typeface="+mn-cs"/>
+              </a:rPr>
+            </a:br>
+            <a:r>
+              <a:rPr kumimoji="0" lang="en-US" sz="3200" b="0" i="0" u="none" strike="noStrike" kern="1200" cap="none" spc="0" normalizeH="0" baseline="0" noProof="0" dirty="0" smtClean="0">
+                <a:ln>
+                  <a:noFill/>
+                </a:ln>
+                <a:solidFill>
+                  <a:schemeClr val="tx2"/>
+                </a:solidFill>
+                <a:effectLst/>
+                <a:uLnTx/>
+                <a:uFillTx/>
+                <a:latin typeface="+mn-lt"/>
+                <a:ea typeface="+mn-ea"/>
+                <a:cs typeface="+mn-cs"/>
+              </a:rPr>
+              <a:t>So that [business value]</a:t>
+            </a:r>
+          </a:p>
+        </p:txBody>
+      </p:sp>
+    </p:spTree>
+  </p:cSld>
+  <p:clrMapOvr>
+    <a:masterClrMapping/>
+  </p:clrMapOvr>
+  <p:transition/>
+  <p:timing>
+    <p:tnLst>
+      <p:par>
+        <p:cTn id="1" dur="indefinite" restart="never" nodeType="tmRoot"/>
+      </p:par>
+    </p:tnLst>
+  </p:timing>
+</p:sld>
+</file>
+
+<file path=ppt/slides/slide12.xml><?xml version="1.0" encoding="utf-8"?>
+<p:sld xmlns:a="http://schemas.openxmlformats.org/drawingml/2006/main" xmlns:r="http://schemas.openxmlformats.org/officeDocument/2006/relationships" xmlns:p="http://schemas.openxmlformats.org/presentationml/2006/main">
+  <p:cSld>
+    <p:bg>
+      <p:bgPr>
+        <a:solidFill>
+          <a:schemeClr val="bg1"/>
+        </a:solidFill>
+        <a:effectLst/>
+      </p:bgPr>
+    </p:bg>
+    <p:spTree>
+      <p:nvGrpSpPr>
+        <p:cNvPr id="1" name=""/>
+        <p:cNvGrpSpPr/>
+        <p:nvPr/>
+      </p:nvGrpSpPr>
+      <p:grpSpPr>
+        <a:xfrm>
+          <a:off x="0" y="0"/>
+          <a:ext cx="0" cy="0"/>
+          <a:chOff x="0" y="0"/>
+          <a:chExt cx="0" cy="0"/>
+        </a:xfrm>
+      </p:grpSpPr>
+      <p:sp>
+        <p:nvSpPr>
+          <p:cNvPr id="4" name="TextBox 3"/>
+          <p:cNvSpPr txBox="1"/>
+          <p:nvPr/>
+        </p:nvSpPr>
+        <p:spPr>
+          <a:xfrm>
+            <a:off x="762000" y="838200"/>
+            <a:ext cx="3532377" cy="584775"/>
+          </a:xfrm>
+          <a:prstGeom prst="rect">
+            <a:avLst/>
+          </a:prstGeom>
+          <a:noFill/>
+        </p:spPr>
+        <p:txBody>
+          <a:bodyPr wrap="none" rtlCol="0">
+            <a:spAutoFit/>
+          </a:bodyPr>
+          <a:lstStyle/>
+          <a:p>
+            <a:r>
+              <a:rPr lang="en-US" sz="3200" dirty="0" smtClean="0"/>
+              <a:t>Acceptance Criteria</a:t>
+            </a:r>
+            <a:endParaRPr lang="en-US" sz="3200" dirty="0"/>
+          </a:p>
+        </p:txBody>
+      </p:sp>
+      <p:sp>
+        <p:nvSpPr>
+          <p:cNvPr id="5" name="Rectangle 4"/>
+          <p:cNvSpPr/>
+          <p:nvPr/>
+        </p:nvSpPr>
+        <p:spPr>
+          <a:xfrm>
+            <a:off x="1981200" y="2209800"/>
+            <a:ext cx="5410200" cy="2514600"/>
+          </a:xfrm>
+          <a:prstGeom prst="rect">
+            <a:avLst/>
+          </a:prstGeom>
+          <a:solidFill>
+            <a:schemeClr val="bg2">
+              <a:lumMod val="90000"/>
+            </a:schemeClr>
+          </a:solidFill>
+        </p:spPr>
+        <p:style>
+          <a:lnRef idx="2">
+            <a:schemeClr val="accent1">
+              <a:shade val="50000"/>
+            </a:schemeClr>
+          </a:lnRef>
+          <a:fillRef idx="1">
+            <a:schemeClr val="accent1"/>
+          </a:fillRef>
+          <a:effectRef idx="0">
+            <a:schemeClr val="accent1"/>
+          </a:effectRef>
+          <a:fontRef idx="minor">
+            <a:schemeClr val="lt1"/>
+          </a:fontRef>
+        </p:style>
+        <p:txBody>
+          <a:bodyPr rtlCol="0" anchor="ctr"/>
+          <a:lstStyle/>
+          <a:p>
+            <a:pPr algn="ctr"/>
+            <a:endParaRPr lang="en-US"/>
+          </a:p>
+        </p:txBody>
+      </p:sp>
+      <p:sp>
+        <p:nvSpPr>
+          <p:cNvPr id="6" name="Content Placeholder 2"/>
+          <p:cNvSpPr txBox="1">
+            <a:spLocks/>
+          </p:cNvSpPr>
+          <p:nvPr/>
+        </p:nvSpPr>
+        <p:spPr>
+          <a:xfrm>
+            <a:off x="2057400" y="2590800"/>
+            <a:ext cx="5410200" cy="1798637"/>
+          </a:xfrm>
+          <a:prstGeom prst="rect">
+            <a:avLst/>
+          </a:prstGeom>
+        </p:spPr>
+        <p:txBody>
+          <a:bodyPr vert="horz">
+            <a:normAutofit/>
+          </a:bodyPr>
+          <a:lstStyle/>
+          <a:p>
+            <a:pPr marL="342900" marR="0" lvl="0" indent="-342900" algn="l" defTabSz="914400" rtl="0" eaLnBrk="1" fontAlgn="auto" latinLnBrk="0" hangingPunct="1">
+              <a:lnSpc>
+                <a:spcPct val="100000"/>
+              </a:lnSpc>
+              <a:spcBef>
+                <a:spcPct val="20000"/>
+              </a:spcBef>
+              <a:spcAft>
+                <a:spcPts val="0"/>
+              </a:spcAft>
+              <a:buClr>
+                <a:schemeClr val="accent1"/>
+              </a:buClr>
+              <a:buSzPct val="70000"/>
+              <a:buFont typeface="Wingdings 2"/>
+              <a:buChar char=""/>
+              <a:tabLst/>
+              <a:defRPr/>
+            </a:pPr>
+            <a:r>
+              <a:rPr kumimoji="0" lang="en-US" sz="3200" b="0" i="0" u="none" strike="noStrike" kern="1200" cap="none" spc="0" normalizeH="0" baseline="0" noProof="0" dirty="0" smtClean="0">
+                <a:ln>
+                  <a:noFill/>
+                </a:ln>
+                <a:solidFill>
+                  <a:schemeClr val="tx2"/>
+                </a:solidFill>
+                <a:effectLst/>
+                <a:uLnTx/>
+                <a:uFillTx/>
+                <a:latin typeface="+mn-lt"/>
+                <a:ea typeface="+mn-ea"/>
+                <a:cs typeface="+mn-cs"/>
+              </a:rPr>
+              <a:t>Given [some context]</a:t>
+            </a:r>
+            <a:br>
+              <a:rPr kumimoji="0" lang="en-US" sz="3200" b="0" i="0" u="none" strike="noStrike" kern="1200" cap="none" spc="0" normalizeH="0" baseline="0" noProof="0" dirty="0" smtClean="0">
+                <a:ln>
+                  <a:noFill/>
+                </a:ln>
+                <a:solidFill>
+                  <a:schemeClr val="tx2"/>
+                </a:solidFill>
+                <a:effectLst/>
+                <a:uLnTx/>
+                <a:uFillTx/>
+                <a:latin typeface="+mn-lt"/>
+                <a:ea typeface="+mn-ea"/>
+                <a:cs typeface="+mn-cs"/>
+              </a:rPr>
+            </a:br>
+            <a:r>
+              <a:rPr kumimoji="0" lang="en-US" sz="3200" b="0" i="0" u="none" strike="noStrike" kern="1200" cap="none" spc="0" normalizeH="0" baseline="0" noProof="0" dirty="0" smtClean="0">
+                <a:ln>
+                  <a:noFill/>
+                </a:ln>
+                <a:solidFill>
+                  <a:schemeClr val="tx2"/>
+                </a:solidFill>
+                <a:effectLst/>
+                <a:uLnTx/>
+                <a:uFillTx/>
+                <a:latin typeface="+mn-lt"/>
+                <a:ea typeface="+mn-ea"/>
+                <a:cs typeface="+mn-cs"/>
+              </a:rPr>
+              <a:t>When [something happens]</a:t>
+            </a:r>
+            <a:br>
+              <a:rPr kumimoji="0" lang="en-US" sz="3200" b="0" i="0" u="none" strike="noStrike" kern="1200" cap="none" spc="0" normalizeH="0" baseline="0" noProof="0" dirty="0" smtClean="0">
+                <a:ln>
+                  <a:noFill/>
+                </a:ln>
+                <a:solidFill>
+                  <a:schemeClr val="tx2"/>
+                </a:solidFill>
+                <a:effectLst/>
+                <a:uLnTx/>
+                <a:uFillTx/>
+                <a:latin typeface="+mn-lt"/>
+                <a:ea typeface="+mn-ea"/>
+                <a:cs typeface="+mn-cs"/>
+              </a:rPr>
+            </a:br>
+            <a:r>
+              <a:rPr kumimoji="0" lang="en-US" sz="3200" b="0" i="0" u="none" strike="noStrike" kern="1200" cap="none" spc="0" normalizeH="0" baseline="0" noProof="0" dirty="0" smtClean="0">
+                <a:ln>
+                  <a:noFill/>
+                </a:ln>
+                <a:solidFill>
+                  <a:schemeClr val="tx2"/>
+                </a:solidFill>
+                <a:effectLst/>
+                <a:uLnTx/>
+                <a:uFillTx/>
+                <a:latin typeface="+mn-lt"/>
+                <a:ea typeface="+mn-ea"/>
+                <a:cs typeface="+mn-cs"/>
+              </a:rPr>
+              <a:t>Then [some</a:t>
+            </a:r>
+            <a:r>
+              <a:rPr kumimoji="0" lang="en-US" sz="3200" b="0" i="0" u="none" strike="noStrike" kern="1200" cap="none" spc="0" normalizeH="0" noProof="0" dirty="0" smtClean="0">
+                <a:ln>
+                  <a:noFill/>
+                </a:ln>
+                <a:solidFill>
+                  <a:schemeClr val="tx2"/>
+                </a:solidFill>
+                <a:effectLst/>
+                <a:uLnTx/>
+                <a:uFillTx/>
+                <a:latin typeface="+mn-lt"/>
+                <a:ea typeface="+mn-ea"/>
+                <a:cs typeface="+mn-cs"/>
+              </a:rPr>
+              <a:t> outcome]</a:t>
+            </a:r>
+            <a:endParaRPr kumimoji="0" lang="en-US" sz="3200" b="0" i="0" u="none" strike="noStrike" kern="1200" cap="none" spc="0" normalizeH="0" baseline="0" noProof="0" dirty="0" smtClean="0">
+              <a:ln>
+                <a:noFill/>
+              </a:ln>
+              <a:solidFill>
+                <a:schemeClr val="tx2"/>
+              </a:solidFill>
+              <a:effectLst/>
+              <a:uLnTx/>
+              <a:uFillTx/>
+              <a:latin typeface="+mn-lt"/>
+              <a:ea typeface="+mn-ea"/>
+              <a:cs typeface="+mn-cs"/>
+            </a:endParaRPr>
+          </a:p>
+        </p:txBody>
+      </p:sp>
+    </p:spTree>
+  </p:cSld>
+  <p:clrMapOvr>
+    <a:masterClrMapping/>
+  </p:clrMapOvr>
+  <p:transition/>
+  <p:timing>
+    <p:tnLst>
+      <p:par>
+        <p:cTn id="1" dur="indefinite" restart="never" nodeType="tmRoot"/>
+      </p:par>
+    </p:tnLst>
+  </p:timing>
+</p:sld>
+</file>
+
+<file path=ppt/slides/slide13.xml><?xml version="1.0" encoding="utf-8"?>
+<p:sld xmlns:a="http://schemas.openxmlformats.org/drawingml/2006/main" xmlns:r="http://schemas.openxmlformats.org/officeDocument/2006/relationships" xmlns:p="http://schemas.openxmlformats.org/presentationml/2006/main">
+  <p:cSld>
+    <p:bg>
+      <p:bgPr>
+        <a:solidFill>
+          <a:schemeClr val="bg1"/>
+        </a:solidFill>
+        <a:effectLst/>
+      </p:bgPr>
+    </p:bg>
+    <p:spTree>
+      <p:nvGrpSpPr>
+        <p:cNvPr id="1" name=""/>
+        <p:cNvGrpSpPr/>
+        <p:nvPr/>
+      </p:nvGrpSpPr>
+      <p:grpSpPr>
+        <a:xfrm>
+          <a:off x="0" y="0"/>
+          <a:ext cx="0" cy="0"/>
+          <a:chOff x="0" y="0"/>
+          <a:chExt cx="0" cy="0"/>
+        </a:xfrm>
+      </p:grpSpPr>
+      <p:sp>
+        <p:nvSpPr>
+          <p:cNvPr id="2" name="Content Placeholder 2"/>
+          <p:cNvSpPr txBox="1">
+            <a:spLocks/>
+          </p:cNvSpPr>
+          <p:nvPr/>
+        </p:nvSpPr>
+        <p:spPr>
+          <a:xfrm>
+            <a:off x="304800" y="838200"/>
+            <a:ext cx="8382000" cy="1524000"/>
+          </a:xfrm>
+          <a:prstGeom prst="rect">
+            <a:avLst/>
+          </a:prstGeom>
+        </p:spPr>
+        <p:txBody>
+          <a:bodyPr vert="horz">
+            <a:normAutofit/>
+          </a:bodyPr>
+          <a:lstStyle/>
+          <a:p>
+            <a:pPr marL="342900" marR="0" lvl="0" indent="-342900" algn="l" defTabSz="914400" rtl="0" eaLnBrk="1" fontAlgn="auto" latinLnBrk="0" hangingPunct="1">
+              <a:lnSpc>
+                <a:spcPct val="100000"/>
+              </a:lnSpc>
+              <a:spcBef>
+                <a:spcPct val="20000"/>
+              </a:spcBef>
+              <a:spcAft>
+                <a:spcPts val="0"/>
+              </a:spcAft>
+              <a:buClr>
+                <a:schemeClr val="accent1"/>
+              </a:buClr>
+              <a:buSzPct val="70000"/>
+              <a:buFont typeface="Wingdings 2"/>
+              <a:buChar char=""/>
+              <a:tabLst/>
+              <a:defRPr/>
+            </a:pPr>
+            <a:r>
+              <a:rPr kumimoji="0" lang="en-US" sz="2800" b="0" i="0" u="none" strike="noStrike" kern="1200" cap="none" spc="0" normalizeH="0" baseline="0" noProof="0" dirty="0" smtClean="0">
+                <a:ln>
+                  <a:noFill/>
+                </a:ln>
+                <a:solidFill>
+                  <a:schemeClr val="tx2"/>
+                </a:solidFill>
+                <a:effectLst/>
+                <a:uLnTx/>
+                <a:uFillTx/>
+                <a:latin typeface="+mn-lt"/>
+                <a:ea typeface="+mn-ea"/>
+                <a:cs typeface="+mn-cs"/>
+              </a:rPr>
+              <a:t>As a </a:t>
+            </a:r>
+            <a:r>
+              <a:rPr lang="en-US" sz="2800" dirty="0" smtClean="0">
+                <a:solidFill>
+                  <a:schemeClr val="bg2">
+                    <a:lumMod val="50000"/>
+                  </a:schemeClr>
+                </a:solidFill>
+              </a:rPr>
+              <a:t>C</a:t>
+            </a:r>
+            <a:r>
+              <a:rPr kumimoji="0" lang="en-US" sz="2800" b="0" i="0" u="none" strike="noStrike" kern="1200" cap="none" spc="0" normalizeH="0" baseline="0" noProof="0" dirty="0" smtClean="0">
+                <a:ln>
+                  <a:noFill/>
+                </a:ln>
+                <a:solidFill>
+                  <a:schemeClr val="bg2">
+                    <a:lumMod val="50000"/>
+                  </a:schemeClr>
+                </a:solidFill>
+                <a:effectLst/>
+                <a:uLnTx/>
+                <a:uFillTx/>
+                <a:latin typeface="+mn-lt"/>
+                <a:ea typeface="+mn-ea"/>
+                <a:cs typeface="+mn-cs"/>
+              </a:rPr>
+              <a:t>ode Camp Organizer</a:t>
+            </a:r>
+            <a:br>
+              <a:rPr kumimoji="0" lang="en-US" sz="2800" b="0" i="0" u="none" strike="noStrike" kern="1200" cap="none" spc="0" normalizeH="0" baseline="0" noProof="0" dirty="0" smtClean="0">
+                <a:ln>
+                  <a:noFill/>
+                </a:ln>
+                <a:solidFill>
+                  <a:schemeClr val="bg2">
+                    <a:lumMod val="50000"/>
+                  </a:schemeClr>
+                </a:solidFill>
+                <a:effectLst/>
+                <a:uLnTx/>
+                <a:uFillTx/>
+                <a:latin typeface="+mn-lt"/>
+                <a:ea typeface="+mn-ea"/>
+                <a:cs typeface="+mn-cs"/>
+              </a:rPr>
+            </a:br>
+            <a:r>
+              <a:rPr kumimoji="0" lang="en-US" sz="2800" b="0" i="0" u="none" strike="noStrike" kern="1200" cap="none" spc="0" normalizeH="0" baseline="0" noProof="0" dirty="0" smtClean="0">
+                <a:ln>
+                  <a:noFill/>
+                </a:ln>
+                <a:solidFill>
+                  <a:schemeClr val="tx2"/>
+                </a:solidFill>
+                <a:effectLst/>
+                <a:uLnTx/>
+                <a:uFillTx/>
+                <a:latin typeface="+mn-lt"/>
+                <a:ea typeface="+mn-ea"/>
+                <a:cs typeface="+mn-cs"/>
+              </a:rPr>
+              <a:t>I </a:t>
+            </a:r>
+            <a:r>
+              <a:rPr kumimoji="0" lang="en-US" sz="2800" b="0" i="0" u="none" strike="noStrike" kern="1200" cap="none" spc="0" normalizeH="0" baseline="0" noProof="0" dirty="0" smtClean="0">
+                <a:ln>
+                  <a:noFill/>
+                </a:ln>
+                <a:solidFill>
+                  <a:schemeClr val="tx2"/>
+                </a:solidFill>
+                <a:effectLst/>
+                <a:uLnTx/>
+                <a:uFillTx/>
+                <a:latin typeface="+mn-lt"/>
+                <a:ea typeface="+mn-ea"/>
+                <a:cs typeface="+mn-cs"/>
+              </a:rPr>
+              <a:t>want to </a:t>
+            </a:r>
+            <a:r>
+              <a:rPr kumimoji="0" lang="en-US" sz="2800" b="0" i="0" u="none" strike="noStrike" kern="1200" cap="none" spc="0" normalizeH="0" baseline="0" noProof="0" dirty="0" smtClean="0">
+                <a:ln>
+                  <a:noFill/>
+                </a:ln>
+                <a:solidFill>
+                  <a:schemeClr val="bg2">
+                    <a:lumMod val="50000"/>
+                  </a:schemeClr>
+                </a:solidFill>
+                <a:effectLst/>
+                <a:uLnTx/>
+                <a:uFillTx/>
+                <a:latin typeface="+mn-lt"/>
+                <a:ea typeface="+mn-ea"/>
+                <a:cs typeface="+mn-cs"/>
+              </a:rPr>
+              <a:t>add a track</a:t>
+            </a:r>
+            <a:r>
+              <a:rPr kumimoji="0" lang="en-US" sz="2800" b="0" i="0" u="none" strike="noStrike" kern="1200" cap="none" spc="0" normalizeH="0" baseline="0" noProof="0" dirty="0" smtClean="0">
+                <a:ln>
+                  <a:noFill/>
+                </a:ln>
+                <a:solidFill>
+                  <a:schemeClr val="tx2"/>
+                </a:solidFill>
+                <a:effectLst/>
+                <a:uLnTx/>
+                <a:uFillTx/>
+                <a:latin typeface="+mn-lt"/>
+                <a:ea typeface="+mn-ea"/>
+                <a:cs typeface="+mn-cs"/>
+              </a:rPr>
+              <a:t/>
+            </a:r>
+            <a:br>
+              <a:rPr kumimoji="0" lang="en-US" sz="2800" b="0" i="0" u="none" strike="noStrike" kern="1200" cap="none" spc="0" normalizeH="0" baseline="0" noProof="0" dirty="0" smtClean="0">
+                <a:ln>
+                  <a:noFill/>
+                </a:ln>
+                <a:solidFill>
+                  <a:schemeClr val="tx2"/>
+                </a:solidFill>
+                <a:effectLst/>
+                <a:uLnTx/>
+                <a:uFillTx/>
+                <a:latin typeface="+mn-lt"/>
+                <a:ea typeface="+mn-ea"/>
+                <a:cs typeface="+mn-cs"/>
+              </a:rPr>
+            </a:br>
+            <a:r>
+              <a:rPr kumimoji="0" lang="en-US" sz="2800" b="0" i="0" u="none" strike="noStrike" kern="1200" cap="none" spc="0" normalizeH="0" baseline="0" noProof="0" dirty="0" smtClean="0">
+                <a:ln>
+                  <a:noFill/>
+                </a:ln>
+                <a:solidFill>
+                  <a:schemeClr val="tx2"/>
+                </a:solidFill>
+                <a:effectLst/>
+                <a:uLnTx/>
+                <a:uFillTx/>
+                <a:latin typeface="+mn-lt"/>
+                <a:ea typeface="+mn-ea"/>
+                <a:cs typeface="+mn-cs"/>
+              </a:rPr>
+              <a:t>So that </a:t>
+            </a:r>
+            <a:r>
+              <a:rPr kumimoji="0" lang="en-US" sz="2800" b="0" i="0" u="none" strike="noStrike" kern="1200" cap="none" spc="0" normalizeH="0" baseline="0" noProof="0" dirty="0" smtClean="0">
+                <a:ln>
+                  <a:noFill/>
+                </a:ln>
+                <a:solidFill>
+                  <a:schemeClr val="bg2">
+                    <a:lumMod val="50000"/>
+                  </a:schemeClr>
+                </a:solidFill>
+                <a:effectLst/>
+                <a:uLnTx/>
+                <a:uFillTx/>
+                <a:latin typeface="+mn-lt"/>
+                <a:ea typeface="+mn-ea"/>
+                <a:cs typeface="+mn-cs"/>
+              </a:rPr>
+              <a:t>attendees can</a:t>
+            </a:r>
+            <a:r>
+              <a:rPr kumimoji="0" lang="en-US" sz="2800" b="0" i="0" u="none" strike="noStrike" kern="1200" cap="none" spc="0" normalizeH="0" noProof="0" dirty="0" smtClean="0">
+                <a:ln>
+                  <a:noFill/>
+                </a:ln>
+                <a:solidFill>
+                  <a:schemeClr val="bg2">
+                    <a:lumMod val="50000"/>
+                  </a:schemeClr>
+                </a:solidFill>
+                <a:effectLst/>
+                <a:uLnTx/>
+                <a:uFillTx/>
+                <a:latin typeface="+mn-lt"/>
+                <a:ea typeface="+mn-ea"/>
+                <a:cs typeface="+mn-cs"/>
+              </a:rPr>
+              <a:t> learn specific topics</a:t>
+            </a:r>
+            <a:endParaRPr kumimoji="0" lang="en-US" sz="2800" b="0" i="0" u="none" strike="noStrike" kern="1200" cap="none" spc="0" normalizeH="0" baseline="0" noProof="0" dirty="0" smtClean="0">
+              <a:ln>
+                <a:noFill/>
+              </a:ln>
+              <a:solidFill>
+                <a:schemeClr val="bg2">
+                  <a:lumMod val="50000"/>
+                </a:schemeClr>
+              </a:solidFill>
+              <a:effectLst/>
+              <a:uLnTx/>
+              <a:uFillTx/>
+              <a:latin typeface="+mn-lt"/>
+              <a:ea typeface="+mn-ea"/>
+              <a:cs typeface="+mn-cs"/>
+            </a:endParaRPr>
+          </a:p>
+        </p:txBody>
+      </p:sp>
+      <p:sp>
+        <p:nvSpPr>
+          <p:cNvPr id="3" name="TextBox 2"/>
+          <p:cNvSpPr txBox="1"/>
+          <p:nvPr/>
+        </p:nvSpPr>
+        <p:spPr>
+          <a:xfrm>
+            <a:off x="533400" y="2743200"/>
+            <a:ext cx="6294031" cy="1569660"/>
+          </a:xfrm>
+          <a:prstGeom prst="rect">
+            <a:avLst/>
+          </a:prstGeom>
+          <a:noFill/>
+        </p:spPr>
+        <p:txBody>
+          <a:bodyPr wrap="none" rtlCol="0">
+            <a:spAutoFit/>
+          </a:bodyPr>
+          <a:lstStyle/>
+          <a:p>
+            <a:r>
+              <a:rPr lang="en-US" sz="2400" dirty="0" smtClean="0"/>
+              <a:t>Given </a:t>
+            </a:r>
+            <a:r>
+              <a:rPr lang="en-US" sz="2400" dirty="0" smtClean="0">
+                <a:solidFill>
+                  <a:schemeClr val="bg2">
+                    <a:lumMod val="50000"/>
+                  </a:schemeClr>
+                </a:solidFill>
+              </a:rPr>
+              <a:t>the track has not been added</a:t>
+            </a:r>
+          </a:p>
+          <a:p>
+            <a:r>
+              <a:rPr lang="en-US" sz="2400" dirty="0" smtClean="0"/>
+              <a:t>When </a:t>
+            </a:r>
+            <a:r>
+              <a:rPr lang="en-US" sz="2400" dirty="0" smtClean="0">
+                <a:solidFill>
+                  <a:schemeClr val="bg2">
+                    <a:lumMod val="50000"/>
+                  </a:schemeClr>
+                </a:solidFill>
+              </a:rPr>
+              <a:t>I type in a track name</a:t>
+            </a:r>
+          </a:p>
+          <a:p>
+            <a:r>
+              <a:rPr lang="en-US" sz="2400" dirty="0" smtClean="0"/>
+              <a:t>And </a:t>
+            </a:r>
+            <a:r>
+              <a:rPr lang="en-US" sz="2400" dirty="0" smtClean="0">
+                <a:solidFill>
+                  <a:schemeClr val="bg2">
+                    <a:lumMod val="50000"/>
+                  </a:schemeClr>
+                </a:solidFill>
+              </a:rPr>
+              <a:t>I click the Create button</a:t>
+            </a:r>
+          </a:p>
+          <a:p>
+            <a:r>
+              <a:rPr lang="en-US" sz="2400" dirty="0" smtClean="0"/>
+              <a:t>Then </a:t>
+            </a:r>
+            <a:r>
+              <a:rPr lang="en-US" sz="2400" dirty="0" smtClean="0">
+                <a:solidFill>
+                  <a:schemeClr val="bg2">
+                    <a:lumMod val="50000"/>
+                  </a:schemeClr>
+                </a:solidFill>
+              </a:rPr>
+              <a:t>I expect for a track to be added to the site</a:t>
+            </a:r>
+            <a:endParaRPr lang="en-US" sz="2400" dirty="0" smtClean="0">
+              <a:solidFill>
+                <a:schemeClr val="bg2">
+                  <a:lumMod val="50000"/>
+                </a:schemeClr>
+              </a:solidFill>
+            </a:endParaRPr>
+          </a:p>
+        </p:txBody>
+      </p:sp>
+      <p:sp>
+        <p:nvSpPr>
+          <p:cNvPr id="4" name="TextBox 3"/>
+          <p:cNvSpPr txBox="1"/>
+          <p:nvPr/>
+        </p:nvSpPr>
+        <p:spPr>
+          <a:xfrm>
+            <a:off x="304800" y="228600"/>
+            <a:ext cx="3442417" cy="461665"/>
+          </a:xfrm>
+          <a:prstGeom prst="rect">
+            <a:avLst/>
+          </a:prstGeom>
+          <a:noFill/>
+        </p:spPr>
+        <p:txBody>
+          <a:bodyPr wrap="none" rtlCol="0">
+            <a:spAutoFit/>
+          </a:bodyPr>
+          <a:lstStyle/>
+          <a:p>
+            <a:r>
+              <a:rPr lang="en-US" sz="2400" dirty="0" smtClean="0"/>
+              <a:t>Scenario : </a:t>
+            </a:r>
+            <a:r>
+              <a:rPr lang="en-US" sz="2400" dirty="0" smtClean="0"/>
+              <a:t>Adding a Track</a:t>
+            </a:r>
+            <a:endParaRPr lang="en-US" sz="2400" dirty="0"/>
+          </a:p>
+        </p:txBody>
+      </p:sp>
+      <p:sp>
+        <p:nvSpPr>
+          <p:cNvPr id="6" name="TextBox 5"/>
+          <p:cNvSpPr txBox="1"/>
+          <p:nvPr/>
+        </p:nvSpPr>
+        <p:spPr>
+          <a:xfrm>
+            <a:off x="524129" y="4602540"/>
+            <a:ext cx="8391271" cy="1569660"/>
+          </a:xfrm>
+          <a:prstGeom prst="rect">
+            <a:avLst/>
+          </a:prstGeom>
+          <a:noFill/>
+        </p:spPr>
+        <p:txBody>
+          <a:bodyPr wrap="none" rtlCol="0">
+            <a:spAutoFit/>
+          </a:bodyPr>
+          <a:lstStyle/>
+          <a:p>
+            <a:r>
+              <a:rPr lang="en-US" sz="2400" dirty="0" smtClean="0"/>
+              <a:t>Given </a:t>
+            </a:r>
+            <a:r>
+              <a:rPr lang="en-US" sz="2400" dirty="0" smtClean="0">
+                <a:solidFill>
+                  <a:schemeClr val="bg2">
+                    <a:lumMod val="50000"/>
+                  </a:schemeClr>
+                </a:solidFill>
+              </a:rPr>
+              <a:t>the track has already added</a:t>
+            </a:r>
+          </a:p>
+          <a:p>
+            <a:r>
+              <a:rPr lang="en-US" sz="2400" dirty="0" smtClean="0"/>
+              <a:t>When </a:t>
+            </a:r>
+            <a:r>
+              <a:rPr lang="en-US" sz="2400" dirty="0" smtClean="0">
+                <a:solidFill>
+                  <a:schemeClr val="bg2">
+                    <a:lumMod val="50000"/>
+                  </a:schemeClr>
+                </a:solidFill>
+              </a:rPr>
+              <a:t>I type in a track name</a:t>
+            </a:r>
+          </a:p>
+          <a:p>
+            <a:r>
+              <a:rPr lang="en-US" sz="2400" dirty="0" smtClean="0"/>
+              <a:t>And </a:t>
+            </a:r>
+            <a:r>
+              <a:rPr lang="en-US" sz="2400" dirty="0" smtClean="0">
+                <a:solidFill>
+                  <a:schemeClr val="bg2">
+                    <a:lumMod val="50000"/>
+                  </a:schemeClr>
+                </a:solidFill>
+              </a:rPr>
+              <a:t>I click the Create button</a:t>
+            </a:r>
+          </a:p>
+          <a:p>
+            <a:r>
+              <a:rPr lang="en-US" sz="2400" dirty="0" smtClean="0"/>
+              <a:t>Then </a:t>
+            </a:r>
+            <a:r>
+              <a:rPr lang="en-US" sz="2400" dirty="0" smtClean="0">
+                <a:solidFill>
+                  <a:schemeClr val="bg2">
+                    <a:lumMod val="50000"/>
+                  </a:schemeClr>
+                </a:solidFill>
+              </a:rPr>
+              <a:t>I expect to see a message stating that track already exists</a:t>
+            </a:r>
+            <a:endParaRPr lang="en-US" sz="2400" dirty="0" smtClean="0">
+              <a:solidFill>
+                <a:schemeClr val="bg2">
+                  <a:lumMod val="50000"/>
+                </a:schemeClr>
+              </a:solidFill>
+            </a:endParaRPr>
+          </a:p>
+        </p:txBody>
+      </p:sp>
+    </p:spTree>
+  </p:cSld>
+  <p:clrMapOvr>
+    <a:masterClrMapping/>
+  </p:clrMapOvr>
+  <p:transition/>
+</p:sld>
+</file>
+
+<file path=ppt/slides/slide14.xml><?xml version="1.0" encoding="utf-8"?>
+<p:sld xmlns:a="http://schemas.openxmlformats.org/drawingml/2006/main" xmlns:r="http://schemas.openxmlformats.org/officeDocument/2006/relationships" xmlns:p="http://schemas.openxmlformats.org/presentationml/2006/main">
+  <p:cSld>
+    <p:bg>
+      <p:bgPr>
+        <a:solidFill>
+          <a:schemeClr val="bg1"/>
+        </a:solidFill>
+        <a:effectLst/>
+      </p:bgPr>
+    </p:bg>
+    <p:spTree>
+      <p:nvGrpSpPr>
+        <p:cNvPr id="1" name=""/>
+        <p:cNvGrpSpPr/>
+        <p:nvPr/>
+      </p:nvGrpSpPr>
+      <p:grpSpPr>
+        <a:xfrm>
+          <a:off x="0" y="0"/>
+          <a:ext cx="0" cy="0"/>
+          <a:chOff x="0" y="0"/>
+          <a:chExt cx="0" cy="0"/>
+        </a:xfrm>
+      </p:grpSpPr>
+      <p:sp>
+        <p:nvSpPr>
+          <p:cNvPr id="2" name="Content Placeholder 2"/>
+          <p:cNvSpPr txBox="1">
+            <a:spLocks/>
+          </p:cNvSpPr>
+          <p:nvPr/>
+        </p:nvSpPr>
+        <p:spPr>
+          <a:xfrm>
+            <a:off x="304800" y="838200"/>
+            <a:ext cx="8382000" cy="1524000"/>
+          </a:xfrm>
+          <a:prstGeom prst="rect">
+            <a:avLst/>
+          </a:prstGeom>
+        </p:spPr>
+        <p:txBody>
+          <a:bodyPr vert="horz">
+            <a:normAutofit/>
+          </a:bodyPr>
+          <a:lstStyle/>
+          <a:p>
+            <a:pPr marL="342900" marR="0" lvl="0" indent="-342900" algn="l" defTabSz="914400" rtl="0" eaLnBrk="1" fontAlgn="auto" latinLnBrk="0" hangingPunct="1">
+              <a:lnSpc>
+                <a:spcPct val="100000"/>
+              </a:lnSpc>
+              <a:spcBef>
+                <a:spcPct val="20000"/>
+              </a:spcBef>
+              <a:spcAft>
+                <a:spcPts val="0"/>
+              </a:spcAft>
+              <a:buClr>
+                <a:schemeClr val="accent1"/>
+              </a:buClr>
+              <a:buSzPct val="70000"/>
+              <a:buFont typeface="Wingdings 2"/>
+              <a:buChar char=""/>
+              <a:tabLst/>
+              <a:defRPr/>
+            </a:pPr>
+            <a:r>
+              <a:rPr kumimoji="0" lang="en-US" sz="2800" b="0" i="0" u="none" strike="noStrike" kern="1200" cap="none" spc="0" normalizeH="0" baseline="0" noProof="0" dirty="0" smtClean="0">
+                <a:ln>
+                  <a:noFill/>
+                </a:ln>
+                <a:solidFill>
+                  <a:schemeClr val="tx2"/>
+                </a:solidFill>
+                <a:effectLst/>
+                <a:uLnTx/>
+                <a:uFillTx/>
+                <a:latin typeface="+mn-lt"/>
+                <a:ea typeface="+mn-ea"/>
+                <a:cs typeface="+mn-cs"/>
+              </a:rPr>
+              <a:t>As a </a:t>
+            </a:r>
+            <a:r>
+              <a:rPr lang="en-US" sz="2800" dirty="0" smtClean="0">
+                <a:solidFill>
+                  <a:schemeClr val="bg2">
+                    <a:lumMod val="50000"/>
+                  </a:schemeClr>
+                </a:solidFill>
+              </a:rPr>
+              <a:t>Presenter</a:t>
+            </a:r>
+            <a:br>
+              <a:rPr lang="en-US" sz="2800" dirty="0" smtClean="0">
+                <a:solidFill>
+                  <a:schemeClr val="bg2">
+                    <a:lumMod val="50000"/>
+                  </a:schemeClr>
+                </a:solidFill>
+              </a:rPr>
+            </a:br>
+            <a:r>
+              <a:rPr kumimoji="0" lang="en-US" sz="2800" b="0" i="0" u="none" strike="noStrike" kern="1200" cap="none" spc="0" normalizeH="0" baseline="0" noProof="0" dirty="0" smtClean="0">
+                <a:ln>
+                  <a:noFill/>
+                </a:ln>
+                <a:solidFill>
+                  <a:schemeClr val="tx2"/>
+                </a:solidFill>
+                <a:effectLst/>
+                <a:uLnTx/>
+                <a:uFillTx/>
+                <a:latin typeface="+mn-lt"/>
+                <a:ea typeface="+mn-ea"/>
+                <a:cs typeface="+mn-cs"/>
+              </a:rPr>
+              <a:t>I </a:t>
+            </a:r>
+            <a:r>
+              <a:rPr kumimoji="0" lang="en-US" sz="2800" b="0" i="0" u="none" strike="noStrike" kern="1200" cap="none" spc="0" normalizeH="0" baseline="0" noProof="0" dirty="0" smtClean="0">
+                <a:ln>
+                  <a:noFill/>
+                </a:ln>
+                <a:solidFill>
+                  <a:schemeClr val="tx2"/>
+                </a:solidFill>
+                <a:effectLst/>
+                <a:uLnTx/>
+                <a:uFillTx/>
+                <a:latin typeface="+mn-lt"/>
+                <a:ea typeface="+mn-ea"/>
+                <a:cs typeface="+mn-cs"/>
+              </a:rPr>
+              <a:t>want to </a:t>
+            </a:r>
+            <a:r>
+              <a:rPr kumimoji="0" lang="en-US" sz="2800" b="0" i="0" u="none" strike="noStrike" kern="1200" cap="none" spc="0" normalizeH="0" baseline="0" noProof="0" dirty="0" smtClean="0">
+                <a:ln>
+                  <a:noFill/>
+                </a:ln>
+                <a:solidFill>
+                  <a:schemeClr val="bg2">
+                    <a:lumMod val="50000"/>
+                  </a:schemeClr>
+                </a:solidFill>
+                <a:effectLst/>
+                <a:uLnTx/>
+                <a:uFillTx/>
+                <a:latin typeface="+mn-lt"/>
+                <a:ea typeface="+mn-ea"/>
+                <a:cs typeface="+mn-cs"/>
+              </a:rPr>
+              <a:t>submit a session</a:t>
+            </a:r>
+            <a:br>
+              <a:rPr kumimoji="0" lang="en-US" sz="2800" b="0" i="0" u="none" strike="noStrike" kern="1200" cap="none" spc="0" normalizeH="0" baseline="0" noProof="0" dirty="0" smtClean="0">
+                <a:ln>
+                  <a:noFill/>
+                </a:ln>
+                <a:solidFill>
+                  <a:schemeClr val="bg2">
+                    <a:lumMod val="50000"/>
+                  </a:schemeClr>
+                </a:solidFill>
+                <a:effectLst/>
+                <a:uLnTx/>
+                <a:uFillTx/>
+                <a:latin typeface="+mn-lt"/>
+                <a:ea typeface="+mn-ea"/>
+                <a:cs typeface="+mn-cs"/>
+              </a:rPr>
+            </a:br>
+            <a:r>
+              <a:rPr kumimoji="0" lang="en-US" sz="2800" b="0" i="0" u="none" strike="noStrike" kern="1200" cap="none" spc="0" normalizeH="0" baseline="0" noProof="0" dirty="0" smtClean="0">
+                <a:ln>
+                  <a:noFill/>
+                </a:ln>
+                <a:solidFill>
+                  <a:schemeClr val="tx2"/>
+                </a:solidFill>
+                <a:effectLst/>
+                <a:uLnTx/>
+                <a:uFillTx/>
+                <a:latin typeface="+mn-lt"/>
+                <a:ea typeface="+mn-ea"/>
+                <a:cs typeface="+mn-cs"/>
+              </a:rPr>
+              <a:t>So </a:t>
+            </a:r>
+            <a:r>
+              <a:rPr kumimoji="0" lang="en-US" sz="2800" b="0" i="0" u="none" strike="noStrike" kern="1200" cap="none" spc="0" normalizeH="0" baseline="0" noProof="0" dirty="0" smtClean="0">
+                <a:ln>
+                  <a:noFill/>
+                </a:ln>
+                <a:solidFill>
+                  <a:schemeClr val="tx2"/>
+                </a:solidFill>
+                <a:effectLst/>
+                <a:uLnTx/>
+                <a:uFillTx/>
+                <a:latin typeface="+mn-lt"/>
+                <a:ea typeface="+mn-ea"/>
+                <a:cs typeface="+mn-cs"/>
+              </a:rPr>
+              <a:t>that </a:t>
+            </a:r>
+            <a:r>
+              <a:rPr kumimoji="0" lang="en-US" sz="2800" b="0" i="0" u="none" strike="noStrike" kern="1200" cap="none" spc="0" normalizeH="0" baseline="0" noProof="0" dirty="0" smtClean="0">
+                <a:ln>
+                  <a:noFill/>
+                </a:ln>
+                <a:solidFill>
+                  <a:schemeClr val="bg2">
+                    <a:lumMod val="50000"/>
+                  </a:schemeClr>
+                </a:solidFill>
+                <a:effectLst/>
+                <a:uLnTx/>
+                <a:uFillTx/>
+                <a:latin typeface="+mn-lt"/>
+                <a:ea typeface="+mn-ea"/>
+                <a:cs typeface="+mn-cs"/>
+              </a:rPr>
+              <a:t>I can teach people new things</a:t>
+            </a:r>
+            <a:endParaRPr kumimoji="0" lang="en-US" sz="2800" b="0" i="0" u="none" strike="noStrike" kern="1200" cap="none" spc="0" normalizeH="0" baseline="0" noProof="0" dirty="0" smtClean="0">
+              <a:ln>
+                <a:noFill/>
+              </a:ln>
+              <a:solidFill>
+                <a:schemeClr val="bg2">
+                  <a:lumMod val="50000"/>
+                </a:schemeClr>
+              </a:solidFill>
+              <a:effectLst/>
+              <a:uLnTx/>
+              <a:uFillTx/>
+              <a:latin typeface="+mn-lt"/>
+              <a:ea typeface="+mn-ea"/>
+              <a:cs typeface="+mn-cs"/>
+            </a:endParaRPr>
+          </a:p>
+        </p:txBody>
+      </p:sp>
+      <p:sp>
+        <p:nvSpPr>
+          <p:cNvPr id="3" name="TextBox 2"/>
+          <p:cNvSpPr txBox="1"/>
+          <p:nvPr/>
+        </p:nvSpPr>
+        <p:spPr>
+          <a:xfrm>
+            <a:off x="533400" y="2743200"/>
+            <a:ext cx="6294031" cy="1569660"/>
+          </a:xfrm>
+          <a:prstGeom prst="rect">
+            <a:avLst/>
+          </a:prstGeom>
+          <a:noFill/>
+        </p:spPr>
+        <p:txBody>
+          <a:bodyPr wrap="none" rtlCol="0">
+            <a:spAutoFit/>
+          </a:bodyPr>
+          <a:lstStyle/>
+          <a:p>
+            <a:r>
+              <a:rPr lang="en-US" sz="2400" dirty="0" smtClean="0"/>
+              <a:t>Given </a:t>
+            </a:r>
+            <a:r>
+              <a:rPr lang="en-US" sz="2400" dirty="0" smtClean="0">
+                <a:solidFill>
+                  <a:schemeClr val="bg2">
+                    <a:lumMod val="50000"/>
+                  </a:schemeClr>
+                </a:solidFill>
+              </a:rPr>
+              <a:t>the track has not been added</a:t>
+            </a:r>
+          </a:p>
+          <a:p>
+            <a:r>
+              <a:rPr lang="en-US" sz="2400" dirty="0" smtClean="0"/>
+              <a:t>When </a:t>
+            </a:r>
+            <a:r>
+              <a:rPr lang="en-US" sz="2400" dirty="0" smtClean="0">
+                <a:solidFill>
+                  <a:schemeClr val="bg2">
+                    <a:lumMod val="50000"/>
+                  </a:schemeClr>
+                </a:solidFill>
+              </a:rPr>
+              <a:t>I type in a track name</a:t>
+            </a:r>
+          </a:p>
+          <a:p>
+            <a:r>
+              <a:rPr lang="en-US" sz="2400" dirty="0" smtClean="0"/>
+              <a:t>And </a:t>
+            </a:r>
+            <a:r>
+              <a:rPr lang="en-US" sz="2400" dirty="0" smtClean="0">
+                <a:solidFill>
+                  <a:schemeClr val="bg2">
+                    <a:lumMod val="50000"/>
+                  </a:schemeClr>
+                </a:solidFill>
+              </a:rPr>
+              <a:t>I click the Create button</a:t>
+            </a:r>
+          </a:p>
+          <a:p>
+            <a:r>
+              <a:rPr lang="en-US" sz="2400" dirty="0" smtClean="0"/>
+              <a:t>Then </a:t>
+            </a:r>
+            <a:r>
+              <a:rPr lang="en-US" sz="2400" dirty="0" smtClean="0">
+                <a:solidFill>
+                  <a:schemeClr val="bg2">
+                    <a:lumMod val="50000"/>
+                  </a:schemeClr>
+                </a:solidFill>
+              </a:rPr>
+              <a:t>I expect for a track to be added to the site</a:t>
+            </a:r>
+            <a:endParaRPr lang="en-US" sz="2400" dirty="0" smtClean="0">
+              <a:solidFill>
+                <a:schemeClr val="bg2">
+                  <a:lumMod val="50000"/>
+                </a:schemeClr>
+              </a:solidFill>
+            </a:endParaRPr>
+          </a:p>
+        </p:txBody>
+      </p:sp>
+      <p:sp>
+        <p:nvSpPr>
+          <p:cNvPr id="4" name="TextBox 3"/>
+          <p:cNvSpPr txBox="1"/>
+          <p:nvPr/>
+        </p:nvSpPr>
+        <p:spPr>
+          <a:xfrm>
+            <a:off x="304800" y="228600"/>
+            <a:ext cx="4294765" cy="461665"/>
+          </a:xfrm>
+          <a:prstGeom prst="rect">
+            <a:avLst/>
+          </a:prstGeom>
+          <a:noFill/>
+        </p:spPr>
+        <p:txBody>
+          <a:bodyPr wrap="none" rtlCol="0">
+            <a:spAutoFit/>
+          </a:bodyPr>
+          <a:lstStyle/>
+          <a:p>
+            <a:r>
+              <a:rPr lang="en-US" sz="2400" dirty="0" smtClean="0"/>
+              <a:t>Scenario : </a:t>
+            </a:r>
+            <a:r>
+              <a:rPr lang="en-US" sz="2400" dirty="0" smtClean="0"/>
+              <a:t>Submitting a Session</a:t>
+            </a:r>
+            <a:endParaRPr lang="en-US" sz="2400" dirty="0"/>
+          </a:p>
+        </p:txBody>
+      </p:sp>
+      <p:sp>
+        <p:nvSpPr>
+          <p:cNvPr id="6" name="TextBox 5"/>
+          <p:cNvSpPr txBox="1"/>
+          <p:nvPr/>
+        </p:nvSpPr>
+        <p:spPr>
+          <a:xfrm>
+            <a:off x="524129" y="4602540"/>
+            <a:ext cx="8391271" cy="1569660"/>
+          </a:xfrm>
+          <a:prstGeom prst="rect">
+            <a:avLst/>
+          </a:prstGeom>
+          <a:noFill/>
+        </p:spPr>
+        <p:txBody>
+          <a:bodyPr wrap="none" rtlCol="0">
+            <a:spAutoFit/>
+          </a:bodyPr>
+          <a:lstStyle/>
+          <a:p>
+            <a:r>
+              <a:rPr lang="en-US" sz="2400" dirty="0" smtClean="0"/>
+              <a:t>Given </a:t>
+            </a:r>
+            <a:r>
+              <a:rPr lang="en-US" sz="2400" dirty="0" smtClean="0">
+                <a:solidFill>
+                  <a:schemeClr val="bg2">
+                    <a:lumMod val="50000"/>
+                  </a:schemeClr>
+                </a:solidFill>
+              </a:rPr>
+              <a:t>the track has already added</a:t>
+            </a:r>
+          </a:p>
+          <a:p>
+            <a:r>
+              <a:rPr lang="en-US" sz="2400" dirty="0" smtClean="0"/>
+              <a:t>When </a:t>
+            </a:r>
+            <a:r>
+              <a:rPr lang="en-US" sz="2400" dirty="0" smtClean="0">
+                <a:solidFill>
+                  <a:schemeClr val="bg2">
+                    <a:lumMod val="50000"/>
+                  </a:schemeClr>
+                </a:solidFill>
+              </a:rPr>
+              <a:t>I type in a track name</a:t>
+            </a:r>
+          </a:p>
+          <a:p>
+            <a:r>
+              <a:rPr lang="en-US" sz="2400" dirty="0" smtClean="0"/>
+              <a:t>And </a:t>
+            </a:r>
+            <a:r>
+              <a:rPr lang="en-US" sz="2400" dirty="0" smtClean="0">
+                <a:solidFill>
+                  <a:schemeClr val="bg2">
+                    <a:lumMod val="50000"/>
+                  </a:schemeClr>
+                </a:solidFill>
+              </a:rPr>
+              <a:t>I click the Create button</a:t>
+            </a:r>
+          </a:p>
+          <a:p>
+            <a:r>
+              <a:rPr lang="en-US" sz="2400" dirty="0" smtClean="0"/>
+              <a:t>Then </a:t>
+            </a:r>
+            <a:r>
+              <a:rPr lang="en-US" sz="2400" dirty="0" smtClean="0">
+                <a:solidFill>
+                  <a:schemeClr val="bg2">
+                    <a:lumMod val="50000"/>
+                  </a:schemeClr>
+                </a:solidFill>
+              </a:rPr>
+              <a:t>I expect to see a message stating that track already exists</a:t>
+            </a:r>
+            <a:endParaRPr lang="en-US" sz="2400" dirty="0" smtClean="0">
+              <a:solidFill>
+                <a:schemeClr val="bg2">
+                  <a:lumMod val="50000"/>
+                </a:schemeClr>
+              </a:solidFill>
+            </a:endParaRPr>
+          </a:p>
+        </p:txBody>
+      </p:sp>
+    </p:spTree>
+  </p:cSld>
+  <p:clrMapOvr>
+    <a:masterClrMapping/>
+  </p:clrMapOvr>
+  <p:transition/>
+</p:sld>
+</file>
+
+<file path=ppt/slides/slide15.xml><?xml version="1.0" encoding="utf-8"?>
+<p:sld xmlns:a="http://schemas.openxmlformats.org/drawingml/2006/main" xmlns:r="http://schemas.openxmlformats.org/officeDocument/2006/relationships" xmlns:p="http://schemas.openxmlformats.org/presentationml/2006/main">
+  <p:cSld>
+    <p:bg>
+      <p:bgPr>
+        <a:solidFill>
+          <a:schemeClr val="bg1"/>
+        </a:solidFill>
+        <a:effectLst/>
+      </p:bgPr>
+    </p:bg>
+    <p:spTree>
+      <p:nvGrpSpPr>
+        <p:cNvPr id="1" name=""/>
+        <p:cNvGrpSpPr/>
+        <p:nvPr/>
+      </p:nvGrpSpPr>
+      <p:grpSpPr>
+        <a:xfrm>
+          <a:off x="0" y="0"/>
+          <a:ext cx="0" cy="0"/>
+          <a:chOff x="0" y="0"/>
+          <a:chExt cx="0" cy="0"/>
+        </a:xfrm>
+      </p:grpSpPr>
+      <p:sp>
+        <p:nvSpPr>
+          <p:cNvPr id="2" name="Content Placeholder 2"/>
+          <p:cNvSpPr txBox="1">
+            <a:spLocks/>
+          </p:cNvSpPr>
+          <p:nvPr/>
+        </p:nvSpPr>
+        <p:spPr>
+          <a:xfrm>
+            <a:off x="304800" y="838200"/>
+            <a:ext cx="8382000" cy="1524000"/>
+          </a:xfrm>
+          <a:prstGeom prst="rect">
+            <a:avLst/>
+          </a:prstGeom>
+        </p:spPr>
+        <p:txBody>
+          <a:bodyPr vert="horz">
+            <a:normAutofit/>
+          </a:bodyPr>
+          <a:lstStyle/>
+          <a:p>
+            <a:pPr marL="342900" marR="0" lvl="0" indent="-342900" algn="l" defTabSz="914400" rtl="0" eaLnBrk="1" fontAlgn="auto" latinLnBrk="0" hangingPunct="1">
+              <a:lnSpc>
+                <a:spcPct val="100000"/>
+              </a:lnSpc>
+              <a:spcBef>
+                <a:spcPct val="20000"/>
+              </a:spcBef>
+              <a:spcAft>
+                <a:spcPts val="0"/>
+              </a:spcAft>
+              <a:buClr>
+                <a:schemeClr val="accent1"/>
+              </a:buClr>
+              <a:buSzPct val="70000"/>
+              <a:buFont typeface="Wingdings 2"/>
+              <a:buChar char=""/>
+              <a:tabLst/>
+              <a:defRPr/>
+            </a:pPr>
+            <a:r>
+              <a:rPr kumimoji="0" lang="en-US" sz="2800" b="0" i="0" u="none" strike="noStrike" kern="1200" cap="none" spc="0" normalizeH="0" baseline="0" noProof="0" dirty="0" smtClean="0">
+                <a:ln>
+                  <a:noFill/>
+                </a:ln>
+                <a:solidFill>
+                  <a:schemeClr val="tx2"/>
+                </a:solidFill>
+                <a:effectLst/>
+                <a:uLnTx/>
+                <a:uFillTx/>
+                <a:latin typeface="+mn-lt"/>
+                <a:ea typeface="+mn-ea"/>
+                <a:cs typeface="+mn-cs"/>
+              </a:rPr>
+              <a:t>As </a:t>
+            </a:r>
+            <a:r>
+              <a:rPr kumimoji="0" lang="en-US" sz="2800" b="0" i="0" u="none" strike="noStrike" kern="1200" cap="none" spc="0" normalizeH="0" baseline="0" noProof="0" dirty="0" smtClean="0">
+                <a:ln>
+                  <a:noFill/>
+                </a:ln>
+                <a:solidFill>
+                  <a:schemeClr val="tx2"/>
+                </a:solidFill>
+                <a:effectLst/>
+                <a:uLnTx/>
+                <a:uFillTx/>
+                <a:latin typeface="+mn-lt"/>
+                <a:ea typeface="+mn-ea"/>
+                <a:cs typeface="+mn-cs"/>
+              </a:rPr>
+              <a:t>an </a:t>
+            </a:r>
+            <a:r>
+              <a:rPr lang="en-US" sz="2800" dirty="0" smtClean="0">
+                <a:solidFill>
+                  <a:schemeClr val="bg2">
+                    <a:lumMod val="50000"/>
+                  </a:schemeClr>
+                </a:solidFill>
+              </a:rPr>
+              <a:t>Attendee</a:t>
+            </a:r>
+            <a:br>
+              <a:rPr lang="en-US" sz="2800" dirty="0" smtClean="0">
+                <a:solidFill>
+                  <a:schemeClr val="bg2">
+                    <a:lumMod val="50000"/>
+                  </a:schemeClr>
+                </a:solidFill>
+              </a:rPr>
+            </a:br>
+            <a:r>
+              <a:rPr kumimoji="0" lang="en-US" sz="2800" b="0" i="0" u="none" strike="noStrike" kern="1200" cap="none" spc="0" normalizeH="0" baseline="0" noProof="0" dirty="0" smtClean="0">
+                <a:ln>
+                  <a:noFill/>
+                </a:ln>
+                <a:solidFill>
+                  <a:schemeClr val="tx2"/>
+                </a:solidFill>
+                <a:effectLst/>
+                <a:uLnTx/>
+                <a:uFillTx/>
+                <a:latin typeface="+mn-lt"/>
+                <a:ea typeface="+mn-ea"/>
+                <a:cs typeface="+mn-cs"/>
+              </a:rPr>
+              <a:t>I </a:t>
+            </a:r>
+            <a:r>
+              <a:rPr kumimoji="0" lang="en-US" sz="2800" b="0" i="0" u="none" strike="noStrike" kern="1200" cap="none" spc="0" normalizeH="0" baseline="0" noProof="0" dirty="0" smtClean="0">
+                <a:ln>
+                  <a:noFill/>
+                </a:ln>
+                <a:solidFill>
+                  <a:schemeClr val="tx2"/>
+                </a:solidFill>
+                <a:effectLst/>
+                <a:uLnTx/>
+                <a:uFillTx/>
+                <a:latin typeface="+mn-lt"/>
+                <a:ea typeface="+mn-ea"/>
+                <a:cs typeface="+mn-cs"/>
+              </a:rPr>
+              <a:t>want to </a:t>
+            </a:r>
+            <a:r>
+              <a:rPr kumimoji="0" lang="en-US" sz="2800" b="0" i="0" u="none" strike="noStrike" kern="1200" cap="none" spc="0" normalizeH="0" baseline="0" noProof="0" dirty="0" smtClean="0">
+                <a:ln>
+                  <a:noFill/>
+                </a:ln>
+                <a:solidFill>
+                  <a:schemeClr val="bg2">
+                    <a:lumMod val="50000"/>
+                  </a:schemeClr>
+                </a:solidFill>
+                <a:effectLst/>
+                <a:uLnTx/>
+                <a:uFillTx/>
+                <a:latin typeface="+mn-lt"/>
+                <a:ea typeface="+mn-ea"/>
+                <a:cs typeface="+mn-cs"/>
+              </a:rPr>
+              <a:t>register for code</a:t>
+            </a:r>
+            <a:r>
+              <a:rPr kumimoji="0" lang="en-US" sz="2800" b="0" i="0" u="none" strike="noStrike" kern="1200" cap="none" spc="0" normalizeH="0" noProof="0" dirty="0" smtClean="0">
+                <a:ln>
+                  <a:noFill/>
+                </a:ln>
+                <a:solidFill>
+                  <a:schemeClr val="bg2">
+                    <a:lumMod val="50000"/>
+                  </a:schemeClr>
+                </a:solidFill>
+                <a:effectLst/>
+                <a:uLnTx/>
+                <a:uFillTx/>
+                <a:latin typeface="+mn-lt"/>
+                <a:ea typeface="+mn-ea"/>
+                <a:cs typeface="+mn-cs"/>
+              </a:rPr>
+              <a:t> camp</a:t>
+            </a:r>
+            <a:r>
+              <a:rPr kumimoji="0" lang="en-US" sz="2800" b="0" i="0" u="none" strike="noStrike" kern="1200" cap="none" spc="0" normalizeH="0" baseline="0" noProof="0" dirty="0" smtClean="0">
+                <a:ln>
+                  <a:noFill/>
+                </a:ln>
+                <a:solidFill>
+                  <a:schemeClr val="bg2">
+                    <a:lumMod val="50000"/>
+                  </a:schemeClr>
+                </a:solidFill>
+                <a:effectLst/>
+                <a:uLnTx/>
+                <a:uFillTx/>
+                <a:latin typeface="+mn-lt"/>
+                <a:ea typeface="+mn-ea"/>
+                <a:cs typeface="+mn-cs"/>
+              </a:rPr>
+              <a:t/>
+            </a:r>
+            <a:br>
+              <a:rPr kumimoji="0" lang="en-US" sz="2800" b="0" i="0" u="none" strike="noStrike" kern="1200" cap="none" spc="0" normalizeH="0" baseline="0" noProof="0" dirty="0" smtClean="0">
+                <a:ln>
+                  <a:noFill/>
+                </a:ln>
+                <a:solidFill>
+                  <a:schemeClr val="bg2">
+                    <a:lumMod val="50000"/>
+                  </a:schemeClr>
+                </a:solidFill>
+                <a:effectLst/>
+                <a:uLnTx/>
+                <a:uFillTx/>
+                <a:latin typeface="+mn-lt"/>
+                <a:ea typeface="+mn-ea"/>
+                <a:cs typeface="+mn-cs"/>
+              </a:rPr>
+            </a:br>
+            <a:r>
+              <a:rPr kumimoji="0" lang="en-US" sz="2800" b="0" i="0" u="none" strike="noStrike" kern="1200" cap="none" spc="0" normalizeH="0" baseline="0" noProof="0" dirty="0" smtClean="0">
+                <a:ln>
+                  <a:noFill/>
+                </a:ln>
+                <a:solidFill>
+                  <a:schemeClr val="tx2"/>
+                </a:solidFill>
+                <a:effectLst/>
+                <a:uLnTx/>
+                <a:uFillTx/>
+                <a:latin typeface="+mn-lt"/>
+                <a:ea typeface="+mn-ea"/>
+                <a:cs typeface="+mn-cs"/>
+              </a:rPr>
+              <a:t>So </a:t>
+            </a:r>
+            <a:r>
+              <a:rPr kumimoji="0" lang="en-US" sz="2800" b="0" i="0" u="none" strike="noStrike" kern="1200" cap="none" spc="0" normalizeH="0" baseline="0" noProof="0" dirty="0" smtClean="0">
+                <a:ln>
+                  <a:noFill/>
+                </a:ln>
+                <a:solidFill>
+                  <a:schemeClr val="tx2"/>
+                </a:solidFill>
+                <a:effectLst/>
+                <a:uLnTx/>
+                <a:uFillTx/>
+                <a:latin typeface="+mn-lt"/>
+                <a:ea typeface="+mn-ea"/>
+                <a:cs typeface="+mn-cs"/>
+              </a:rPr>
+              <a:t>that </a:t>
+            </a:r>
+            <a:r>
+              <a:rPr kumimoji="0" lang="en-US" sz="2800" b="0" i="0" u="none" strike="noStrike" kern="1200" cap="none" spc="0" normalizeH="0" baseline="0" noProof="0" dirty="0" smtClean="0">
+                <a:ln>
+                  <a:noFill/>
+                </a:ln>
+                <a:solidFill>
+                  <a:schemeClr val="bg2">
+                    <a:lumMod val="50000"/>
+                  </a:schemeClr>
+                </a:solidFill>
+                <a:effectLst/>
+                <a:uLnTx/>
+                <a:uFillTx/>
+                <a:latin typeface="+mn-lt"/>
+                <a:ea typeface="+mn-ea"/>
+                <a:cs typeface="+mn-cs"/>
+              </a:rPr>
+              <a:t>I can</a:t>
+            </a:r>
+            <a:r>
+              <a:rPr kumimoji="0" lang="en-US" sz="2800" b="0" i="0" u="none" strike="noStrike" kern="1200" cap="none" spc="0" normalizeH="0" noProof="0" dirty="0" smtClean="0">
+                <a:ln>
+                  <a:noFill/>
+                </a:ln>
+                <a:solidFill>
+                  <a:schemeClr val="bg2">
+                    <a:lumMod val="50000"/>
+                  </a:schemeClr>
+                </a:solidFill>
+                <a:effectLst/>
+                <a:uLnTx/>
+                <a:uFillTx/>
+                <a:latin typeface="+mn-lt"/>
+                <a:ea typeface="+mn-ea"/>
+                <a:cs typeface="+mn-cs"/>
+              </a:rPr>
+              <a:t> learn new things</a:t>
+            </a:r>
+            <a:endParaRPr kumimoji="0" lang="en-US" sz="2800" b="0" i="0" u="none" strike="noStrike" kern="1200" cap="none" spc="0" normalizeH="0" baseline="0" noProof="0" dirty="0" smtClean="0">
+              <a:ln>
+                <a:noFill/>
+              </a:ln>
+              <a:solidFill>
+                <a:schemeClr val="bg2">
+                  <a:lumMod val="50000"/>
+                </a:schemeClr>
+              </a:solidFill>
+              <a:effectLst/>
+              <a:uLnTx/>
+              <a:uFillTx/>
+              <a:latin typeface="+mn-lt"/>
+              <a:ea typeface="+mn-ea"/>
+              <a:cs typeface="+mn-cs"/>
+            </a:endParaRPr>
+          </a:p>
+        </p:txBody>
+      </p:sp>
+      <p:sp>
+        <p:nvSpPr>
+          <p:cNvPr id="3" name="TextBox 2"/>
+          <p:cNvSpPr txBox="1"/>
+          <p:nvPr/>
+        </p:nvSpPr>
+        <p:spPr>
+          <a:xfrm>
+            <a:off x="533400" y="2743200"/>
+            <a:ext cx="6294031" cy="1569660"/>
+          </a:xfrm>
+          <a:prstGeom prst="rect">
+            <a:avLst/>
+          </a:prstGeom>
+          <a:noFill/>
+        </p:spPr>
+        <p:txBody>
+          <a:bodyPr wrap="none" rtlCol="0">
+            <a:spAutoFit/>
+          </a:bodyPr>
+          <a:lstStyle/>
+          <a:p>
+            <a:r>
+              <a:rPr lang="en-US" sz="2400" dirty="0" smtClean="0"/>
+              <a:t>Given </a:t>
+            </a:r>
+            <a:r>
+              <a:rPr lang="en-US" sz="2400" dirty="0" smtClean="0">
+                <a:solidFill>
+                  <a:schemeClr val="bg2">
+                    <a:lumMod val="50000"/>
+                  </a:schemeClr>
+                </a:solidFill>
+              </a:rPr>
+              <a:t>the track has not been added</a:t>
+            </a:r>
+          </a:p>
+          <a:p>
+            <a:r>
+              <a:rPr lang="en-US" sz="2400" dirty="0" smtClean="0"/>
+              <a:t>When </a:t>
+            </a:r>
+            <a:r>
+              <a:rPr lang="en-US" sz="2400" dirty="0" smtClean="0">
+                <a:solidFill>
+                  <a:schemeClr val="bg2">
+                    <a:lumMod val="50000"/>
+                  </a:schemeClr>
+                </a:solidFill>
+              </a:rPr>
+              <a:t>I type in a track name</a:t>
+            </a:r>
+          </a:p>
+          <a:p>
+            <a:r>
+              <a:rPr lang="en-US" sz="2400" dirty="0" smtClean="0"/>
+              <a:t>And </a:t>
+            </a:r>
+            <a:r>
+              <a:rPr lang="en-US" sz="2400" dirty="0" smtClean="0">
+                <a:solidFill>
+                  <a:schemeClr val="bg2">
+                    <a:lumMod val="50000"/>
+                  </a:schemeClr>
+                </a:solidFill>
+              </a:rPr>
+              <a:t>I click the Create button</a:t>
+            </a:r>
+          </a:p>
+          <a:p>
+            <a:r>
+              <a:rPr lang="en-US" sz="2400" dirty="0" smtClean="0"/>
+              <a:t>Then </a:t>
+            </a:r>
+            <a:r>
+              <a:rPr lang="en-US" sz="2400" dirty="0" smtClean="0">
+                <a:solidFill>
+                  <a:schemeClr val="bg2">
+                    <a:lumMod val="50000"/>
+                  </a:schemeClr>
+                </a:solidFill>
+              </a:rPr>
+              <a:t>I expect for a track to be added to the site</a:t>
+            </a:r>
+            <a:endParaRPr lang="en-US" sz="2400" dirty="0" smtClean="0">
+              <a:solidFill>
+                <a:schemeClr val="bg2">
+                  <a:lumMod val="50000"/>
+                </a:schemeClr>
+              </a:solidFill>
+            </a:endParaRPr>
+          </a:p>
+        </p:txBody>
+      </p:sp>
+      <p:sp>
+        <p:nvSpPr>
+          <p:cNvPr id="4" name="TextBox 3"/>
+          <p:cNvSpPr txBox="1"/>
+          <p:nvPr/>
+        </p:nvSpPr>
+        <p:spPr>
+          <a:xfrm>
+            <a:off x="304800" y="228600"/>
+            <a:ext cx="3001847" cy="461665"/>
+          </a:xfrm>
+          <a:prstGeom prst="rect">
+            <a:avLst/>
+          </a:prstGeom>
+          <a:noFill/>
+        </p:spPr>
+        <p:txBody>
+          <a:bodyPr wrap="none" rtlCol="0">
+            <a:spAutoFit/>
+          </a:bodyPr>
+          <a:lstStyle/>
+          <a:p>
+            <a:r>
+              <a:rPr lang="en-US" sz="2400" dirty="0" smtClean="0"/>
+              <a:t>Scenario : </a:t>
+            </a:r>
+            <a:r>
+              <a:rPr lang="en-US" sz="2400" dirty="0" smtClean="0"/>
+              <a:t>Registering</a:t>
+            </a:r>
+            <a:endParaRPr lang="en-US" sz="2400" dirty="0"/>
+          </a:p>
+        </p:txBody>
+      </p:sp>
+      <p:sp>
+        <p:nvSpPr>
+          <p:cNvPr id="6" name="TextBox 5"/>
+          <p:cNvSpPr txBox="1"/>
+          <p:nvPr/>
+        </p:nvSpPr>
+        <p:spPr>
+          <a:xfrm>
+            <a:off x="524129" y="4602540"/>
+            <a:ext cx="8391271" cy="1569660"/>
+          </a:xfrm>
+          <a:prstGeom prst="rect">
+            <a:avLst/>
+          </a:prstGeom>
+          <a:noFill/>
+        </p:spPr>
+        <p:txBody>
+          <a:bodyPr wrap="none" rtlCol="0">
+            <a:spAutoFit/>
+          </a:bodyPr>
+          <a:lstStyle/>
+          <a:p>
+            <a:r>
+              <a:rPr lang="en-US" sz="2400" dirty="0" smtClean="0"/>
+              <a:t>Given </a:t>
+            </a:r>
+            <a:r>
+              <a:rPr lang="en-US" sz="2400" dirty="0" smtClean="0">
+                <a:solidFill>
+                  <a:schemeClr val="bg2">
+                    <a:lumMod val="50000"/>
+                  </a:schemeClr>
+                </a:solidFill>
+              </a:rPr>
+              <a:t>the track has already added</a:t>
+            </a:r>
+          </a:p>
+          <a:p>
+            <a:r>
+              <a:rPr lang="en-US" sz="2400" dirty="0" smtClean="0"/>
+              <a:t>When </a:t>
+            </a:r>
+            <a:r>
+              <a:rPr lang="en-US" sz="2400" dirty="0" smtClean="0">
+                <a:solidFill>
+                  <a:schemeClr val="bg2">
+                    <a:lumMod val="50000"/>
+                  </a:schemeClr>
+                </a:solidFill>
+              </a:rPr>
+              <a:t>I type in a track name</a:t>
+            </a:r>
+          </a:p>
+          <a:p>
+            <a:r>
+              <a:rPr lang="en-US" sz="2400" dirty="0" smtClean="0"/>
+              <a:t>And </a:t>
+            </a:r>
+            <a:r>
+              <a:rPr lang="en-US" sz="2400" dirty="0" smtClean="0">
+                <a:solidFill>
+                  <a:schemeClr val="bg2">
+                    <a:lumMod val="50000"/>
+                  </a:schemeClr>
+                </a:solidFill>
+              </a:rPr>
+              <a:t>I click the Create button</a:t>
+            </a:r>
+          </a:p>
+          <a:p>
+            <a:r>
+              <a:rPr lang="en-US" sz="2400" dirty="0" smtClean="0"/>
+              <a:t>Then </a:t>
+            </a:r>
+            <a:r>
+              <a:rPr lang="en-US" sz="2400" dirty="0" smtClean="0">
+                <a:solidFill>
+                  <a:schemeClr val="bg2">
+                    <a:lumMod val="50000"/>
+                  </a:schemeClr>
+                </a:solidFill>
+              </a:rPr>
+              <a:t>I expect to see a message stating that track already exists</a:t>
+            </a:r>
+            <a:endParaRPr lang="en-US" sz="2400" dirty="0" smtClean="0">
+              <a:solidFill>
+                <a:schemeClr val="bg2">
+                  <a:lumMod val="50000"/>
+                </a:schemeClr>
+              </a:solidFill>
+            </a:endParaRPr>
+          </a:p>
+        </p:txBody>
+      </p:sp>
+    </p:spTree>
+  </p:cSld>
+  <p:clrMapOvr>
+    <a:masterClrMapping/>
+  </p:clrMapOvr>
+  <p:transition/>
+</p:sld>
+</file>
+
+<file path=ppt/slides/slide16.xml><?xml version="1.0" encoding="utf-8"?>
+<p:sld xmlns:a="http://schemas.openxmlformats.org/drawingml/2006/main" xmlns:r="http://schemas.openxmlformats.org/officeDocument/2006/relationships" xmlns:p="http://schemas.openxmlformats.org/presentationml/2006/main">
+  <p:cSld>
+    <p:spTree>
+      <p:nvGrpSpPr>
+        <p:cNvPr id="1" name=""/>
+        <p:cNvGrpSpPr/>
+        <p:nvPr/>
+      </p:nvGrpSpPr>
+      <p:grpSpPr>
+        <a:xfrm>
+          <a:off x="0" y="0"/>
+          <a:ext cx="0" cy="0"/>
+          <a:chOff x="0" y="0"/>
+          <a:chExt cx="0" cy="0"/>
+        </a:xfrm>
+      </p:grpSpPr>
+      <p:sp>
+        <p:nvSpPr>
+          <p:cNvPr id="2" name="Title 1"/>
+          <p:cNvSpPr>
+            <a:spLocks noGrp="1"/>
+          </p:cNvSpPr>
+          <p:nvPr>
+            <p:ph type="title"/>
+          </p:nvPr>
+        </p:nvSpPr>
+        <p:spPr/>
+        <p:txBody>
+          <a:bodyPr/>
+          <a:lstStyle/>
+          <a:p>
+            <a:r>
+              <a:rPr lang="en-US" dirty="0" smtClean="0"/>
+              <a:t>Links/info</a:t>
+            </a:r>
+            <a:endParaRPr lang="en-US" dirty="0"/>
+          </a:p>
+        </p:txBody>
+      </p:sp>
+      <p:sp>
+        <p:nvSpPr>
+          <p:cNvPr id="3" name="Content Placeholder 2"/>
+          <p:cNvSpPr>
+            <a:spLocks noGrp="1"/>
+          </p:cNvSpPr>
+          <p:nvPr>
+            <p:ph idx="1"/>
+          </p:nvPr>
+        </p:nvSpPr>
+        <p:spPr>
+          <a:xfrm>
+            <a:off x="304800" y="1554163"/>
+            <a:ext cx="8686800" cy="1417637"/>
+          </a:xfrm>
+        </p:spPr>
+        <p:txBody>
+          <a:bodyPr/>
+          <a:lstStyle/>
+          <a:p>
+            <a:r>
+              <a:rPr lang="en-US" dirty="0" smtClean="0">
+                <a:hlinkClick r:id="rId2"/>
+              </a:rPr>
+              <a:t>http://schambers.lostechies.com</a:t>
+            </a:r>
+            <a:endParaRPr lang="en-US" dirty="0" smtClean="0"/>
+          </a:p>
+          <a:p>
+            <a:r>
+              <a:rPr lang="en-US" dirty="0" smtClean="0"/>
+              <a:t>Twitter: </a:t>
+            </a:r>
+            <a:r>
+              <a:rPr lang="en-US" dirty="0" err="1" smtClean="0"/>
+              <a:t>schambers</a:t>
+            </a:r>
+            <a:endParaRPr lang="en-US" dirty="0" smtClean="0"/>
+          </a:p>
+        </p:txBody>
+      </p:sp>
+      <p:sp>
+        <p:nvSpPr>
+          <p:cNvPr id="4" name="TextBox 3"/>
+          <p:cNvSpPr txBox="1"/>
+          <p:nvPr/>
+        </p:nvSpPr>
+        <p:spPr>
+          <a:xfrm>
+            <a:off x="609600" y="3048000"/>
+            <a:ext cx="1230978" cy="369332"/>
+          </a:xfrm>
+          <a:prstGeom prst="rect">
+            <a:avLst/>
+          </a:prstGeom>
+          <a:noFill/>
+        </p:spPr>
+        <p:txBody>
+          <a:bodyPr wrap="none" rtlCol="0">
+            <a:spAutoFit/>
+          </a:bodyPr>
+          <a:lstStyle/>
+          <a:p>
+            <a:r>
+              <a:rPr lang="en-US" dirty="0" smtClean="0"/>
+              <a:t>Sample </a:t>
+            </a:r>
+            <a:r>
+              <a:rPr lang="en-US" dirty="0" err="1" smtClean="0"/>
+              <a:t>url</a:t>
+            </a:r>
+            <a:endParaRPr lang="en-US" dirty="0" smtClean="0"/>
+          </a:p>
+        </p:txBody>
+      </p:sp>
+    </p:spTree>
+  </p:cSld>
+  <p:clrMapOvr>
+    <a:masterClrMapping/>
+  </p:clrMapOvr>
+  <p:transition/>
+  <p:timing>
+    <p:tnLst>
+      <p:par>
+        <p:cTn id="1" dur="indefinite" restart="never" nodeType="tmRoot"/>
+      </p:par>
+    </p:tnLst>
+  </p:timing>
+</p:sld>
+</file>
+
 <file path=ppt/slides/slide2.xml><?xml version="1.0" encoding="utf-8"?>
 <p:sld xmlns:a="http://schemas.openxmlformats.org/drawingml/2006/main" xmlns:r="http://schemas.openxmlformats.org/officeDocument/2006/relationships" xmlns:p="http://schemas.openxmlformats.org/presentationml/2006/main">
   <p:cSld>
@@ -10416,6 +9803,120 @@
 </file>
 
 <file path=ppt/slides/slide3.xml><?xml version="1.0" encoding="utf-8"?>
+<p:sld xmlns:a="http://schemas.openxmlformats.org/drawingml/2006/main" xmlns:r="http://schemas.openxmlformats.org/officeDocument/2006/relationships" xmlns:p="http://schemas.openxmlformats.org/presentationml/2006/main">
+  <p:cSld>
+    <p:spTree>
+      <p:nvGrpSpPr>
+        <p:cNvPr id="1" name=""/>
+        <p:cNvGrpSpPr/>
+        <p:nvPr/>
+      </p:nvGrpSpPr>
+      <p:grpSpPr>
+        <a:xfrm>
+          <a:off x="0" y="0"/>
+          <a:ext cx="0" cy="0"/>
+          <a:chOff x="0" y="0"/>
+          <a:chExt cx="0" cy="0"/>
+        </a:xfrm>
+      </p:grpSpPr>
+      <p:pic>
+        <p:nvPicPr>
+          <p:cNvPr id="4" name="Picture 3" descr="square_peg_in_round_hole_2.jpg"/>
+          <p:cNvPicPr>
+            <a:picLocks noChangeAspect="1"/>
+          </p:cNvPicPr>
+          <p:nvPr/>
+        </p:nvPicPr>
+        <p:blipFill>
+          <a:blip r:embed="rId2" cstate="print"/>
+          <a:stretch>
+            <a:fillRect/>
+          </a:stretch>
+        </p:blipFill>
+        <p:spPr>
+          <a:xfrm>
+            <a:off x="0" y="0"/>
+            <a:ext cx="9144000" cy="6858000"/>
+          </a:xfrm>
+          <a:prstGeom prst="rect">
+            <a:avLst/>
+          </a:prstGeom>
+        </p:spPr>
+      </p:pic>
+    </p:spTree>
+  </p:cSld>
+  <p:clrMapOvr>
+    <a:masterClrMapping/>
+  </p:clrMapOvr>
+  <p:transition/>
+  <p:timing>
+    <p:tnLst>
+      <p:par>
+        <p:cTn id="1" dur="indefinite" restart="never" nodeType="tmRoot"/>
+      </p:par>
+    </p:tnLst>
+  </p:timing>
+</p:sld>
+</file>
+
+<file path=ppt/slides/slide4.xml><?xml version="1.0" encoding="utf-8"?>
+<p:sld xmlns:a="http://schemas.openxmlformats.org/drawingml/2006/main" xmlns:r="http://schemas.openxmlformats.org/officeDocument/2006/relationships" xmlns:p="http://schemas.openxmlformats.org/presentationml/2006/main">
+  <p:cSld>
+    <p:spTree>
+      <p:nvGrpSpPr>
+        <p:cNvPr id="1" name=""/>
+        <p:cNvGrpSpPr/>
+        <p:nvPr/>
+      </p:nvGrpSpPr>
+      <p:grpSpPr>
+        <a:xfrm>
+          <a:off x="0" y="0"/>
+          <a:ext cx="0" cy="0"/>
+          <a:chOff x="0" y="0"/>
+          <a:chExt cx="0" cy="0"/>
+        </a:xfrm>
+      </p:grpSpPr>
+      <p:pic>
+        <p:nvPicPr>
+          <p:cNvPr id="2" name="Picture 1" descr="72cef30d0c7a4f72598492ea93499e0e.jpg"/>
+          <p:cNvPicPr>
+            <a:picLocks noChangeAspect="1"/>
+          </p:cNvPicPr>
+          <p:nvPr/>
+        </p:nvPicPr>
+        <p:blipFill>
+          <a:blip r:embed="rId2" cstate="print"/>
+          <a:stretch>
+            <a:fillRect/>
+          </a:stretch>
+        </p:blipFill>
+        <p:spPr>
+          <a:xfrm>
+            <a:off x="0" y="-1"/>
+            <a:ext cx="9144000" cy="7308433"/>
+          </a:xfrm>
+          <a:prstGeom prst="rect">
+            <a:avLst/>
+          </a:prstGeom>
+        </p:spPr>
+      </p:pic>
+    </p:spTree>
+  </p:cSld>
+  <p:clrMapOvr>
+    <a:masterClrMapping/>
+  </p:clrMapOvr>
+  <p:transition/>
+  <p:timing>
+    <p:tnLst>
+      <p:par>
+        <p:cTn id="1" dur="indefinite" restart="never" nodeType="tmRoot"/>
+      </p:par>
+    </p:tnLst>
+  </p:timing>
+</p:sld>
+</file>
+
+<file path=ppt/slides/slide5.xml><?xml version="1.0" encoding="utf-8"?>
 <p:sld xmlns:a="http://schemas.openxmlformats.org/drawingml/2006/main" xmlns:r="http://schemas.openxmlformats.org/officeDocument/2006/relationships" xmlns:p="http://schemas.openxmlformats.org/presentationml/2006/main">
   <p:cSld>
     <p:bg>
@@ -10472,7 +9973,7 @@
 </p:sld>
 </file>
 
-<file path=ppt/slides/slide4.xml><?xml version="1.0" encoding="utf-8"?>
+<file path=ppt/slides/slide6.xml><?xml version="1.0" encoding="utf-8"?>
 <p:sld xmlns:a="http://schemas.openxmlformats.org/drawingml/2006/main" xmlns:r="http://schemas.openxmlformats.org/officeDocument/2006/relationships" xmlns:p="http://schemas.openxmlformats.org/presentationml/2006/main">
   <p:cSld>
     <p:bg>
@@ -10497,22 +9998,214 @@
           <a:chExt cx="0" cy="0"/>
         </a:xfrm>
       </p:grpSpPr>
-      <p:graphicFrame>
-        <p:nvGraphicFramePr>
-          <p:cNvPr id="6" name="Diagram 5"/>
-          <p:cNvGraphicFramePr/>
+      <p:pic>
+        <p:nvPicPr>
+          <p:cNvPr id="1027" name="Picture 3" descr="C:\Users\schambers\AppData\Local\Microsoft\Windows\Temporary Internet Files\Content.IE5\KHAID52F\MC900441457[1].png"/>
+          <p:cNvPicPr>
+            <a:picLocks noChangeAspect="1" noChangeArrowheads="1"/>
+          </p:cNvPicPr>
           <p:nvPr/>
-        </p:nvGraphicFramePr>
-        <p:xfrm>
-          <a:off x="228600" y="228600"/>
-          <a:ext cx="8610600" cy="6400800"/>
-        </p:xfrm>
-        <a:graphic>
-          <a:graphicData uri="http://schemas.openxmlformats.org/drawingml/2006/diagram">
-            <dgm:relIds xmlns:dgm="http://schemas.openxmlformats.org/drawingml/2006/diagram" xmlns:r="http://schemas.openxmlformats.org/officeDocument/2006/relationships" r:dm="rId2" r:lo="rId3" r:qs="rId4" r:cs="rId5"/>
-          </a:graphicData>
-        </a:graphic>
-      </p:graphicFrame>
+        </p:nvPicPr>
+        <p:blipFill>
+          <a:blip r:embed="rId2" cstate="print"/>
+          <a:srcRect/>
+          <a:stretch>
+            <a:fillRect/>
+          </a:stretch>
+        </p:blipFill>
+        <p:spPr bwMode="auto">
+          <a:xfrm>
+            <a:off x="685800" y="2667000"/>
+            <a:ext cx="2819400" cy="2819400"/>
+          </a:xfrm>
+          <a:prstGeom prst="rect">
+            <a:avLst/>
+          </a:prstGeom>
+          <a:noFill/>
+        </p:spPr>
+      </p:pic>
+      <p:pic>
+        <p:nvPicPr>
+          <p:cNvPr id="1034" name="Picture 10" descr="C:\Users\schambers\AppData\Local\Microsoft\Windows\Temporary Internet Files\Content.IE5\C3M2HZ0M\MC900195114[1].wmf"/>
+          <p:cNvPicPr>
+            <a:picLocks noChangeAspect="1" noChangeArrowheads="1"/>
+          </p:cNvPicPr>
+          <p:nvPr/>
+        </p:nvPicPr>
+        <p:blipFill>
+          <a:blip r:embed="rId3" cstate="print"/>
+          <a:srcRect/>
+          <a:stretch>
+            <a:fillRect/>
+          </a:stretch>
+        </p:blipFill>
+        <p:spPr bwMode="auto">
+          <a:xfrm flipH="1">
+            <a:off x="5943600" y="1752600"/>
+            <a:ext cx="2133600" cy="1676400"/>
+          </a:xfrm>
+          <a:prstGeom prst="rect">
+            <a:avLst/>
+          </a:prstGeom>
+          <a:noFill/>
+        </p:spPr>
+      </p:pic>
+      <p:sp>
+        <p:nvSpPr>
+          <p:cNvPr id="13" name="Rounded Rectangular Callout 12"/>
+          <p:cNvSpPr/>
+          <p:nvPr/>
+        </p:nvSpPr>
+        <p:spPr>
+          <a:xfrm>
+            <a:off x="914400" y="990600"/>
+            <a:ext cx="3810000" cy="1447800"/>
+          </a:xfrm>
+          <a:prstGeom prst="wedgeRoundRectCallout">
+            <a:avLst/>
+          </a:prstGeom>
+          <a:solidFill>
+            <a:schemeClr val="bg2">
+              <a:lumMod val="90000"/>
+            </a:schemeClr>
+          </a:solidFill>
+        </p:spPr>
+        <p:style>
+          <a:lnRef idx="2">
+            <a:schemeClr val="accent1">
+              <a:shade val="50000"/>
+            </a:schemeClr>
+          </a:lnRef>
+          <a:fillRef idx="1">
+            <a:schemeClr val="accent1"/>
+          </a:fillRef>
+          <a:effectRef idx="0">
+            <a:schemeClr val="accent1"/>
+          </a:effectRef>
+          <a:fontRef idx="minor">
+            <a:schemeClr val="lt1"/>
+          </a:fontRef>
+        </p:style>
+        <p:txBody>
+          <a:bodyPr rtlCol="0" anchor="ctr"/>
+          <a:lstStyle/>
+          <a:p>
+            <a:pPr algn="ctr"/>
+            <a:endParaRPr lang="en-US"/>
+          </a:p>
+        </p:txBody>
+      </p:sp>
+      <p:sp>
+        <p:nvSpPr>
+          <p:cNvPr id="14" name="TextBox 13"/>
+          <p:cNvSpPr txBox="1"/>
+          <p:nvPr/>
+        </p:nvSpPr>
+        <p:spPr>
+          <a:xfrm>
+            <a:off x="990600" y="1143000"/>
+            <a:ext cx="3657600" cy="1200329"/>
+          </a:xfrm>
+          <a:prstGeom prst="rect">
+            <a:avLst/>
+          </a:prstGeom>
+          <a:noFill/>
+        </p:spPr>
+        <p:txBody>
+          <a:bodyPr wrap="square" rtlCol="0">
+            <a:spAutoFit/>
+          </a:bodyPr>
+          <a:lstStyle/>
+          <a:p>
+            <a:r>
+              <a:rPr lang="en-US" sz="2400" dirty="0" smtClean="0"/>
+              <a:t>I need an order to go to a</a:t>
+            </a:r>
+          </a:p>
+          <a:p>
+            <a:r>
+              <a:rPr lang="en-US" sz="2400" dirty="0" smtClean="0"/>
+              <a:t>screening queue if it fails address scrubbing</a:t>
+            </a:r>
+            <a:endParaRPr lang="en-US" sz="2400" dirty="0"/>
+          </a:p>
+        </p:txBody>
+      </p:sp>
+      <p:sp>
+        <p:nvSpPr>
+          <p:cNvPr id="17" name="Rounded Rectangular Callout 16"/>
+          <p:cNvSpPr/>
+          <p:nvPr/>
+        </p:nvSpPr>
+        <p:spPr>
+          <a:xfrm flipH="1" flipV="1">
+            <a:off x="4648200" y="3809998"/>
+            <a:ext cx="3733800" cy="1447802"/>
+          </a:xfrm>
+          <a:prstGeom prst="wedgeRoundRectCallout">
+            <a:avLst/>
+          </a:prstGeom>
+          <a:solidFill>
+            <a:schemeClr val="bg2">
+              <a:lumMod val="90000"/>
+            </a:schemeClr>
+          </a:solidFill>
+        </p:spPr>
+        <p:style>
+          <a:lnRef idx="2">
+            <a:schemeClr val="accent1">
+              <a:shade val="50000"/>
+            </a:schemeClr>
+          </a:lnRef>
+          <a:fillRef idx="1">
+            <a:schemeClr val="accent1"/>
+          </a:fillRef>
+          <a:effectRef idx="0">
+            <a:schemeClr val="accent1"/>
+          </a:effectRef>
+          <a:fontRef idx="minor">
+            <a:schemeClr val="lt1"/>
+          </a:fontRef>
+        </p:style>
+        <p:txBody>
+          <a:bodyPr rtlCol="0" anchor="ctr"/>
+          <a:lstStyle/>
+          <a:p>
+            <a:pPr algn="ctr"/>
+            <a:endParaRPr lang="en-US"/>
+          </a:p>
+        </p:txBody>
+      </p:sp>
+      <p:sp>
+        <p:nvSpPr>
+          <p:cNvPr id="18" name="TextBox 17"/>
+          <p:cNvSpPr txBox="1"/>
+          <p:nvPr/>
+        </p:nvSpPr>
+        <p:spPr>
+          <a:xfrm>
+            <a:off x="4724400" y="3962400"/>
+            <a:ext cx="3810000" cy="1200329"/>
+          </a:xfrm>
+          <a:prstGeom prst="rect">
+            <a:avLst/>
+          </a:prstGeom>
+          <a:noFill/>
+        </p:spPr>
+        <p:txBody>
+          <a:bodyPr wrap="square" rtlCol="0">
+            <a:spAutoFit/>
+          </a:bodyPr>
+          <a:lstStyle/>
+          <a:p>
+            <a:r>
+              <a:rPr lang="en-US" sz="2400" dirty="0" smtClean="0"/>
+              <a:t>Ok, so we need to validate an order and place in what we’ll call the “staging area”</a:t>
+            </a:r>
+            <a:endParaRPr lang="en-US" sz="2400" dirty="0"/>
+          </a:p>
+        </p:txBody>
+      </p:sp>
     </p:spTree>
   </p:cSld>
   <p:clrMapOvr>
@@ -10529,7 +10222,7 @@
 </p:sld>
 </file>
 
-<file path=ppt/slides/slide5.xml><?xml version="1.0" encoding="utf-8"?>
+<file path=ppt/slides/slide7.xml><?xml version="1.0" encoding="utf-8"?>
 <p:sld xmlns:a="http://schemas.openxmlformats.org/drawingml/2006/main" xmlns:r="http://schemas.openxmlformats.org/officeDocument/2006/relationships" xmlns:p="http://schemas.openxmlformats.org/presentationml/2006/main">
   <p:cSld>
     <p:bg>
@@ -10602,7 +10295,74 @@
 </p:sld>
 </file>
 
-<file path=ppt/slides/slide6.xml><?xml version="1.0" encoding="utf-8"?>
+<file path=ppt/slides/slide8.xml><?xml version="1.0" encoding="utf-8"?>
+<p:sld xmlns:a="http://schemas.openxmlformats.org/drawingml/2006/main" xmlns:r="http://schemas.openxmlformats.org/officeDocument/2006/relationships" xmlns:p="http://schemas.openxmlformats.org/presentationml/2006/main">
+  <p:cSld>
+    <p:bg>
+      <p:bgPr>
+        <a:solidFill>
+          <a:schemeClr val="bg2">
+            <a:lumMod val="90000"/>
+          </a:schemeClr>
+        </a:solidFill>
+        <a:effectLst/>
+      </p:bgPr>
+    </p:bg>
+    <p:spTree>
+      <p:nvGrpSpPr>
+        <p:cNvPr id="1" name=""/>
+        <p:cNvGrpSpPr/>
+        <p:nvPr/>
+      </p:nvGrpSpPr>
+      <p:grpSpPr>
+        <a:xfrm>
+          <a:off x="0" y="0"/>
+          <a:ext cx="0" cy="0"/>
+          <a:chOff x="0" y="0"/>
+          <a:chExt cx="0" cy="0"/>
+        </a:xfrm>
+      </p:grpSpPr>
+      <p:pic>
+        <p:nvPicPr>
+          <p:cNvPr id="2" name="Picture 1" descr="iceberg-wallpapers_23725_1920x1200.jpg"/>
+          <p:cNvPicPr>
+            <a:picLocks noChangeAspect="1"/>
+          </p:cNvPicPr>
+          <p:nvPr/>
+        </p:nvPicPr>
+        <p:blipFill>
+          <a:blip r:embed="rId2" cstate="print"/>
+          <a:stretch>
+            <a:fillRect/>
+          </a:stretch>
+        </p:blipFill>
+        <p:spPr>
+          <a:xfrm>
+            <a:off x="0" y="0"/>
+            <a:ext cx="9144000" cy="6858000"/>
+          </a:xfrm>
+          <a:prstGeom prst="rect">
+            <a:avLst/>
+          </a:prstGeom>
+        </p:spPr>
+      </p:pic>
+    </p:spTree>
+  </p:cSld>
+  <p:clrMapOvr>
+    <a:masterClrMapping/>
+  </p:clrMapOvr>
+  <p:transition/>
+  <p:timing>
+    <p:tnLst>
+      <p:par>
+        <p:cTn id="1" dur="indefinite" restart="never" nodeType="tmRoot"/>
+      </p:par>
+    </p:tnLst>
+  </p:timing>
+</p:sld>
+</file>
+
+<file path=ppt/slides/slide9.xml><?xml version="1.0" encoding="utf-8"?>
 <p:sld xmlns:a="http://schemas.openxmlformats.org/drawingml/2006/main" xmlns:r="http://schemas.openxmlformats.org/officeDocument/2006/relationships" xmlns:p="http://schemas.openxmlformats.org/presentationml/2006/main">
   <p:cSld>
     <p:bg>
@@ -10652,571 +10412,6 @@
           </a:prstGeom>
         </p:spPr>
       </p:pic>
-    </p:spTree>
-  </p:cSld>
-  <p:clrMapOvr>
-    <a:masterClrMapping/>
-  </p:clrMapOvr>
-  <p:transition/>
-</p:sld>
-</file>
-
-<file path=ppt/slides/slide7.xml><?xml version="1.0" encoding="utf-8"?>
-<p:sld xmlns:a="http://schemas.openxmlformats.org/drawingml/2006/main" xmlns:r="http://schemas.openxmlformats.org/officeDocument/2006/relationships" xmlns:p="http://schemas.openxmlformats.org/presentationml/2006/main">
-  <p:cSld>
-    <p:bg>
-      <p:bgPr>
-        <a:solidFill>
-          <a:schemeClr val="bg1"/>
-        </a:solidFill>
-        <a:effectLst/>
-      </p:bgPr>
-    </p:bg>
-    <p:spTree>
-      <p:nvGrpSpPr>
-        <p:cNvPr id="1" name=""/>
-        <p:cNvGrpSpPr/>
-        <p:nvPr/>
-      </p:nvGrpSpPr>
-      <p:grpSpPr>
-        <a:xfrm>
-          <a:off x="0" y="0"/>
-          <a:ext cx="0" cy="0"/>
-          <a:chOff x="0" y="0"/>
-          <a:chExt cx="0" cy="0"/>
-        </a:xfrm>
-      </p:grpSpPr>
-      <p:sp>
-        <p:nvSpPr>
-          <p:cNvPr id="3" name="Content Placeholder 2"/>
-          <p:cNvSpPr>
-            <a:spLocks noGrp="1"/>
-          </p:cNvSpPr>
-          <p:nvPr>
-            <p:ph idx="4294967295"/>
-          </p:nvPr>
-        </p:nvSpPr>
-        <p:spPr>
-          <a:xfrm>
-            <a:off x="2209800" y="2209800"/>
-            <a:ext cx="4953000" cy="1798637"/>
-          </a:xfrm>
-        </p:spPr>
-        <p:txBody>
-          <a:bodyPr/>
-          <a:lstStyle/>
-          <a:p>
-            <a:r>
-              <a:rPr lang="en-US" dirty="0" smtClean="0"/>
-              <a:t>As a [role]</a:t>
-            </a:r>
-            <a:br>
-              <a:rPr lang="en-US" dirty="0" smtClean="0"/>
-            </a:br>
-            <a:r>
-              <a:rPr lang="en-US" dirty="0" smtClean="0"/>
-              <a:t>I want to [do something]</a:t>
-            </a:r>
-            <a:br>
-              <a:rPr lang="en-US" dirty="0" smtClean="0"/>
-            </a:br>
-            <a:r>
-              <a:rPr lang="en-US" dirty="0" smtClean="0"/>
-              <a:t>So that [business value]</a:t>
-            </a:r>
-          </a:p>
-        </p:txBody>
-      </p:sp>
-    </p:spTree>
-  </p:cSld>
-  <p:clrMapOvr>
-    <a:masterClrMapping/>
-  </p:clrMapOvr>
-  <p:transition/>
-</p:sld>
-</file>
-
-<file path=ppt/slides/slide8.xml><?xml version="1.0" encoding="utf-8"?>
-<p:sld xmlns:a="http://schemas.openxmlformats.org/drawingml/2006/main" xmlns:r="http://schemas.openxmlformats.org/officeDocument/2006/relationships" xmlns:p="http://schemas.openxmlformats.org/presentationml/2006/main">
-  <p:cSld>
-    <p:bg>
-      <p:bgPr>
-        <a:solidFill>
-          <a:schemeClr val="bg1"/>
-        </a:solidFill>
-        <a:effectLst/>
-      </p:bgPr>
-    </p:bg>
-    <p:spTree>
-      <p:nvGrpSpPr>
-        <p:cNvPr id="1" name=""/>
-        <p:cNvGrpSpPr/>
-        <p:nvPr/>
-      </p:nvGrpSpPr>
-      <p:grpSpPr>
-        <a:xfrm>
-          <a:off x="0" y="0"/>
-          <a:ext cx="0" cy="0"/>
-          <a:chOff x="0" y="0"/>
-          <a:chExt cx="0" cy="0"/>
-        </a:xfrm>
-      </p:grpSpPr>
-      <p:sp>
-        <p:nvSpPr>
-          <p:cNvPr id="2" name="Content Placeholder 2"/>
-          <p:cNvSpPr txBox="1">
-            <a:spLocks/>
-          </p:cNvSpPr>
-          <p:nvPr/>
-        </p:nvSpPr>
-        <p:spPr>
-          <a:xfrm>
-            <a:off x="457200" y="838200"/>
-            <a:ext cx="8382000" cy="1676400"/>
-          </a:xfrm>
-          <a:prstGeom prst="rect">
-            <a:avLst/>
-          </a:prstGeom>
-        </p:spPr>
-        <p:txBody>
-          <a:bodyPr vert="horz">
-            <a:normAutofit/>
-          </a:bodyPr>
-          <a:lstStyle/>
-          <a:p>
-            <a:pPr marL="342900" marR="0" lvl="0" indent="-342900" algn="l" defTabSz="914400" rtl="0" eaLnBrk="1" fontAlgn="auto" latinLnBrk="0" hangingPunct="1">
-              <a:lnSpc>
-                <a:spcPct val="100000"/>
-              </a:lnSpc>
-              <a:spcBef>
-                <a:spcPct val="20000"/>
-              </a:spcBef>
-              <a:spcAft>
-                <a:spcPts val="0"/>
-              </a:spcAft>
-              <a:buClr>
-                <a:schemeClr val="accent1"/>
-              </a:buClr>
-              <a:buSzPct val="70000"/>
-              <a:buFont typeface="Wingdings 2"/>
-              <a:buChar char=""/>
-              <a:tabLst/>
-              <a:defRPr/>
-            </a:pPr>
-            <a:r>
-              <a:rPr kumimoji="0" lang="en-US" sz="3200" b="0" i="0" u="none" strike="noStrike" kern="1200" cap="none" spc="0" normalizeH="0" baseline="0" noProof="0" dirty="0" smtClean="0">
-                <a:ln>
-                  <a:noFill/>
-                </a:ln>
-                <a:solidFill>
-                  <a:schemeClr val="tx2"/>
-                </a:solidFill>
-                <a:effectLst/>
-                <a:uLnTx/>
-                <a:uFillTx/>
-                <a:latin typeface="+mn-lt"/>
-                <a:ea typeface="+mn-ea"/>
-                <a:cs typeface="+mn-cs"/>
-              </a:rPr>
-              <a:t>As a </a:t>
-            </a:r>
-            <a:r>
-              <a:rPr kumimoji="0" lang="en-US" sz="3200" b="0" i="0" u="none" strike="noStrike" kern="1200" cap="none" spc="0" normalizeH="0" baseline="0" noProof="0" dirty="0" smtClean="0">
-                <a:ln>
-                  <a:noFill/>
-                </a:ln>
-                <a:solidFill>
-                  <a:schemeClr val="bg2">
-                    <a:lumMod val="50000"/>
-                  </a:schemeClr>
-                </a:solidFill>
-                <a:effectLst/>
-                <a:uLnTx/>
-                <a:uFillTx/>
-                <a:latin typeface="+mn-lt"/>
-                <a:ea typeface="+mn-ea"/>
-                <a:cs typeface="+mn-cs"/>
-              </a:rPr>
-              <a:t>Shipping Manager</a:t>
-            </a:r>
-            <a:r>
-              <a:rPr kumimoji="0" lang="en-US" sz="3200" b="0" i="0" u="none" strike="noStrike" kern="1200" cap="none" spc="0" normalizeH="0" baseline="0" noProof="0" dirty="0" smtClean="0">
-                <a:ln>
-                  <a:noFill/>
-                </a:ln>
-                <a:solidFill>
-                  <a:schemeClr val="tx2"/>
-                </a:solidFill>
-                <a:effectLst/>
-                <a:uLnTx/>
-                <a:uFillTx/>
-                <a:latin typeface="+mn-lt"/>
-                <a:ea typeface="+mn-ea"/>
-                <a:cs typeface="+mn-cs"/>
-              </a:rPr>
-              <a:t/>
-            </a:r>
-            <a:br>
-              <a:rPr kumimoji="0" lang="en-US" sz="3200" b="0" i="0" u="none" strike="noStrike" kern="1200" cap="none" spc="0" normalizeH="0" baseline="0" noProof="0" dirty="0" smtClean="0">
-                <a:ln>
-                  <a:noFill/>
-                </a:ln>
-                <a:solidFill>
-                  <a:schemeClr val="tx2"/>
-                </a:solidFill>
-                <a:effectLst/>
-                <a:uLnTx/>
-                <a:uFillTx/>
-                <a:latin typeface="+mn-lt"/>
-                <a:ea typeface="+mn-ea"/>
-                <a:cs typeface="+mn-cs"/>
-              </a:rPr>
-            </a:br>
-            <a:r>
-              <a:rPr kumimoji="0" lang="en-US" sz="3200" b="0" i="0" u="none" strike="noStrike" kern="1200" cap="none" spc="0" normalizeH="0" baseline="0" noProof="0" dirty="0" smtClean="0">
-                <a:ln>
-                  <a:noFill/>
-                </a:ln>
-                <a:solidFill>
-                  <a:schemeClr val="tx2"/>
-                </a:solidFill>
-                <a:effectLst/>
-                <a:uLnTx/>
-                <a:uFillTx/>
-                <a:latin typeface="+mn-lt"/>
-                <a:ea typeface="+mn-ea"/>
-                <a:cs typeface="+mn-cs"/>
-              </a:rPr>
-              <a:t>I want to </a:t>
-            </a:r>
-            <a:r>
-              <a:rPr kumimoji="0" lang="en-US" sz="3200" b="0" i="0" u="none" strike="noStrike" kern="1200" cap="none" spc="0" normalizeH="0" baseline="0" noProof="0" dirty="0" smtClean="0">
-                <a:ln>
-                  <a:noFill/>
-                </a:ln>
-                <a:solidFill>
-                  <a:schemeClr val="bg2">
-                    <a:lumMod val="50000"/>
-                  </a:schemeClr>
-                </a:solidFill>
-                <a:effectLst/>
-                <a:uLnTx/>
-                <a:uFillTx/>
-                <a:latin typeface="+mn-lt"/>
-                <a:ea typeface="+mn-ea"/>
-                <a:cs typeface="+mn-cs"/>
-              </a:rPr>
-              <a:t>add cargo to an itinerary</a:t>
-            </a:r>
-            <a:r>
-              <a:rPr kumimoji="0" lang="en-US" sz="3200" b="0" i="0" u="none" strike="noStrike" kern="1200" cap="none" spc="0" normalizeH="0" baseline="0" noProof="0" dirty="0" smtClean="0">
-                <a:ln>
-                  <a:noFill/>
-                </a:ln>
-                <a:solidFill>
-                  <a:schemeClr val="tx2"/>
-                </a:solidFill>
-                <a:effectLst/>
-                <a:uLnTx/>
-                <a:uFillTx/>
-                <a:latin typeface="+mn-lt"/>
-                <a:ea typeface="+mn-ea"/>
-                <a:cs typeface="+mn-cs"/>
-              </a:rPr>
-              <a:t/>
-            </a:r>
-            <a:br>
-              <a:rPr kumimoji="0" lang="en-US" sz="3200" b="0" i="0" u="none" strike="noStrike" kern="1200" cap="none" spc="0" normalizeH="0" baseline="0" noProof="0" dirty="0" smtClean="0">
-                <a:ln>
-                  <a:noFill/>
-                </a:ln>
-                <a:solidFill>
-                  <a:schemeClr val="tx2"/>
-                </a:solidFill>
-                <a:effectLst/>
-                <a:uLnTx/>
-                <a:uFillTx/>
-                <a:latin typeface="+mn-lt"/>
-                <a:ea typeface="+mn-ea"/>
-                <a:cs typeface="+mn-cs"/>
-              </a:rPr>
-            </a:br>
-            <a:r>
-              <a:rPr kumimoji="0" lang="en-US" sz="3200" b="0" i="0" u="none" strike="noStrike" kern="1200" cap="none" spc="0" normalizeH="0" baseline="0" noProof="0" dirty="0" smtClean="0">
-                <a:ln>
-                  <a:noFill/>
-                </a:ln>
-                <a:solidFill>
-                  <a:schemeClr val="tx2"/>
-                </a:solidFill>
-                <a:effectLst/>
-                <a:uLnTx/>
-                <a:uFillTx/>
-                <a:latin typeface="+mn-lt"/>
-                <a:ea typeface="+mn-ea"/>
-                <a:cs typeface="+mn-cs"/>
-              </a:rPr>
-              <a:t>So that </a:t>
-            </a:r>
-            <a:r>
-              <a:rPr kumimoji="0" lang="en-US" sz="3200" b="0" i="0" u="none" strike="noStrike" kern="1200" cap="none" spc="0" normalizeH="0" baseline="0" noProof="0" dirty="0" smtClean="0">
-                <a:ln>
-                  <a:noFill/>
-                </a:ln>
-                <a:solidFill>
-                  <a:schemeClr val="bg2">
-                    <a:lumMod val="50000"/>
-                  </a:schemeClr>
-                </a:solidFill>
-                <a:effectLst/>
-                <a:uLnTx/>
-                <a:uFillTx/>
-                <a:latin typeface="+mn-lt"/>
-                <a:ea typeface="+mn-ea"/>
-                <a:cs typeface="+mn-cs"/>
-              </a:rPr>
-              <a:t>the</a:t>
-            </a:r>
-            <a:r>
-              <a:rPr kumimoji="0" lang="en-US" sz="3200" b="0" i="0" u="none" strike="noStrike" kern="1200" cap="none" spc="0" normalizeH="0" noProof="0" dirty="0" smtClean="0">
-                <a:ln>
-                  <a:noFill/>
-                </a:ln>
-                <a:solidFill>
-                  <a:schemeClr val="bg2">
-                    <a:lumMod val="50000"/>
-                  </a:schemeClr>
-                </a:solidFill>
-                <a:effectLst/>
-                <a:uLnTx/>
-                <a:uFillTx/>
-                <a:latin typeface="+mn-lt"/>
-                <a:ea typeface="+mn-ea"/>
-                <a:cs typeface="+mn-cs"/>
-              </a:rPr>
-              <a:t> cargo can reach it’s destination</a:t>
-            </a:r>
-            <a:endParaRPr kumimoji="0" lang="en-US" sz="3200" b="0" i="0" u="none" strike="noStrike" kern="1200" cap="none" spc="0" normalizeH="0" baseline="0" noProof="0" dirty="0" smtClean="0">
-              <a:ln>
-                <a:noFill/>
-              </a:ln>
-              <a:solidFill>
-                <a:schemeClr val="bg2">
-                  <a:lumMod val="50000"/>
-                </a:schemeClr>
-              </a:solidFill>
-              <a:effectLst/>
-              <a:uLnTx/>
-              <a:uFillTx/>
-              <a:latin typeface="+mn-lt"/>
-              <a:ea typeface="+mn-ea"/>
-              <a:cs typeface="+mn-cs"/>
-            </a:endParaRPr>
-          </a:p>
-        </p:txBody>
-      </p:sp>
-      <p:sp>
-        <p:nvSpPr>
-          <p:cNvPr id="3" name="TextBox 2"/>
-          <p:cNvSpPr txBox="1"/>
-          <p:nvPr/>
-        </p:nvSpPr>
-        <p:spPr>
-          <a:xfrm>
-            <a:off x="838200" y="2667000"/>
-            <a:ext cx="5702267" cy="1200329"/>
-          </a:xfrm>
-          <a:prstGeom prst="rect">
-            <a:avLst/>
-          </a:prstGeom>
-          <a:noFill/>
-        </p:spPr>
-        <p:txBody>
-          <a:bodyPr wrap="none" rtlCol="0">
-            <a:spAutoFit/>
-          </a:bodyPr>
-          <a:lstStyle/>
-          <a:p>
-            <a:r>
-              <a:rPr lang="en-US" dirty="0" smtClean="0"/>
-              <a:t>Given the itinerary is not full</a:t>
-            </a:r>
-          </a:p>
-          <a:p>
-            <a:r>
-              <a:rPr lang="en-US" dirty="0" smtClean="0"/>
-              <a:t>And I have a cargo with the id of C12345</a:t>
-            </a:r>
-          </a:p>
-          <a:p>
-            <a:r>
-              <a:rPr lang="en-US" dirty="0" smtClean="0"/>
-              <a:t>When I add the cargo to the itinerary</a:t>
-            </a:r>
-          </a:p>
-          <a:p>
-            <a:r>
-              <a:rPr lang="en-US" dirty="0" smtClean="0"/>
-              <a:t>Then I expect to see the cargo id in the itinerary manifest</a:t>
-            </a:r>
-            <a:endParaRPr lang="en-US" dirty="0"/>
-          </a:p>
-        </p:txBody>
-      </p:sp>
-      <p:sp>
-        <p:nvSpPr>
-          <p:cNvPr id="4" name="TextBox 3"/>
-          <p:cNvSpPr txBox="1"/>
-          <p:nvPr/>
-        </p:nvSpPr>
-        <p:spPr>
-          <a:xfrm>
-            <a:off x="304800" y="228600"/>
-            <a:ext cx="3875933" cy="369332"/>
-          </a:xfrm>
-          <a:prstGeom prst="rect">
-            <a:avLst/>
-          </a:prstGeom>
-          <a:noFill/>
-        </p:spPr>
-        <p:txBody>
-          <a:bodyPr wrap="none" rtlCol="0">
-            <a:spAutoFit/>
-          </a:bodyPr>
-          <a:lstStyle/>
-          <a:p>
-            <a:r>
-              <a:rPr lang="en-US" dirty="0" smtClean="0"/>
-              <a:t>Scenario : Adding cargo to an itinerary</a:t>
-            </a:r>
-            <a:endParaRPr lang="en-US" dirty="0"/>
-          </a:p>
-        </p:txBody>
-      </p:sp>
-    </p:spTree>
-  </p:cSld>
-  <p:clrMapOvr>
-    <a:masterClrMapping/>
-  </p:clrMapOvr>
-  <p:transition/>
-</p:sld>
-</file>
-
-<file path=ppt/slides/slide9.xml><?xml version="1.0" encoding="utf-8"?>
-<p:sld xmlns:a="http://schemas.openxmlformats.org/drawingml/2006/main" xmlns:r="http://schemas.openxmlformats.org/officeDocument/2006/relationships" xmlns:p="http://schemas.openxmlformats.org/presentationml/2006/main">
-  <p:cSld>
-    <p:spTree>
-      <p:nvGrpSpPr>
-        <p:cNvPr id="1" name=""/>
-        <p:cNvGrpSpPr/>
-        <p:nvPr/>
-      </p:nvGrpSpPr>
-      <p:grpSpPr>
-        <a:xfrm>
-          <a:off x="0" y="0"/>
-          <a:ext cx="0" cy="0"/>
-          <a:chOff x="0" y="0"/>
-          <a:chExt cx="0" cy="0"/>
-        </a:xfrm>
-      </p:grpSpPr>
-      <p:sp>
-        <p:nvSpPr>
-          <p:cNvPr id="2" name="Title 1"/>
-          <p:cNvSpPr>
-            <a:spLocks noGrp="1"/>
-          </p:cNvSpPr>
-          <p:nvPr>
-            <p:ph type="title"/>
-          </p:nvPr>
-        </p:nvSpPr>
-        <p:spPr/>
-        <p:txBody>
-          <a:bodyPr/>
-          <a:lstStyle/>
-          <a:p>
-            <a:r>
-              <a:rPr lang="en-US" dirty="0" smtClean="0"/>
-              <a:t>Links/info</a:t>
-            </a:r>
-            <a:endParaRPr lang="en-US" dirty="0"/>
-          </a:p>
-        </p:txBody>
-      </p:sp>
-      <p:sp>
-        <p:nvSpPr>
-          <p:cNvPr id="3" name="Content Placeholder 2"/>
-          <p:cNvSpPr>
-            <a:spLocks noGrp="1"/>
-          </p:cNvSpPr>
-          <p:nvPr>
-            <p:ph idx="1"/>
-          </p:nvPr>
-        </p:nvSpPr>
-        <p:spPr>
-          <a:xfrm>
-            <a:off x="304800" y="1554163"/>
-            <a:ext cx="8686800" cy="1417637"/>
-          </a:xfrm>
-        </p:spPr>
-        <p:txBody>
-          <a:bodyPr/>
-          <a:lstStyle/>
-          <a:p>
-            <a:r>
-              <a:rPr lang="en-US" dirty="0" smtClean="0">
-                <a:hlinkClick r:id="rId2"/>
-              </a:rPr>
-              <a:t>http://schambers.lostechies.com</a:t>
-            </a:r>
-            <a:endParaRPr lang="en-US" dirty="0" smtClean="0"/>
-          </a:p>
-          <a:p>
-            <a:r>
-              <a:rPr lang="en-US" dirty="0" smtClean="0"/>
-              <a:t>Twitter: </a:t>
-            </a:r>
-            <a:r>
-              <a:rPr lang="en-US" dirty="0" err="1" smtClean="0"/>
-              <a:t>schambers</a:t>
-            </a:r>
-            <a:endParaRPr lang="en-US" dirty="0" smtClean="0"/>
-          </a:p>
-        </p:txBody>
-      </p:sp>
-      <p:sp>
-        <p:nvSpPr>
-          <p:cNvPr id="4" name="TextBox 3"/>
-          <p:cNvSpPr txBox="1"/>
-          <p:nvPr/>
-        </p:nvSpPr>
-        <p:spPr>
-          <a:xfrm>
-            <a:off x="609600" y="3048000"/>
-            <a:ext cx="1230978" cy="369332"/>
-          </a:xfrm>
-          <a:prstGeom prst="rect">
-            <a:avLst/>
-          </a:prstGeom>
-          <a:noFill/>
-        </p:spPr>
-        <p:txBody>
-          <a:bodyPr wrap="none" rtlCol="0">
-            <a:spAutoFit/>
-          </a:bodyPr>
-          <a:lstStyle/>
-          <a:p>
-            <a:r>
-              <a:rPr lang="en-US" dirty="0" smtClean="0"/>
-              <a:t>Sample </a:t>
-            </a:r>
-            <a:r>
-              <a:rPr lang="en-US" dirty="0" err="1" smtClean="0"/>
-              <a:t>url</a:t>
-            </a:r>
-            <a:endParaRPr lang="en-US" dirty="0" smtClean="0"/>
-          </a:p>
-        </p:txBody>
-      </p:sp>
     </p:spTree>
   </p:cSld>
   <p:clrMapOvr>

--- a/software-design-evolution/presentation/software-design-evolution.pptx
+++ b/software-design-evolution/presentation/software-design-evolution.pptx
@@ -1374,1088 +1374,10 @@
   <dgm:whole/>
   <dgm:extLst>
     <a:ext uri="http://schemas.microsoft.com/office/drawing/2008/diagram">
-      <dsp:dataModelExt xmlns:dsp="http://schemas.microsoft.com/office/drawing/2008/diagram" xmlns="" relId="rId6" minVer="http://schemas.openxmlformats.org/drawingml/2006/diagram"/>
+      <dsp:dataModelExt xmlns="" xmlns:dsp="http://schemas.microsoft.com/office/drawing/2008/diagram" relId="rId6" minVer="http://schemas.openxmlformats.org/drawingml/2006/diagram"/>
     </a:ext>
   </dgm:extLst>
 </dgm:dataModel>
-</file>
-
-<file path=ppt/diagrams/drawing1.xml><?xml version="1.0" encoding="utf-8"?>
-<dsp:drawing xmlns:dgm="http://schemas.openxmlformats.org/drawingml/2006/diagram" xmlns:a="http://schemas.openxmlformats.org/drawingml/2006/main" xmlns:dsp="http://schemas.microsoft.com/office/drawing/2008/diagram">
-  <dsp:spTree>
-    <dsp:nvGrpSpPr>
-      <dsp:cNvPr id="0" name=""/>
-      <dsp:cNvGrpSpPr/>
-    </dsp:nvGrpSpPr>
-    <dsp:grpSpPr/>
-    <dsp:sp modelId="{FE31840E-C97B-42A1-AB85-D6ABDA076DDD}">
-      <dsp:nvSpPr>
-        <dsp:cNvPr id="0" name=""/>
-        <dsp:cNvSpPr/>
-      </dsp:nvSpPr>
-      <dsp:spPr>
-        <a:xfrm>
-          <a:off x="3119332" y="2208807"/>
-          <a:ext cx="2371934" cy="2453736"/>
-        </a:xfrm>
-        <a:prstGeom prst="ellipse">
-          <a:avLst/>
-        </a:prstGeom>
-        <a:gradFill rotWithShape="0">
-          <a:gsLst>
-            <a:gs pos="0">
-              <a:schemeClr val="accent1">
-                <a:hueOff val="0"/>
-                <a:satOff val="0"/>
-                <a:lumOff val="0"/>
-                <a:alphaOff val="0"/>
-                <a:tint val="30000"/>
-                <a:satMod val="250000"/>
-              </a:schemeClr>
-            </a:gs>
-            <a:gs pos="72000">
-              <a:schemeClr val="accent1">
-                <a:hueOff val="0"/>
-                <a:satOff val="0"/>
-                <a:lumOff val="0"/>
-                <a:alphaOff val="0"/>
-                <a:tint val="75000"/>
-                <a:satMod val="210000"/>
-              </a:schemeClr>
-            </a:gs>
-            <a:gs pos="100000">
-              <a:schemeClr val="accent1">
-                <a:hueOff val="0"/>
-                <a:satOff val="0"/>
-                <a:lumOff val="0"/>
-                <a:alphaOff val="0"/>
-                <a:tint val="85000"/>
-                <a:satMod val="210000"/>
-              </a:schemeClr>
-            </a:gs>
-          </a:gsLst>
-          <a:lin ang="5400000" scaled="1"/>
-        </a:gradFill>
-        <a:ln>
-          <a:noFill/>
-        </a:ln>
-        <a:effectLst>
-          <a:outerShdw blurRad="76200" dist="50800" dir="5400000" rotWithShape="0">
-            <a:srgbClr val="4E3B30">
-              <a:alpha val="60000"/>
-            </a:srgbClr>
-          </a:outerShdw>
-        </a:effectLst>
-        <a:scene3d>
-          <a:camera prst="orthographicFront"/>
-          <a:lightRig rig="flat" dir="t"/>
-        </a:scene3d>
-        <a:sp3d prstMaterial="dkEdge">
-          <a:bevelT w="8200" h="38100"/>
-        </a:sp3d>
-      </dsp:spPr>
-      <dsp:style>
-        <a:lnRef idx="0">
-          <a:scrgbClr r="0" g="0" b="0"/>
-        </a:lnRef>
-        <a:fillRef idx="2">
-          <a:scrgbClr r="0" g="0" b="0"/>
-        </a:fillRef>
-        <a:effectRef idx="1">
-          <a:scrgbClr r="0" g="0" b="0"/>
-        </a:effectRef>
-        <a:fontRef idx="minor">
-          <a:schemeClr val="dk1"/>
-        </a:fontRef>
-      </dsp:style>
-      <dsp:txBody>
-        <a:bodyPr spcFirstLastPara="0" vert="horz" wrap="square" lIns="13970" tIns="13970" rIns="13970" bIns="13970" numCol="1" spcCol="1270" anchor="ctr" anchorCtr="0">
-          <a:noAutofit/>
-        </a:bodyPr>
-        <a:lstStyle/>
-        <a:p>
-          <a:pPr lvl="0" algn="ctr" defTabSz="977900">
-            <a:lnSpc>
-              <a:spcPct val="90000"/>
-            </a:lnSpc>
-            <a:spcBef>
-              <a:spcPct val="0"/>
-            </a:spcBef>
-            <a:spcAft>
-              <a:spcPct val="35000"/>
-            </a:spcAft>
-          </a:pPr>
-          <a:r>
-            <a:rPr lang="en-US" sz="2200" kern="1200" dirty="0" smtClean="0"/>
-            <a:t>Behavior Driven Development</a:t>
-          </a:r>
-          <a:endParaRPr lang="en-US" sz="2200" kern="1200" dirty="0"/>
-        </a:p>
-      </dsp:txBody>
-      <dsp:txXfrm>
-        <a:off x="3119332" y="2208807"/>
-        <a:ext cx="2371934" cy="2453736"/>
-      </dsp:txXfrm>
-    </dsp:sp>
-    <dsp:sp modelId="{1A6F4086-0722-4799-914E-21F49CF79C35}">
-      <dsp:nvSpPr>
-        <dsp:cNvPr id="0" name=""/>
-        <dsp:cNvSpPr/>
-      </dsp:nvSpPr>
-      <dsp:spPr>
-        <a:xfrm rot="16200000">
-          <a:off x="4159764" y="2043498"/>
-          <a:ext cx="291071" cy="39547"/>
-        </a:xfrm>
-        <a:custGeom>
-          <a:avLst/>
-          <a:gdLst/>
-          <a:ahLst/>
-          <a:cxnLst/>
-          <a:rect l="0" t="0" r="0" b="0"/>
-          <a:pathLst>
-            <a:path>
-              <a:moveTo>
-                <a:pt x="0" y="19773"/>
-              </a:moveTo>
-              <a:lnTo>
-                <a:pt x="291071" y="19773"/>
-              </a:lnTo>
-            </a:path>
-          </a:pathLst>
-        </a:custGeom>
-        <a:noFill/>
-        <a:ln w="25400" cap="flat" cmpd="sng" algn="ctr">
-          <a:solidFill>
-            <a:schemeClr val="accent1">
-              <a:shade val="60000"/>
-              <a:hueOff val="0"/>
-              <a:satOff val="0"/>
-              <a:lumOff val="0"/>
-              <a:alphaOff val="0"/>
-            </a:schemeClr>
-          </a:solidFill>
-          <a:prstDash val="solid"/>
-        </a:ln>
-        <a:effectLst/>
-      </dsp:spPr>
-      <dsp:style>
-        <a:lnRef idx="2">
-          <a:scrgbClr r="0" g="0" b="0"/>
-        </a:lnRef>
-        <a:fillRef idx="0">
-          <a:scrgbClr r="0" g="0" b="0"/>
-        </a:fillRef>
-        <a:effectRef idx="0">
-          <a:scrgbClr r="0" g="0" b="0"/>
-        </a:effectRef>
-        <a:fontRef idx="minor"/>
-      </dsp:style>
-      <dsp:txBody>
-        <a:bodyPr spcFirstLastPara="0" vert="horz" wrap="square" lIns="12700" tIns="0" rIns="12700" bIns="0" numCol="1" spcCol="1270" anchor="ctr" anchorCtr="0">
-          <a:noAutofit/>
-        </a:bodyPr>
-        <a:lstStyle/>
-        <a:p>
-          <a:pPr lvl="0" algn="ctr" defTabSz="222250">
-            <a:lnSpc>
-              <a:spcPct val="90000"/>
-            </a:lnSpc>
-            <a:spcBef>
-              <a:spcPct val="0"/>
-            </a:spcBef>
-            <a:spcAft>
-              <a:spcPct val="35000"/>
-            </a:spcAft>
-          </a:pPr>
-          <a:endParaRPr lang="en-US" sz="500" kern="1200"/>
-        </a:p>
-      </dsp:txBody>
-      <dsp:txXfrm rot="16200000">
-        <a:off x="4298023" y="2055995"/>
-        <a:ext cx="14553" cy="14553"/>
-      </dsp:txXfrm>
-    </dsp:sp>
-    <dsp:sp modelId="{4680DD82-8218-4AE8-936F-0B118784B2BF}">
-      <dsp:nvSpPr>
-        <dsp:cNvPr id="0" name=""/>
-        <dsp:cNvSpPr/>
-      </dsp:nvSpPr>
-      <dsp:spPr>
-        <a:xfrm>
-          <a:off x="3359401" y="25939"/>
-          <a:ext cx="1891796" cy="1891796"/>
-        </a:xfrm>
-        <a:prstGeom prst="ellipse">
-          <a:avLst/>
-        </a:prstGeom>
-        <a:gradFill rotWithShape="0">
-          <a:gsLst>
-            <a:gs pos="0">
-              <a:schemeClr val="accent1">
-                <a:hueOff val="0"/>
-                <a:satOff val="0"/>
-                <a:lumOff val="0"/>
-                <a:alphaOff val="0"/>
-                <a:tint val="30000"/>
-                <a:satMod val="250000"/>
-              </a:schemeClr>
-            </a:gs>
-            <a:gs pos="72000">
-              <a:schemeClr val="accent1">
-                <a:hueOff val="0"/>
-                <a:satOff val="0"/>
-                <a:lumOff val="0"/>
-                <a:alphaOff val="0"/>
-                <a:tint val="75000"/>
-                <a:satMod val="210000"/>
-              </a:schemeClr>
-            </a:gs>
-            <a:gs pos="100000">
-              <a:schemeClr val="accent1">
-                <a:hueOff val="0"/>
-                <a:satOff val="0"/>
-                <a:lumOff val="0"/>
-                <a:alphaOff val="0"/>
-                <a:tint val="85000"/>
-                <a:satMod val="210000"/>
-              </a:schemeClr>
-            </a:gs>
-          </a:gsLst>
-          <a:lin ang="5400000" scaled="1"/>
-        </a:gradFill>
-        <a:ln>
-          <a:noFill/>
-        </a:ln>
-        <a:effectLst>
-          <a:outerShdw blurRad="76200" dist="50800" dir="5400000" rotWithShape="0">
-            <a:srgbClr val="4E3B30">
-              <a:alpha val="60000"/>
-            </a:srgbClr>
-          </a:outerShdw>
-        </a:effectLst>
-        <a:scene3d>
-          <a:camera prst="orthographicFront"/>
-          <a:lightRig rig="flat" dir="t"/>
-        </a:scene3d>
-        <a:sp3d prstMaterial="dkEdge">
-          <a:bevelT w="8200" h="38100"/>
-        </a:sp3d>
-      </dsp:spPr>
-      <dsp:style>
-        <a:lnRef idx="0">
-          <a:scrgbClr r="0" g="0" b="0"/>
-        </a:lnRef>
-        <a:fillRef idx="2">
-          <a:scrgbClr r="0" g="0" b="0"/>
-        </a:fillRef>
-        <a:effectRef idx="1">
-          <a:scrgbClr r="0" g="0" b="0"/>
-        </a:effectRef>
-        <a:fontRef idx="minor">
-          <a:schemeClr val="dk1"/>
-        </a:fontRef>
-      </dsp:style>
-      <dsp:txBody>
-        <a:bodyPr spcFirstLastPara="0" vert="horz" wrap="square" lIns="13335" tIns="13335" rIns="13335" bIns="13335" numCol="1" spcCol="1270" anchor="ctr" anchorCtr="0">
-          <a:noAutofit/>
-        </a:bodyPr>
-        <a:lstStyle/>
-        <a:p>
-          <a:pPr lvl="0" algn="ctr" defTabSz="933450">
-            <a:lnSpc>
-              <a:spcPct val="90000"/>
-            </a:lnSpc>
-            <a:spcBef>
-              <a:spcPct val="0"/>
-            </a:spcBef>
-            <a:spcAft>
-              <a:spcPct val="35000"/>
-            </a:spcAft>
-          </a:pPr>
-          <a:r>
-            <a:rPr lang="en-US" sz="2100" kern="1200" dirty="0" smtClean="0"/>
-            <a:t>Ubiquitous</a:t>
-          </a:r>
-        </a:p>
-        <a:p>
-          <a:pPr lvl="0" algn="ctr" defTabSz="933450">
-            <a:lnSpc>
-              <a:spcPct val="90000"/>
-            </a:lnSpc>
-            <a:spcBef>
-              <a:spcPct val="0"/>
-            </a:spcBef>
-            <a:spcAft>
-              <a:spcPct val="35000"/>
-            </a:spcAft>
-          </a:pPr>
-          <a:r>
-            <a:rPr lang="en-US" sz="2100" kern="1200" dirty="0" smtClean="0"/>
-            <a:t>Language</a:t>
-          </a:r>
-          <a:endParaRPr lang="en-US" sz="2100" kern="1200" dirty="0"/>
-        </a:p>
-      </dsp:txBody>
-      <dsp:txXfrm>
-        <a:off x="3359401" y="25939"/>
-        <a:ext cx="1891796" cy="1891796"/>
-      </dsp:txXfrm>
-    </dsp:sp>
-    <dsp:sp modelId="{33BC7212-657C-467F-A281-FA0FCD3CC67F}">
-      <dsp:nvSpPr>
-        <dsp:cNvPr id="0" name=""/>
-        <dsp:cNvSpPr/>
-      </dsp:nvSpPr>
-      <dsp:spPr>
-        <a:xfrm rot="20520000">
-          <a:off x="5428736" y="2997549"/>
-          <a:ext cx="328241" cy="39547"/>
-        </a:xfrm>
-        <a:custGeom>
-          <a:avLst/>
-          <a:gdLst/>
-          <a:ahLst/>
-          <a:cxnLst/>
-          <a:rect l="0" t="0" r="0" b="0"/>
-          <a:pathLst>
-            <a:path>
-              <a:moveTo>
-                <a:pt x="0" y="19773"/>
-              </a:moveTo>
-              <a:lnTo>
-                <a:pt x="328241" y="19773"/>
-              </a:lnTo>
-            </a:path>
-          </a:pathLst>
-        </a:custGeom>
-        <a:noFill/>
-        <a:ln w="25400" cap="flat" cmpd="sng" algn="ctr">
-          <a:solidFill>
-            <a:schemeClr val="accent1">
-              <a:shade val="60000"/>
-              <a:hueOff val="0"/>
-              <a:satOff val="0"/>
-              <a:lumOff val="0"/>
-              <a:alphaOff val="0"/>
-            </a:schemeClr>
-          </a:solidFill>
-          <a:prstDash val="solid"/>
-        </a:ln>
-        <a:effectLst/>
-      </dsp:spPr>
-      <dsp:style>
-        <a:lnRef idx="2">
-          <a:scrgbClr r="0" g="0" b="0"/>
-        </a:lnRef>
-        <a:fillRef idx="0">
-          <a:scrgbClr r="0" g="0" b="0"/>
-        </a:fillRef>
-        <a:effectRef idx="0">
-          <a:scrgbClr r="0" g="0" b="0"/>
-        </a:effectRef>
-        <a:fontRef idx="minor"/>
-      </dsp:style>
-      <dsp:txBody>
-        <a:bodyPr spcFirstLastPara="0" vert="horz" wrap="square" lIns="12700" tIns="0" rIns="12700" bIns="0" numCol="1" spcCol="1270" anchor="ctr" anchorCtr="0">
-          <a:noAutofit/>
-        </a:bodyPr>
-        <a:lstStyle/>
-        <a:p>
-          <a:pPr lvl="0" algn="ctr" defTabSz="222250">
-            <a:lnSpc>
-              <a:spcPct val="90000"/>
-            </a:lnSpc>
-            <a:spcBef>
-              <a:spcPct val="0"/>
-            </a:spcBef>
-            <a:spcAft>
-              <a:spcPct val="35000"/>
-            </a:spcAft>
-          </a:pPr>
-          <a:endParaRPr lang="en-US" sz="500" kern="1200"/>
-        </a:p>
-      </dsp:txBody>
-      <dsp:txXfrm rot="20520000">
-        <a:off x="5584651" y="3009116"/>
-        <a:ext cx="16412" cy="16412"/>
-      </dsp:txXfrm>
-    </dsp:sp>
-    <dsp:sp modelId="{311C8A37-8073-4873-A29C-C05C780798E5}">
-      <dsp:nvSpPr>
-        <dsp:cNvPr id="0" name=""/>
-        <dsp:cNvSpPr/>
-      </dsp:nvSpPr>
-      <dsp:spPr>
-        <a:xfrm>
-          <a:off x="5702650" y="1728409"/>
-          <a:ext cx="1891796" cy="1891796"/>
-        </a:xfrm>
-        <a:prstGeom prst="ellipse">
-          <a:avLst/>
-        </a:prstGeom>
-        <a:gradFill rotWithShape="0">
-          <a:gsLst>
-            <a:gs pos="0">
-              <a:schemeClr val="accent1">
-                <a:hueOff val="0"/>
-                <a:satOff val="0"/>
-                <a:lumOff val="0"/>
-                <a:alphaOff val="0"/>
-                <a:tint val="30000"/>
-                <a:satMod val="250000"/>
-              </a:schemeClr>
-            </a:gs>
-            <a:gs pos="72000">
-              <a:schemeClr val="accent1">
-                <a:hueOff val="0"/>
-                <a:satOff val="0"/>
-                <a:lumOff val="0"/>
-                <a:alphaOff val="0"/>
-                <a:tint val="75000"/>
-                <a:satMod val="210000"/>
-              </a:schemeClr>
-            </a:gs>
-            <a:gs pos="100000">
-              <a:schemeClr val="accent1">
-                <a:hueOff val="0"/>
-                <a:satOff val="0"/>
-                <a:lumOff val="0"/>
-                <a:alphaOff val="0"/>
-                <a:tint val="85000"/>
-                <a:satMod val="210000"/>
-              </a:schemeClr>
-            </a:gs>
-          </a:gsLst>
-          <a:lin ang="5400000" scaled="1"/>
-        </a:gradFill>
-        <a:ln>
-          <a:noFill/>
-        </a:ln>
-        <a:effectLst>
-          <a:outerShdw blurRad="76200" dist="50800" dir="5400000" rotWithShape="0">
-            <a:srgbClr val="4E3B30">
-              <a:alpha val="60000"/>
-            </a:srgbClr>
-          </a:outerShdw>
-        </a:effectLst>
-        <a:scene3d>
-          <a:camera prst="orthographicFront"/>
-          <a:lightRig rig="flat" dir="t"/>
-        </a:scene3d>
-        <a:sp3d prstMaterial="dkEdge">
-          <a:bevelT w="8200" h="38100"/>
-        </a:sp3d>
-      </dsp:spPr>
-      <dsp:style>
-        <a:lnRef idx="0">
-          <a:scrgbClr r="0" g="0" b="0"/>
-        </a:lnRef>
-        <a:fillRef idx="2">
-          <a:scrgbClr r="0" g="0" b="0"/>
-        </a:fillRef>
-        <a:effectRef idx="1">
-          <a:scrgbClr r="0" g="0" b="0"/>
-        </a:effectRef>
-        <a:fontRef idx="minor">
-          <a:schemeClr val="dk1"/>
-        </a:fontRef>
-      </dsp:style>
-      <dsp:txBody>
-        <a:bodyPr spcFirstLastPara="0" vert="horz" wrap="square" lIns="13335" tIns="13335" rIns="13335" bIns="13335" numCol="1" spcCol="1270" anchor="ctr" anchorCtr="0">
-          <a:noAutofit/>
-        </a:bodyPr>
-        <a:lstStyle/>
-        <a:p>
-          <a:pPr lvl="0" algn="ctr" defTabSz="933450">
-            <a:lnSpc>
-              <a:spcPct val="90000"/>
-            </a:lnSpc>
-            <a:spcBef>
-              <a:spcPct val="0"/>
-            </a:spcBef>
-            <a:spcAft>
-              <a:spcPct val="35000"/>
-            </a:spcAft>
-          </a:pPr>
-          <a:r>
-            <a:rPr lang="en-US" sz="2100" kern="1200" dirty="0" smtClean="0"/>
-            <a:t>Emergent Design</a:t>
-          </a:r>
-          <a:endParaRPr lang="en-US" sz="2100" kern="1200" dirty="0"/>
-        </a:p>
-      </dsp:txBody>
-      <dsp:txXfrm>
-        <a:off x="5702650" y="1728409"/>
-        <a:ext cx="1891796" cy="1891796"/>
-      </dsp:txXfrm>
-    </dsp:sp>
-    <dsp:sp modelId="{35605BB8-6756-47AF-9BD6-1387D759E2ED}">
-      <dsp:nvSpPr>
-        <dsp:cNvPr id="0" name=""/>
-        <dsp:cNvSpPr/>
-      </dsp:nvSpPr>
-      <dsp:spPr>
-        <a:xfrm rot="3240000">
-          <a:off x="4954848" y="4520291"/>
-          <a:ext cx="305676" cy="39547"/>
-        </a:xfrm>
-        <a:custGeom>
-          <a:avLst/>
-          <a:gdLst/>
-          <a:ahLst/>
-          <a:cxnLst/>
-          <a:rect l="0" t="0" r="0" b="0"/>
-          <a:pathLst>
-            <a:path>
-              <a:moveTo>
-                <a:pt x="0" y="19773"/>
-              </a:moveTo>
-              <a:lnTo>
-                <a:pt x="305676" y="19773"/>
-              </a:lnTo>
-            </a:path>
-          </a:pathLst>
-        </a:custGeom>
-        <a:noFill/>
-        <a:ln w="25400" cap="flat" cmpd="sng" algn="ctr">
-          <a:solidFill>
-            <a:schemeClr val="accent1">
-              <a:shade val="60000"/>
-              <a:hueOff val="0"/>
-              <a:satOff val="0"/>
-              <a:lumOff val="0"/>
-              <a:alphaOff val="0"/>
-            </a:schemeClr>
-          </a:solidFill>
-          <a:prstDash val="solid"/>
-        </a:ln>
-        <a:effectLst/>
-      </dsp:spPr>
-      <dsp:style>
-        <a:lnRef idx="2">
-          <a:scrgbClr r="0" g="0" b="0"/>
-        </a:lnRef>
-        <a:fillRef idx="0">
-          <a:scrgbClr r="0" g="0" b="0"/>
-        </a:fillRef>
-        <a:effectRef idx="0">
-          <a:scrgbClr r="0" g="0" b="0"/>
-        </a:effectRef>
-        <a:fontRef idx="minor"/>
-      </dsp:style>
-      <dsp:txBody>
-        <a:bodyPr spcFirstLastPara="0" vert="horz" wrap="square" lIns="12700" tIns="0" rIns="12700" bIns="0" numCol="1" spcCol="1270" anchor="ctr" anchorCtr="0">
-          <a:noAutofit/>
-        </a:bodyPr>
-        <a:lstStyle/>
-        <a:p>
-          <a:pPr lvl="0" algn="ctr" defTabSz="222250">
-            <a:lnSpc>
-              <a:spcPct val="90000"/>
-            </a:lnSpc>
-            <a:spcBef>
-              <a:spcPct val="0"/>
-            </a:spcBef>
-            <a:spcAft>
-              <a:spcPct val="35000"/>
-            </a:spcAft>
-          </a:pPr>
-          <a:endParaRPr lang="en-US" sz="500" kern="1200"/>
-        </a:p>
-      </dsp:txBody>
-      <dsp:txXfrm rot="3240000">
-        <a:off x="5100044" y="4532423"/>
-        <a:ext cx="15283" cy="15283"/>
-      </dsp:txXfrm>
-    </dsp:sp>
-    <dsp:sp modelId="{6AB30D6C-3E38-432D-89A8-F166BDEA8BDA}">
-      <dsp:nvSpPr>
-        <dsp:cNvPr id="0" name=""/>
-        <dsp:cNvSpPr/>
-      </dsp:nvSpPr>
-      <dsp:spPr>
-        <a:xfrm>
-          <a:off x="4807608" y="4483063"/>
-          <a:ext cx="1891796" cy="1891796"/>
-        </a:xfrm>
-        <a:prstGeom prst="ellipse">
-          <a:avLst/>
-        </a:prstGeom>
-        <a:gradFill rotWithShape="0">
-          <a:gsLst>
-            <a:gs pos="0">
-              <a:schemeClr val="accent1">
-                <a:hueOff val="0"/>
-                <a:satOff val="0"/>
-                <a:lumOff val="0"/>
-                <a:alphaOff val="0"/>
-                <a:tint val="30000"/>
-                <a:satMod val="250000"/>
-              </a:schemeClr>
-            </a:gs>
-            <a:gs pos="72000">
-              <a:schemeClr val="accent1">
-                <a:hueOff val="0"/>
-                <a:satOff val="0"/>
-                <a:lumOff val="0"/>
-                <a:alphaOff val="0"/>
-                <a:tint val="75000"/>
-                <a:satMod val="210000"/>
-              </a:schemeClr>
-            </a:gs>
-            <a:gs pos="100000">
-              <a:schemeClr val="accent1">
-                <a:hueOff val="0"/>
-                <a:satOff val="0"/>
-                <a:lumOff val="0"/>
-                <a:alphaOff val="0"/>
-                <a:tint val="85000"/>
-                <a:satMod val="210000"/>
-              </a:schemeClr>
-            </a:gs>
-          </a:gsLst>
-          <a:lin ang="5400000" scaled="1"/>
-        </a:gradFill>
-        <a:ln>
-          <a:noFill/>
-        </a:ln>
-        <a:effectLst>
-          <a:outerShdw blurRad="76200" dist="50800" dir="5400000" rotWithShape="0">
-            <a:srgbClr val="4E3B30">
-              <a:alpha val="60000"/>
-            </a:srgbClr>
-          </a:outerShdw>
-        </a:effectLst>
-        <a:scene3d>
-          <a:camera prst="orthographicFront"/>
-          <a:lightRig rig="flat" dir="t"/>
-        </a:scene3d>
-        <a:sp3d prstMaterial="dkEdge">
-          <a:bevelT w="8200" h="38100"/>
-        </a:sp3d>
-      </dsp:spPr>
-      <dsp:style>
-        <a:lnRef idx="0">
-          <a:scrgbClr r="0" g="0" b="0"/>
-        </a:lnRef>
-        <a:fillRef idx="2">
-          <a:scrgbClr r="0" g="0" b="0"/>
-        </a:fillRef>
-        <a:effectRef idx="1">
-          <a:scrgbClr r="0" g="0" b="0"/>
-        </a:effectRef>
-        <a:fontRef idx="minor">
-          <a:schemeClr val="dk1"/>
-        </a:fontRef>
-      </dsp:style>
-      <dsp:txBody>
-        <a:bodyPr spcFirstLastPara="0" vert="horz" wrap="square" lIns="13335" tIns="13335" rIns="13335" bIns="13335" numCol="1" spcCol="1270" anchor="ctr" anchorCtr="0">
-          <a:noAutofit/>
-        </a:bodyPr>
-        <a:lstStyle/>
-        <a:p>
-          <a:pPr lvl="0" algn="ctr" defTabSz="933450">
-            <a:lnSpc>
-              <a:spcPct val="90000"/>
-            </a:lnSpc>
-            <a:spcBef>
-              <a:spcPct val="0"/>
-            </a:spcBef>
-            <a:spcAft>
-              <a:spcPct val="35000"/>
-            </a:spcAft>
-          </a:pPr>
-          <a:r>
-            <a:rPr lang="en-US" sz="2100" kern="1200" dirty="0" smtClean="0"/>
-            <a:t>Refactoring</a:t>
-          </a:r>
-          <a:endParaRPr lang="en-US" sz="2100" kern="1200" dirty="0"/>
-        </a:p>
-      </dsp:txBody>
-      <dsp:txXfrm>
-        <a:off x="4807608" y="4483063"/>
-        <a:ext cx="1891796" cy="1891796"/>
-      </dsp:txXfrm>
-    </dsp:sp>
-    <dsp:sp modelId="{3E6E8334-949A-424B-AB66-FB3C0B5F1690}">
-      <dsp:nvSpPr>
-        <dsp:cNvPr id="0" name=""/>
-        <dsp:cNvSpPr/>
-      </dsp:nvSpPr>
-      <dsp:spPr>
-        <a:xfrm rot="7560000">
-          <a:off x="3350075" y="4520291"/>
-          <a:ext cx="305676" cy="39547"/>
-        </a:xfrm>
-        <a:custGeom>
-          <a:avLst/>
-          <a:gdLst/>
-          <a:ahLst/>
-          <a:cxnLst/>
-          <a:rect l="0" t="0" r="0" b="0"/>
-          <a:pathLst>
-            <a:path>
-              <a:moveTo>
-                <a:pt x="0" y="19773"/>
-              </a:moveTo>
-              <a:lnTo>
-                <a:pt x="305676" y="19773"/>
-              </a:lnTo>
-            </a:path>
-          </a:pathLst>
-        </a:custGeom>
-        <a:noFill/>
-        <a:ln w="25400" cap="flat" cmpd="sng" algn="ctr">
-          <a:solidFill>
-            <a:schemeClr val="accent1">
-              <a:shade val="60000"/>
-              <a:hueOff val="0"/>
-              <a:satOff val="0"/>
-              <a:lumOff val="0"/>
-              <a:alphaOff val="0"/>
-            </a:schemeClr>
-          </a:solidFill>
-          <a:prstDash val="solid"/>
-        </a:ln>
-        <a:effectLst/>
-      </dsp:spPr>
-      <dsp:style>
-        <a:lnRef idx="2">
-          <a:scrgbClr r="0" g="0" b="0"/>
-        </a:lnRef>
-        <a:fillRef idx="0">
-          <a:scrgbClr r="0" g="0" b="0"/>
-        </a:fillRef>
-        <a:effectRef idx="0">
-          <a:scrgbClr r="0" g="0" b="0"/>
-        </a:effectRef>
-        <a:fontRef idx="minor"/>
-      </dsp:style>
-      <dsp:txBody>
-        <a:bodyPr spcFirstLastPara="0" vert="horz" wrap="square" lIns="12700" tIns="0" rIns="12700" bIns="0" numCol="1" spcCol="1270" anchor="ctr" anchorCtr="0">
-          <a:noAutofit/>
-        </a:bodyPr>
-        <a:lstStyle/>
-        <a:p>
-          <a:pPr lvl="0" algn="ctr" defTabSz="222250">
-            <a:lnSpc>
-              <a:spcPct val="90000"/>
-            </a:lnSpc>
-            <a:spcBef>
-              <a:spcPct val="0"/>
-            </a:spcBef>
-            <a:spcAft>
-              <a:spcPct val="35000"/>
-            </a:spcAft>
-          </a:pPr>
-          <a:endParaRPr lang="en-US" sz="500" kern="1200"/>
-        </a:p>
-      </dsp:txBody>
-      <dsp:txXfrm rot="7560000">
-        <a:off x="3495271" y="4532423"/>
-        <a:ext cx="15283" cy="15283"/>
-      </dsp:txXfrm>
-    </dsp:sp>
-    <dsp:sp modelId="{3804797F-9A8B-495D-B6BC-8D14959040DB}">
-      <dsp:nvSpPr>
-        <dsp:cNvPr id="0" name=""/>
-        <dsp:cNvSpPr/>
-      </dsp:nvSpPr>
-      <dsp:spPr>
-        <a:xfrm>
-          <a:off x="1911194" y="4483063"/>
-          <a:ext cx="1891796" cy="1891796"/>
-        </a:xfrm>
-        <a:prstGeom prst="ellipse">
-          <a:avLst/>
-        </a:prstGeom>
-        <a:gradFill rotWithShape="0">
-          <a:gsLst>
-            <a:gs pos="0">
-              <a:schemeClr val="accent1">
-                <a:hueOff val="0"/>
-                <a:satOff val="0"/>
-                <a:lumOff val="0"/>
-                <a:alphaOff val="0"/>
-                <a:tint val="30000"/>
-                <a:satMod val="250000"/>
-              </a:schemeClr>
-            </a:gs>
-            <a:gs pos="72000">
-              <a:schemeClr val="accent1">
-                <a:hueOff val="0"/>
-                <a:satOff val="0"/>
-                <a:lumOff val="0"/>
-                <a:alphaOff val="0"/>
-                <a:tint val="75000"/>
-                <a:satMod val="210000"/>
-              </a:schemeClr>
-            </a:gs>
-            <a:gs pos="100000">
-              <a:schemeClr val="accent1">
-                <a:hueOff val="0"/>
-                <a:satOff val="0"/>
-                <a:lumOff val="0"/>
-                <a:alphaOff val="0"/>
-                <a:tint val="85000"/>
-                <a:satMod val="210000"/>
-              </a:schemeClr>
-            </a:gs>
-          </a:gsLst>
-          <a:lin ang="5400000" scaled="1"/>
-        </a:gradFill>
-        <a:ln>
-          <a:noFill/>
-        </a:ln>
-        <a:effectLst>
-          <a:outerShdw blurRad="76200" dist="50800" dir="5400000" rotWithShape="0">
-            <a:srgbClr val="4E3B30">
-              <a:alpha val="60000"/>
-            </a:srgbClr>
-          </a:outerShdw>
-        </a:effectLst>
-        <a:scene3d>
-          <a:camera prst="orthographicFront"/>
-          <a:lightRig rig="flat" dir="t"/>
-        </a:scene3d>
-        <a:sp3d prstMaterial="dkEdge">
-          <a:bevelT w="8200" h="38100"/>
-        </a:sp3d>
-      </dsp:spPr>
-      <dsp:style>
-        <a:lnRef idx="0">
-          <a:scrgbClr r="0" g="0" b="0"/>
-        </a:lnRef>
-        <a:fillRef idx="2">
-          <a:scrgbClr r="0" g="0" b="0"/>
-        </a:fillRef>
-        <a:effectRef idx="1">
-          <a:scrgbClr r="0" g="0" b="0"/>
-        </a:effectRef>
-        <a:fontRef idx="minor">
-          <a:schemeClr val="dk1"/>
-        </a:fontRef>
-      </dsp:style>
-      <dsp:txBody>
-        <a:bodyPr spcFirstLastPara="0" vert="horz" wrap="square" lIns="13335" tIns="13335" rIns="13335" bIns="13335" numCol="1" spcCol="1270" anchor="ctr" anchorCtr="0">
-          <a:noAutofit/>
-        </a:bodyPr>
-        <a:lstStyle/>
-        <a:p>
-          <a:pPr lvl="0" algn="ctr" defTabSz="933450">
-            <a:lnSpc>
-              <a:spcPct val="90000"/>
-            </a:lnSpc>
-            <a:spcBef>
-              <a:spcPct val="0"/>
-            </a:spcBef>
-            <a:spcAft>
-              <a:spcPct val="35000"/>
-            </a:spcAft>
-          </a:pPr>
-          <a:r>
-            <a:rPr lang="en-US" sz="2100" kern="1200" dirty="0" smtClean="0"/>
-            <a:t>Business Value Drives</a:t>
-          </a:r>
-          <a:endParaRPr lang="en-US" sz="2100" kern="1200" dirty="0"/>
-        </a:p>
-      </dsp:txBody>
-      <dsp:txXfrm>
-        <a:off x="1911194" y="4483063"/>
-        <a:ext cx="1891796" cy="1891796"/>
-      </dsp:txXfrm>
-    </dsp:sp>
-    <dsp:sp modelId="{21D9DE24-5E9E-41D5-ADC1-2A4A95EE842D}">
-      <dsp:nvSpPr>
-        <dsp:cNvPr id="0" name=""/>
-        <dsp:cNvSpPr/>
-      </dsp:nvSpPr>
-      <dsp:spPr>
-        <a:xfrm rot="11880000">
-          <a:off x="2853621" y="2997549"/>
-          <a:ext cx="328241" cy="39547"/>
-        </a:xfrm>
-        <a:custGeom>
-          <a:avLst/>
-          <a:gdLst/>
-          <a:ahLst/>
-          <a:cxnLst/>
-          <a:rect l="0" t="0" r="0" b="0"/>
-          <a:pathLst>
-            <a:path>
-              <a:moveTo>
-                <a:pt x="0" y="19773"/>
-              </a:moveTo>
-              <a:lnTo>
-                <a:pt x="328241" y="19773"/>
-              </a:lnTo>
-            </a:path>
-          </a:pathLst>
-        </a:custGeom>
-        <a:noFill/>
-        <a:ln w="25400" cap="flat" cmpd="sng" algn="ctr">
-          <a:solidFill>
-            <a:schemeClr val="accent1">
-              <a:shade val="60000"/>
-              <a:hueOff val="0"/>
-              <a:satOff val="0"/>
-              <a:lumOff val="0"/>
-              <a:alphaOff val="0"/>
-            </a:schemeClr>
-          </a:solidFill>
-          <a:prstDash val="solid"/>
-        </a:ln>
-        <a:effectLst/>
-      </dsp:spPr>
-      <dsp:style>
-        <a:lnRef idx="2">
-          <a:scrgbClr r="0" g="0" b="0"/>
-        </a:lnRef>
-        <a:fillRef idx="0">
-          <a:scrgbClr r="0" g="0" b="0"/>
-        </a:fillRef>
-        <a:effectRef idx="0">
-          <a:scrgbClr r="0" g="0" b="0"/>
-        </a:effectRef>
-        <a:fontRef idx="minor"/>
-      </dsp:style>
-      <dsp:txBody>
-        <a:bodyPr spcFirstLastPara="0" vert="horz" wrap="square" lIns="12700" tIns="0" rIns="12700" bIns="0" numCol="1" spcCol="1270" anchor="ctr" anchorCtr="0">
-          <a:noAutofit/>
-        </a:bodyPr>
-        <a:lstStyle/>
-        <a:p>
-          <a:pPr lvl="0" algn="ctr" defTabSz="222250">
-            <a:lnSpc>
-              <a:spcPct val="90000"/>
-            </a:lnSpc>
-            <a:spcBef>
-              <a:spcPct val="0"/>
-            </a:spcBef>
-            <a:spcAft>
-              <a:spcPct val="35000"/>
-            </a:spcAft>
-          </a:pPr>
-          <a:endParaRPr lang="en-US" sz="500" kern="1200"/>
-        </a:p>
-      </dsp:txBody>
-      <dsp:txXfrm rot="11880000">
-        <a:off x="3009536" y="3009116"/>
-        <a:ext cx="16412" cy="16412"/>
-      </dsp:txXfrm>
-    </dsp:sp>
-    <dsp:sp modelId="{C16832CE-8769-4C72-B96D-32484FDFBFD1}">
-      <dsp:nvSpPr>
-        <dsp:cNvPr id="0" name=""/>
-        <dsp:cNvSpPr/>
-      </dsp:nvSpPr>
-      <dsp:spPr>
-        <a:xfrm>
-          <a:off x="1016152" y="1728409"/>
-          <a:ext cx="1891796" cy="1891796"/>
-        </a:xfrm>
-        <a:prstGeom prst="ellipse">
-          <a:avLst/>
-        </a:prstGeom>
-        <a:gradFill rotWithShape="0">
-          <a:gsLst>
-            <a:gs pos="0">
-              <a:schemeClr val="accent1">
-                <a:hueOff val="0"/>
-                <a:satOff val="0"/>
-                <a:lumOff val="0"/>
-                <a:alphaOff val="0"/>
-                <a:tint val="30000"/>
-                <a:satMod val="250000"/>
-              </a:schemeClr>
-            </a:gs>
-            <a:gs pos="72000">
-              <a:schemeClr val="accent1">
-                <a:hueOff val="0"/>
-                <a:satOff val="0"/>
-                <a:lumOff val="0"/>
-                <a:alphaOff val="0"/>
-                <a:tint val="75000"/>
-                <a:satMod val="210000"/>
-              </a:schemeClr>
-            </a:gs>
-            <a:gs pos="100000">
-              <a:schemeClr val="accent1">
-                <a:hueOff val="0"/>
-                <a:satOff val="0"/>
-                <a:lumOff val="0"/>
-                <a:alphaOff val="0"/>
-                <a:tint val="85000"/>
-                <a:satMod val="210000"/>
-              </a:schemeClr>
-            </a:gs>
-          </a:gsLst>
-          <a:lin ang="5400000" scaled="1"/>
-        </a:gradFill>
-        <a:ln>
-          <a:noFill/>
-        </a:ln>
-        <a:effectLst>
-          <a:outerShdw blurRad="76200" dist="50800" dir="5400000" rotWithShape="0">
-            <a:srgbClr val="4E3B30">
-              <a:alpha val="60000"/>
-            </a:srgbClr>
-          </a:outerShdw>
-        </a:effectLst>
-        <a:scene3d>
-          <a:camera prst="orthographicFront"/>
-          <a:lightRig rig="flat" dir="t"/>
-        </a:scene3d>
-        <a:sp3d prstMaterial="dkEdge">
-          <a:bevelT w="8200" h="38100"/>
-        </a:sp3d>
-      </dsp:spPr>
-      <dsp:style>
-        <a:lnRef idx="0">
-          <a:scrgbClr r="0" g="0" b="0"/>
-        </a:lnRef>
-        <a:fillRef idx="2">
-          <a:scrgbClr r="0" g="0" b="0"/>
-        </a:fillRef>
-        <a:effectRef idx="1">
-          <a:scrgbClr r="0" g="0" b="0"/>
-        </a:effectRef>
-        <a:fontRef idx="minor">
-          <a:schemeClr val="dk1"/>
-        </a:fontRef>
-      </dsp:style>
-      <dsp:txBody>
-        <a:bodyPr spcFirstLastPara="0" vert="horz" wrap="square" lIns="13335" tIns="13335" rIns="13335" bIns="13335" numCol="1" spcCol="1270" anchor="ctr" anchorCtr="0">
-          <a:noAutofit/>
-        </a:bodyPr>
-        <a:lstStyle/>
-        <a:p>
-          <a:pPr lvl="0" algn="ctr" defTabSz="933450">
-            <a:lnSpc>
-              <a:spcPct val="90000"/>
-            </a:lnSpc>
-            <a:spcBef>
-              <a:spcPct val="0"/>
-            </a:spcBef>
-            <a:spcAft>
-              <a:spcPct val="35000"/>
-            </a:spcAft>
-          </a:pPr>
-          <a:r>
-            <a:rPr lang="en-US" sz="2100" kern="1200" dirty="0" smtClean="0"/>
-            <a:t>Domain Model</a:t>
-          </a:r>
-          <a:endParaRPr lang="en-US" sz="2100" kern="1200" dirty="0"/>
-        </a:p>
-      </dsp:txBody>
-      <dsp:txXfrm>
-        <a:off x="1016152" y="1728409"/>
-        <a:ext cx="1891796" cy="1891796"/>
-      </dsp:txXfrm>
-    </dsp:sp>
-  </dsp:spTree>
-</dsp:drawing>
 </file>
 
 <file path=ppt/diagrams/layout1.xml><?xml version="1.0" encoding="utf-8"?>
@@ -3829,7 +2751,7 @@
             <a:fld id="{7EF14571-6E45-479D-8EAF-A36FF0C632A1}" type="datetimeFigureOut">
               <a:rPr lang="en-US" smtClean="0"/>
               <a:pPr/>
-              <a:t>10/21/2010</a:t>
+              <a:t>10/22/2010</a:t>
             </a:fld>
             <a:endParaRPr lang="en-US"/>
           </a:p>
@@ -4363,7 +3285,7 @@
             <a:fld id="{03A9975F-C47A-452A-85E0-869F4D5D71B0}" type="datetimeFigureOut">
               <a:rPr lang="en-US" smtClean="0"/>
               <a:pPr/>
-              <a:t>10/21/2010</a:t>
+              <a:t>10/22/2010</a:t>
             </a:fld>
             <a:endParaRPr lang="en-US"/>
           </a:p>
@@ -4536,7 +3458,7 @@
             <a:fld id="{03A9975F-C47A-452A-85E0-869F4D5D71B0}" type="datetimeFigureOut">
               <a:rPr lang="en-US" smtClean="0"/>
               <a:pPr/>
-              <a:t>10/21/2010</a:t>
+              <a:t>10/22/2010</a:t>
             </a:fld>
             <a:endParaRPr lang="en-US"/>
           </a:p>
@@ -4714,7 +3636,7 @@
             <a:fld id="{03A9975F-C47A-452A-85E0-869F4D5D71B0}" type="datetimeFigureOut">
               <a:rPr lang="en-US" smtClean="0"/>
               <a:pPr/>
-              <a:t>10/21/2010</a:t>
+              <a:t>10/22/2010</a:t>
             </a:fld>
             <a:endParaRPr lang="en-US"/>
           </a:p>
@@ -4882,7 +3804,7 @@
             <a:fld id="{03A9975F-C47A-452A-85E0-869F4D5D71B0}" type="datetimeFigureOut">
               <a:rPr lang="en-US" smtClean="0"/>
               <a:pPr/>
-              <a:t>10/21/2010</a:t>
+              <a:t>10/22/2010</a:t>
             </a:fld>
             <a:endParaRPr lang="en-US"/>
           </a:p>
@@ -5119,7 +4041,7 @@
             <a:fld id="{03A9975F-C47A-452A-85E0-869F4D5D71B0}" type="datetimeFigureOut">
               <a:rPr lang="en-US" smtClean="0"/>
               <a:pPr/>
-              <a:t>10/21/2010</a:t>
+              <a:t>10/22/2010</a:t>
             </a:fld>
             <a:endParaRPr lang="en-US"/>
           </a:p>
@@ -5418,7 +4340,7 @@
             <a:fld id="{03A9975F-C47A-452A-85E0-869F4D5D71B0}" type="datetimeFigureOut">
               <a:rPr lang="en-US" smtClean="0"/>
               <a:pPr/>
-              <a:t>10/21/2010</a:t>
+              <a:t>10/22/2010</a:t>
             </a:fld>
             <a:endParaRPr lang="en-US"/>
           </a:p>
@@ -5805,7 +4727,7 @@
             <a:fld id="{03A9975F-C47A-452A-85E0-869F4D5D71B0}" type="datetimeFigureOut">
               <a:rPr lang="en-US" smtClean="0"/>
               <a:pPr/>
-              <a:t>10/21/2010</a:t>
+              <a:t>10/22/2010</a:t>
             </a:fld>
             <a:endParaRPr lang="en-US"/>
           </a:p>
@@ -5981,7 +4903,7 @@
             <a:fld id="{03A9975F-C47A-452A-85E0-869F4D5D71B0}" type="datetimeFigureOut">
               <a:rPr lang="en-US" smtClean="0"/>
               <a:pPr/>
-              <a:t>10/21/2010</a:t>
+              <a:t>10/22/2010</a:t>
             </a:fld>
             <a:endParaRPr lang="en-US"/>
           </a:p>
@@ -6074,7 +4996,7 @@
             <a:fld id="{03A9975F-C47A-452A-85E0-869F4D5D71B0}" type="datetimeFigureOut">
               <a:rPr lang="en-US" smtClean="0"/>
               <a:pPr/>
-              <a:t>10/21/2010</a:t>
+              <a:t>10/22/2010</a:t>
             </a:fld>
             <a:endParaRPr lang="en-US"/>
           </a:p>
@@ -6372,7 +5294,7 @@
             <a:fld id="{03A9975F-C47A-452A-85E0-869F4D5D71B0}" type="datetimeFigureOut">
               <a:rPr lang="en-US" smtClean="0"/>
               <a:pPr/>
-              <a:t>10/21/2010</a:t>
+              <a:t>10/22/2010</a:t>
             </a:fld>
             <a:endParaRPr lang="en-US"/>
           </a:p>
@@ -6509,7 +5431,7 @@
             <a:fld id="{03A9975F-C47A-452A-85E0-869F4D5D71B0}" type="datetimeFigureOut">
               <a:rPr lang="en-US" smtClean="0"/>
               <a:pPr/>
-              <a:t>10/21/2010</a:t>
+              <a:t>10/22/2010</a:t>
             </a:fld>
             <a:endParaRPr lang="en-US"/>
           </a:p>
@@ -6815,7 +5737,7 @@
             <a:fld id="{03A9975F-C47A-452A-85E0-869F4D5D71B0}" type="datetimeFigureOut">
               <a:rPr lang="en-US" smtClean="0"/>
               <a:pPr/>
-              <a:t>10/21/2010</a:t>
+              <a:t>10/22/2010</a:t>
             </a:fld>
             <a:endParaRPr lang="en-US"/>
           </a:p>
@@ -8147,24 +7069,7 @@
                 <a:ea typeface="+mn-ea"/>
                 <a:cs typeface="+mn-cs"/>
               </a:rPr>
-              <a:t>I </a:t>
-            </a:r>
-            <a:r>
-              <a:rPr kumimoji="0" lang="en-US" sz="2800" b="0" i="0" u="none" strike="noStrike" kern="1200" cap="none" spc="0" normalizeH="0" baseline="0" noProof="0" dirty="0" smtClean="0">
-                <a:ln>
-                  <a:noFill/>
-                </a:ln>
-                <a:solidFill>
-                  <a:schemeClr val="tx2"/>
-                </a:solidFill>
-                <a:effectLst/>
-                <a:uLnTx/>
-                <a:uFillTx/>
-                <a:latin typeface="+mn-lt"/>
-                <a:ea typeface="+mn-ea"/>
-                <a:cs typeface="+mn-cs"/>
-              </a:rPr>
-              <a:t>want to </a:t>
+              <a:t>I want to </a:t>
             </a:r>
             <a:r>
               <a:rPr kumimoji="0" lang="en-US" sz="2800" b="0" i="0" u="none" strike="noStrike" kern="1200" cap="none" spc="0" normalizeH="0" baseline="0" noProof="0" dirty="0" smtClean="0">
@@ -8376,13 +7281,6 @@
               </a:rPr>
               <a:t>I expect for a track to be added to the site</a:t>
             </a:r>
-            <a:endParaRPr lang="en-US" sz="2400" dirty="0" smtClean="0">
-              <a:solidFill>
-                <a:schemeClr val="bg2">
-                  <a:lumMod val="50000"/>
-                </a:schemeClr>
-              </a:solidFill>
-            </a:endParaRPr>
           </a:p>
         </p:txBody>
       </p:sp>
@@ -8410,11 +7308,7 @@
           <a:p>
             <a:r>
               <a:rPr lang="en-US" sz="2400" dirty="0" smtClean="0"/>
-              <a:t>Scenario : </a:t>
-            </a:r>
-            <a:r>
-              <a:rPr lang="en-US" sz="2400" dirty="0" smtClean="0"/>
-              <a:t>Adding a Track</a:t>
+              <a:t>Scenario : Adding a Track</a:t>
             </a:r>
             <a:endParaRPr lang="en-US" sz="2400" dirty="0"/>
           </a:p>
@@ -8504,13 +7398,6 @@
               </a:rPr>
               <a:t>I expect to see a message stating that track already exists</a:t>
             </a:r>
-            <a:endParaRPr lang="en-US" sz="2400" dirty="0" smtClean="0">
-              <a:solidFill>
-                <a:schemeClr val="bg2">
-                  <a:lumMod val="50000"/>
-                </a:schemeClr>
-              </a:solidFill>
-            </a:endParaRPr>
           </a:p>
         </p:txBody>
       </p:sp>
@@ -8641,24 +7528,7 @@
                 <a:ea typeface="+mn-ea"/>
                 <a:cs typeface="+mn-cs"/>
               </a:rPr>
-              <a:t>I </a:t>
-            </a:r>
-            <a:r>
-              <a:rPr kumimoji="0" lang="en-US" sz="2800" b="0" i="0" u="none" strike="noStrike" kern="1200" cap="none" spc="0" normalizeH="0" baseline="0" noProof="0" dirty="0" smtClean="0">
-                <a:ln>
-                  <a:noFill/>
-                </a:ln>
-                <a:solidFill>
-                  <a:schemeClr val="tx2"/>
-                </a:solidFill>
-                <a:effectLst/>
-                <a:uLnTx/>
-                <a:uFillTx/>
-                <a:latin typeface="+mn-lt"/>
-                <a:ea typeface="+mn-ea"/>
-                <a:cs typeface="+mn-cs"/>
-              </a:rPr>
-              <a:t>want to </a:t>
+              <a:t>I want to </a:t>
             </a:r>
             <a:r>
               <a:rPr kumimoji="0" lang="en-US" sz="2800" b="0" i="0" u="none" strike="noStrike" kern="1200" cap="none" spc="0" normalizeH="0" baseline="0" noProof="0" dirty="0" smtClean="0">
@@ -8712,24 +7582,7 @@
                 <a:ea typeface="+mn-ea"/>
                 <a:cs typeface="+mn-cs"/>
               </a:rPr>
-              <a:t>So </a:t>
-            </a:r>
-            <a:r>
-              <a:rPr kumimoji="0" lang="en-US" sz="2800" b="0" i="0" u="none" strike="noStrike" kern="1200" cap="none" spc="0" normalizeH="0" baseline="0" noProof="0" dirty="0" smtClean="0">
-                <a:ln>
-                  <a:noFill/>
-                </a:ln>
-                <a:solidFill>
-                  <a:schemeClr val="tx2"/>
-                </a:solidFill>
-                <a:effectLst/>
-                <a:uLnTx/>
-                <a:uFillTx/>
-                <a:latin typeface="+mn-lt"/>
-                <a:ea typeface="+mn-ea"/>
-                <a:cs typeface="+mn-cs"/>
-              </a:rPr>
-              <a:t>that </a:t>
+              <a:t>So that </a:t>
             </a:r>
             <a:r>
               <a:rPr kumimoji="0" lang="en-US" sz="2800" b="0" i="0" u="none" strike="noStrike" kern="1200" cap="none" spc="0" normalizeH="0" baseline="0" noProof="0" dirty="0" smtClean="0">
@@ -8750,22 +7603,6 @@
               </a:rPr>
               <a:t>I can teach people new things</a:t>
             </a:r>
-            <a:endParaRPr kumimoji="0" lang="en-US" sz="2800" b="0" i="0" u="none" strike="noStrike" kern="1200" cap="none" spc="0" normalizeH="0" baseline="0" noProof="0" dirty="0" smtClean="0">
-              <a:ln>
-                <a:noFill/>
-              </a:ln>
-              <a:solidFill>
-                <a:schemeClr val="bg2">
-                  <a:lumMod val="50000"/>
-                </a:schemeClr>
-              </a:solidFill>
-              <a:effectLst/>
-              <a:uLnTx/>
-              <a:uFillTx/>
-              <a:latin typeface="+mn-lt"/>
-              <a:ea typeface="+mn-ea"/>
-              <a:cs typeface="+mn-cs"/>
-            </a:endParaRPr>
           </a:p>
         </p:txBody>
       </p:sp>
@@ -8777,8 +7614,8 @@
         </p:nvSpPr>
         <p:spPr>
           <a:xfrm>
-            <a:off x="533400" y="2743200"/>
-            <a:ext cx="6294031" cy="1569660"/>
+            <a:off x="609600" y="2362200"/>
+            <a:ext cx="5864298" cy="2031325"/>
           </a:xfrm>
           <a:prstGeom prst="rect">
             <a:avLst/>
@@ -8792,43 +7629,100 @@
           <a:lstStyle/>
           <a:p>
             <a:r>
-              <a:rPr lang="en-US" sz="2400" dirty="0" smtClean="0"/>
+              <a:rPr lang="en-US" dirty="0" smtClean="0"/>
               <a:t>Given </a:t>
             </a:r>
             <a:r>
-              <a:rPr lang="en-US" sz="2400" dirty="0" smtClean="0">
+              <a:rPr lang="en-US" dirty="0" smtClean="0">
                 <a:solidFill>
                   <a:schemeClr val="bg2">
                     <a:lumMod val="50000"/>
                   </a:schemeClr>
                 </a:solidFill>
               </a:rPr>
-              <a:t>the track has not been added</a:t>
-            </a:r>
-          </a:p>
-          <a:p>
-            <a:r>
-              <a:rPr lang="en-US" sz="2400" dirty="0" smtClean="0"/>
+              <a:t>I am logged into the site</a:t>
+            </a:r>
+            <a:endParaRPr lang="en-US" dirty="0" smtClean="0">
+              <a:solidFill>
+                <a:schemeClr val="bg2">
+                  <a:lumMod val="50000"/>
+                </a:schemeClr>
+              </a:solidFill>
+            </a:endParaRPr>
+          </a:p>
+          <a:p>
+            <a:r>
+              <a:rPr lang="en-US" dirty="0" smtClean="0"/>
               <a:t>When </a:t>
             </a:r>
             <a:r>
-              <a:rPr lang="en-US" sz="2400" dirty="0" smtClean="0">
+              <a:rPr lang="en-US" dirty="0" smtClean="0">
                 <a:solidFill>
                   <a:schemeClr val="bg2">
                     <a:lumMod val="50000"/>
                   </a:schemeClr>
                 </a:solidFill>
               </a:rPr>
-              <a:t>I type in a track name</a:t>
-            </a:r>
-          </a:p>
-          <a:p>
-            <a:r>
-              <a:rPr lang="en-US" sz="2400" dirty="0" smtClean="0"/>
+              <a:t>I click the Submit Presentation link</a:t>
+            </a:r>
+            <a:endParaRPr lang="en-US" dirty="0" smtClean="0">
+              <a:solidFill>
+                <a:schemeClr val="bg2">
+                  <a:lumMod val="50000"/>
+                </a:schemeClr>
+              </a:solidFill>
+            </a:endParaRPr>
+          </a:p>
+          <a:p>
+            <a:r>
+              <a:rPr lang="en-US" dirty="0" smtClean="0"/>
               <a:t>And </a:t>
             </a:r>
             <a:r>
-              <a:rPr lang="en-US" sz="2400" dirty="0" smtClean="0">
+              <a:rPr lang="en-US" dirty="0" smtClean="0">
+                <a:solidFill>
+                  <a:schemeClr val="bg2">
+                    <a:lumMod val="50000"/>
+                  </a:schemeClr>
+                </a:solidFill>
+              </a:rPr>
+              <a:t>I </a:t>
+            </a:r>
+            <a:r>
+              <a:rPr lang="en-US" dirty="0" smtClean="0">
+                <a:solidFill>
+                  <a:schemeClr val="bg2">
+                    <a:lumMod val="50000"/>
+                  </a:schemeClr>
+                </a:solidFill>
+              </a:rPr>
+              <a:t>enter “Software Dev Evolution” in the title field</a:t>
+            </a:r>
+          </a:p>
+          <a:p>
+            <a:r>
+              <a:rPr lang="en-US" dirty="0" smtClean="0"/>
+              <a:t>And </a:t>
+            </a:r>
+            <a:r>
+              <a:rPr lang="en-US" dirty="0" smtClean="0">
+                <a:solidFill>
+                  <a:schemeClr val="bg2">
+                    <a:lumMod val="50000"/>
+                  </a:schemeClr>
+                </a:solidFill>
+              </a:rPr>
+              <a:t>I enter “some info” in the description field</a:t>
+            </a:r>
+            <a:endParaRPr lang="en-US" dirty="0" smtClean="0"/>
+          </a:p>
+          <a:p>
+            <a:r>
+              <a:rPr lang="en-US" dirty="0" smtClean="0"/>
+              <a:t>And </a:t>
+            </a:r>
+            <a:r>
+              <a:rPr lang="en-US" dirty="0" smtClean="0">
                 <a:solidFill>
                   <a:schemeClr val="bg2">
                     <a:lumMod val="50000"/>
@@ -8840,20 +7734,42 @@
           </a:p>
           <a:p>
             <a:r>
-              <a:rPr lang="en-US" sz="2400" dirty="0" smtClean="0"/>
+              <a:rPr lang="en-US" dirty="0" smtClean="0"/>
               <a:t>Then </a:t>
             </a:r>
             <a:r>
-              <a:rPr lang="en-US" sz="2400" dirty="0" smtClean="0">
+              <a:rPr lang="en-US" dirty="0" smtClean="0">
                 <a:solidFill>
                   <a:schemeClr val="bg2">
                     <a:lumMod val="50000"/>
                   </a:schemeClr>
                 </a:solidFill>
               </a:rPr>
-              <a:t>I expect for a track to be added to the site</a:t>
-            </a:r>
-            <a:endParaRPr lang="en-US" sz="2400" dirty="0" smtClean="0">
+              <a:t>I expect </a:t>
+            </a:r>
+            <a:r>
+              <a:rPr lang="en-US" dirty="0" smtClean="0">
+                <a:solidFill>
+                  <a:schemeClr val="bg2">
+                    <a:lumMod val="50000"/>
+                  </a:schemeClr>
+                </a:solidFill>
+              </a:rPr>
+              <a:t>to see that presentation under my submitted</a:t>
+            </a:r>
+          </a:p>
+          <a:p>
+            <a:r>
+              <a:rPr lang="en-US" dirty="0" smtClean="0">
+                <a:solidFill>
+                  <a:schemeClr val="bg2">
+                    <a:lumMod val="50000"/>
+                  </a:schemeClr>
+                </a:solidFill>
+              </a:rPr>
+              <a:t>presentations</a:t>
+            </a:r>
+            <a:endParaRPr lang="en-US" dirty="0" smtClean="0">
               <a:solidFill>
                 <a:schemeClr val="bg2">
                   <a:lumMod val="50000"/>
@@ -8887,11 +7803,7 @@
           <a:p>
             <a:r>
               <a:rPr lang="en-US" sz="2400" dirty="0" smtClean="0"/>
-              <a:t>Scenario : </a:t>
-            </a:r>
-            <a:r>
-              <a:rPr lang="en-US" sz="2400" dirty="0" smtClean="0"/>
-              <a:t>Submitting a Session</a:t>
+              <a:t>Scenario : Submitting a Session</a:t>
             </a:r>
             <a:endParaRPr lang="en-US" sz="2400" dirty="0"/>
           </a:p>
@@ -8905,8 +7817,8 @@
         </p:nvSpPr>
         <p:spPr>
           <a:xfrm>
-            <a:off x="524129" y="4602540"/>
-            <a:ext cx="8391271" cy="1569660"/>
+            <a:off x="597401" y="4743271"/>
+            <a:ext cx="7101046" cy="1200329"/>
           </a:xfrm>
           <a:prstGeom prst="rect">
             <a:avLst/>
@@ -8920,68 +7832,95 @@
           <a:lstStyle/>
           <a:p>
             <a:r>
-              <a:rPr lang="en-US" sz="2400" dirty="0" smtClean="0"/>
+              <a:rPr lang="en-US" dirty="0" smtClean="0"/>
               <a:t>Given </a:t>
             </a:r>
             <a:r>
-              <a:rPr lang="en-US" sz="2400" dirty="0" smtClean="0">
+              <a:rPr lang="en-US" dirty="0" smtClean="0">
                 <a:solidFill>
                   <a:schemeClr val="bg2">
                     <a:lumMod val="50000"/>
                   </a:schemeClr>
                 </a:solidFill>
               </a:rPr>
-              <a:t>the track has already added</a:t>
-            </a:r>
-          </a:p>
-          <a:p>
-            <a:r>
-              <a:rPr lang="en-US" sz="2400" dirty="0" smtClean="0"/>
-              <a:t>When </a:t>
-            </a:r>
-            <a:r>
-              <a:rPr lang="en-US" sz="2400" dirty="0" smtClean="0">
+              <a:t>I have submitted a presentation named “Software Dev </a:t>
+            </a:r>
+            <a:r>
+              <a:rPr lang="en-US" dirty="0" smtClean="0">
                 <a:solidFill>
                   <a:schemeClr val="bg2">
                     <a:lumMod val="50000"/>
                   </a:schemeClr>
                 </a:solidFill>
               </a:rPr>
-              <a:t>I type in a track name</a:t>
-            </a:r>
-          </a:p>
-          <a:p>
-            <a:r>
-              <a:rPr lang="en-US" sz="2400" dirty="0" smtClean="0"/>
-              <a:t>And </a:t>
-            </a:r>
-            <a:r>
-              <a:rPr lang="en-US" sz="2400" dirty="0" smtClean="0">
+              <a:t>Evolution”</a:t>
+            </a:r>
+          </a:p>
+          <a:p>
+            <a:r>
+              <a:rPr lang="en-US" dirty="0" smtClean="0"/>
+              <a:t>And</a:t>
+            </a:r>
+            <a:r>
+              <a:rPr lang="en-US" dirty="0" smtClean="0">
                 <a:solidFill>
                   <a:schemeClr val="bg2">
                     <a:lumMod val="50000"/>
                   </a:schemeClr>
                 </a:solidFill>
               </a:rPr>
-              <a:t>I click the Create button</a:t>
-            </a:r>
-          </a:p>
-          <a:p>
-            <a:r>
-              <a:rPr lang="en-US" sz="2400" dirty="0" smtClean="0"/>
-              <a:t>Then </a:t>
-            </a:r>
-            <a:r>
-              <a:rPr lang="en-US" sz="2400" dirty="0" smtClean="0">
+              <a:t> I am logged into the site</a:t>
+            </a:r>
+            <a:endParaRPr lang="en-US" dirty="0" smtClean="0">
+              <a:solidFill>
+                <a:schemeClr val="bg2">
+                  <a:lumMod val="50000"/>
+                </a:schemeClr>
+              </a:solidFill>
+            </a:endParaRPr>
+          </a:p>
+          <a:p>
+            <a:r>
+              <a:rPr lang="en-US" dirty="0" smtClean="0"/>
+              <a:t>When </a:t>
+            </a:r>
+            <a:r>
+              <a:rPr lang="en-US" dirty="0" smtClean="0">
                 <a:solidFill>
                   <a:schemeClr val="bg2">
                     <a:lumMod val="50000"/>
                   </a:schemeClr>
                 </a:solidFill>
               </a:rPr>
-              <a:t>I expect to see a message stating that track already exists</a:t>
-            </a:r>
-            <a:endParaRPr lang="en-US" sz="2400" dirty="0" smtClean="0">
+              <a:t>I click the submitted presentations link</a:t>
+            </a:r>
+          </a:p>
+          <a:p>
+            <a:r>
+              <a:rPr lang="en-US" dirty="0" smtClean="0"/>
+              <a:t>Then </a:t>
+            </a:r>
+            <a:r>
+              <a:rPr lang="en-US" dirty="0" smtClean="0">
+                <a:solidFill>
+                  <a:schemeClr val="bg2">
+                    <a:lumMod val="50000"/>
+                  </a:schemeClr>
+                </a:solidFill>
+              </a:rPr>
+              <a:t>I expect to see </a:t>
+            </a:r>
+            <a:r>
+              <a:rPr lang="en-US" dirty="0" smtClean="0">
+                <a:solidFill>
+                  <a:schemeClr val="bg2">
+                    <a:lumMod val="50000"/>
+                  </a:schemeClr>
+                </a:solidFill>
+              </a:rPr>
+              <a:t>the presentation in the list</a:t>
+            </a:r>
+            <a:endParaRPr lang="en-US" dirty="0" smtClean="0">
               <a:solidFill>
                 <a:schemeClr val="bg2">
                   <a:lumMod val="50000"/>
@@ -9082,8 +8021,27 @@
                 <a:ea typeface="+mn-ea"/>
                 <a:cs typeface="+mn-cs"/>
               </a:rPr>
-              <a:t>As </a:t>
-            </a:r>
+              <a:t>As an </a:t>
+            </a:r>
+            <a:r>
+              <a:rPr lang="en-US" sz="2800" dirty="0" smtClean="0">
+                <a:solidFill>
+                  <a:schemeClr val="bg2">
+                    <a:lumMod val="50000"/>
+                  </a:schemeClr>
+                </a:solidFill>
+              </a:rPr>
+              <a:t>Attendee</a:t>
+            </a:r>
+            <a:br>
+              <a:rPr lang="en-US" sz="2800" dirty="0" smtClean="0">
+                <a:solidFill>
+                  <a:schemeClr val="bg2">
+                    <a:lumMod val="50000"/>
+                  </a:schemeClr>
+                </a:solidFill>
+              </a:rPr>
+            </a:br>
             <a:r>
               <a:rPr kumimoji="0" lang="en-US" sz="2800" b="0" i="0" u="none" strike="noStrike" kern="1200" cap="none" spc="0" normalizeH="0" baseline="0" noProof="0" dirty="0" smtClean="0">
                 <a:ln>
@@ -9099,60 +8057,7 @@
                 <a:ea typeface="+mn-ea"/>
                 <a:cs typeface="+mn-cs"/>
               </a:rPr>
-              <a:t>an </a:t>
-            </a:r>
-            <a:r>
-              <a:rPr lang="en-US" sz="2800" dirty="0" smtClean="0">
-                <a:solidFill>
-                  <a:schemeClr val="bg2">
-                    <a:lumMod val="50000"/>
-                  </a:schemeClr>
-                </a:solidFill>
-              </a:rPr>
-              <a:t>Attendee</a:t>
-            </a:r>
-            <a:br>
-              <a:rPr lang="en-US" sz="2800" dirty="0" smtClean="0">
-                <a:solidFill>
-                  <a:schemeClr val="bg2">
-                    <a:lumMod val="50000"/>
-                  </a:schemeClr>
-                </a:solidFill>
-              </a:rPr>
-            </a:br>
-            <a:r>
-              <a:rPr kumimoji="0" lang="en-US" sz="2800" b="0" i="0" u="none" strike="noStrike" kern="1200" cap="none" spc="0" normalizeH="0" baseline="0" noProof="0" dirty="0" smtClean="0">
-                <a:ln>
-                  <a:noFill/>
-                </a:ln>
-                <a:solidFill>
-                  <a:schemeClr val="tx2"/>
-                </a:solidFill>
-                <a:effectLst/>
-                <a:uLnTx/>
-                <a:uFillTx/>
-                <a:latin typeface="+mn-lt"/>
-                <a:ea typeface="+mn-ea"/>
-                <a:cs typeface="+mn-cs"/>
-              </a:rPr>
-              <a:t>I </a:t>
-            </a:r>
-            <a:r>
-              <a:rPr kumimoji="0" lang="en-US" sz="2800" b="0" i="0" u="none" strike="noStrike" kern="1200" cap="none" spc="0" normalizeH="0" baseline="0" noProof="0" dirty="0" smtClean="0">
-                <a:ln>
-                  <a:noFill/>
-                </a:ln>
-                <a:solidFill>
-                  <a:schemeClr val="tx2"/>
-                </a:solidFill>
-                <a:effectLst/>
-                <a:uLnTx/>
-                <a:uFillTx/>
-                <a:latin typeface="+mn-lt"/>
-                <a:ea typeface="+mn-ea"/>
-                <a:cs typeface="+mn-cs"/>
-              </a:rPr>
-              <a:t>want to </a:t>
+              <a:t>I want to </a:t>
             </a:r>
             <a:r>
               <a:rPr kumimoji="0" lang="en-US" sz="2800" b="0" i="0" u="none" strike="noStrike" kern="1200" cap="none" spc="0" normalizeH="0" baseline="0" noProof="0" dirty="0" smtClean="0">
@@ -9244,24 +8149,7 @@
                 <a:ea typeface="+mn-ea"/>
                 <a:cs typeface="+mn-cs"/>
               </a:rPr>
-              <a:t>So </a:t>
-            </a:r>
-            <a:r>
-              <a:rPr kumimoji="0" lang="en-US" sz="2800" b="0" i="0" u="none" strike="noStrike" kern="1200" cap="none" spc="0" normalizeH="0" baseline="0" noProof="0" dirty="0" smtClean="0">
-                <a:ln>
-                  <a:noFill/>
-                </a:ln>
-                <a:solidFill>
-                  <a:schemeClr val="tx2"/>
-                </a:solidFill>
-                <a:effectLst/>
-                <a:uLnTx/>
-                <a:uFillTx/>
-                <a:latin typeface="+mn-lt"/>
-                <a:ea typeface="+mn-ea"/>
-                <a:cs typeface="+mn-cs"/>
-              </a:rPr>
-              <a:t>that </a:t>
+              <a:t>So that </a:t>
             </a:r>
             <a:r>
               <a:rPr kumimoji="0" lang="en-US" sz="2800" b="0" i="0" u="none" strike="noStrike" kern="1200" cap="none" spc="0" normalizeH="0" baseline="0" noProof="0" dirty="0" smtClean="0">
@@ -9329,7 +8217,7 @@
         <p:spPr>
           <a:xfrm>
             <a:off x="533400" y="2743200"/>
-            <a:ext cx="6294031" cy="1569660"/>
+            <a:ext cx="3813865" cy="1200329"/>
           </a:xfrm>
           <a:prstGeom prst="rect">
             <a:avLst/>
@@ -9354,8 +8242,15 @@
                   </a:schemeClr>
                 </a:solidFill>
               </a:rPr>
-              <a:t>the track has not been added</a:t>
-            </a:r>
+              <a:t>the</a:t>
+            </a:r>
+            <a:endParaRPr lang="en-US" sz="2400" dirty="0" smtClean="0">
+              <a:solidFill>
+                <a:schemeClr val="bg2">
+                  <a:lumMod val="50000"/>
+                </a:schemeClr>
+              </a:solidFill>
+            </a:endParaRPr>
           </a:p>
           <a:p>
             <a:r>
@@ -9376,7 +8271,7 @@
           <a:p>
             <a:r>
               <a:rPr lang="en-US" sz="2400" dirty="0" smtClean="0"/>
-              <a:t>And </a:t>
+              <a:t>Then </a:t>
             </a:r>
             <a:r>
               <a:rPr lang="en-US" sz="2400" dirty="0" smtClean="0">
@@ -9386,13 +8281,7 @@
                   </a:schemeClr>
                 </a:solidFill>
               </a:rPr>
-              <a:t>I click the Create button</a:t>
-            </a:r>
-          </a:p>
-          <a:p>
-            <a:r>
-              <a:rPr lang="en-US" sz="2400" dirty="0" smtClean="0"/>
-              <a:t>Then </a:t>
+              <a:t>I </a:t>
             </a:r>
             <a:r>
               <a:rPr lang="en-US" sz="2400" dirty="0" smtClean="0">
@@ -9402,7 +8291,7 @@
                   </a:schemeClr>
                 </a:solidFill>
               </a:rPr>
-              <a:t>I expect for a track to be added to the site</a:t>
+              <a:t>expect</a:t>
             </a:r>
             <a:endParaRPr lang="en-US" sz="2400" dirty="0" smtClean="0">
               <a:solidFill>
@@ -9438,11 +8327,7 @@
           <a:p>
             <a:r>
               <a:rPr lang="en-US" sz="2400" dirty="0" smtClean="0"/>
-              <a:t>Scenario : </a:t>
-            </a:r>
-            <a:r>
-              <a:rPr lang="en-US" sz="2400" dirty="0" smtClean="0"/>
-              <a:t>Registering</a:t>
+              <a:t>Scenario : Registering</a:t>
             </a:r>
             <a:endParaRPr lang="en-US" sz="2400" dirty="0"/>
           </a:p>
@@ -9457,7 +8342,7 @@
         <p:spPr>
           <a:xfrm>
             <a:off x="524129" y="4602540"/>
-            <a:ext cx="8391271" cy="1569660"/>
+            <a:ext cx="1412694" cy="1200329"/>
           </a:xfrm>
           <a:prstGeom prst="rect">
             <a:avLst/>
@@ -9482,8 +8367,15 @@
                   </a:schemeClr>
                 </a:solidFill>
               </a:rPr>
-              <a:t>the track has already added</a:t>
-            </a:r>
+              <a:t>the</a:t>
+            </a:r>
+            <a:endParaRPr lang="en-US" sz="2400" dirty="0" smtClean="0">
+              <a:solidFill>
+                <a:schemeClr val="bg2">
+                  <a:lumMod val="50000"/>
+                </a:schemeClr>
+              </a:solidFill>
+            </a:endParaRPr>
           </a:p>
           <a:p>
             <a:r>
@@ -9498,13 +8390,20 @@
                   </a:schemeClr>
                 </a:solidFill>
               </a:rPr>
-              <a:t>I type in a track name</a:t>
-            </a:r>
+              <a:t>I</a:t>
+            </a:r>
+            <a:endParaRPr lang="en-US" sz="2400" dirty="0" smtClean="0">
+              <a:solidFill>
+                <a:schemeClr val="bg2">
+                  <a:lumMod val="50000"/>
+                </a:schemeClr>
+              </a:solidFill>
+            </a:endParaRPr>
           </a:p>
           <a:p>
             <a:r>
               <a:rPr lang="en-US" sz="2400" dirty="0" smtClean="0"/>
-              <a:t>And </a:t>
+              <a:t>Then </a:t>
             </a:r>
             <a:r>
               <a:rPr lang="en-US" sz="2400" dirty="0" smtClean="0">
@@ -9514,23 +8413,7 @@
                   </a:schemeClr>
                 </a:solidFill>
               </a:rPr>
-              <a:t>I click the Create button</a:t>
-            </a:r>
-          </a:p>
-          <a:p>
-            <a:r>
-              <a:rPr lang="en-US" sz="2400" dirty="0" smtClean="0"/>
-              <a:t>Then </a:t>
-            </a:r>
-            <a:r>
-              <a:rPr lang="en-US" sz="2400" dirty="0" smtClean="0">
-                <a:solidFill>
-                  <a:schemeClr val="bg2">
-                    <a:lumMod val="50000"/>
-                  </a:schemeClr>
-                </a:solidFill>
-              </a:rPr>
-              <a:t>I expect to see a message stating that track already exists</a:t>
+              <a:t>I</a:t>
             </a:r>
             <a:endParaRPr lang="en-US" sz="2400" dirty="0" smtClean="0">
               <a:solidFill>
